--- a/Assets/Instantiate & Destroy/PPT Data/Instatiate and Destroy Example.pptx
+++ b/Assets/Instantiate & Destroy/PPT Data/Instatiate and Destroy Example.pptx
@@ -2,7 +2,7 @@
 <file path=ppt/presentation.xml><?xml version="1.0" encoding="utf-8"?>
 <p:presentation xmlns:a="http://schemas.openxmlformats.org/drawingml/2006/main" xmlns:r="http://schemas.openxmlformats.org/officeDocument/2006/relationships" xmlns:p="http://schemas.openxmlformats.org/presentationml/2006/main" xmlns:p14="http://schemas.microsoft.com/office/powerpoint/2010/main" saveSubsetFonts="1" firstSlideNum="0">
   <p:sldMasterIdLst>
-    <p:sldMasterId id="2147485888" r:id="rId12"/>
+    <p:sldMasterId id="2147485890" r:id="rId12"/>
   </p:sldMasterIdLst>
   <p:notesMasterIdLst>
     <p:notesMasterId r:id="rId14"/>
@@ -9841,7 +9841,7 @@
 </file>
 
 <file path=ppt/slides/slide13.xml><?xml version="1.0" encoding="utf-8"?>
-<p:sld xmlns:a="http://schemas.openxmlformats.org/drawingml/2006/main" xmlns:r="http://schemas.openxmlformats.org/officeDocument/2006/relationships" xmlns:p="http://schemas.openxmlformats.org/presentationml/2006/main">
+<p:sld xmlns:a="http://schemas.openxmlformats.org/drawingml/2006/main" xmlns:r="http://schemas.openxmlformats.org/officeDocument/2006/relationships" xmlns:p="http://schemas.openxmlformats.org/presentationml/2006/main" xmlns:p14="http://schemas.microsoft.com/office/powerpoint/2010/main">
   <p:cSld>
     <p:spTree>
       <p:nvGrpSpPr>
@@ -10036,8 +10036,8 @@
         </p:nvSpPr>
         <p:spPr>
           <a:xfrm rot="0">
-            <a:off x="6817360" y="5230495"/>
-            <a:ext cx="4131945" cy="955040"/>
+            <a:off x="6808470" y="5230495"/>
+            <a:ext cx="4132580" cy="955675"/>
           </a:xfrm>
           <a:prstGeom prst="rect"/>
           <a:noFill/>
@@ -10060,17 +10060,7 @@
                 <a:latin typeface="맑은 고딕" charset="0"/>
                 <a:ea typeface="맑은 고딕" charset="0"/>
               </a:rPr>
-              <a:t>3</a:t>
-            </a:r>
-            <a:r>
-              <a:rPr lang="ko-KR" sz="2000" b="1">
-                <a:solidFill>
-                  <a:srgbClr val="0611F2"/>
-                </a:solidFill>
-                <a:latin typeface="맑은 고딕" charset="0"/>
-                <a:ea typeface="맑은 고딕" charset="0"/>
-              </a:rPr>
-              <a:t>1</a:t>
+              <a:t>31</a:t>
             </a:r>
             <a:r>
               <a:rPr sz="2000" b="1">
@@ -10104,28 +10094,14 @@
                 <a:latin typeface="맑은 고딕" charset="0"/>
                 <a:ea typeface="맑은 고딕" charset="0"/>
               </a:rPr>
-              <a:t>함수</a:t>
+              <a:t>함수를</a:t>
             </a:r>
             <a:r>
               <a:rPr sz="1800">
                 <a:latin typeface="맑은 고딕" charset="0"/>
                 <a:ea typeface="맑은 고딕" charset="0"/>
               </a:rPr>
-              <a:t>를</a:t>
-            </a:r>
-            <a:r>
-              <a:rPr sz="1800">
-                <a:latin typeface="맑은 고딕" charset="0"/>
-                <a:ea typeface="맑은 고딕" charset="0"/>
-              </a:rPr>
-              <a:t> </a:t>
-            </a:r>
-            <a:r>
-              <a:rPr sz="1800">
-                <a:latin typeface="맑은 고딕" charset="0"/>
-                <a:ea typeface="맑은 고딕" charset="0"/>
-              </a:rPr>
-              <a:t>호출하고 삭제할 오브젝트와 </a:t>
+              <a:t> 호출하고 삭제할 오브젝트와 </a:t>
             </a:r>
             <a:r>
               <a:rPr lang="ko-KR" sz="1800">
@@ -10139,14 +10115,7 @@
                 <a:latin typeface="맑은 고딕" charset="0"/>
                 <a:ea typeface="맑은 고딕" charset="0"/>
               </a:rPr>
-              <a:t> </a:t>
-            </a:r>
-            <a:r>
-              <a:rPr lang="ko-KR" sz="1800">
-                <a:latin typeface="맑은 고딕" charset="0"/>
-                <a:ea typeface="맑은 고딕" charset="0"/>
-              </a:rPr>
-              <a:t>시간을 설정합니다.</a:t>
+              <a:t> 시간을 설정합니다.</a:t>
             </a:r>
             <a:endParaRPr lang="ko-KR" altLang="en-US" sz="1800">
               <a:latin typeface="맑은 고딕" charset="0"/>
@@ -10157,7 +10126,7 @@
       </p:sp>
       <p:pic>
         <p:nvPicPr>
-          <p:cNvPr id="1124" name="그림 5" descr="C:/Users/Admin1/AppData/Roaming/PolarisOffice/ETemp/6472_18155848/fImage3514228141.png"/>
+          <p:cNvPr id="1124" name="그림 5"/>
           <p:cNvPicPr>
             <a:picLocks noChangeAspect="1"/>
           </p:cNvPicPr>
@@ -10188,7 +10157,7 @@
       </p:pic>
       <p:pic>
         <p:nvPicPr>
-          <p:cNvPr id="1125" name="그림 8" descr="C:/Users/Admin1/AppData/Roaming/PolarisOffice/ETemp/6472_18155848/fImage255632828467.png"/>
+          <p:cNvPr id="1125" name="그림 8"/>
           <p:cNvPicPr>
             <a:picLocks noChangeAspect="1"/>
           </p:cNvPicPr>
@@ -10362,7 +10331,7 @@
       </p:sp>
       <p:pic>
         <p:nvPicPr>
-          <p:cNvPr id="1127" name="그림 12" descr="C:/Users/Admin1/AppData/Roaming/PolarisOffice/ETemp/6472_18155848/fImage177342846334.png"/>
+          <p:cNvPr id="1127" name="그림 12"/>
           <p:cNvPicPr>
             <a:picLocks noChangeAspect="1"/>
           </p:cNvPicPr>

--- a/Assets/Instantiate & Destroy/PPT Data/Instatiate and Destroy Example.pptx
+++ b/Assets/Instantiate & Destroy/PPT Data/Instatiate and Destroy Example.pptx
@@ -2,25 +2,24 @@
 <file path=ppt/presentation.xml><?xml version="1.0" encoding="utf-8"?>
 <p:presentation xmlns:a="http://schemas.openxmlformats.org/drawingml/2006/main" xmlns:r="http://schemas.openxmlformats.org/officeDocument/2006/relationships" xmlns:p="http://schemas.openxmlformats.org/presentationml/2006/main" xmlns:p14="http://schemas.microsoft.com/office/powerpoint/2010/main" saveSubsetFonts="1" firstSlideNum="0">
   <p:sldMasterIdLst>
-    <p:sldMasterId id="2147485890" r:id="rId12"/>
+    <p:sldMasterId id="2147485917" r:id="rId12"/>
   </p:sldMasterIdLst>
   <p:notesMasterIdLst>
     <p:notesMasterId r:id="rId14"/>
   </p:notesMasterIdLst>
   <p:sldIdLst>
     <p:sldId id="293" r:id="rId16"/>
-    <p:sldId id="305" r:id="rId18"/>
-    <p:sldId id="294" r:id="rId20"/>
-    <p:sldId id="295" r:id="rId22"/>
-    <p:sldId id="306" r:id="rId24"/>
-    <p:sldId id="307" r:id="rId26"/>
-    <p:sldId id="308" r:id="rId28"/>
-    <p:sldId id="288" r:id="rId30"/>
-    <p:sldId id="309" r:id="rId32"/>
-    <p:sldId id="287" r:id="rId34"/>
-    <p:sldId id="310" r:id="rId36"/>
-    <p:sldId id="304" r:id="rId38"/>
-    <p:sldId id="311" r:id="rId40"/>
+    <p:sldId id="305" r:id="rId17"/>
+    <p:sldId id="294" r:id="rId18"/>
+    <p:sldId id="295" r:id="rId19"/>
+    <p:sldId id="306" r:id="rId20"/>
+    <p:sldId id="307" r:id="rId21"/>
+    <p:sldId id="308" r:id="rId22"/>
+    <p:sldId id="309" r:id="rId23"/>
+    <p:sldId id="287" r:id="rId24"/>
+    <p:sldId id="310" r:id="rId25"/>
+    <p:sldId id="304" r:id="rId26"/>
+    <p:sldId id="311" r:id="rId27"/>
   </p:sldIdLst>
   <p:sldSz cx="12192000" cy="6858000"/>
   <p:notesSz cx="6858000" cy="9144000"/>
@@ -651,7 +650,7 @@
         <p:spPr>
           <a:xfrm rot="0">
             <a:off x="685800" y="1143000"/>
-            <a:ext cx="5488940" cy="3088640"/>
+            <a:ext cx="5489575" cy="3089275"/>
           </a:xfrm>
           <a:prstGeom prst="rect"/>
           <a:noFill/>
@@ -690,7 +689,7 @@
         <p:spPr>
           <a:xfrm rot="0">
             <a:off x="685800" y="4400550"/>
-            <a:ext cx="5488940" cy="3602990"/>
+            <a:ext cx="5489575" cy="3603625"/>
           </a:xfrm>
           <a:prstGeom prst="rect"/>
         </p:spPr>
@@ -720,7 +719,7 @@
         <p:spPr>
           <a:xfrm rot="0">
             <a:off x="3884930" y="8685530"/>
-            <a:ext cx="2974340" cy="461010"/>
+            <a:ext cx="2974975" cy="461645"/>
           </a:xfrm>
           <a:prstGeom prst="rect"/>
         </p:spPr>
@@ -935,148 +934,6 @@
         <p:spPr>
           <a:xfrm rot="0">
             <a:off x="685800" y="1143000"/>
-            <a:ext cx="5489575" cy="3089275"/>
-          </a:xfrm>
-          <a:prstGeom prst="rect"/>
-          <a:noFill/>
-          <a:ln w="12700" cap="flat" cmpd="sng">
-            <a:solidFill>
-              <a:srgbClr val="000000">
-                <a:alpha val="100000"/>
-              </a:srgbClr>
-            </a:solidFill>
-            <a:prstDash val="solid"/>
-          </a:ln>
-        </p:spPr>
-        <p:txBody>
-          <a:bodyPr wrap="square" lIns="91440" tIns="45720" rIns="91440" bIns="45720" numCol="1" vert="horz" anchor="ctr">
-            <a:noAutofit/>
-          </a:bodyPr>
-          <a:lstStyle/>
-          <a:p>
-            <a:pPr marL="0" indent="0" latinLnBrk="0">
-              <a:buFontTx/>
-              <a:buNone/>
-            </a:pPr>
-          </a:p>
-        </p:txBody>
-      </p:sp>
-      <p:sp>
-        <p:nvSpPr>
-          <p:cNvPr id="3" name="슬라이드 노트 개체 틀 4"/>
-          <p:cNvSpPr txBox="1">
-            <a:spLocks/>
-          </p:cNvSpPr>
-          <p:nvPr>
-            <p:ph type="body" idx="3"/>
-          </p:nvPr>
-        </p:nvSpPr>
-        <p:spPr>
-          <a:xfrm rot="0">
-            <a:off x="685800" y="4400550"/>
-            <a:ext cx="5489575" cy="3603625"/>
-          </a:xfrm>
-          <a:prstGeom prst="rect"/>
-        </p:spPr>
-        <p:txBody>
-          <a:bodyPr wrap="square" lIns="91440" tIns="45720" rIns="91440" bIns="45720" numCol="1" vert="horz" anchor="t">
-            <a:noAutofit/>
-          </a:bodyPr>
-          <a:lstStyle/>
-          <a:p>
-            <a:pPr marL="0" indent="0" latinLnBrk="0">
-              <a:buFontTx/>
-              <a:buNone/>
-            </a:pPr>
-          </a:p>
-        </p:txBody>
-      </p:sp>
-      <p:sp>
-        <p:nvSpPr>
-          <p:cNvPr id="4" name="슬라이드 번호 개체 틀 6"/>
-          <p:cNvSpPr txBox="1">
-            <a:spLocks/>
-          </p:cNvSpPr>
-          <p:nvPr>
-            <p:ph type="sldNum" idx="5"/>
-          </p:nvPr>
-        </p:nvSpPr>
-        <p:spPr>
-          <a:xfrm rot="0">
-            <a:off x="3884930" y="8685530"/>
-            <a:ext cx="2974975" cy="461645"/>
-          </a:xfrm>
-          <a:prstGeom prst="rect"/>
-        </p:spPr>
-        <p:txBody>
-          <a:bodyPr wrap="square" lIns="91440" tIns="45720" rIns="91440" bIns="45720" numCol="1" vert="horz" anchor="b">
-            <a:noAutofit/>
-          </a:bodyPr>
-          <a:lstStyle>
-            <a:lvl1pPr marL="0" indent="0" algn="r" latinLnBrk="0">
-              <a:buFontTx/>
-              <a:buNone/>
-              <a:defRPr lang="en-GB" altLang="en-US" sz="1200"/>
-            </a:lvl1pPr>
-          </a:lstStyle>
-          <a:p>
-            <a:pPr marL="0" indent="0" latinLnBrk="0">
-              <a:buFontTx/>
-              <a:buNone/>
-            </a:pPr>
-            <a:fld id="{B9320F77-B9A0-41C5-862A-B4B631284C64}" type="slidenum">
-              <a:rPr lang="ko-KR" altLang="en-US"/>
-              <a:t>‹#›</a:t>
-            </a:fld>
-          </a:p>
-        </p:txBody>
-      </p:sp>
-    </p:spTree>
-  </p:cSld>
-  <p:clrMapOvr>
-    <a:masterClrMapping/>
-  </p:clrMapOvr>
-  <mc:AlternateContent xmlns:mc="http://schemas.openxmlformats.org/markup-compatibility/2006">
-    <mc:Choice xmlns:p14="http://schemas.microsoft.com/office/powerpoint/2010/main" Requires="p14">
-      <p:transition spd="slow" p14:dur="0"/>
-    </mc:Choice>
-    <mc:Fallback>
-      <p:transition spd="slow"/>
-    </mc:Fallback>
-  </mc:AlternateContent>
-</p:notes>
-</file>
-
-<file path=ppt/notesSlides/notesSlide13.xml><?xml version="1.0" encoding="utf-8"?>
-<p:notes xmlns:a="http://schemas.openxmlformats.org/drawingml/2006/main" xmlns:r="http://schemas.openxmlformats.org/officeDocument/2006/relationships" xmlns:p="http://schemas.openxmlformats.org/presentationml/2006/main">
-  <p:cSld>
-    <p:spTree>
-      <p:nvGrpSpPr>
-        <p:cNvPr id="1" name=""/>
-        <p:cNvGrpSpPr/>
-        <p:nvPr/>
-      </p:nvGrpSpPr>
-      <p:grpSpPr>
-        <a:xfrm>
-          <a:off x="0" y="0"/>
-          <a:ext cx="0" cy="0"/>
-          <a:chOff x="0" y="0"/>
-          <a:chExt cx="0" cy="0"/>
-        </a:xfrm>
-      </p:grpSpPr>
-      <p:sp>
-        <p:nvSpPr>
-          <p:cNvPr id="2" name="슬라이드 이미지 개체 틀 3"/>
-          <p:cNvSpPr>
-            <a:spLocks noChangeAspect="1"/>
-          </p:cNvSpPr>
-          <p:nvPr>
-            <p:ph type="sldImg" idx="2"/>
-          </p:nvPr>
-        </p:nvSpPr>
-        <p:spPr>
-          <a:xfrm rot="0">
-            <a:off x="685800" y="1143000"/>
             <a:ext cx="5490210" cy="3089910"/>
           </a:xfrm>
           <a:prstGeom prst="rect"/>
@@ -2071,7 +1928,7 @@
         <p:spPr>
           <a:xfrm rot="0">
             <a:off x="685800" y="1143000"/>
-            <a:ext cx="5488940" cy="3088640"/>
+            <a:ext cx="5490845" cy="3090545"/>
           </a:xfrm>
           <a:prstGeom prst="rect"/>
           <a:noFill/>
@@ -2110,7 +1967,7 @@
         <p:spPr>
           <a:xfrm rot="0">
             <a:off x="685800" y="4400550"/>
-            <a:ext cx="5488940" cy="3602990"/>
+            <a:ext cx="5490845" cy="3604895"/>
           </a:xfrm>
           <a:prstGeom prst="rect"/>
         </p:spPr>
@@ -2140,7 +1997,7 @@
         <p:spPr>
           <a:xfrm rot="0">
             <a:off x="3884930" y="8685530"/>
-            <a:ext cx="2974340" cy="461010"/>
+            <a:ext cx="2976245" cy="462915"/>
           </a:xfrm>
           <a:prstGeom prst="rect"/>
         </p:spPr>
@@ -2213,7 +2070,7 @@
         <p:spPr>
           <a:xfrm rot="0">
             <a:off x="685800" y="1143000"/>
-            <a:ext cx="5490845" cy="3090545"/>
+            <a:ext cx="5488940" cy="3088640"/>
           </a:xfrm>
           <a:prstGeom prst="rect"/>
           <a:noFill/>
@@ -2252,7 +2109,7 @@
         <p:spPr>
           <a:xfrm rot="0">
             <a:off x="685800" y="4400550"/>
-            <a:ext cx="5490845" cy="3604895"/>
+            <a:ext cx="5488940" cy="3602990"/>
           </a:xfrm>
           <a:prstGeom prst="rect"/>
         </p:spPr>
@@ -2282,7 +2139,7 @@
         <p:spPr>
           <a:xfrm rot="0">
             <a:off x="3884930" y="8685530"/>
-            <a:ext cx="2976245" cy="462915"/>
+            <a:ext cx="2974340" cy="461010"/>
           </a:xfrm>
           <a:prstGeom prst="rect"/>
         </p:spPr>
@@ -7591,8 +7448,8 @@
         </p:nvCxnSpPr>
         <p:spPr>
           <a:xfrm rot="0" flipV="1">
-            <a:off x="4640580" y="3161030"/>
-            <a:ext cx="2540" cy="339090"/>
+            <a:off x="4640580" y="3161665"/>
+            <a:ext cx="3175" cy="338455"/>
           </a:xfrm>
           <a:prstGeom prst="straightConnector1"/>
           <a:ln w="6350" cap="flat" cmpd="sng">
@@ -7726,17 +7583,17 @@
       </p:sp>
       <p:pic>
         <p:nvPicPr>
-          <p:cNvPr id="1051" name="그림 1" descr="C:/Users/Admin1/AppData/Roaming/PolarisOffice/ETemp/28716_10216168/fImage462429141.png"/>
+          <p:cNvPr id="1051" name="그림 1" descr="C:/Users/Admin1/AppData/Roaming/PolarisOffice/ETemp/14520_11842488/fImage462429141.png"/>
           <p:cNvPicPr>
             <a:picLocks noChangeAspect="1"/>
           </p:cNvPicPr>
           <p:nvPr/>
         </p:nvPicPr>
         <p:blipFill rotWithShape="1">
-          <a:blip r:embed="rId13" cstate="print">
+          <a:blip r:embed="rId13" cstate="hqprint">
             <a:extLst>
               <a:ext uri="{28A0092B-C50C-407E-A947-70E740481C1C}">
-                <a14:useLocalDpi xmlns:a14="http://schemas.microsoft.com/office/drawing/2010/main" val="0"/>
+                <a14:useLocalDpi xmlns:a14="http://schemas.microsoft.com/office/drawing/2010/main"/>
               </a:ext>
             </a:extLst>
           </a:blip>
@@ -7746,8 +7603,8 @@
         </p:blipFill>
         <p:spPr>
           <a:xfrm rot="0">
-            <a:off x="3919220" y="1741170"/>
-            <a:ext cx="1447800" cy="1420495"/>
+            <a:off x="3919220" y="1438275"/>
+            <a:ext cx="1448435" cy="1724025"/>
           </a:xfrm>
           <a:prstGeom prst="roundRect"/>
           <a:solidFill>
@@ -7757,7 +7614,7 @@
       </p:pic>
       <p:pic>
         <p:nvPicPr>
-          <p:cNvPr id="1052" name="그림 4" descr="C:/Users/Admin1/AppData/Roaming/PolarisOffice/ETemp/28716_10216168/fImage66822928467.png"/>
+          <p:cNvPr id="1052" name="그림 4"/>
           <p:cNvPicPr>
             <a:picLocks noChangeAspect="1"/>
           </p:cNvPicPr>
@@ -7788,7 +7645,7 @@
       </p:pic>
       <p:pic>
         <p:nvPicPr>
-          <p:cNvPr id="1053" name="그림 5" descr="C:/Users/Admin1/AppData/Roaming/PolarisOffice/ETemp/28716_10216168/fImage212422936334.png"/>
+          <p:cNvPr id="1053" name="그림 5"/>
           <p:cNvPicPr>
             <a:picLocks noChangeAspect="1"/>
           </p:cNvPicPr>
@@ -7867,8 +7724,8 @@
         </p:nvSpPr>
         <p:spPr>
           <a:xfrm rot="0">
-            <a:off x="4350385" y="381000"/>
-            <a:ext cx="3480435" cy="478155"/>
+            <a:off x="4478655" y="407035"/>
+            <a:ext cx="3231515" cy="478155"/>
           </a:xfrm>
           <a:prstGeom prst="rect"/>
           <a:noFill/>
@@ -7895,7 +7752,7 @@
                 <a:latin typeface="나눔바른고딕" charset="0"/>
                 <a:ea typeface="나눔바른고딕" charset="0"/>
               </a:rPr>
-              <a:t>아홉</a:t>
+              <a:t>열</a:t>
             </a:r>
             <a:r>
               <a:rPr lang="ko-KR" altLang="en-US" sz="2500" b="1">
@@ -7905,7 +7762,27 @@
                 <a:latin typeface="나눔바른고딕" charset="0"/>
                 <a:ea typeface="나눔바른고딕" charset="0"/>
               </a:rPr>
-              <a:t> 번째 튜토리얼</a:t>
+              <a:t> </a:t>
+            </a:r>
+            <a:r>
+              <a:rPr lang="ko-KR" altLang="en-US" sz="2500" b="1">
+                <a:solidFill>
+                  <a:schemeClr val="tx1"/>
+                </a:solidFill>
+                <a:latin typeface="나눔바른고딕" charset="0"/>
+                <a:ea typeface="나눔바른고딕" charset="0"/>
+              </a:rPr>
+              <a:t>번째 튜토리</a:t>
+            </a:r>
+            <a:r>
+              <a:rPr lang="ko-KR" altLang="en-US" sz="2500" b="1">
+                <a:solidFill>
+                  <a:schemeClr val="tx1"/>
+                </a:solidFill>
+                <a:latin typeface="나눔바른고딕" charset="0"/>
+                <a:ea typeface="나눔바른고딕" charset="0"/>
+              </a:rPr>
+              <a:t>얼</a:t>
             </a:r>
             <a:endParaRPr lang="ko-KR" altLang="en-US" sz="2500" b="1">
               <a:solidFill>
@@ -7919,7 +7796,7 @@
       </p:sp>
       <p:sp>
         <p:nvSpPr>
-          <p:cNvPr id="1101" name="Rect 0"/>
+          <p:cNvPr id="1113" name="Rect 0"/>
           <p:cNvSpPr txBox="1">
             <a:spLocks/>
           </p:cNvSpPr>
@@ -7927,19 +7804,15 @@
         </p:nvSpPr>
         <p:spPr>
           <a:xfrm rot="0">
-            <a:off x="1240790" y="1456055"/>
-            <a:ext cx="4137660" cy="647065"/>
+            <a:off x="6806565" y="4771390"/>
+            <a:ext cx="4159250" cy="1448435"/>
           </a:xfrm>
           <a:prstGeom prst="rect"/>
           <a:noFill/>
-          <a:ln w="0">
-            <a:noFill/>
-            <a:prstDash/>
-          </a:ln>
         </p:spPr>
         <p:txBody>
-          <a:bodyPr wrap="square" lIns="89535" tIns="46355" rIns="89535" bIns="46355" numCol="1" vert="horz" anchor="t">
-            <a:spAutoFit/>
+          <a:bodyPr wrap="square" lIns="0" tIns="0" rIns="0" bIns="0" numCol="1" vert="horz" anchor="t">
+            <a:noAutofit/>
           </a:bodyPr>
           <a:lstStyle/>
           <a:p>
@@ -7948,64 +7821,205 @@
               <a:buNone/>
             </a:pPr>
             <a:r>
-              <a:rPr lang="ko-KR" sz="1800">
-                <a:latin typeface="맑은 고딕" charset="0"/>
-                <a:ea typeface="맑은 고딕" charset="0"/>
-              </a:rPr>
-              <a:t>Destroy(</a:t>
-            </a:r>
-            <a:r>
-              <a:rPr lang="ko-KR" sz="1800">
-                <a:latin typeface="맑은 고딕" charset="0"/>
-                <a:ea typeface="맑은 고딕" charset="0"/>
-              </a:rPr>
-              <a:t> ) 함수는 게임 오브젝트를 </a:t>
-            </a:r>
-            <a:r>
-              <a:rPr lang="ko-KR" sz="1800">
-                <a:latin typeface="맑은 고딕" charset="0"/>
-                <a:ea typeface="맑은 고딕" charset="0"/>
-              </a:rPr>
-              <a:t>일정</a:t>
-            </a:r>
-            <a:r>
-              <a:rPr lang="ko-KR" sz="1800">
+              <a:rPr lang="ko-KR" sz="2000" b="1">
+                <a:solidFill>
+                  <a:srgbClr val="0611F2"/>
+                </a:solidFill>
+                <a:latin typeface="맑은 고딕" charset="0"/>
+                <a:ea typeface="맑은 고딕" charset="0"/>
+              </a:rPr>
+              <a:t>26</a:t>
+            </a:r>
+            <a:r>
+              <a:rPr sz="2000" b="1">
+                <a:solidFill>
+                  <a:srgbClr val="0611F2"/>
+                </a:solidFill>
+                <a:latin typeface="맑은 고딕" charset="0"/>
+                <a:ea typeface="맑은 고딕" charset="0"/>
+              </a:rPr>
+              <a:t>.</a:t>
+            </a:r>
+            <a:r>
+              <a:rPr sz="2000" b="1">
+                <a:solidFill>
+                  <a:srgbClr val="0611F2"/>
+                </a:solidFill>
                 <a:latin typeface="맑은 고딕" charset="0"/>
                 <a:ea typeface="맑은 고딕" charset="0"/>
               </a:rPr>
               <a:t> </a:t>
             </a:r>
             <a:r>
-              <a:rPr lang="ko-KR" sz="1800">
-                <a:latin typeface="맑은 고딕" charset="0"/>
-                <a:ea typeface="맑은 고딕" charset="0"/>
-              </a:rPr>
-              <a:t>시간</a:t>
-            </a:r>
-            <a:r>
-              <a:rPr lang="ko-KR" sz="1800">
-                <a:latin typeface="맑은 고딕" charset="0"/>
-                <a:ea typeface="맑은 고딕" charset="0"/>
-              </a:rPr>
-              <a:t> 후에 </a:t>
-            </a:r>
-            <a:r>
-              <a:rPr lang="ko-KR" sz="1800">
-                <a:latin typeface="맑은 고딕" charset="0"/>
-                <a:ea typeface="맑은 고딕" charset="0"/>
-              </a:rPr>
-              <a:t>파괴하는 함수입니다.</a:t>
+              <a:rPr sz="1800">
+                <a:latin typeface="맑은 고딕" charset="0"/>
+                <a:ea typeface="맑은 고딕" charset="0"/>
+              </a:rPr>
+              <a:t>이제 Project 폴더에 있는 </a:t>
+            </a:r>
+            <a:r>
+              <a:rPr sz="1800">
+                <a:latin typeface="맑은 고딕" charset="0"/>
+                <a:ea typeface="맑은 고딕" charset="0"/>
+              </a:rPr>
+              <a:t>Render</a:t>
+            </a:r>
+            <a:r>
+              <a:rPr sz="1800">
+                <a:latin typeface="맑은 고딕" charset="0"/>
+                <a:ea typeface="맑은 고딕" charset="0"/>
+              </a:rPr>
+              <a:t> </a:t>
+            </a:r>
+            <a:r>
+              <a:rPr sz="1800">
+                <a:latin typeface="맑은 고딕" charset="0"/>
+                <a:ea typeface="맑은 고딕" charset="0"/>
+              </a:rPr>
+              <a:t>Texture</a:t>
+            </a:r>
+            <a:r>
+              <a:rPr sz="1800">
+                <a:latin typeface="맑은 고딕" charset="0"/>
+                <a:ea typeface="맑은 고딕" charset="0"/>
+              </a:rPr>
+              <a:t> 폴더에 3D Texture를 </a:t>
+            </a:r>
+            <a:r>
+              <a:rPr sz="1800">
+                <a:latin typeface="맑은 고딕" charset="0"/>
+                <a:ea typeface="맑은 고딕" charset="0"/>
+              </a:rPr>
+              <a:t>선택합니</a:t>
+            </a:r>
+            <a:r>
+              <a:rPr sz="1800">
+                <a:latin typeface="맑은 고딕" charset="0"/>
+                <a:ea typeface="맑은 고딕" charset="0"/>
+              </a:rPr>
+              <a:t>다.</a:t>
             </a:r>
             <a:endParaRPr lang="ko-KR" altLang="en-US" sz="1800">
               <a:latin typeface="맑은 고딕" charset="0"/>
               <a:ea typeface="맑은 고딕" charset="0"/>
             </a:endParaRPr>
           </a:p>
+          <a:p>
+            <a:pPr marL="0" indent="0" algn="l" latinLnBrk="0" hangingPunct="1">
+              <a:buFontTx/>
+              <a:buNone/>
+            </a:pPr>
+            <a:endParaRPr lang="ko-KR" altLang="en-US" sz="1800">
+              <a:latin typeface="맑은 고딕" charset="0"/>
+              <a:ea typeface="맑은 고딕" charset="0"/>
+            </a:endParaRPr>
+          </a:p>
+          <a:p>
+            <a:pPr marL="0" indent="0" algn="l" latinLnBrk="0" hangingPunct="1">
+              <a:buFontTx/>
+              <a:buNone/>
+            </a:pPr>
+            <a:r>
+              <a:rPr sz="1800">
+                <a:latin typeface="맑은 고딕" charset="0"/>
+                <a:ea typeface="맑은 고딕" charset="0"/>
+              </a:rPr>
+              <a:t>그리</a:t>
+            </a:r>
+            <a:r>
+              <a:rPr lang="ko-KR" sz="1800">
+                <a:latin typeface="맑은 고딕" charset="0"/>
+                <a:ea typeface="맑은 고딕" charset="0"/>
+              </a:rPr>
+              <a:t>고</a:t>
+            </a:r>
+            <a:r>
+              <a:rPr lang="ko-KR" sz="1800">
+                <a:latin typeface="맑은 고딕" charset="0"/>
+                <a:ea typeface="맑은 고딕" charset="0"/>
+              </a:rPr>
+              <a:t> </a:t>
+            </a:r>
+            <a:r>
+              <a:rPr sz="1800">
+                <a:latin typeface="맑은 고딕" charset="0"/>
+                <a:ea typeface="맑은 고딕" charset="0"/>
+              </a:rPr>
+              <a:t>Render</a:t>
+            </a:r>
+            <a:r>
+              <a:rPr sz="1800">
+                <a:latin typeface="맑은 고딕" charset="0"/>
+                <a:ea typeface="맑은 고딕" charset="0"/>
+              </a:rPr>
+              <a:t> </a:t>
+            </a:r>
+            <a:r>
+              <a:rPr sz="1800">
+                <a:latin typeface="맑은 고딕" charset="0"/>
+                <a:ea typeface="맑은 고딕" charset="0"/>
+              </a:rPr>
+              <a:t>Texture</a:t>
+            </a:r>
+            <a:r>
+              <a:rPr sz="1800">
+                <a:latin typeface="맑은 고딕" charset="0"/>
+                <a:ea typeface="맑은 고딕" charset="0"/>
+              </a:rPr>
+              <a:t> 오브젝트에 </a:t>
+            </a:r>
+            <a:r>
+              <a:rPr sz="1800">
+                <a:latin typeface="맑은 고딕" charset="0"/>
+                <a:ea typeface="맑은 고딕" charset="0"/>
+              </a:rPr>
+              <a:t>있는</a:t>
+            </a:r>
+            <a:r>
+              <a:rPr sz="1800">
+                <a:latin typeface="맑은 고딕" charset="0"/>
+                <a:ea typeface="맑은 고딕" charset="0"/>
+              </a:rPr>
+              <a:t> </a:t>
+            </a:r>
+            <a:r>
+              <a:rPr sz="1800">
+                <a:latin typeface="맑은 고딕" charset="0"/>
+                <a:ea typeface="맑은 고딕" charset="0"/>
+              </a:rPr>
+              <a:t>Texture</a:t>
+            </a:r>
+            <a:r>
+              <a:rPr lang="ko-KR" sz="1800">
+                <a:latin typeface="맑은 고딕" charset="0"/>
+                <a:ea typeface="맑은 고딕" charset="0"/>
+              </a:rPr>
+              <a:t>에</a:t>
+            </a:r>
+            <a:r>
+              <a:rPr lang="ko-KR" sz="1800">
+                <a:latin typeface="맑은 고딕" charset="0"/>
+                <a:ea typeface="맑은 고딕" charset="0"/>
+              </a:rPr>
+              <a:t> </a:t>
+            </a:r>
+            <a:r>
+              <a:rPr lang="ko-KR" sz="1800">
+                <a:latin typeface="맑은 고딕" charset="0"/>
+                <a:ea typeface="맑은 고딕" charset="0"/>
+              </a:rPr>
+              <a:t>넣어줍니다.</a:t>
+            </a:r>
+            <a:endParaRPr lang="ko-KR" altLang="en-US" sz="1800">
+              <a:latin typeface="맑은 고딕" charset="0"/>
+              <a:ea typeface="맑은 고딕" charset="0"/>
+            </a:endParaRPr>
+          </a:p>
         </p:txBody>
       </p:sp>
       <p:sp>
         <p:nvSpPr>
-          <p:cNvPr id="1109" name="텍스트 상자 11"/>
+          <p:cNvPr id="1114" name="텍스트 상자 1"/>
           <p:cNvSpPr txBox="1">
             <a:spLocks/>
           </p:cNvSpPr>
@@ -8013,19 +8027,15 @@
         </p:nvSpPr>
         <p:spPr>
           <a:xfrm rot="0">
-            <a:off x="1240790" y="4464050"/>
-            <a:ext cx="4137660" cy="1754505"/>
+            <a:off x="1244600" y="2851150"/>
+            <a:ext cx="4131310" cy="1003300"/>
           </a:xfrm>
           <a:prstGeom prst="rect"/>
           <a:noFill/>
-          <a:ln w="0">
-            <a:noFill/>
-            <a:prstDash/>
-          </a:ln>
         </p:spPr>
         <p:txBody>
-          <a:bodyPr wrap="square" lIns="89535" tIns="46355" rIns="89535" bIns="46355" numCol="1" vert="horz" anchor="t">
-            <a:spAutoFit/>
+          <a:bodyPr wrap="square" lIns="0" tIns="0" rIns="0" bIns="0" numCol="1" vert="horz" anchor="t">
+            <a:noAutofit/>
           </a:bodyPr>
           <a:lstStyle/>
           <a:p>
@@ -8034,168 +8044,115 @@
               <a:buNone/>
             </a:pPr>
             <a:r>
-              <a:rPr lang="ko-KR" sz="1800">
-                <a:latin typeface="맑은 고딕" charset="0"/>
-                <a:ea typeface="맑은 고딕" charset="0"/>
-              </a:rPr>
-              <a:t>Destroy(</a:t>
-            </a:r>
-            <a:r>
-              <a:rPr lang="ko-KR" sz="1800">
-                <a:latin typeface="맑은 고딕" charset="0"/>
-                <a:ea typeface="맑은 고딕" charset="0"/>
-              </a:rPr>
-              <a:t> ) 함수로 게임 오브젝트를 </a:t>
-            </a:r>
-            <a:r>
-              <a:rPr lang="ko-KR" sz="1800">
-                <a:latin typeface="맑은 고딕" charset="0"/>
-                <a:ea typeface="맑은 고딕" charset="0"/>
-              </a:rPr>
-              <a:t>파괴했을</a:t>
-            </a:r>
-            <a:r>
-              <a:rPr lang="ko-KR" sz="1800">
-                <a:latin typeface="맑은 고딕" charset="0"/>
-                <a:ea typeface="맑은 고딕" charset="0"/>
-              </a:rPr>
-              <a:t> 때 C++ nativeObject는 </a:t>
-            </a:r>
-            <a:r>
-              <a:rPr lang="ko-KR" sz="1800">
-                <a:latin typeface="맑은 고딕" charset="0"/>
-                <a:ea typeface="맑은 고딕" charset="0"/>
-              </a:rPr>
-              <a:t>메모리에서</a:t>
-            </a:r>
-            <a:r>
-              <a:rPr lang="ko-KR" sz="1800">
-                <a:latin typeface="맑은 고딕" charset="0"/>
-                <a:ea typeface="맑은 고딕" charset="0"/>
-              </a:rPr>
-              <a:t> 해제됩니다.</a:t>
+              <a:rPr lang="ko-KR" sz="2000" b="1">
+                <a:solidFill>
+                  <a:srgbClr val="0611F2"/>
+                </a:solidFill>
+                <a:latin typeface="맑은 고딕" charset="0"/>
+                <a:ea typeface="맑은 고딕" charset="0"/>
+              </a:rPr>
+              <a:t>24</a:t>
+            </a:r>
+            <a:r>
+              <a:rPr sz="2000" b="1">
+                <a:solidFill>
+                  <a:srgbClr val="0611F2"/>
+                </a:solidFill>
+                <a:latin typeface="맑은 고딕" charset="0"/>
+                <a:ea typeface="맑은 고딕" charset="0"/>
+              </a:rPr>
+              <a:t>.</a:t>
+            </a:r>
+            <a:r>
+              <a:rPr sz="2000" b="1">
+                <a:solidFill>
+                  <a:srgbClr val="0611F2"/>
+                </a:solidFill>
+                <a:latin typeface="맑은 고딕" charset="0"/>
+                <a:ea typeface="맑은 고딕" charset="0"/>
+              </a:rPr>
+              <a:t> </a:t>
+            </a:r>
+            <a:r>
+              <a:rPr sz="1800">
+                <a:latin typeface="맑은 고딕" charset="0"/>
+                <a:ea typeface="맑은 고딕" charset="0"/>
+              </a:rPr>
+              <a:t>그다음으로 Render Texture를 </a:t>
+            </a:r>
+            <a:r>
+              <a:rPr sz="1800">
+                <a:latin typeface="맑은 고딕" charset="0"/>
+                <a:ea typeface="맑은 고딕" charset="0"/>
+              </a:rPr>
+              <a:t>생성한</a:t>
+            </a:r>
+            <a:r>
+              <a:rPr sz="1800">
+                <a:latin typeface="맑은 고딕" charset="0"/>
+                <a:ea typeface="맑은 고딕" charset="0"/>
+              </a:rPr>
+              <a:t> </a:t>
+            </a:r>
+            <a:r>
+              <a:rPr sz="1800">
+                <a:latin typeface="맑은 고딕" charset="0"/>
+                <a:ea typeface="맑은 고딕" charset="0"/>
+              </a:rPr>
+              <a:t>다음</a:t>
+            </a:r>
+            <a:r>
+              <a:rPr sz="1800">
+                <a:latin typeface="맑은 고딕" charset="0"/>
+                <a:ea typeface="맑은 고딕" charset="0"/>
+              </a:rPr>
+              <a:t> </a:t>
+            </a:r>
+            <a:r>
+              <a:rPr sz="1800">
+                <a:latin typeface="맑은 고딕" charset="0"/>
+                <a:ea typeface="맑은 고딕" charset="0"/>
+              </a:rPr>
+              <a:t>3D</a:t>
+            </a:r>
+            <a:r>
+              <a:rPr sz="1800">
+                <a:latin typeface="맑은 고딕" charset="0"/>
+                <a:ea typeface="맑은 고딕" charset="0"/>
+              </a:rPr>
+              <a:t> Texture라는 이름으로 </a:t>
+            </a:r>
+            <a:r>
+              <a:rPr sz="1800">
+                <a:latin typeface="맑은 고딕" charset="0"/>
+                <a:ea typeface="맑은 고딕" charset="0"/>
+              </a:rPr>
+              <a:t>정의합니</a:t>
+            </a:r>
+            <a:r>
+              <a:rPr lang="ko-KR" sz="1800">
+                <a:latin typeface="맑은 고딕" charset="0"/>
+                <a:ea typeface="맑은 고딕" charset="0"/>
+              </a:rPr>
+              <a:t>다.</a:t>
             </a:r>
             <a:endParaRPr lang="ko-KR" altLang="en-US" sz="1800">
               <a:latin typeface="맑은 고딕" charset="0"/>
               <a:ea typeface="맑은 고딕" charset="0"/>
             </a:endParaRPr>
           </a:p>
-          <a:p>
-            <a:pPr marL="0" indent="0" algn="l" latinLnBrk="0" hangingPunct="1">
-              <a:buFontTx/>
-              <a:buNone/>
-            </a:pPr>
-            <a:endParaRPr lang="ko-KR" altLang="en-US" sz="1800">
-              <a:latin typeface="맑은 고딕" charset="0"/>
-              <a:ea typeface="맑은 고딕" charset="0"/>
-            </a:endParaRPr>
-          </a:p>
-          <a:p>
-            <a:pPr marL="0" indent="0" algn="l" latinLnBrk="0" hangingPunct="1">
-              <a:buFontTx/>
-              <a:buNone/>
-            </a:pPr>
-            <a:r>
-              <a:rPr lang="ko-KR" sz="1800">
-                <a:latin typeface="맑은 고딕" charset="0"/>
-                <a:ea typeface="맑은 고딕" charset="0"/>
-              </a:rPr>
-              <a:t>하지만,</a:t>
-            </a:r>
-            <a:r>
-              <a:rPr lang="ko-KR" sz="1800">
-                <a:latin typeface="맑은 고딕" charset="0"/>
-                <a:ea typeface="맑은 고딕" charset="0"/>
-              </a:rPr>
-              <a:t> </a:t>
-            </a:r>
-            <a:r>
-              <a:rPr lang="ko-KR" sz="1800">
-                <a:latin typeface="맑은 고딕" charset="0"/>
-                <a:ea typeface="맑은 고딕" charset="0"/>
-              </a:rPr>
-              <a:t>C#</a:t>
-            </a:r>
-            <a:r>
-              <a:rPr lang="ko-KR" sz="1800">
-                <a:latin typeface="맑은 고딕" charset="0"/>
-                <a:ea typeface="맑은 고딕" charset="0"/>
-              </a:rPr>
-              <a:t> </a:t>
-            </a:r>
-            <a:r>
-              <a:rPr lang="ko-KR" sz="1800">
-                <a:latin typeface="맑은 고딕" charset="0"/>
-                <a:ea typeface="맑은 고딕" charset="0"/>
-              </a:rPr>
-              <a:t>UnityEngine.Object는</a:t>
-            </a:r>
-            <a:r>
-              <a:rPr lang="ko-KR" sz="1800">
-                <a:latin typeface="맑은 고딕" charset="0"/>
-                <a:ea typeface="맑은 고딕" charset="0"/>
-              </a:rPr>
-              <a:t> </a:t>
-            </a:r>
-            <a:r>
-              <a:rPr lang="ko-KR" sz="1800">
-                <a:latin typeface="맑은 고딕" charset="0"/>
-                <a:ea typeface="맑은 고딕" charset="0"/>
-              </a:rPr>
-              <a:t>객체이기</a:t>
-            </a:r>
-            <a:r>
-              <a:rPr lang="ko-KR" sz="1800">
-                <a:latin typeface="맑은 고딕" charset="0"/>
-                <a:ea typeface="맑은 고딕" charset="0"/>
-              </a:rPr>
-              <a:t> </a:t>
-            </a:r>
-            <a:r>
-              <a:rPr lang="ko-KR" sz="1800">
-                <a:latin typeface="맑은 고딕" charset="0"/>
-                <a:ea typeface="맑은 고딕" charset="0"/>
-              </a:rPr>
-              <a:t>때문에</a:t>
-            </a:r>
-            <a:r>
-              <a:rPr lang="ko-KR" sz="1800">
-                <a:latin typeface="맑은 고딕" charset="0"/>
-                <a:ea typeface="맑은 고딕" charset="0"/>
-              </a:rPr>
-              <a:t> </a:t>
-            </a:r>
-            <a:r>
-              <a:rPr lang="ko-KR" sz="1800">
-                <a:latin typeface="맑은 고딕" charset="0"/>
-                <a:ea typeface="맑은 고딕" charset="0"/>
-              </a:rPr>
-              <a:t>해제되지</a:t>
-            </a:r>
-            <a:r>
-              <a:rPr lang="ko-KR" sz="1800">
-                <a:latin typeface="맑은 고딕" charset="0"/>
-                <a:ea typeface="맑은 고딕" charset="0"/>
-              </a:rPr>
-              <a:t> 않습니다.</a:t>
-            </a:r>
-            <a:endParaRPr lang="ko-KR" altLang="en-US" sz="1800">
-              <a:latin typeface="맑은 고딕" charset="0"/>
-              <a:ea typeface="맑은 고딕" charset="0"/>
-            </a:endParaRPr>
-          </a:p>
         </p:txBody>
       </p:sp>
       <p:pic>
         <p:nvPicPr>
-          <p:cNvPr id="1110" name="그림 25"/>
+          <p:cNvPr id="1115" name="그림 2"/>
           <p:cNvPicPr>
             <a:picLocks noChangeAspect="1"/>
           </p:cNvPicPr>
           <p:nvPr/>
         </p:nvPicPr>
         <p:blipFill rotWithShape="1">
-          <a:blip r:embed="rId13" cstate="print">
+          <a:blip r:embed="rId2" cstate="print">
             <a:extLst>
               <a:ext uri="{28A0092B-C50C-407E-A947-70E740481C1C}">
                 <a14:useLocalDpi xmlns:a14="http://schemas.microsoft.com/office/drawing/2010/main" val="0"/>
@@ -8208,8 +8165,8 @@
         </p:blipFill>
         <p:spPr>
           <a:xfrm rot="0">
-            <a:off x="1235075" y="2251710"/>
-            <a:ext cx="4143375" cy="2052320"/>
+            <a:off x="1244600" y="1455420"/>
+            <a:ext cx="1391920" cy="1250950"/>
           </a:xfrm>
           <a:prstGeom prst="roundRect"/>
           <a:solidFill>
@@ -8219,14 +8176,188 @@
       </p:pic>
       <p:pic>
         <p:nvPicPr>
-          <p:cNvPr id="1111" name="그림 29"/>
+          <p:cNvPr id="1116" name="그림 5"/>
           <p:cNvPicPr>
             <a:picLocks noChangeAspect="1"/>
           </p:cNvPicPr>
           <p:nvPr/>
         </p:nvPicPr>
         <p:blipFill rotWithShape="1">
-          <a:blip r:embed="rId14" cstate="hqprint">
+          <a:blip r:embed="rId3" cstate="print">
+            <a:extLst>
+              <a:ext uri="{28A0092B-C50C-407E-A947-70E740481C1C}">
+                <a14:useLocalDpi xmlns:a14="http://schemas.microsoft.com/office/drawing/2010/main" val="0"/>
+              </a:ext>
+            </a:extLst>
+          </a:blip>
+          <a:stretch>
+            <a:fillRect/>
+          </a:stretch>
+        </p:blipFill>
+        <p:spPr>
+          <a:xfrm rot="0">
+            <a:off x="2756535" y="1454785"/>
+            <a:ext cx="2619375" cy="1260475"/>
+          </a:xfrm>
+          <a:prstGeom prst="roundRect"/>
+          <a:solidFill>
+            <a:srgbClr val="EDEDED"/>
+          </a:solidFill>
+        </p:spPr>
+      </p:pic>
+      <p:pic>
+        <p:nvPicPr>
+          <p:cNvPr id="1117" name="그림 8"/>
+          <p:cNvPicPr>
+            <a:picLocks noChangeAspect="1"/>
+          </p:cNvPicPr>
+          <p:nvPr/>
+        </p:nvPicPr>
+        <p:blipFill rotWithShape="1">
+          <a:blip r:embed="rId4" cstate="print">
+            <a:extLst>
+              <a:ext uri="{28A0092B-C50C-407E-A947-70E740481C1C}">
+                <a14:useLocalDpi xmlns:a14="http://schemas.microsoft.com/office/drawing/2010/main" val="0"/>
+              </a:ext>
+            </a:extLst>
+          </a:blip>
+          <a:stretch>
+            <a:fillRect/>
+          </a:stretch>
+        </p:blipFill>
+        <p:spPr>
+          <a:xfrm rot="0">
+            <a:off x="1243330" y="3914140"/>
+            <a:ext cx="4133215" cy="1517650"/>
+          </a:xfrm>
+          <a:prstGeom prst="roundRect"/>
+          <a:solidFill>
+            <a:srgbClr val="EDEDED"/>
+          </a:solidFill>
+        </p:spPr>
+      </p:pic>
+      <p:sp>
+        <p:nvSpPr>
+          <p:cNvPr id="1118" name="텍스트 상자 11"/>
+          <p:cNvSpPr txBox="1">
+            <a:spLocks/>
+          </p:cNvSpPr>
+          <p:nvPr/>
+        </p:nvSpPr>
+        <p:spPr>
+          <a:xfrm>
+            <a:off x="1236980" y="5589270"/>
+            <a:ext cx="4132580" cy="626110"/>
+          </a:xfrm>
+          <a:prstGeom prst="rect"/>
+          <a:noFill/>
+        </p:spPr>
+        <p:txBody>
+          <a:bodyPr wrap="square" lIns="0" tIns="0" rIns="0" bIns="0" numCol="1" vert="horz" anchor="t">
+            <a:noAutofit/>
+          </a:bodyPr>
+          <a:lstStyle/>
+          <a:p>
+            <a:pPr marL="0" indent="0" algn="l" latinLnBrk="0" hangingPunct="1">
+              <a:buFontTx/>
+              <a:buNone/>
+            </a:pPr>
+            <a:r>
+              <a:rPr lang="ko-KR" sz="2000" b="1">
+                <a:solidFill>
+                  <a:srgbClr val="0611F2"/>
+                </a:solidFill>
+                <a:latin typeface="맑은 고딕" charset="0"/>
+                <a:ea typeface="맑은 고딕" charset="0"/>
+              </a:rPr>
+              <a:t>25</a:t>
+            </a:r>
+            <a:r>
+              <a:rPr sz="2000" b="1">
+                <a:solidFill>
+                  <a:srgbClr val="0611F2"/>
+                </a:solidFill>
+                <a:latin typeface="맑은 고딕" charset="0"/>
+                <a:ea typeface="맑은 고딕" charset="0"/>
+              </a:rPr>
+              <a:t>.</a:t>
+            </a:r>
+            <a:r>
+              <a:rPr sz="2000" b="1">
+                <a:solidFill>
+                  <a:srgbClr val="0611F2"/>
+                </a:solidFill>
+                <a:latin typeface="맑은 고딕" charset="0"/>
+                <a:ea typeface="맑은 고딕" charset="0"/>
+              </a:rPr>
+              <a:t> </a:t>
+            </a:r>
+            <a:r>
+              <a:rPr sz="1800">
+                <a:latin typeface="맑은 고딕" charset="0"/>
+                <a:ea typeface="맑은 고딕" charset="0"/>
+              </a:rPr>
+              <a:t>그러고 나서 Camera 오브젝트의 </a:t>
+            </a:r>
+            <a:r>
+              <a:rPr sz="1800">
+                <a:latin typeface="맑은 고딕" charset="0"/>
+                <a:ea typeface="맑은 고딕" charset="0"/>
+              </a:rPr>
+              <a:t>위치와</a:t>
+            </a:r>
+            <a:r>
+              <a:rPr sz="1800">
+                <a:latin typeface="맑은 고딕" charset="0"/>
+                <a:ea typeface="맑은 고딕" charset="0"/>
+              </a:rPr>
+              <a:t> </a:t>
+            </a:r>
+            <a:r>
+              <a:rPr sz="1800">
+                <a:latin typeface="맑은 고딕" charset="0"/>
+                <a:ea typeface="맑은 고딕" charset="0"/>
+              </a:rPr>
+              <a:t>회전</a:t>
+            </a:r>
+            <a:r>
+              <a:rPr sz="1800">
+                <a:latin typeface="맑은 고딕" charset="0"/>
+                <a:ea typeface="맑은 고딕" charset="0"/>
+              </a:rPr>
+              <a:t> </a:t>
+            </a:r>
+            <a:r>
+              <a:rPr sz="1800">
+                <a:latin typeface="맑은 고딕" charset="0"/>
+                <a:ea typeface="맑은 고딕" charset="0"/>
+              </a:rPr>
+              <a:t>값을</a:t>
+            </a:r>
+            <a:r>
+              <a:rPr sz="1800">
+                <a:latin typeface="맑은 고딕" charset="0"/>
+                <a:ea typeface="맑은 고딕" charset="0"/>
+              </a:rPr>
+              <a:t> 설정합니다.</a:t>
+            </a:r>
+            <a:endParaRPr lang="ko-KR" altLang="en-US" sz="1800">
+              <a:latin typeface="맑은 고딕" charset="0"/>
+              <a:ea typeface="맑은 고딕" charset="0"/>
+            </a:endParaRPr>
+          </a:p>
+        </p:txBody>
+      </p:sp>
+      <p:pic>
+        <p:nvPicPr>
+          <p:cNvPr id="1119" name="그림 12" descr="C:/Users/Admin1/AppData/Roaming/PolarisOffice/ETemp/14520_11842488/fImage145202586500.png"/>
+          <p:cNvPicPr>
+            <a:picLocks noChangeAspect="1"/>
+          </p:cNvPicPr>
+          <p:nvPr/>
+        </p:nvPicPr>
+        <p:blipFill rotWithShape="1">
+          <a:blip r:embed="rId5" cstate="hqprint">
             <a:extLst>
               <a:ext uri="{28A0092B-C50C-407E-A947-70E740481C1C}">
                 <a14:useLocalDpi xmlns:a14="http://schemas.microsoft.com/office/drawing/2010/main"/>
@@ -8239,8 +8370,8 @@
         </p:blipFill>
         <p:spPr>
           <a:xfrm rot="0">
-            <a:off x="6832600" y="1464310"/>
-            <a:ext cx="2633345" cy="3888105"/>
+            <a:off x="6806565" y="1445260"/>
+            <a:ext cx="4157345" cy="1948815"/>
           </a:xfrm>
           <a:prstGeom prst="roundRect"/>
           <a:solidFill>
@@ -8250,17 +8381,17 @@
       </p:pic>
       <p:pic>
         <p:nvPicPr>
-          <p:cNvPr id="1112" name="그림 30"/>
+          <p:cNvPr id="1120" name="그림 15" descr="C:/Users/Admin1/AppData/Roaming/PolarisOffice/ETemp/14520_11842488/fImage45992599169.png"/>
           <p:cNvPicPr>
             <a:picLocks noChangeAspect="1"/>
           </p:cNvPicPr>
           <p:nvPr/>
         </p:nvPicPr>
         <p:blipFill rotWithShape="1">
-          <a:blip r:embed="rId15" cstate="print">
+          <a:blip r:embed="rId6" cstate="hqprint">
             <a:extLst>
               <a:ext uri="{28A0092B-C50C-407E-A947-70E740481C1C}">
-                <a14:useLocalDpi xmlns:a14="http://schemas.microsoft.com/office/drawing/2010/main" val="0"/>
+                <a14:useLocalDpi xmlns:a14="http://schemas.microsoft.com/office/drawing/2010/main"/>
               </a:ext>
             </a:extLst>
           </a:blip>
@@ -8270,8 +8401,8 @@
         </p:blipFill>
         <p:spPr>
           <a:xfrm rot="0">
-            <a:off x="9620885" y="2286000"/>
-            <a:ext cx="1342390" cy="2243455"/>
+            <a:off x="6805295" y="3582670"/>
+            <a:ext cx="4152265" cy="1052195"/>
           </a:xfrm>
           <a:prstGeom prst="roundRect"/>
           <a:solidFill>
@@ -8279,97 +8410,38 @@
           </a:solidFill>
         </p:spPr>
       </p:pic>
-      <p:sp>
-        <p:nvSpPr>
-          <p:cNvPr id="1113" name="텍스트 상자 33"/>
-          <p:cNvSpPr txBox="1">
-            <a:spLocks/>
-          </p:cNvSpPr>
+      <p:cxnSp>
+        <p:nvCxnSpPr>
+          <p:cNvPr id="1121" name="도형 16"/>
+          <p:cNvCxnSpPr/>
           <p:nvPr/>
-        </p:nvSpPr>
-        <p:spPr>
-          <a:xfrm rot="0">
-            <a:off x="6831965" y="5593080"/>
-            <a:ext cx="4131310" cy="624840"/>
-          </a:xfrm>
-          <a:prstGeom prst="rect"/>
-          <a:noFill/>
-        </p:spPr>
-        <p:txBody>
-          <a:bodyPr wrap="square" lIns="0" tIns="0" rIns="0" bIns="0" numCol="1" vert="horz" anchor="t">
-            <a:noAutofit/>
-          </a:bodyPr>
-          <a:lstStyle/>
-          <a:p>
-            <a:pPr marL="0" indent="0" algn="l" latinLnBrk="0" hangingPunct="1">
-              <a:buFontTx/>
-              <a:buNone/>
-            </a:pPr>
-            <a:r>
-              <a:rPr lang="ko-KR" sz="2000" b="1">
-                <a:solidFill>
-                  <a:srgbClr val="0611F2"/>
-                </a:solidFill>
-                <a:latin typeface="맑은 고딕" charset="0"/>
-                <a:ea typeface="맑은 고딕" charset="0"/>
-              </a:rPr>
-              <a:t>23</a:t>
-            </a:r>
-            <a:r>
-              <a:rPr sz="2000" b="1">
-                <a:solidFill>
-                  <a:srgbClr val="0611F2"/>
-                </a:solidFill>
-                <a:latin typeface="맑은 고딕" charset="0"/>
-                <a:ea typeface="맑은 고딕" charset="0"/>
-              </a:rPr>
-              <a:t>.</a:t>
-            </a:r>
-            <a:r>
-              <a:rPr sz="2000" b="1">
-                <a:solidFill>
-                  <a:srgbClr val="0611F2"/>
-                </a:solidFill>
-                <a:latin typeface="맑은 고딕" charset="0"/>
-                <a:ea typeface="맑은 고딕" charset="0"/>
-              </a:rPr>
-              <a:t> </a:t>
-            </a:r>
-            <a:r>
-              <a:rPr sz="1800">
-                <a:latin typeface="맑은 고딕" charset="0"/>
-                <a:ea typeface="맑은 고딕" charset="0"/>
-              </a:rPr>
-              <a:t>이제 Camera </a:t>
-            </a:r>
-            <a:r>
-              <a:rPr sz="1800">
-                <a:latin typeface="맑은 고딕" charset="0"/>
-                <a:ea typeface="맑은 고딕" charset="0"/>
-              </a:rPr>
-              <a:t>오브젝트를</a:t>
-            </a:r>
-            <a:r>
-              <a:rPr sz="1800">
-                <a:latin typeface="맑은 고딕" charset="0"/>
-                <a:ea typeface="맑은 고딕" charset="0"/>
-              </a:rPr>
-              <a:t> </a:t>
-            </a:r>
-            <a:r>
-              <a:rPr sz="1800">
-                <a:latin typeface="맑은 고딕" charset="0"/>
-                <a:ea typeface="맑은 고딕" charset="0"/>
-              </a:rPr>
-              <a:t>생성합니다.</a:t>
-            </a:r>
-            <a:endParaRPr lang="ko-KR" altLang="en-US" sz="1800">
-              <a:latin typeface="맑은 고딕" charset="0"/>
-              <a:ea typeface="맑은 고딕" charset="0"/>
-            </a:endParaRPr>
-          </a:p>
-        </p:txBody>
-      </p:sp>
+        </p:nvCxnSpPr>
+        <p:spPr>
+          <a:xfrm rot="0" flipV="1">
+            <a:off x="7890510" y="1765935"/>
+            <a:ext cx="2937510" cy="2171065"/>
+          </a:xfrm>
+          <a:prstGeom prst="straightConnector1"/>
+          <a:ln w="6350" cap="flat" cmpd="sng">
+            <a:prstDash/>
+            <a:tailEnd type="triangle" w="med" len="med"/>
+          </a:ln>
+        </p:spPr>
+        <p:style>
+          <a:lnRef idx="1">
+            <a:schemeClr val="accent1"/>
+          </a:lnRef>
+          <a:fillRef idx="0">
+            <a:schemeClr val="accent1"/>
+          </a:fillRef>
+          <a:effectRef idx="0">
+            <a:schemeClr val="accent1"/>
+          </a:effectRef>
+          <a:fontRef idx="minor">
+            <a:schemeClr val="tx1"/>
+          </a:fontRef>
+        </p:style>
+      </p:cxnSp>
     </p:spTree>
   </p:cSld>
   <p:clrMapOvr>
@@ -8394,7 +8466,7 @@
 </file>
 
 <file path=ppt/slides/slide11.xml><?xml version="1.0" encoding="utf-8"?>
-<p:sld xmlns:a="http://schemas.openxmlformats.org/drawingml/2006/main" xmlns:r="http://schemas.openxmlformats.org/officeDocument/2006/relationships" xmlns:p="http://schemas.openxmlformats.org/presentationml/2006/main">
+<p:sld xmlns:a="http://schemas.openxmlformats.org/drawingml/2006/main" xmlns:r="http://schemas.openxmlformats.org/officeDocument/2006/relationships" xmlns:p="http://schemas.openxmlformats.org/presentationml/2006/main" xmlns:p14="http://schemas.microsoft.com/office/powerpoint/2010/main">
   <p:cSld>
     <p:spTree>
       <p:nvGrpSpPr>
@@ -8420,8 +8492,8 @@
         </p:nvSpPr>
         <p:spPr>
           <a:xfrm rot="0">
-            <a:off x="4478655" y="407035"/>
-            <a:ext cx="3231515" cy="478155"/>
+            <a:off x="4327525" y="353060"/>
+            <a:ext cx="3544570" cy="478155"/>
           </a:xfrm>
           <a:prstGeom prst="rect"/>
           <a:noFill/>
@@ -8448,7 +8520,7 @@
                 <a:latin typeface="나눔바른고딕" charset="0"/>
                 <a:ea typeface="나눔바른고딕" charset="0"/>
               </a:rPr>
-              <a:t>열</a:t>
+              <a:t>열한</a:t>
             </a:r>
             <a:r>
               <a:rPr lang="ko-KR" altLang="en-US" sz="2500" b="1">
@@ -8490,268 +8562,16 @@
           </a:p>
         </p:txBody>
       </p:sp>
-      <p:sp>
-        <p:nvSpPr>
-          <p:cNvPr id="1113" name="Rect 0"/>
-          <p:cNvSpPr txBox="1">
-            <a:spLocks/>
-          </p:cNvSpPr>
-          <p:nvPr/>
-        </p:nvSpPr>
-        <p:spPr>
-          <a:xfrm rot="0">
-            <a:off x="6823710" y="5020945"/>
-            <a:ext cx="4139565" cy="1196975"/>
-          </a:xfrm>
-          <a:prstGeom prst="rect"/>
-          <a:noFill/>
-        </p:spPr>
-        <p:txBody>
-          <a:bodyPr wrap="square" lIns="0" tIns="0" rIns="0" bIns="0" numCol="1" vert="horz" anchor="t">
-            <a:noAutofit/>
-          </a:bodyPr>
-          <a:lstStyle/>
-          <a:p>
-            <a:pPr marL="0" indent="0" algn="l" latinLnBrk="0" hangingPunct="1">
-              <a:buFontTx/>
-              <a:buNone/>
-            </a:pPr>
-            <a:r>
-              <a:rPr lang="ko-KR" sz="2000" b="1">
-                <a:solidFill>
-                  <a:srgbClr val="0611F2"/>
-                </a:solidFill>
-                <a:latin typeface="맑은 고딕" charset="0"/>
-                <a:ea typeface="맑은 고딕" charset="0"/>
-              </a:rPr>
-              <a:t>26</a:t>
-            </a:r>
-            <a:r>
-              <a:rPr sz="2000" b="1">
-                <a:solidFill>
-                  <a:srgbClr val="0611F2"/>
-                </a:solidFill>
-                <a:latin typeface="맑은 고딕" charset="0"/>
-                <a:ea typeface="맑은 고딕" charset="0"/>
-              </a:rPr>
-              <a:t>.</a:t>
-            </a:r>
-            <a:r>
-              <a:rPr sz="2000" b="1">
-                <a:solidFill>
-                  <a:srgbClr val="0611F2"/>
-                </a:solidFill>
-                <a:latin typeface="맑은 고딕" charset="0"/>
-                <a:ea typeface="맑은 고딕" charset="0"/>
-              </a:rPr>
-              <a:t> </a:t>
-            </a:r>
-            <a:r>
-              <a:rPr sz="1800">
-                <a:latin typeface="맑은 고딕" charset="0"/>
-                <a:ea typeface="맑은 고딕" charset="0"/>
-              </a:rPr>
-              <a:t>그다음으로 Project 폴더에 있는 </a:t>
-            </a:r>
-            <a:r>
-              <a:rPr sz="1800">
-                <a:latin typeface="맑은 고딕" charset="0"/>
-                <a:ea typeface="맑은 고딕" charset="0"/>
-              </a:rPr>
-              <a:t>Render</a:t>
-            </a:r>
-            <a:r>
-              <a:rPr sz="1800">
-                <a:latin typeface="맑은 고딕" charset="0"/>
-                <a:ea typeface="맑은 고딕" charset="0"/>
-              </a:rPr>
-              <a:t> Texture 폴더에 3D Texture를 </a:t>
-            </a:r>
-            <a:r>
-              <a:rPr sz="1800">
-                <a:latin typeface="맑은 고딕" charset="0"/>
-                <a:ea typeface="맑은 고딕" charset="0"/>
-              </a:rPr>
-              <a:t>Rend</a:t>
-            </a:r>
-            <a:r>
-              <a:rPr sz="1800">
-                <a:latin typeface="맑은 고딕" charset="0"/>
-                <a:ea typeface="맑은 고딕" charset="0"/>
-              </a:rPr>
-              <a:t>e</a:t>
-            </a:r>
-            <a:r>
-              <a:rPr sz="1800">
-                <a:latin typeface="맑은 고딕" charset="0"/>
-                <a:ea typeface="맑은 고딕" charset="0"/>
-              </a:rPr>
-              <a:t>r</a:t>
-            </a:r>
-            <a:r>
-              <a:rPr sz="1800">
-                <a:latin typeface="맑은 고딕" charset="0"/>
-                <a:ea typeface="맑은 고딕" charset="0"/>
-              </a:rPr>
-              <a:t> Texture 오브젝트에 있는 이미지 </a:t>
-            </a:r>
-            <a:r>
-              <a:rPr sz="1800">
-                <a:latin typeface="맑은 고딕" charset="0"/>
-                <a:ea typeface="맑은 고딕" charset="0"/>
-              </a:rPr>
-              <a:t>컴포넌트</a:t>
-            </a:r>
-            <a:r>
-              <a:rPr lang="ko-KR" sz="1800">
-                <a:latin typeface="맑은 고딕" charset="0"/>
-                <a:ea typeface="맑은 고딕" charset="0"/>
-              </a:rPr>
-              <a:t>에</a:t>
-            </a:r>
-            <a:r>
-              <a:rPr lang="ko-KR" sz="1800">
-                <a:latin typeface="맑은 고딕" charset="0"/>
-                <a:ea typeface="맑은 고딕" charset="0"/>
-              </a:rPr>
-              <a:t> </a:t>
-            </a:r>
-            <a:r>
-              <a:rPr lang="ko-KR" sz="1800">
-                <a:latin typeface="맑은 고딕" charset="0"/>
-                <a:ea typeface="맑은 고딕" charset="0"/>
-              </a:rPr>
-              <a:t>넣어줍니다.</a:t>
-            </a:r>
-            <a:endParaRPr lang="ko-KR" altLang="en-US" sz="1800">
-              <a:latin typeface="맑은 고딕" charset="0"/>
-              <a:ea typeface="맑은 고딕" charset="0"/>
-            </a:endParaRPr>
-          </a:p>
-        </p:txBody>
-      </p:sp>
-      <p:sp>
-        <p:nvSpPr>
-          <p:cNvPr id="1114" name="텍스트 상자 1"/>
-          <p:cNvSpPr txBox="1">
-            <a:spLocks/>
-          </p:cNvSpPr>
-          <p:nvPr/>
-        </p:nvSpPr>
-        <p:spPr>
-          <a:xfrm rot="0">
-            <a:off x="1244600" y="2851150"/>
-            <a:ext cx="4131945" cy="1002665"/>
-          </a:xfrm>
-          <a:prstGeom prst="rect"/>
-          <a:noFill/>
-        </p:spPr>
-        <p:txBody>
-          <a:bodyPr wrap="square" lIns="0" tIns="0" rIns="0" bIns="0" numCol="1" vert="horz" anchor="t">
-            <a:noAutofit/>
-          </a:bodyPr>
-          <a:lstStyle/>
-          <a:p>
-            <a:pPr marL="0" indent="0" algn="l" latinLnBrk="0" hangingPunct="1">
-              <a:buFontTx/>
-              <a:buNone/>
-            </a:pPr>
-            <a:r>
-              <a:rPr lang="ko-KR" sz="2000" b="1">
-                <a:solidFill>
-                  <a:srgbClr val="0611F2"/>
-                </a:solidFill>
-                <a:latin typeface="맑은 고딕" charset="0"/>
-                <a:ea typeface="맑은 고딕" charset="0"/>
-              </a:rPr>
-              <a:t>24</a:t>
-            </a:r>
-            <a:r>
-              <a:rPr sz="2000" b="1">
-                <a:solidFill>
-                  <a:srgbClr val="0611F2"/>
-                </a:solidFill>
-                <a:latin typeface="맑은 고딕" charset="0"/>
-                <a:ea typeface="맑은 고딕" charset="0"/>
-              </a:rPr>
-              <a:t>.</a:t>
-            </a:r>
-            <a:r>
-              <a:rPr sz="2000" b="1">
-                <a:solidFill>
-                  <a:srgbClr val="0611F2"/>
-                </a:solidFill>
-                <a:latin typeface="맑은 고딕" charset="0"/>
-                <a:ea typeface="맑은 고딕" charset="0"/>
-              </a:rPr>
-              <a:t> </a:t>
-            </a:r>
-            <a:r>
-              <a:rPr sz="1800">
-                <a:latin typeface="맑은 고딕" charset="0"/>
-                <a:ea typeface="맑은 고딕" charset="0"/>
-              </a:rPr>
-              <a:t>그리고 Render Texture를 </a:t>
-            </a:r>
-            <a:r>
-              <a:rPr sz="1800">
-                <a:latin typeface="맑은 고딕" charset="0"/>
-                <a:ea typeface="맑은 고딕" charset="0"/>
-              </a:rPr>
-              <a:t>생성한 </a:t>
-            </a:r>
-            <a:r>
-              <a:rPr sz="1800">
-                <a:latin typeface="맑은 고딕" charset="0"/>
-                <a:ea typeface="맑은 고딕" charset="0"/>
-              </a:rPr>
-              <a:t>다</a:t>
-            </a:r>
-            <a:r>
-              <a:rPr sz="1800">
-                <a:latin typeface="맑은 고딕" charset="0"/>
-                <a:ea typeface="맑은 고딕" charset="0"/>
-              </a:rPr>
-              <a:t>음</a:t>
-            </a:r>
-            <a:r>
-              <a:rPr sz="1800">
-                <a:latin typeface="맑은 고딕" charset="0"/>
-                <a:ea typeface="맑은 고딕" charset="0"/>
-              </a:rPr>
-              <a:t> 3D Texture라는 이름으로 </a:t>
-            </a:r>
-            <a:r>
-              <a:rPr sz="1800">
-                <a:latin typeface="맑은 고딕" charset="0"/>
-                <a:ea typeface="맑은 고딕" charset="0"/>
-              </a:rPr>
-              <a:t>정의합니</a:t>
-            </a:r>
-            <a:r>
-              <a:rPr lang="ko-KR" sz="1800">
-                <a:latin typeface="맑은 고딕" charset="0"/>
-                <a:ea typeface="맑은 고딕" charset="0"/>
-              </a:rPr>
-              <a:t>다.</a:t>
-            </a:r>
-            <a:endParaRPr lang="ko-KR" altLang="en-US" sz="1800">
-              <a:latin typeface="맑은 고딕" charset="0"/>
-              <a:ea typeface="맑은 고딕" charset="0"/>
-            </a:endParaRPr>
-          </a:p>
-        </p:txBody>
-      </p:sp>
       <p:pic>
         <p:nvPicPr>
-          <p:cNvPr id="1115" name="그림 2" descr="C:/Users/Admin1/AppData/Roaming/PolarisOffice/ETemp/26440_22663712/fImage364325441.png"/>
+          <p:cNvPr id="1116" name="그림 17"/>
           <p:cNvPicPr>
             <a:picLocks noChangeAspect="1"/>
           </p:cNvPicPr>
           <p:nvPr/>
         </p:nvPicPr>
         <p:blipFill rotWithShape="1">
-          <a:blip r:embed="rId2" cstate="print">
+          <a:blip r:embed="rId7" cstate="print">
             <a:extLst>
               <a:ext uri="{28A0092B-C50C-407E-A947-70E740481C1C}">
                 <a14:useLocalDpi xmlns:a14="http://schemas.microsoft.com/office/drawing/2010/main" val="0"/>
@@ -8764,8 +8584,8 @@
         </p:blipFill>
         <p:spPr>
           <a:xfrm rot="0">
-            <a:off x="1244600" y="1455420"/>
-            <a:ext cx="1391920" cy="1250950"/>
+            <a:off x="8235315" y="1437640"/>
+            <a:ext cx="2710815" cy="1308100"/>
           </a:xfrm>
           <a:prstGeom prst="roundRect"/>
           <a:solidFill>
@@ -8775,14 +8595,14 @@
       </p:pic>
       <p:pic>
         <p:nvPicPr>
-          <p:cNvPr id="1116" name="그림 5" descr="C:/Users/Admin1/AppData/Roaming/PolarisOffice/ETemp/26440_22663712/fImage45992558467.png"/>
+          <p:cNvPr id="1117" name="그림 20"/>
           <p:cNvPicPr>
             <a:picLocks noChangeAspect="1"/>
           </p:cNvPicPr>
           <p:nvPr/>
         </p:nvPicPr>
         <p:blipFill rotWithShape="1">
-          <a:blip r:embed="rId3" cstate="print">
+          <a:blip r:embed="rId8" cstate="print">
             <a:extLst>
               <a:ext uri="{28A0092B-C50C-407E-A947-70E740481C1C}">
                 <a14:useLocalDpi xmlns:a14="http://schemas.microsoft.com/office/drawing/2010/main" val="0"/>
@@ -8795,8 +8615,8 @@
         </p:blipFill>
         <p:spPr>
           <a:xfrm rot="0">
-            <a:off x="2756535" y="1454785"/>
-            <a:ext cx="2619375" cy="1260475"/>
+            <a:off x="6814820" y="1442085"/>
+            <a:ext cx="1308100" cy="1303020"/>
           </a:xfrm>
           <a:prstGeom prst="roundRect"/>
           <a:solidFill>
@@ -8804,16 +8624,182 @@
           </a:solidFill>
         </p:spPr>
       </p:pic>
+      <p:cxnSp>
+        <p:nvCxnSpPr>
+          <p:cNvPr id="1118" name="도형 23"/>
+          <p:cNvCxnSpPr/>
+          <p:nvPr/>
+        </p:nvCxnSpPr>
+        <p:spPr>
+          <a:xfrm rot="0" flipV="1">
+            <a:off x="7957820" y="2224405"/>
+            <a:ext cx="2910205" cy="78740"/>
+          </a:xfrm>
+          <a:prstGeom prst="straightConnector1"/>
+          <a:ln w="6350" cap="flat" cmpd="sng">
+            <a:prstDash/>
+            <a:headEnd type="none" w="med" len="med"/>
+            <a:tailEnd type="triangle" w="med" len="med"/>
+          </a:ln>
+        </p:spPr>
+        <p:style>
+          <a:lnRef idx="1">
+            <a:schemeClr val="accent1"/>
+          </a:lnRef>
+          <a:fillRef idx="0">
+            <a:schemeClr val="accent1"/>
+          </a:fillRef>
+          <a:effectRef idx="0">
+            <a:schemeClr val="accent1"/>
+          </a:effectRef>
+          <a:fontRef idx="minor">
+            <a:schemeClr val="tx1"/>
+          </a:fontRef>
+        </p:style>
+      </p:cxnSp>
+      <p:sp>
+        <p:nvSpPr>
+          <p:cNvPr id="1119" name="텍스트 상자 24"/>
+          <p:cNvSpPr txBox="1">
+            <a:spLocks/>
+          </p:cNvSpPr>
+          <p:nvPr/>
+        </p:nvSpPr>
+        <p:spPr>
+          <a:xfrm>
+            <a:off x="6814820" y="2873375"/>
+            <a:ext cx="4131945" cy="955040"/>
+          </a:xfrm>
+          <a:prstGeom prst="rect"/>
+          <a:noFill/>
+        </p:spPr>
+        <p:txBody>
+          <a:bodyPr wrap="square" lIns="0" tIns="0" rIns="0" bIns="0" numCol="1" vert="horz" anchor="t">
+            <a:noAutofit/>
+          </a:bodyPr>
+          <a:lstStyle/>
+          <a:p>
+            <a:pPr marL="0" indent="0" algn="l" latinLnBrk="0" hangingPunct="1">
+              <a:buFontTx/>
+              <a:buNone/>
+            </a:pPr>
+            <a:r>
+              <a:rPr lang="ko-KR" sz="2000" b="1">
+                <a:solidFill>
+                  <a:srgbClr val="0611F2"/>
+                </a:solidFill>
+                <a:latin typeface="맑은 고딕" charset="0"/>
+                <a:ea typeface="맑은 고딕" charset="0"/>
+              </a:rPr>
+              <a:t>28</a:t>
+            </a:r>
+            <a:r>
+              <a:rPr sz="2000" b="1">
+                <a:solidFill>
+                  <a:srgbClr val="0611F2"/>
+                </a:solidFill>
+                <a:latin typeface="맑은 고딕" charset="0"/>
+                <a:ea typeface="맑은 고딕" charset="0"/>
+              </a:rPr>
+              <a:t>.</a:t>
+            </a:r>
+            <a:r>
+              <a:rPr sz="2000" b="1">
+                <a:solidFill>
+                  <a:srgbClr val="0611F2"/>
+                </a:solidFill>
+                <a:latin typeface="맑은 고딕" charset="0"/>
+                <a:ea typeface="맑은 고딕" charset="0"/>
+              </a:rPr>
+              <a:t> </a:t>
+            </a:r>
+            <a:r>
+              <a:rPr sz="1800">
+                <a:latin typeface="맑은 고딕" charset="0"/>
+                <a:ea typeface="맑은 고딕" charset="0"/>
+              </a:rPr>
+              <a:t>그다음 Create Object에 있는 </a:t>
+            </a:r>
+            <a:r>
+              <a:rPr sz="1800">
+                <a:latin typeface="맑은 고딕" charset="0"/>
+                <a:ea typeface="맑은 고딕" charset="0"/>
+              </a:rPr>
+              <a:t>Create</a:t>
+            </a:r>
+            <a:r>
+              <a:rPr sz="1800">
+                <a:latin typeface="맑은 고딕" charset="0"/>
+                <a:ea typeface="맑은 고딕" charset="0"/>
+              </a:rPr>
+              <a:t> </a:t>
+            </a:r>
+            <a:r>
+              <a:rPr sz="1800">
+                <a:latin typeface="맑은 고딕" charset="0"/>
+                <a:ea typeface="맑은 고딕" charset="0"/>
+              </a:rPr>
+              <a:t>스크립트의</a:t>
+            </a:r>
+            <a:r>
+              <a:rPr sz="1800">
+                <a:latin typeface="맑은 고딕" charset="0"/>
+                <a:ea typeface="맑은 고딕" charset="0"/>
+              </a:rPr>
+              <a:t> Button 변수에 </a:t>
+            </a:r>
+            <a:r>
+              <a:rPr sz="1800">
+                <a:latin typeface="맑은 고딕" charset="0"/>
+                <a:ea typeface="맑은 고딕" charset="0"/>
+              </a:rPr>
+              <a:t>Create</a:t>
+            </a:r>
+            <a:r>
+              <a:rPr sz="1800">
+                <a:latin typeface="맑은 고딕" charset="0"/>
+                <a:ea typeface="맑은 고딕" charset="0"/>
+              </a:rPr>
+              <a:t> </a:t>
+            </a:r>
+            <a:r>
+              <a:rPr sz="1800">
+                <a:latin typeface="맑은 고딕" charset="0"/>
+                <a:ea typeface="맑은 고딕" charset="0"/>
+              </a:rPr>
+              <a:t>Button</a:t>
+            </a:r>
+            <a:r>
+              <a:rPr sz="1800">
+                <a:latin typeface="맑은 고딕" charset="0"/>
+                <a:ea typeface="맑은 고딕" charset="0"/>
+              </a:rPr>
+              <a:t> 오브젝트</a:t>
+            </a:r>
+            <a:r>
+              <a:rPr lang="ko-KR" sz="1800">
+                <a:latin typeface="맑은 고딕" charset="0"/>
+                <a:ea typeface="맑은 고딕" charset="0"/>
+              </a:rPr>
+              <a:t>를 넣어줍니다.</a:t>
+            </a:r>
+            <a:endParaRPr lang="ko-KR" altLang="en-US" sz="1800">
+              <a:latin typeface="맑은 고딕" charset="0"/>
+              <a:ea typeface="맑은 고딕" charset="0"/>
+            </a:endParaRPr>
+          </a:p>
+        </p:txBody>
+      </p:sp>
       <p:pic>
         <p:nvPicPr>
-          <p:cNvPr id="1117" name="그림 8" descr="C:/Users/Admin1/AppData/Roaming/PolarisOffice/ETemp/26440_22663712/fImage123042566334.png"/>
+          <p:cNvPr id="1120" name="그림 25"/>
           <p:cNvPicPr>
             <a:picLocks noChangeAspect="1"/>
           </p:cNvPicPr>
           <p:nvPr/>
         </p:nvPicPr>
         <p:blipFill rotWithShape="1">
-          <a:blip r:embed="rId4" cstate="print">
+          <a:blip r:embed="rId9" cstate="print">
             <a:extLst>
               <a:ext uri="{28A0092B-C50C-407E-A947-70E740481C1C}">
                 <a14:useLocalDpi xmlns:a14="http://schemas.microsoft.com/office/drawing/2010/main" val="0"/>
@@ -8826,8 +8812,8 @@
         </p:blipFill>
         <p:spPr>
           <a:xfrm rot="0">
-            <a:off x="1243330" y="3914140"/>
-            <a:ext cx="4133215" cy="1517650"/>
+            <a:off x="6814185" y="3921760"/>
+            <a:ext cx="1291590" cy="1238885"/>
           </a:xfrm>
           <a:prstGeom prst="roundRect"/>
           <a:solidFill>
@@ -8835,114 +8821,16 @@
           </a:solidFill>
         </p:spPr>
       </p:pic>
-      <p:sp>
-        <p:nvSpPr>
-          <p:cNvPr id="1118" name="텍스트 상자 11"/>
-          <p:cNvSpPr txBox="1">
-            <a:spLocks/>
-          </p:cNvSpPr>
-          <p:nvPr/>
-        </p:nvSpPr>
-        <p:spPr>
-          <a:xfrm rot="0">
-            <a:off x="1236980" y="5589270"/>
-            <a:ext cx="4131945" cy="625475"/>
-          </a:xfrm>
-          <a:prstGeom prst="rect"/>
-          <a:noFill/>
-        </p:spPr>
-        <p:txBody>
-          <a:bodyPr wrap="square" lIns="0" tIns="0" rIns="0" bIns="0" numCol="1" vert="horz" anchor="t">
-            <a:noAutofit/>
-          </a:bodyPr>
-          <a:lstStyle/>
-          <a:p>
-            <a:pPr marL="0" indent="0" algn="l" latinLnBrk="0" hangingPunct="1">
-              <a:buFontTx/>
-              <a:buNone/>
-            </a:pPr>
-            <a:r>
-              <a:rPr lang="ko-KR" sz="2000" b="1">
-                <a:solidFill>
-                  <a:srgbClr val="0611F2"/>
-                </a:solidFill>
-                <a:latin typeface="맑은 고딕" charset="0"/>
-                <a:ea typeface="맑은 고딕" charset="0"/>
-              </a:rPr>
-              <a:t>25</a:t>
-            </a:r>
-            <a:r>
-              <a:rPr sz="2000" b="1">
-                <a:solidFill>
-                  <a:srgbClr val="0611F2"/>
-                </a:solidFill>
-                <a:latin typeface="맑은 고딕" charset="0"/>
-                <a:ea typeface="맑은 고딕" charset="0"/>
-              </a:rPr>
-              <a:t>.</a:t>
-            </a:r>
-            <a:r>
-              <a:rPr sz="2000" b="1">
-                <a:solidFill>
-                  <a:srgbClr val="0611F2"/>
-                </a:solidFill>
-                <a:latin typeface="맑은 고딕" charset="0"/>
-                <a:ea typeface="맑은 고딕" charset="0"/>
-              </a:rPr>
-              <a:t> </a:t>
-            </a:r>
-            <a:r>
-              <a:rPr sz="1800">
-                <a:latin typeface="맑은 고딕" charset="0"/>
-                <a:ea typeface="맑은 고딕" charset="0"/>
-              </a:rPr>
-              <a:t>그런 다음 Camera 오브젝트의 </a:t>
-            </a:r>
-            <a:r>
-              <a:rPr sz="1800">
-                <a:latin typeface="맑은 고딕" charset="0"/>
-                <a:ea typeface="맑은 고딕" charset="0"/>
-              </a:rPr>
-              <a:t>위치</a:t>
-            </a:r>
-            <a:r>
-              <a:rPr sz="1800">
-                <a:latin typeface="맑은 고딕" charset="0"/>
-                <a:ea typeface="맑은 고딕" charset="0"/>
-              </a:rPr>
-              <a:t>와</a:t>
-            </a:r>
-            <a:r>
-              <a:rPr sz="1800">
-                <a:latin typeface="맑은 고딕" charset="0"/>
-                <a:ea typeface="맑은 고딕" charset="0"/>
-              </a:rPr>
-              <a:t> </a:t>
-            </a:r>
-            <a:r>
-              <a:rPr sz="1800">
-                <a:latin typeface="맑은 고딕" charset="0"/>
-                <a:ea typeface="맑은 고딕" charset="0"/>
-              </a:rPr>
-              <a:t>회전 값을 설정합니다.</a:t>
-            </a:r>
-            <a:endParaRPr lang="ko-KR" altLang="en-US" sz="1800">
-              <a:latin typeface="맑은 고딕" charset="0"/>
-              <a:ea typeface="맑은 고딕" charset="0"/>
-            </a:endParaRPr>
-          </a:p>
-        </p:txBody>
-      </p:sp>
       <p:pic>
         <p:nvPicPr>
-          <p:cNvPr id="1119" name="그림 12" descr="C:/Users/Admin1/AppData/Roaming/PolarisOffice/ETemp/26440_22663712/fImage145202586500.png"/>
+          <p:cNvPr id="1121" name="그림 28"/>
           <p:cNvPicPr>
             <a:picLocks noChangeAspect="1"/>
           </p:cNvPicPr>
           <p:nvPr/>
         </p:nvPicPr>
         <p:blipFill rotWithShape="1">
-          <a:blip r:embed="rId5" cstate="print">
+          <a:blip r:embed="rId10" cstate="print">
             <a:extLst>
               <a:ext uri="{28A0092B-C50C-407E-A947-70E740481C1C}">
                 <a14:useLocalDpi xmlns:a14="http://schemas.microsoft.com/office/drawing/2010/main" val="0"/>
@@ -8955,8 +8843,8 @@
         </p:blipFill>
         <p:spPr>
           <a:xfrm rot="0">
-            <a:off x="6806565" y="1445260"/>
-            <a:ext cx="4156710" cy="2157730"/>
+            <a:off x="8235315" y="3939540"/>
+            <a:ext cx="2712085" cy="1229995"/>
           </a:xfrm>
           <a:prstGeom prst="roundRect"/>
           <a:solidFill>
@@ -8964,16 +8852,175 @@
           </a:solidFill>
         </p:spPr>
       </p:pic>
+      <p:cxnSp>
+        <p:nvCxnSpPr>
+          <p:cNvPr id="1122" name="도형 31"/>
+          <p:cNvCxnSpPr/>
+          <p:nvPr/>
+        </p:nvCxnSpPr>
+        <p:spPr>
+          <a:xfrm rot="0" flipV="1">
+            <a:off x="7438390" y="4918075"/>
+            <a:ext cx="3438525" cy="34925"/>
+          </a:xfrm>
+          <a:prstGeom prst="straightConnector1"/>
+          <a:ln w="6350" cap="flat" cmpd="sng">
+            <a:prstDash/>
+            <a:headEnd type="none" w="med" len="med"/>
+            <a:tailEnd type="triangle" w="med" len="med"/>
+          </a:ln>
+        </p:spPr>
+        <p:style>
+          <a:lnRef idx="1">
+            <a:schemeClr val="accent1"/>
+          </a:lnRef>
+          <a:fillRef idx="0">
+            <a:schemeClr val="accent1"/>
+          </a:fillRef>
+          <a:effectRef idx="0">
+            <a:schemeClr val="accent1"/>
+          </a:effectRef>
+          <a:fontRef idx="minor">
+            <a:schemeClr val="tx1"/>
+          </a:fontRef>
+        </p:style>
+      </p:cxnSp>
+      <p:sp>
+        <p:nvSpPr>
+          <p:cNvPr id="1123" name="텍스트 상자 32"/>
+          <p:cNvSpPr txBox="1">
+            <a:spLocks/>
+          </p:cNvSpPr>
+          <p:nvPr/>
+        </p:nvSpPr>
+        <p:spPr>
+          <a:xfrm rot="0">
+            <a:off x="6817360" y="5299710"/>
+            <a:ext cx="4131945" cy="955040"/>
+          </a:xfrm>
+          <a:prstGeom prst="rect"/>
+          <a:noFill/>
+        </p:spPr>
+        <p:txBody>
+          <a:bodyPr wrap="square" lIns="0" tIns="0" rIns="0" bIns="0" numCol="1" vert="horz" anchor="t">
+            <a:noAutofit/>
+          </a:bodyPr>
+          <a:lstStyle/>
+          <a:p>
+            <a:pPr marL="0" indent="0" algn="l" latinLnBrk="0" hangingPunct="1">
+              <a:buFontTx/>
+              <a:buNone/>
+            </a:pPr>
+            <a:r>
+              <a:rPr lang="ko-KR" sz="2000" b="1">
+                <a:solidFill>
+                  <a:srgbClr val="0611F2"/>
+                </a:solidFill>
+                <a:latin typeface="맑은 고딕" charset="0"/>
+                <a:ea typeface="맑은 고딕" charset="0"/>
+              </a:rPr>
+              <a:t>29</a:t>
+            </a:r>
+            <a:r>
+              <a:rPr sz="2000" b="1">
+                <a:solidFill>
+                  <a:srgbClr val="0611F2"/>
+                </a:solidFill>
+                <a:latin typeface="맑은 고딕" charset="0"/>
+                <a:ea typeface="맑은 고딕" charset="0"/>
+              </a:rPr>
+              <a:t>.</a:t>
+            </a:r>
+            <a:r>
+              <a:rPr sz="2000" b="1">
+                <a:solidFill>
+                  <a:srgbClr val="0611F2"/>
+                </a:solidFill>
+                <a:latin typeface="맑은 고딕" charset="0"/>
+                <a:ea typeface="맑은 고딕" charset="0"/>
+              </a:rPr>
+              <a:t> </a:t>
+            </a:r>
+            <a:r>
+              <a:rPr sz="1800">
+                <a:latin typeface="맑은 고딕" charset="0"/>
+                <a:ea typeface="맑은 고딕" charset="0"/>
+              </a:rPr>
+              <a:t>그러고 나서 Create Object에 있는 </a:t>
+            </a:r>
+            <a:r>
+              <a:rPr sz="1800">
+                <a:latin typeface="맑은 고딕" charset="0"/>
+                <a:ea typeface="맑은 고딕" charset="0"/>
+              </a:rPr>
+              <a:t>Create</a:t>
+            </a:r>
+            <a:r>
+              <a:rPr sz="1800">
+                <a:latin typeface="맑은 고딕" charset="0"/>
+                <a:ea typeface="맑은 고딕" charset="0"/>
+              </a:rPr>
+              <a:t> </a:t>
+            </a:r>
+            <a:r>
+              <a:rPr sz="1800">
+                <a:latin typeface="맑은 고딕" charset="0"/>
+                <a:ea typeface="맑은 고딕" charset="0"/>
+              </a:rPr>
+              <a:t>스크립트</a:t>
+            </a:r>
+            <a:r>
+              <a:rPr lang="ko-KR" sz="1800">
+                <a:latin typeface="맑은 고딕" charset="0"/>
+                <a:ea typeface="맑은 고딕" charset="0"/>
+              </a:rPr>
+              <a:t>의</a:t>
+            </a:r>
+            <a:r>
+              <a:rPr sz="1800">
+                <a:latin typeface="맑은 고딕" charset="0"/>
+                <a:ea typeface="맑은 고딕" charset="0"/>
+              </a:rPr>
+              <a:t> Prefab 변수에 Alien </a:t>
+            </a:r>
+            <a:r>
+              <a:rPr sz="1800">
+                <a:latin typeface="맑은 고딕" charset="0"/>
+                <a:ea typeface="맑은 고딕" charset="0"/>
+              </a:rPr>
+              <a:t>오브젝트</a:t>
+            </a:r>
+            <a:r>
+              <a:rPr lang="ko-KR" sz="1800">
+                <a:latin typeface="맑은 고딕" charset="0"/>
+                <a:ea typeface="맑은 고딕" charset="0"/>
+              </a:rPr>
+              <a:t>를</a:t>
+            </a:r>
+            <a:r>
+              <a:rPr lang="ko-KR" sz="1800">
+                <a:latin typeface="맑은 고딕" charset="0"/>
+                <a:ea typeface="맑은 고딕" charset="0"/>
+              </a:rPr>
+              <a:t> 넣어줍니다.</a:t>
+            </a:r>
+            <a:endParaRPr lang="ko-KR" altLang="en-US" sz="1800">
+              <a:latin typeface="맑은 고딕" charset="0"/>
+              <a:ea typeface="맑은 고딕" charset="0"/>
+            </a:endParaRPr>
+          </a:p>
+        </p:txBody>
+      </p:sp>
       <p:pic>
         <p:nvPicPr>
-          <p:cNvPr id="1120" name="그림 15" descr="C:/Users/Admin1/AppData/Roaming/PolarisOffice/ETemp/26440_22663712/fImage45992599169.png"/>
+          <p:cNvPr id="1124" name="그림 29" descr="C:/Users/Admin1/AppData/Roaming/PolarisOffice/ETemp/14520_11842488/fImage350923101478.png"/>
           <p:cNvPicPr>
             <a:picLocks noChangeAspect="1"/>
           </p:cNvPicPr>
           <p:nvPr/>
         </p:nvPicPr>
         <p:blipFill rotWithShape="1">
-          <a:blip r:embed="rId6" cstate="print">
+          <a:blip r:embed="rId11" cstate="print">
             <a:extLst>
               <a:ext uri="{28A0092B-C50C-407E-A947-70E740481C1C}">
                 <a14:useLocalDpi xmlns:a14="http://schemas.microsoft.com/office/drawing/2010/main" val="0"/>
@@ -8986,8 +9033,8 @@
         </p:blipFill>
         <p:spPr>
           <a:xfrm rot="0">
-            <a:off x="6820535" y="3757930"/>
-            <a:ext cx="4133850" cy="1090295"/>
+            <a:off x="1240790" y="1438275"/>
+            <a:ext cx="4135120" cy="2602230"/>
           </a:xfrm>
           <a:prstGeom prst="roundRect"/>
           <a:solidFill>
@@ -8995,16 +9042,173 @@
           </a:solidFill>
         </p:spPr>
       </p:pic>
+      <p:pic>
+        <p:nvPicPr>
+          <p:cNvPr id="1125" name="그림 32" descr="C:/Users/Admin1/AppData/Roaming/PolarisOffice/ETemp/14520_11842488/fImage42503119358.png"/>
+          <p:cNvPicPr>
+            <a:picLocks noChangeAspect="1"/>
+          </p:cNvPicPr>
+          <p:nvPr/>
+        </p:nvPicPr>
+        <p:blipFill rotWithShape="1">
+          <a:blip r:embed="rId12" cstate="print">
+            <a:extLst>
+              <a:ext uri="{28A0092B-C50C-407E-A947-70E740481C1C}">
+                <a14:useLocalDpi xmlns:a14="http://schemas.microsoft.com/office/drawing/2010/main" val="0"/>
+              </a:ext>
+            </a:extLst>
+          </a:blip>
+          <a:stretch>
+            <a:fillRect/>
+          </a:stretch>
+        </p:blipFill>
+        <p:spPr>
+          <a:xfrm rot="0">
+            <a:off x="1240790" y="4185920"/>
+            <a:ext cx="4135120" cy="844550"/>
+          </a:xfrm>
+          <a:prstGeom prst="roundRect"/>
+          <a:solidFill>
+            <a:srgbClr val="EDEDED"/>
+          </a:solidFill>
+        </p:spPr>
+      </p:pic>
+      <p:sp>
+        <p:nvSpPr>
+          <p:cNvPr id="1126" name="텍스트 상자 35"/>
+          <p:cNvSpPr txBox="1">
+            <a:spLocks/>
+          </p:cNvSpPr>
+          <p:nvPr/>
+        </p:nvSpPr>
+        <p:spPr>
+          <a:xfrm rot="0">
+            <a:off x="1247140" y="5121910"/>
+            <a:ext cx="4128770" cy="1132205"/>
+          </a:xfrm>
+          <a:prstGeom prst="rect"/>
+          <a:noFill/>
+        </p:spPr>
+        <p:txBody>
+          <a:bodyPr wrap="square" lIns="0" tIns="0" rIns="0" bIns="0" numCol="1" vert="horz" anchor="t">
+            <a:noAutofit/>
+          </a:bodyPr>
+          <a:lstStyle/>
+          <a:p>
+            <a:pPr marL="0" indent="0" algn="l" latinLnBrk="0" hangingPunct="1">
+              <a:buFontTx/>
+              <a:buNone/>
+            </a:pPr>
+            <a:r>
+              <a:rPr lang="ko-KR" sz="2000" b="1">
+                <a:solidFill>
+                  <a:srgbClr val="0611F2"/>
+                </a:solidFill>
+                <a:latin typeface="맑은 고딕" charset="0"/>
+                <a:ea typeface="맑은 고딕" charset="0"/>
+              </a:rPr>
+              <a:t>27</a:t>
+            </a:r>
+            <a:r>
+              <a:rPr sz="2000" b="1">
+                <a:solidFill>
+                  <a:srgbClr val="0611F2"/>
+                </a:solidFill>
+                <a:latin typeface="맑은 고딕" charset="0"/>
+                <a:ea typeface="맑은 고딕" charset="0"/>
+              </a:rPr>
+              <a:t>.</a:t>
+            </a:r>
+            <a:r>
+              <a:rPr sz="2000" b="1">
+                <a:solidFill>
+                  <a:srgbClr val="0611F2"/>
+                </a:solidFill>
+                <a:latin typeface="맑은 고딕" charset="0"/>
+                <a:ea typeface="맑은 고딕" charset="0"/>
+              </a:rPr>
+              <a:t> </a:t>
+            </a:r>
+            <a:r>
+              <a:rPr sz="1800">
+                <a:latin typeface="맑은 고딕" charset="0"/>
+                <a:ea typeface="맑은 고딕" charset="0"/>
+              </a:rPr>
+              <a:t>그런 다음 Project 폴더 아래에 있는 </a:t>
+            </a:r>
+            <a:r>
+              <a:rPr sz="1800">
+                <a:latin typeface="맑은 고딕" charset="0"/>
+                <a:ea typeface="맑은 고딕" charset="0"/>
+              </a:rPr>
+              <a:t>Render</a:t>
+            </a:r>
+            <a:r>
+              <a:rPr sz="1800">
+                <a:latin typeface="맑은 고딕" charset="0"/>
+                <a:ea typeface="맑은 고딕" charset="0"/>
+              </a:rPr>
+              <a:t> Texture의 3D Texture를 Camera </a:t>
+            </a:r>
+            <a:r>
+              <a:rPr sz="1800">
+                <a:latin typeface="맑은 고딕" charset="0"/>
+                <a:ea typeface="맑은 고딕" charset="0"/>
+              </a:rPr>
+              <a:t>오브젝트</a:t>
+            </a:r>
+            <a:r>
+              <a:rPr sz="1800">
+                <a:latin typeface="맑은 고딕" charset="0"/>
+                <a:ea typeface="맑은 고딕" charset="0"/>
+              </a:rPr>
+              <a:t>에</a:t>
+            </a:r>
+            <a:r>
+              <a:rPr sz="1800">
+                <a:latin typeface="맑은 고딕" charset="0"/>
+                <a:ea typeface="맑은 고딕" charset="0"/>
+              </a:rPr>
+              <a:t> </a:t>
+            </a:r>
+            <a:r>
+              <a:rPr sz="1800">
+                <a:latin typeface="맑은 고딕" charset="0"/>
+                <a:ea typeface="맑은 고딕" charset="0"/>
+              </a:rPr>
+              <a:t>있는 Target Texture에 </a:t>
+            </a:r>
+            <a:r>
+              <a:rPr sz="1800">
+                <a:latin typeface="맑은 고딕" charset="0"/>
+                <a:ea typeface="맑은 고딕" charset="0"/>
+              </a:rPr>
+              <a:t>넣어줍니</a:t>
+            </a:r>
+            <a:r>
+              <a:rPr lang="ko-KR" sz="1800">
+                <a:latin typeface="맑은 고딕" charset="0"/>
+                <a:ea typeface="맑은 고딕" charset="0"/>
+              </a:rPr>
+              <a:t>다.</a:t>
+            </a:r>
+            <a:endParaRPr lang="ko-KR" altLang="en-US" sz="1800">
+              <a:latin typeface="맑은 고딕" charset="0"/>
+              <a:ea typeface="맑은 고딕" charset="0"/>
+            </a:endParaRPr>
+          </a:p>
+        </p:txBody>
+      </p:sp>
       <p:cxnSp>
         <p:nvCxnSpPr>
-          <p:cNvPr id="1121" name="도형 16"/>
+          <p:cNvPr id="1127" name="도형 40"/>
           <p:cNvCxnSpPr/>
           <p:nvPr/>
         </p:nvCxnSpPr>
         <p:spPr>
           <a:xfrm rot="0" flipV="1">
-            <a:off x="7879715" y="1818640"/>
-            <a:ext cx="2962275" cy="2199640"/>
+            <a:off x="2360295" y="3307715"/>
+            <a:ext cx="2886075" cy="1111885"/>
           </a:xfrm>
           <a:prstGeom prst="straightConnector1"/>
           <a:ln w="6350" cap="flat" cmpd="sng">
@@ -9079,7 +9283,7 @@
         <p:spPr>
           <a:xfrm rot="0">
             <a:off x="4327525" y="353060"/>
-            <a:ext cx="3544570" cy="478155"/>
+            <a:ext cx="3545205" cy="478155"/>
           </a:xfrm>
           <a:prstGeom prst="rect"/>
           <a:noFill/>
@@ -9106,7 +9310,7 @@
                 <a:latin typeface="나눔바른고딕" charset="0"/>
                 <a:ea typeface="나눔바른고딕" charset="0"/>
               </a:rPr>
-              <a:t>열한</a:t>
+              <a:t>열두</a:t>
             </a:r>
             <a:r>
               <a:rPr lang="ko-KR" altLang="en-US" sz="2500" b="1">
@@ -9116,27 +9320,7 @@
                 <a:latin typeface="나눔바른고딕" charset="0"/>
                 <a:ea typeface="나눔바른고딕" charset="0"/>
               </a:rPr>
-              <a:t> </a:t>
-            </a:r>
-            <a:r>
-              <a:rPr lang="ko-KR" altLang="en-US" sz="2500" b="1">
-                <a:solidFill>
-                  <a:schemeClr val="tx1"/>
-                </a:solidFill>
-                <a:latin typeface="나눔바른고딕" charset="0"/>
-                <a:ea typeface="나눔바른고딕" charset="0"/>
-              </a:rPr>
-              <a:t>번째 튜토리</a:t>
-            </a:r>
-            <a:r>
-              <a:rPr lang="ko-KR" altLang="en-US" sz="2500" b="1">
-                <a:solidFill>
-                  <a:schemeClr val="tx1"/>
-                </a:solidFill>
-                <a:latin typeface="나눔바른고딕" charset="0"/>
-                <a:ea typeface="나눔바른고딕" charset="0"/>
-              </a:rPr>
-              <a:t>얼</a:t>
+              <a:t> 번째 튜토리얼</a:t>
             </a:r>
             <a:endParaRPr lang="ko-KR" altLang="en-US" sz="2500" b="1">
               <a:solidFill>
@@ -9150,16 +9334,16 @@
       </p:sp>
       <p:sp>
         <p:nvSpPr>
-          <p:cNvPr id="1101" name="Rect 0"/>
+          <p:cNvPr id="1112" name="Rect 0"/>
           <p:cNvSpPr txBox="1">
             <a:spLocks/>
           </p:cNvSpPr>
           <p:nvPr/>
         </p:nvSpPr>
         <p:spPr>
-          <a:xfrm rot="0">
-            <a:off x="1240790" y="1447165"/>
-            <a:ext cx="4108450" cy="924560"/>
+          <a:xfrm>
+            <a:off x="1223010" y="5506720"/>
+            <a:ext cx="4144645" cy="677545"/>
           </a:xfrm>
           <a:prstGeom prst="rect"/>
           <a:noFill/>
@@ -9179,160 +9363,97 @@
               <a:buNone/>
             </a:pPr>
             <a:r>
-              <a:rPr lang="ko-KR" sz="1800">
-                <a:latin typeface="맑은 고딕" charset="0"/>
-                <a:ea typeface="맑은 고딕" charset="0"/>
-              </a:rPr>
-              <a:t>관리되는</a:t>
-            </a:r>
-            <a:r>
-              <a:rPr lang="ko-KR" sz="1800">
-                <a:latin typeface="맑은 고딕" charset="0"/>
-                <a:ea typeface="맑은 고딕" charset="0"/>
-              </a:rPr>
-              <a:t> 힙이란?</a:t>
+              <a:rPr lang="ko-KR" sz="2000" b="1">
+                <a:solidFill>
+                  <a:srgbClr val="0611F2"/>
+                </a:solidFill>
+                <a:latin typeface="맑은 고딕" charset="0"/>
+                <a:ea typeface="맑은 고딕" charset="0"/>
+              </a:rPr>
+              <a:t>3</a:t>
+            </a:r>
+            <a:r>
+              <a:rPr lang="ko-KR" sz="2000" b="1">
+                <a:solidFill>
+                  <a:srgbClr val="0611F2"/>
+                </a:solidFill>
+                <a:latin typeface="맑은 고딕" charset="0"/>
+                <a:ea typeface="맑은 고딕" charset="0"/>
+              </a:rPr>
+              <a:t>0</a:t>
+            </a:r>
+            <a:r>
+              <a:rPr sz="2000" b="1">
+                <a:solidFill>
+                  <a:srgbClr val="0611F2"/>
+                </a:solidFill>
+                <a:latin typeface="맑은 고딕" charset="0"/>
+                <a:ea typeface="맑은 고딕" charset="0"/>
+              </a:rPr>
+              <a:t>.</a:t>
+            </a:r>
+            <a:r>
+              <a:rPr sz="2000" b="1">
+                <a:solidFill>
+                  <a:srgbClr val="0611F2"/>
+                </a:solidFill>
+                <a:latin typeface="맑은 고딕" charset="0"/>
+                <a:ea typeface="맑은 고딕" charset="0"/>
+              </a:rPr>
+              <a:t> </a:t>
+            </a:r>
+            <a:r>
+              <a:rPr sz="1800">
+                <a:latin typeface="맑은 고딕" charset="0"/>
+                <a:ea typeface="맑은 고딕" charset="0"/>
+              </a:rPr>
+              <a:t>이제 Camera 오브젝트의 Clear </a:t>
+            </a:r>
+            <a:r>
+              <a:rPr sz="1800">
+                <a:latin typeface="맑은 고딕" charset="0"/>
+                <a:ea typeface="맑은 고딕" charset="0"/>
+              </a:rPr>
+              <a:t>Flags를</a:t>
+            </a:r>
+            <a:r>
+              <a:rPr sz="1800">
+                <a:latin typeface="맑은 고딕" charset="0"/>
+                <a:ea typeface="맑은 고딕" charset="0"/>
+              </a:rPr>
+              <a:t> </a:t>
+            </a:r>
+            <a:r>
+              <a:rPr sz="1800">
+                <a:latin typeface="맑은 고딕" charset="0"/>
+                <a:ea typeface="맑은 고딕" charset="0"/>
+              </a:rPr>
+              <a:t>Solid</a:t>
+            </a:r>
+            <a:r>
+              <a:rPr lang="ko-KR" sz="1800">
+                <a:latin typeface="맑은 고딕" charset="0"/>
+                <a:ea typeface="맑은 고딕" charset="0"/>
+              </a:rPr>
+              <a:t> Color로 설정합니다.</a:t>
             </a:r>
             <a:endParaRPr lang="ko-KR" altLang="en-US" sz="1800">
               <a:latin typeface="맑은 고딕" charset="0"/>
               <a:ea typeface="맑은 고딕" charset="0"/>
             </a:endParaRPr>
           </a:p>
-          <a:p>
-            <a:pPr marL="0" indent="0" algn="l" latinLnBrk="0" hangingPunct="1">
-              <a:buFontTx/>
-              <a:buNone/>
-            </a:pPr>
-            <a:r>
-              <a:rPr lang="ko-KR" sz="1800">
-                <a:latin typeface="맑은 고딕" charset="0"/>
-                <a:ea typeface="맑은 고딕" charset="0"/>
-              </a:rPr>
-              <a:t>메모리</a:t>
-            </a:r>
-            <a:r>
-              <a:rPr lang="ko-KR" sz="1800">
-                <a:latin typeface="맑은 고딕" charset="0"/>
-                <a:ea typeface="맑은 고딕" charset="0"/>
-              </a:rPr>
-              <a:t> 관리자에 의해 자동으로 </a:t>
-            </a:r>
-            <a:r>
-              <a:rPr lang="ko-KR" sz="1800">
-                <a:latin typeface="맑은 고딕" charset="0"/>
-                <a:ea typeface="맑은 고딕" charset="0"/>
-              </a:rPr>
-              <a:t>관리되는</a:t>
-            </a:r>
-            <a:r>
-              <a:rPr lang="ko-KR" sz="1800">
-                <a:latin typeface="맑은 고딕" charset="0"/>
-                <a:ea typeface="맑은 고딕" charset="0"/>
-              </a:rPr>
-              <a:t> 메모리 영역입니다.</a:t>
-            </a:r>
-            <a:endParaRPr lang="ko-KR" altLang="en-US" sz="1800">
-              <a:latin typeface="맑은 고딕" charset="0"/>
-              <a:ea typeface="맑은 고딕" charset="0"/>
-            </a:endParaRPr>
-          </a:p>
-        </p:txBody>
-      </p:sp>
-      <p:sp>
-        <p:nvSpPr>
-          <p:cNvPr id="1112" name="텍스트 상자 4"/>
-          <p:cNvSpPr txBox="1">
-            <a:spLocks/>
-          </p:cNvSpPr>
-          <p:nvPr/>
-        </p:nvSpPr>
-        <p:spPr>
-          <a:xfrm rot="0">
-            <a:off x="1240790" y="5050790"/>
-            <a:ext cx="4119880" cy="1200785"/>
-          </a:xfrm>
-          <a:prstGeom prst="rect"/>
-          <a:noFill/>
-          <a:ln w="0">
-            <a:noFill/>
-            <a:prstDash/>
-          </a:ln>
-        </p:spPr>
-        <p:txBody>
-          <a:bodyPr wrap="square" lIns="89535" tIns="46355" rIns="89535" bIns="46355" numCol="1" vert="horz" anchor="t">
-            <a:spAutoFit/>
-          </a:bodyPr>
-          <a:lstStyle/>
-          <a:p>
-            <a:pPr marL="0" indent="0" algn="l" latinLnBrk="0" hangingPunct="1">
-              <a:buFontTx/>
-              <a:buNone/>
-            </a:pPr>
-            <a:r>
-              <a:rPr lang="ko-KR" sz="1800">
-                <a:latin typeface="맑은 고딕" charset="0"/>
-                <a:ea typeface="맑은 고딕" charset="0"/>
-              </a:rPr>
-              <a:t>Unity의</a:t>
-            </a:r>
-            <a:r>
-              <a:rPr lang="ko-KR" sz="1800">
-                <a:latin typeface="맑은 고딕" charset="0"/>
-                <a:ea typeface="맑은 고딕" charset="0"/>
-              </a:rPr>
-              <a:t> 가비지 컬렉터는 Boehm GC </a:t>
-            </a:r>
-            <a:r>
-              <a:rPr lang="ko-KR" sz="1800">
-                <a:latin typeface="맑은 고딕" charset="0"/>
-                <a:ea typeface="맑은 고딕" charset="0"/>
-              </a:rPr>
-              <a:t>알고리즘을</a:t>
-            </a:r>
-            <a:r>
-              <a:rPr lang="ko-KR" sz="1800">
-                <a:latin typeface="맑은 고딕" charset="0"/>
-                <a:ea typeface="맑은 고딕" charset="0"/>
-              </a:rPr>
-              <a:t> 사용하므로, 세대 기반 </a:t>
-            </a:r>
-            <a:r>
-              <a:rPr lang="ko-KR" sz="1800">
-                <a:latin typeface="맑은 고딕" charset="0"/>
-                <a:ea typeface="맑은 고딕" charset="0"/>
-              </a:rPr>
-              <a:t>가비지</a:t>
-            </a:r>
-            <a:r>
-              <a:rPr lang="ko-KR" sz="1800">
-                <a:latin typeface="맑은 고딕" charset="0"/>
-                <a:ea typeface="맑은 고딕" charset="0"/>
-              </a:rPr>
-              <a:t> 컬렉터 방식을 지원하지 </a:t>
-            </a:r>
-            <a:r>
-              <a:rPr lang="ko-KR" sz="1800">
-                <a:latin typeface="맑은 고딕" charset="0"/>
-                <a:ea typeface="맑은 고딕" charset="0"/>
-              </a:rPr>
-              <a:t>않습니다.</a:t>
-            </a:r>
-            <a:endParaRPr lang="ko-KR" altLang="en-US" sz="1800">
-              <a:latin typeface="맑은 고딕" charset="0"/>
-              <a:ea typeface="맑은 고딕" charset="0"/>
-            </a:endParaRPr>
-          </a:p>
         </p:txBody>
       </p:sp>
       <p:pic>
         <p:nvPicPr>
-          <p:cNvPr id="1115" name="그림 4"/>
+          <p:cNvPr id="1124" name="그림 5" descr="C:/Users/Admin1/AppData/Roaming/PolarisOffice/ETemp/14520_11842488/fImage3514228141.png"/>
           <p:cNvPicPr>
             <a:picLocks noChangeAspect="1"/>
           </p:cNvPicPr>
           <p:nvPr/>
         </p:nvPicPr>
         <p:blipFill rotWithShape="1">
-          <a:blip r:embed="rId5" cstate="hqprint">
+          <a:blip r:embed="rId2" cstate="hqprint">
             <a:extLst>
               <a:ext uri="{28A0092B-C50C-407E-A947-70E740481C1C}">
                 <a14:useLocalDpi xmlns:a14="http://schemas.microsoft.com/office/drawing/2010/main"/>
@@ -9345,8 +9466,8 @@
         </p:blipFill>
         <p:spPr>
           <a:xfrm rot="0">
-            <a:off x="1249045" y="2566670"/>
-            <a:ext cx="4114165" cy="2249170"/>
+            <a:off x="1231900" y="1438275"/>
+            <a:ext cx="4135755" cy="3928745"/>
           </a:xfrm>
           <a:prstGeom prst="roundRect"/>
           <a:solidFill>
@@ -9354,19 +9475,277 @@
           </a:solidFill>
         </p:spPr>
       </p:pic>
+      <p:sp>
+        <p:nvSpPr>
+          <p:cNvPr id="1125" name="텍스트 상자 36"/>
+          <p:cNvSpPr txBox="1">
+            <a:spLocks/>
+          </p:cNvSpPr>
+          <p:nvPr/>
+        </p:nvSpPr>
+        <p:spPr>
+          <a:xfrm rot="0">
+            <a:off x="6814185" y="4401185"/>
+            <a:ext cx="4143375" cy="1784985"/>
+          </a:xfrm>
+          <a:prstGeom prst="rect"/>
+          <a:noFill/>
+          <a:ln w="0">
+            <a:noFill/>
+            <a:prstDash/>
+          </a:ln>
+        </p:spPr>
+        <p:txBody>
+          <a:bodyPr wrap="square" lIns="89535" tIns="46355" rIns="89535" bIns="46355" numCol="1" vert="horz" anchor="t">
+            <a:spAutoFit/>
+          </a:bodyPr>
+          <a:lstStyle/>
+          <a:p>
+            <a:pPr marL="0" indent="0" algn="l" latinLnBrk="0" hangingPunct="1">
+              <a:buFontTx/>
+              <a:buNone/>
+            </a:pPr>
+            <a:r>
+              <a:rPr lang="ko-KR" sz="2000" b="1">
+                <a:solidFill>
+                  <a:srgbClr val="0611F2"/>
+                </a:solidFill>
+                <a:latin typeface="맑은 고딕" charset="0"/>
+                <a:ea typeface="맑은 고딕" charset="0"/>
+              </a:rPr>
+              <a:t>3</a:t>
+            </a:r>
+            <a:r>
+              <a:rPr lang="ko-KR" sz="2000" b="1">
+                <a:solidFill>
+                  <a:srgbClr val="0611F2"/>
+                </a:solidFill>
+                <a:latin typeface="맑은 고딕" charset="0"/>
+                <a:ea typeface="맑은 고딕" charset="0"/>
+              </a:rPr>
+              <a:t>1</a:t>
+            </a:r>
+            <a:r>
+              <a:rPr sz="2000" b="1">
+                <a:solidFill>
+                  <a:srgbClr val="0611F2"/>
+                </a:solidFill>
+                <a:latin typeface="맑은 고딕" charset="0"/>
+                <a:ea typeface="맑은 고딕" charset="0"/>
+              </a:rPr>
+              <a:t>.</a:t>
+            </a:r>
+            <a:r>
+              <a:rPr sz="2000" b="1">
+                <a:solidFill>
+                  <a:srgbClr val="0611F2"/>
+                </a:solidFill>
+                <a:latin typeface="맑은 고딕" charset="0"/>
+                <a:ea typeface="맑은 고딕" charset="0"/>
+              </a:rPr>
+              <a:t> </a:t>
+            </a:r>
+            <a:r>
+              <a:rPr sz="1800">
+                <a:latin typeface="맑은 고딕" charset="0"/>
+                <a:ea typeface="맑은 고딕" charset="0"/>
+              </a:rPr>
+              <a:t>그리고 Project 폴더 아래에 </a:t>
+            </a:r>
+            <a:r>
+              <a:rPr sz="1800">
+                <a:latin typeface="맑은 고딕" charset="0"/>
+                <a:ea typeface="맑은 고딕" charset="0"/>
+              </a:rPr>
+              <a:t>있는</a:t>
+            </a:r>
+            <a:r>
+              <a:rPr sz="1800">
+                <a:latin typeface="맑은 고딕" charset="0"/>
+                <a:ea typeface="맑은 고딕" charset="0"/>
+              </a:rPr>
+              <a:t> </a:t>
+            </a:r>
+            <a:r>
+              <a:rPr sz="1800">
+                <a:latin typeface="맑은 고딕" charset="0"/>
+                <a:ea typeface="맑은 고딕" charset="0"/>
+              </a:rPr>
+              <a:t>Texture</a:t>
+            </a:r>
+            <a:r>
+              <a:rPr sz="1800">
+                <a:latin typeface="맑은 고딕" charset="0"/>
+                <a:ea typeface="맑은 고딕" charset="0"/>
+              </a:rPr>
+              <a:t> </a:t>
+            </a:r>
+            <a:r>
+              <a:rPr sz="1800">
+                <a:latin typeface="맑은 고딕" charset="0"/>
+                <a:ea typeface="맑은 고딕" charset="0"/>
+              </a:rPr>
+              <a:t>폴더에</a:t>
+            </a:r>
+            <a:r>
+              <a:rPr sz="1800">
+                <a:latin typeface="맑은 고딕" charset="0"/>
+                <a:ea typeface="맑은 고딕" charset="0"/>
+              </a:rPr>
+              <a:t> Alien Button </a:t>
+            </a:r>
+            <a:r>
+              <a:rPr sz="1800">
+                <a:latin typeface="맑은 고딕" charset="0"/>
+                <a:ea typeface="맑은 고딕" charset="0"/>
+              </a:rPr>
+              <a:t>텍스처를</a:t>
+            </a:r>
+            <a:r>
+              <a:rPr sz="1800">
+                <a:latin typeface="맑은 고딕" charset="0"/>
+                <a:ea typeface="맑은 고딕" charset="0"/>
+              </a:rPr>
+              <a:t> </a:t>
+            </a:r>
+            <a:r>
+              <a:rPr sz="1800">
+                <a:latin typeface="맑은 고딕" charset="0"/>
+                <a:ea typeface="맑은 고딕" charset="0"/>
+              </a:rPr>
+              <a:t>선택합니다.</a:t>
+            </a:r>
+            <a:endParaRPr lang="ko-KR" altLang="en-US" sz="1800">
+              <a:latin typeface="맑은 고딕" charset="0"/>
+              <a:ea typeface="맑은 고딕" charset="0"/>
+            </a:endParaRPr>
+          </a:p>
+          <a:p>
+            <a:pPr marL="0" indent="0" algn="l" latinLnBrk="0" hangingPunct="1">
+              <a:buFontTx/>
+              <a:buNone/>
+            </a:pPr>
+            <a:endParaRPr lang="ko-KR" altLang="en-US" sz="1800">
+              <a:latin typeface="맑은 고딕" charset="0"/>
+              <a:ea typeface="맑은 고딕" charset="0"/>
+            </a:endParaRPr>
+          </a:p>
+          <a:p>
+            <a:pPr marL="0" indent="0" algn="l" latinLnBrk="0" hangingPunct="1">
+              <a:buFontTx/>
+              <a:buNone/>
+            </a:pPr>
+            <a:r>
+              <a:rPr lang="ko-KR" sz="1800">
+                <a:latin typeface="맑은 고딕" charset="0"/>
+                <a:ea typeface="맑은 고딕" charset="0"/>
+              </a:rPr>
+              <a:t>그런</a:t>
+            </a:r>
+            <a:r>
+              <a:rPr lang="ko-KR" sz="1800">
+                <a:latin typeface="맑은 고딕" charset="0"/>
+                <a:ea typeface="맑은 고딕" charset="0"/>
+              </a:rPr>
+              <a:t> </a:t>
+            </a:r>
+            <a:r>
+              <a:rPr lang="ko-KR" sz="1800">
+                <a:latin typeface="맑은 고딕" charset="0"/>
+                <a:ea typeface="맑은 고딕" charset="0"/>
+              </a:rPr>
+              <a:t>다음</a:t>
+            </a:r>
+            <a:r>
+              <a:rPr sz="1800">
+                <a:latin typeface="맑은 고딕" charset="0"/>
+                <a:ea typeface="맑은 고딕" charset="0"/>
+              </a:rPr>
+              <a:t> </a:t>
+            </a:r>
+            <a:r>
+              <a:rPr sz="1800">
+                <a:latin typeface="맑은 고딕" charset="0"/>
+                <a:ea typeface="맑은 고딕" charset="0"/>
+              </a:rPr>
+              <a:t>Create</a:t>
+            </a:r>
+            <a:r>
+              <a:rPr sz="1800">
+                <a:latin typeface="맑은 고딕" charset="0"/>
+                <a:ea typeface="맑은 고딕" charset="0"/>
+              </a:rPr>
+              <a:t> Button </a:t>
+            </a:r>
+            <a:r>
+              <a:rPr sz="1800">
+                <a:latin typeface="맑은 고딕" charset="0"/>
+                <a:ea typeface="맑은 고딕" charset="0"/>
+              </a:rPr>
+              <a:t>오브젝트의</a:t>
+            </a:r>
+            <a:r>
+              <a:rPr sz="1800">
+                <a:latin typeface="맑은 고딕" charset="0"/>
+                <a:ea typeface="맑은 고딕" charset="0"/>
+              </a:rPr>
+              <a:t> </a:t>
+            </a:r>
+            <a:r>
+              <a:rPr sz="1800">
+                <a:latin typeface="맑은 고딕" charset="0"/>
+                <a:ea typeface="맑은 고딕" charset="0"/>
+              </a:rPr>
+              <a:t>Source</a:t>
+            </a:r>
+            <a:r>
+              <a:rPr sz="1800">
+                <a:latin typeface="맑은 고딕" charset="0"/>
+                <a:ea typeface="맑은 고딕" charset="0"/>
+              </a:rPr>
+              <a:t> </a:t>
+            </a:r>
+            <a:r>
+              <a:rPr sz="1800">
+                <a:latin typeface="맑은 고딕" charset="0"/>
+                <a:ea typeface="맑은 고딕" charset="0"/>
+              </a:rPr>
+              <a:t>Image에</a:t>
+            </a:r>
+            <a:r>
+              <a:rPr sz="1800">
+                <a:latin typeface="맑은 고딕" charset="0"/>
+                <a:ea typeface="맑은 고딕" charset="0"/>
+              </a:rPr>
+              <a:t> </a:t>
+            </a:r>
+            <a:r>
+              <a:rPr sz="1800">
+                <a:latin typeface="맑은 고딕" charset="0"/>
+                <a:ea typeface="맑은 고딕" charset="0"/>
+              </a:rPr>
+              <a:t>넣어줍니다.</a:t>
+            </a:r>
+            <a:endParaRPr lang="ko-KR" altLang="en-US" sz="1800">
+              <a:latin typeface="맑은 고딕" charset="0"/>
+              <a:ea typeface="맑은 고딕" charset="0"/>
+            </a:endParaRPr>
+          </a:p>
+        </p:txBody>
+      </p:sp>
       <p:pic>
         <p:nvPicPr>
-          <p:cNvPr id="1116" name="그림 17" descr="C:/Users/Admin1/AppData/Roaming/PolarisOffice/ETemp/26440_22663712/fImage92682615724.png"/>
+          <p:cNvPr id="1126" name="그림 37" descr="C:/Users/Admin1/AppData/Roaming/PolarisOffice/ETemp/14520_11842488/fImage2085225341.png"/>
           <p:cNvPicPr>
             <a:picLocks noChangeAspect="1"/>
           </p:cNvPicPr>
           <p:nvPr/>
         </p:nvPicPr>
         <p:blipFill rotWithShape="1">
-          <a:blip r:embed="rId7" cstate="print">
+          <a:blip r:embed="rId6" cstate="hqprint">
             <a:extLst>
               <a:ext uri="{28A0092B-C50C-407E-A947-70E740481C1C}">
-                <a14:useLocalDpi xmlns:a14="http://schemas.microsoft.com/office/drawing/2010/main" val="0"/>
+                <a14:useLocalDpi xmlns:a14="http://schemas.microsoft.com/office/drawing/2010/main"/>
               </a:ext>
             </a:extLst>
           </a:blip>
@@ -9376,8 +9755,8 @@
         </p:blipFill>
         <p:spPr>
           <a:xfrm rot="0">
-            <a:off x="8235315" y="1437640"/>
-            <a:ext cx="2710815" cy="1308100"/>
+            <a:off x="6805295" y="1438275"/>
+            <a:ext cx="4152265" cy="1870075"/>
           </a:xfrm>
           <a:prstGeom prst="roundRect"/>
           <a:solidFill>
@@ -9387,17 +9766,17 @@
       </p:pic>
       <p:pic>
         <p:nvPicPr>
-          <p:cNvPr id="1117" name="그림 20" descr="C:/Users/Admin1/AppData/Roaming/PolarisOffice/ETemp/26440_22663712/fImage93812621478.png"/>
+          <p:cNvPr id="1127" name="그림 38" descr="C:/Users/Admin1/AppData/Roaming/PolarisOffice/ETemp/14520_11842488/fImage275792548467.png"/>
           <p:cNvPicPr>
             <a:picLocks noChangeAspect="1"/>
           </p:cNvPicPr>
           <p:nvPr/>
         </p:nvPicPr>
         <p:blipFill rotWithShape="1">
-          <a:blip r:embed="rId8" cstate="print">
+          <a:blip r:embed="rId7" cstate="hqprint">
             <a:extLst>
               <a:ext uri="{28A0092B-C50C-407E-A947-70E740481C1C}">
-                <a14:useLocalDpi xmlns:a14="http://schemas.microsoft.com/office/drawing/2010/main" val="0"/>
+                <a14:useLocalDpi xmlns:a14="http://schemas.microsoft.com/office/drawing/2010/main"/>
               </a:ext>
             </a:extLst>
           </a:blip>
@@ -9407,8 +9786,8 @@
         </p:blipFill>
         <p:spPr>
           <a:xfrm rot="0">
-            <a:off x="6814820" y="1442085"/>
-            <a:ext cx="1308100" cy="1303020"/>
+            <a:off x="6813550" y="3436620"/>
+            <a:ext cx="4152265" cy="887730"/>
           </a:xfrm>
           <a:prstGeom prst="roundRect"/>
           <a:solidFill>
@@ -9418,19 +9797,18 @@
       </p:pic>
       <p:cxnSp>
         <p:nvCxnSpPr>
-          <p:cNvPr id="1118" name="도형 23"/>
+          <p:cNvPr id="1128" name="도형 39"/>
           <p:cNvCxnSpPr/>
           <p:nvPr/>
         </p:nvCxnSpPr>
         <p:spPr>
           <a:xfrm rot="0" flipV="1">
-            <a:off x="7957820" y="2224405"/>
-            <a:ext cx="2910205" cy="78740"/>
+            <a:off x="8131810" y="1670685"/>
+            <a:ext cx="2696210" cy="2111375"/>
           </a:xfrm>
           <a:prstGeom prst="straightConnector1"/>
           <a:ln w="6350" cap="flat" cmpd="sng">
             <a:prstDash/>
-            <a:headEnd type="none" w="med" len="med"/>
             <a:tailEnd type="triangle" w="med" len="med"/>
           </a:ln>
         </p:spPr>
@@ -9449,917 +9827,6 @@
           </a:fontRef>
         </p:style>
       </p:cxnSp>
-      <p:sp>
-        <p:nvSpPr>
-          <p:cNvPr id="1119" name="텍스트 상자 24"/>
-          <p:cNvSpPr txBox="1">
-            <a:spLocks/>
-          </p:cNvSpPr>
-          <p:nvPr/>
-        </p:nvSpPr>
-        <p:spPr>
-          <a:xfrm rot="0">
-            <a:off x="6814820" y="2873375"/>
-            <a:ext cx="4131310" cy="954405"/>
-          </a:xfrm>
-          <a:prstGeom prst="rect"/>
-          <a:noFill/>
-        </p:spPr>
-        <p:txBody>
-          <a:bodyPr wrap="square" lIns="0" tIns="0" rIns="0" bIns="0" numCol="1" vert="horz" anchor="t">
-            <a:noAutofit/>
-          </a:bodyPr>
-          <a:lstStyle/>
-          <a:p>
-            <a:pPr marL="0" indent="0" algn="l" latinLnBrk="0" hangingPunct="1">
-              <a:buFontTx/>
-              <a:buNone/>
-            </a:pPr>
-            <a:r>
-              <a:rPr lang="ko-KR" sz="2000" b="1">
-                <a:solidFill>
-                  <a:srgbClr val="0611F2"/>
-                </a:solidFill>
-                <a:latin typeface="맑은 고딕" charset="0"/>
-                <a:ea typeface="맑은 고딕" charset="0"/>
-              </a:rPr>
-              <a:t>27</a:t>
-            </a:r>
-            <a:r>
-              <a:rPr sz="2000" b="1">
-                <a:solidFill>
-                  <a:srgbClr val="0611F2"/>
-                </a:solidFill>
-                <a:latin typeface="맑은 고딕" charset="0"/>
-                <a:ea typeface="맑은 고딕" charset="0"/>
-              </a:rPr>
-              <a:t>.</a:t>
-            </a:r>
-            <a:r>
-              <a:rPr sz="2000" b="1">
-                <a:solidFill>
-                  <a:srgbClr val="0611F2"/>
-                </a:solidFill>
-                <a:latin typeface="맑은 고딕" charset="0"/>
-                <a:ea typeface="맑은 고딕" charset="0"/>
-              </a:rPr>
-              <a:t> </a:t>
-            </a:r>
-            <a:r>
-              <a:rPr sz="1800">
-                <a:latin typeface="맑은 고딕" charset="0"/>
-                <a:ea typeface="맑은 고딕" charset="0"/>
-              </a:rPr>
-              <a:t>그러고 나서 Create Object에 있는 </a:t>
-            </a:r>
-            <a:r>
-              <a:rPr sz="1800">
-                <a:latin typeface="맑은 고딕" charset="0"/>
-                <a:ea typeface="맑은 고딕" charset="0"/>
-              </a:rPr>
-              <a:t>Create</a:t>
-            </a:r>
-            <a:r>
-              <a:rPr sz="1800">
-                <a:latin typeface="맑은 고딕" charset="0"/>
-                <a:ea typeface="맑은 고딕" charset="0"/>
-              </a:rPr>
-              <a:t> </a:t>
-            </a:r>
-            <a:r>
-              <a:rPr sz="1800">
-                <a:latin typeface="맑은 고딕" charset="0"/>
-                <a:ea typeface="맑은 고딕" charset="0"/>
-              </a:rPr>
-              <a:t>스크립트의</a:t>
-            </a:r>
-            <a:r>
-              <a:rPr sz="1800">
-                <a:latin typeface="맑은 고딕" charset="0"/>
-                <a:ea typeface="맑은 고딕" charset="0"/>
-              </a:rPr>
-              <a:t> </a:t>
-            </a:r>
-            <a:r>
-              <a:rPr sz="1800">
-                <a:latin typeface="맑은 고딕" charset="0"/>
-                <a:ea typeface="맑은 고딕" charset="0"/>
-              </a:rPr>
-              <a:t>Button 변수에 </a:t>
-            </a:r>
-            <a:r>
-              <a:rPr sz="1800">
-                <a:latin typeface="맑은 고딕" charset="0"/>
-                <a:ea typeface="맑은 고딕" charset="0"/>
-              </a:rPr>
-              <a:t>Create</a:t>
-            </a:r>
-            <a:r>
-              <a:rPr sz="1800">
-                <a:latin typeface="맑은 고딕" charset="0"/>
-                <a:ea typeface="맑은 고딕" charset="0"/>
-              </a:rPr>
-              <a:t> Button 오브젝트</a:t>
-            </a:r>
-            <a:r>
-              <a:rPr lang="ko-KR" sz="1800">
-                <a:latin typeface="맑은 고딕" charset="0"/>
-                <a:ea typeface="맑은 고딕" charset="0"/>
-              </a:rPr>
-              <a:t>를 </a:t>
-            </a:r>
-            <a:r>
-              <a:rPr lang="ko-KR" sz="1800">
-                <a:latin typeface="맑은 고딕" charset="0"/>
-                <a:ea typeface="맑은 고딕" charset="0"/>
-              </a:rPr>
-              <a:t>넣어줍니다.</a:t>
-            </a:r>
-            <a:endParaRPr lang="ko-KR" altLang="en-US" sz="1800">
-              <a:latin typeface="맑은 고딕" charset="0"/>
-              <a:ea typeface="맑은 고딕" charset="0"/>
-            </a:endParaRPr>
-          </a:p>
-        </p:txBody>
-      </p:sp>
-      <p:pic>
-        <p:nvPicPr>
-          <p:cNvPr id="1120" name="그림 25" descr="C:/Users/Admin1/AppData/Roaming/PolarisOffice/ETemp/26440_22663712/fImage93672659358.png"/>
-          <p:cNvPicPr>
-            <a:picLocks noChangeAspect="1"/>
-          </p:cNvPicPr>
-          <p:nvPr/>
-        </p:nvPicPr>
-        <p:blipFill rotWithShape="1">
-          <a:blip r:embed="rId9" cstate="print">
-            <a:extLst>
-              <a:ext uri="{28A0092B-C50C-407E-A947-70E740481C1C}">
-                <a14:useLocalDpi xmlns:a14="http://schemas.microsoft.com/office/drawing/2010/main" val="0"/>
-              </a:ext>
-            </a:extLst>
-          </a:blip>
-          <a:stretch>
-            <a:fillRect/>
-          </a:stretch>
-        </p:blipFill>
-        <p:spPr>
-          <a:xfrm rot="0">
-            <a:off x="6814185" y="3921760"/>
-            <a:ext cx="1291590" cy="1238885"/>
-          </a:xfrm>
-          <a:prstGeom prst="roundRect"/>
-          <a:solidFill>
-            <a:srgbClr val="EDEDED"/>
-          </a:solidFill>
-        </p:spPr>
-      </p:pic>
-      <p:pic>
-        <p:nvPicPr>
-          <p:cNvPr id="1121" name="그림 28" descr="C:/Users/Admin1/AppData/Roaming/PolarisOffice/ETemp/26440_22663712/fImage86452666962.png"/>
-          <p:cNvPicPr>
-            <a:picLocks noChangeAspect="1"/>
-          </p:cNvPicPr>
-          <p:nvPr/>
-        </p:nvPicPr>
-        <p:blipFill rotWithShape="1">
-          <a:blip r:embed="rId10" cstate="print">
-            <a:extLst>
-              <a:ext uri="{28A0092B-C50C-407E-A947-70E740481C1C}">
-                <a14:useLocalDpi xmlns:a14="http://schemas.microsoft.com/office/drawing/2010/main" val="0"/>
-              </a:ext>
-            </a:extLst>
-          </a:blip>
-          <a:stretch>
-            <a:fillRect/>
-          </a:stretch>
-        </p:blipFill>
-        <p:spPr>
-          <a:xfrm rot="0">
-            <a:off x="8235315" y="3939540"/>
-            <a:ext cx="2712085" cy="1229995"/>
-          </a:xfrm>
-          <a:prstGeom prst="roundRect"/>
-          <a:solidFill>
-            <a:srgbClr val="EDEDED"/>
-          </a:solidFill>
-        </p:spPr>
-      </p:pic>
-      <p:cxnSp>
-        <p:nvCxnSpPr>
-          <p:cNvPr id="1122" name="도형 31"/>
-          <p:cNvCxnSpPr/>
-          <p:nvPr/>
-        </p:nvCxnSpPr>
-        <p:spPr>
-          <a:xfrm rot="0" flipV="1">
-            <a:off x="7438390" y="4918075"/>
-            <a:ext cx="3438525" cy="34925"/>
-          </a:xfrm>
-          <a:prstGeom prst="straightConnector1"/>
-          <a:ln w="6350" cap="flat" cmpd="sng">
-            <a:prstDash/>
-            <a:headEnd type="none" w="med" len="med"/>
-            <a:tailEnd type="triangle" w="med" len="med"/>
-          </a:ln>
-        </p:spPr>
-        <p:style>
-          <a:lnRef idx="1">
-            <a:schemeClr val="accent1"/>
-          </a:lnRef>
-          <a:fillRef idx="0">
-            <a:schemeClr val="accent1"/>
-          </a:fillRef>
-          <a:effectRef idx="0">
-            <a:schemeClr val="accent1"/>
-          </a:effectRef>
-          <a:fontRef idx="minor">
-            <a:schemeClr val="tx1"/>
-          </a:fontRef>
-        </p:style>
-      </p:cxnSp>
-      <p:sp>
-        <p:nvSpPr>
-          <p:cNvPr id="1123" name="텍스트 상자 32"/>
-          <p:cNvSpPr txBox="1">
-            <a:spLocks/>
-          </p:cNvSpPr>
-          <p:nvPr/>
-        </p:nvSpPr>
-        <p:spPr>
-          <a:xfrm rot="0">
-            <a:off x="6817360" y="5299710"/>
-            <a:ext cx="4131310" cy="954405"/>
-          </a:xfrm>
-          <a:prstGeom prst="rect"/>
-          <a:noFill/>
-        </p:spPr>
-        <p:txBody>
-          <a:bodyPr wrap="square" lIns="0" tIns="0" rIns="0" bIns="0" numCol="1" vert="horz" anchor="t">
-            <a:noAutofit/>
-          </a:bodyPr>
-          <a:lstStyle/>
-          <a:p>
-            <a:pPr marL="0" indent="0" algn="l" latinLnBrk="0" hangingPunct="1">
-              <a:buFontTx/>
-              <a:buNone/>
-            </a:pPr>
-            <a:r>
-              <a:rPr lang="ko-KR" sz="2000" b="1">
-                <a:solidFill>
-                  <a:srgbClr val="0611F2"/>
-                </a:solidFill>
-                <a:latin typeface="맑은 고딕" charset="0"/>
-                <a:ea typeface="맑은 고딕" charset="0"/>
-              </a:rPr>
-              <a:t>28</a:t>
-            </a:r>
-            <a:r>
-              <a:rPr sz="2000" b="1">
-                <a:solidFill>
-                  <a:srgbClr val="0611F2"/>
-                </a:solidFill>
-                <a:latin typeface="맑은 고딕" charset="0"/>
-                <a:ea typeface="맑은 고딕" charset="0"/>
-              </a:rPr>
-              <a:t>.</a:t>
-            </a:r>
-            <a:r>
-              <a:rPr sz="2000" b="1">
-                <a:solidFill>
-                  <a:srgbClr val="0611F2"/>
-                </a:solidFill>
-                <a:latin typeface="맑은 고딕" charset="0"/>
-                <a:ea typeface="맑은 고딕" charset="0"/>
-              </a:rPr>
-              <a:t> </a:t>
-            </a:r>
-            <a:r>
-              <a:rPr sz="1800">
-                <a:latin typeface="맑은 고딕" charset="0"/>
-                <a:ea typeface="맑은 고딕" charset="0"/>
-              </a:rPr>
-              <a:t>이제 Create Object에 있는 </a:t>
-            </a:r>
-            <a:r>
-              <a:rPr sz="1800">
-                <a:latin typeface="맑은 고딕" charset="0"/>
-                <a:ea typeface="맑은 고딕" charset="0"/>
-              </a:rPr>
-              <a:t>Create</a:t>
-            </a:r>
-            <a:r>
-              <a:rPr sz="1800">
-                <a:latin typeface="맑은 고딕" charset="0"/>
-                <a:ea typeface="맑은 고딕" charset="0"/>
-              </a:rPr>
-              <a:t> </a:t>
-            </a:r>
-            <a:r>
-              <a:rPr sz="1800">
-                <a:latin typeface="맑은 고딕" charset="0"/>
-                <a:ea typeface="맑은 고딕" charset="0"/>
-              </a:rPr>
-              <a:t>스크립트</a:t>
-            </a:r>
-            <a:r>
-              <a:rPr lang="ko-KR" sz="1800">
-                <a:latin typeface="맑은 고딕" charset="0"/>
-                <a:ea typeface="맑은 고딕" charset="0"/>
-              </a:rPr>
-              <a:t>의</a:t>
-            </a:r>
-            <a:r>
-              <a:rPr sz="1800">
-                <a:latin typeface="맑은 고딕" charset="0"/>
-                <a:ea typeface="맑은 고딕" charset="0"/>
-              </a:rPr>
-              <a:t> </a:t>
-            </a:r>
-            <a:r>
-              <a:rPr sz="1800">
-                <a:latin typeface="맑은 고딕" charset="0"/>
-                <a:ea typeface="맑은 고딕" charset="0"/>
-              </a:rPr>
-              <a:t>Prefab 변수에 Alien </a:t>
-            </a:r>
-            <a:r>
-              <a:rPr sz="1800">
-                <a:latin typeface="맑은 고딕" charset="0"/>
-                <a:ea typeface="맑은 고딕" charset="0"/>
-              </a:rPr>
-              <a:t>오브젝트</a:t>
-            </a:r>
-            <a:r>
-              <a:rPr lang="ko-KR" sz="1800">
-                <a:latin typeface="맑은 고딕" charset="0"/>
-                <a:ea typeface="맑은 고딕" charset="0"/>
-              </a:rPr>
-              <a:t>를</a:t>
-            </a:r>
-            <a:r>
-              <a:rPr lang="ko-KR" sz="1800">
-                <a:latin typeface="맑은 고딕" charset="0"/>
-                <a:ea typeface="맑은 고딕" charset="0"/>
-              </a:rPr>
-              <a:t> </a:t>
-            </a:r>
-            <a:r>
-              <a:rPr lang="ko-KR" sz="1800">
-                <a:latin typeface="맑은 고딕" charset="0"/>
-                <a:ea typeface="맑은 고딕" charset="0"/>
-              </a:rPr>
-              <a:t>넣어줍니다.</a:t>
-            </a:r>
-            <a:endParaRPr lang="ko-KR" altLang="en-US" sz="1800">
-              <a:latin typeface="맑은 고딕" charset="0"/>
-              <a:ea typeface="맑은 고딕" charset="0"/>
-            </a:endParaRPr>
-          </a:p>
-        </p:txBody>
-      </p:sp>
-    </p:spTree>
-  </p:cSld>
-  <p:clrMapOvr>
-    <a:masterClrMapping/>
-  </p:clrMapOvr>
-  <mc:AlternateContent xmlns:mc="http://schemas.openxmlformats.org/markup-compatibility/2006">
-    <mc:Choice xmlns:p14="http://schemas.microsoft.com/office/powerpoint/2010/main" Requires="p14">
-      <p:transition spd="slow" p14:dur="2000"/>
-    </mc:Choice>
-    <mc:Fallback>
-      <p:transition spd="slow"/>
-    </mc:Fallback>
-  </mc:AlternateContent>
-  <p:timing>
-    <p:tnLst>
-      <p:par>
-        <p:cTn id="1" dur="indefinite" restart="never" nodeType="tmRoot"/>
-      </p:par>
-    </p:tnLst>
-  </p:timing>
-</p:sld>
-</file>
-
-<file path=ppt/slides/slide13.xml><?xml version="1.0" encoding="utf-8"?>
-<p:sld xmlns:a="http://schemas.openxmlformats.org/drawingml/2006/main" xmlns:r="http://schemas.openxmlformats.org/officeDocument/2006/relationships" xmlns:p="http://schemas.openxmlformats.org/presentationml/2006/main" xmlns:p14="http://schemas.microsoft.com/office/powerpoint/2010/main">
-  <p:cSld>
-    <p:spTree>
-      <p:nvGrpSpPr>
-        <p:cNvPr id="1" name=""/>
-        <p:cNvGrpSpPr/>
-        <p:nvPr/>
-      </p:nvGrpSpPr>
-      <p:grpSpPr>
-        <a:xfrm>
-          <a:off x="0" y="0"/>
-          <a:ext cx="0" cy="0"/>
-          <a:chOff x="0" y="0"/>
-          <a:chExt cx="0" cy="0"/>
-        </a:xfrm>
-      </p:grpSpPr>
-      <p:sp>
-        <p:nvSpPr>
-          <p:cNvPr id="1031" name="Rect 0"/>
-          <p:cNvSpPr txBox="1">
-            <a:spLocks/>
-          </p:cNvSpPr>
-          <p:nvPr/>
-        </p:nvSpPr>
-        <p:spPr>
-          <a:xfrm rot="0">
-            <a:off x="4327525" y="353060"/>
-            <a:ext cx="3545205" cy="478155"/>
-          </a:xfrm>
-          <a:prstGeom prst="rect"/>
-          <a:noFill/>
-          <a:ln w="0">
-            <a:noFill/>
-            <a:prstDash/>
-          </a:ln>
-        </p:spPr>
-        <p:txBody>
-          <a:bodyPr wrap="square" lIns="89535" tIns="46355" rIns="89535" bIns="46355" numCol="1" vert="horz" anchor="t">
-            <a:spAutoFit/>
-          </a:bodyPr>
-          <a:lstStyle/>
-          <a:p>
-            <a:pPr marL="0" indent="0" algn="ctr" latinLnBrk="0">
-              <a:buFontTx/>
-              <a:buNone/>
-            </a:pPr>
-            <a:r>
-              <a:rPr lang="ko-KR" altLang="en-US" sz="2500" b="1">
-                <a:solidFill>
-                  <a:schemeClr val="tx1"/>
-                </a:solidFill>
-                <a:latin typeface="나눔바른고딕" charset="0"/>
-                <a:ea typeface="나눔바른고딕" charset="0"/>
-              </a:rPr>
-              <a:t>열두</a:t>
-            </a:r>
-            <a:r>
-              <a:rPr lang="ko-KR" altLang="en-US" sz="2500" b="1">
-                <a:solidFill>
-                  <a:schemeClr val="tx1"/>
-                </a:solidFill>
-                <a:latin typeface="나눔바른고딕" charset="0"/>
-                <a:ea typeface="나눔바른고딕" charset="0"/>
-              </a:rPr>
-              <a:t> 번째 튜토리얼</a:t>
-            </a:r>
-            <a:endParaRPr lang="ko-KR" altLang="en-US" sz="2500" b="1">
-              <a:solidFill>
-                <a:schemeClr val="tx1"/>
-              </a:solidFill>
-              <a:latin typeface="나눔바른고딕" charset="0"/>
-              <a:ea typeface="나눔바른고딕" charset="0"/>
-            </a:endParaRPr>
-          </a:p>
-        </p:txBody>
-      </p:sp>
-      <p:sp>
-        <p:nvSpPr>
-          <p:cNvPr id="1112" name="Rect 0"/>
-          <p:cNvSpPr txBox="1">
-            <a:spLocks/>
-          </p:cNvSpPr>
-          <p:nvPr/>
-        </p:nvSpPr>
-        <p:spPr>
-          <a:xfrm rot="0">
-            <a:off x="1223010" y="5506720"/>
-            <a:ext cx="4144010" cy="677545"/>
-          </a:xfrm>
-          <a:prstGeom prst="rect"/>
-          <a:noFill/>
-          <a:ln w="0">
-            <a:noFill/>
-            <a:prstDash/>
-          </a:ln>
-        </p:spPr>
-        <p:txBody>
-          <a:bodyPr wrap="square" lIns="89535" tIns="46355" rIns="89535" bIns="46355" numCol="1" vert="horz" anchor="t">
-            <a:spAutoFit/>
-          </a:bodyPr>
-          <a:lstStyle/>
-          <a:p>
-            <a:pPr marL="0" indent="0" algn="l" latinLnBrk="0" hangingPunct="1">
-              <a:buFontTx/>
-              <a:buNone/>
-            </a:pPr>
-            <a:r>
-              <a:rPr lang="ko-KR" sz="2000" b="1">
-                <a:solidFill>
-                  <a:srgbClr val="0611F2"/>
-                </a:solidFill>
-                <a:latin typeface="맑은 고딕" charset="0"/>
-                <a:ea typeface="맑은 고딕" charset="0"/>
-              </a:rPr>
-              <a:t>29</a:t>
-            </a:r>
-            <a:r>
-              <a:rPr sz="2000" b="1">
-                <a:solidFill>
-                  <a:srgbClr val="0611F2"/>
-                </a:solidFill>
-                <a:latin typeface="맑은 고딕" charset="0"/>
-                <a:ea typeface="맑은 고딕" charset="0"/>
-              </a:rPr>
-              <a:t>.</a:t>
-            </a:r>
-            <a:r>
-              <a:rPr sz="2000" b="1">
-                <a:solidFill>
-                  <a:srgbClr val="0611F2"/>
-                </a:solidFill>
-                <a:latin typeface="맑은 고딕" charset="0"/>
-                <a:ea typeface="맑은 고딕" charset="0"/>
-              </a:rPr>
-              <a:t> </a:t>
-            </a:r>
-            <a:r>
-              <a:rPr sz="1800">
-                <a:latin typeface="맑은 고딕" charset="0"/>
-                <a:ea typeface="맑은 고딕" charset="0"/>
-              </a:rPr>
-              <a:t>그리고 Camera 오브젝트의 </a:t>
-            </a:r>
-            <a:r>
-              <a:rPr sz="1800">
-                <a:latin typeface="맑은 고딕" charset="0"/>
-                <a:ea typeface="맑은 고딕" charset="0"/>
-              </a:rPr>
-              <a:t>Clear </a:t>
-            </a:r>
-            <a:r>
-              <a:rPr sz="1800">
-                <a:latin typeface="맑은 고딕" charset="0"/>
-                <a:ea typeface="맑은 고딕" charset="0"/>
-              </a:rPr>
-              <a:t>Flags를</a:t>
-            </a:r>
-            <a:r>
-              <a:rPr sz="1800">
-                <a:latin typeface="맑은 고딕" charset="0"/>
-                <a:ea typeface="맑은 고딕" charset="0"/>
-              </a:rPr>
-              <a:t> Solid</a:t>
-            </a:r>
-            <a:r>
-              <a:rPr lang="ko-KR" sz="1800">
-                <a:latin typeface="맑은 고딕" charset="0"/>
-                <a:ea typeface="맑은 고딕" charset="0"/>
-              </a:rPr>
-              <a:t> </a:t>
-            </a:r>
-            <a:r>
-              <a:rPr lang="ko-KR" sz="1800">
-                <a:latin typeface="맑은 고딕" charset="0"/>
-                <a:ea typeface="맑은 고딕" charset="0"/>
-              </a:rPr>
-              <a:t>Color로 설정합니다.</a:t>
-            </a:r>
-            <a:endParaRPr lang="ko-KR" altLang="en-US" sz="1800">
-              <a:latin typeface="맑은 고딕" charset="0"/>
-              <a:ea typeface="맑은 고딕" charset="0"/>
-            </a:endParaRPr>
-          </a:p>
-        </p:txBody>
-      </p:sp>
-      <p:sp>
-        <p:nvSpPr>
-          <p:cNvPr id="1123" name="Rect 0"/>
-          <p:cNvSpPr txBox="1">
-            <a:spLocks/>
-          </p:cNvSpPr>
-          <p:nvPr/>
-        </p:nvSpPr>
-        <p:spPr>
-          <a:xfrm rot="0">
-            <a:off x="6808470" y="5230495"/>
-            <a:ext cx="4132580" cy="955675"/>
-          </a:xfrm>
-          <a:prstGeom prst="rect"/>
-          <a:noFill/>
-        </p:spPr>
-        <p:txBody>
-          <a:bodyPr wrap="square" lIns="0" tIns="0" rIns="0" bIns="0" numCol="1" vert="horz" anchor="t">
-            <a:noAutofit/>
-          </a:bodyPr>
-          <a:lstStyle/>
-          <a:p>
-            <a:pPr marL="0" indent="0" algn="l" latinLnBrk="0" hangingPunct="1">
-              <a:buFontTx/>
-              <a:buNone/>
-            </a:pPr>
-            <a:r>
-              <a:rPr lang="ko-KR" sz="2000" b="1">
-                <a:solidFill>
-                  <a:srgbClr val="0611F2"/>
-                </a:solidFill>
-                <a:latin typeface="맑은 고딕" charset="0"/>
-                <a:ea typeface="맑은 고딕" charset="0"/>
-              </a:rPr>
-              <a:t>31</a:t>
-            </a:r>
-            <a:r>
-              <a:rPr sz="2000" b="1">
-                <a:solidFill>
-                  <a:srgbClr val="0611F2"/>
-                </a:solidFill>
-                <a:latin typeface="맑은 고딕" charset="0"/>
-                <a:ea typeface="맑은 고딕" charset="0"/>
-              </a:rPr>
-              <a:t>.</a:t>
-            </a:r>
-            <a:r>
-              <a:rPr sz="2000" b="1">
-                <a:solidFill>
-                  <a:srgbClr val="0611F2"/>
-                </a:solidFill>
-                <a:latin typeface="맑은 고딕" charset="0"/>
-                <a:ea typeface="맑은 고딕" charset="0"/>
-              </a:rPr>
-              <a:t> </a:t>
-            </a:r>
-            <a:r>
-              <a:rPr sz="1800">
-                <a:latin typeface="맑은 고딕" charset="0"/>
-                <a:ea typeface="맑은 고딕" charset="0"/>
-              </a:rPr>
-              <a:t>그다음 Start( ) 함수에서 Destroy( ) </a:t>
-            </a:r>
-            <a:r>
-              <a:rPr sz="1800">
-                <a:latin typeface="맑은 고딕" charset="0"/>
-                <a:ea typeface="맑은 고딕" charset="0"/>
-              </a:rPr>
-              <a:t>함수를</a:t>
-            </a:r>
-            <a:r>
-              <a:rPr sz="1800">
-                <a:latin typeface="맑은 고딕" charset="0"/>
-                <a:ea typeface="맑은 고딕" charset="0"/>
-              </a:rPr>
-              <a:t> 호출하고 삭제할 오브젝트와 </a:t>
-            </a:r>
-            <a:r>
-              <a:rPr lang="ko-KR" sz="1800">
-                <a:latin typeface="맑은 고딕" charset="0"/>
-                <a:ea typeface="맑은 고딕" charset="0"/>
-              </a:rPr>
-              <a:t>삭제할</a:t>
-            </a:r>
-            <a:r>
-              <a:rPr lang="ko-KR" sz="1800">
-                <a:latin typeface="맑은 고딕" charset="0"/>
-                <a:ea typeface="맑은 고딕" charset="0"/>
-              </a:rPr>
-              <a:t> 시간을 설정합니다.</a:t>
-            </a:r>
-            <a:endParaRPr lang="ko-KR" altLang="en-US" sz="1800">
-              <a:latin typeface="맑은 고딕" charset="0"/>
-              <a:ea typeface="맑은 고딕" charset="0"/>
-            </a:endParaRPr>
-          </a:p>
-        </p:txBody>
-      </p:sp>
-      <p:pic>
-        <p:nvPicPr>
-          <p:cNvPr id="1124" name="그림 5"/>
-          <p:cNvPicPr>
-            <a:picLocks noChangeAspect="1"/>
-          </p:cNvPicPr>
-          <p:nvPr/>
-        </p:nvPicPr>
-        <p:blipFill rotWithShape="1">
-          <a:blip r:embed="rId2" cstate="print">
-            <a:extLst>
-              <a:ext uri="{28A0092B-C50C-407E-A947-70E740481C1C}">
-                <a14:useLocalDpi xmlns:a14="http://schemas.microsoft.com/office/drawing/2010/main" val="0"/>
-              </a:ext>
-            </a:extLst>
-          </a:blip>
-          <a:stretch>
-            <a:fillRect/>
-          </a:stretch>
-        </p:blipFill>
-        <p:spPr>
-          <a:xfrm rot="0">
-            <a:off x="1231900" y="1447165"/>
-            <a:ext cx="4135120" cy="3842385"/>
-          </a:xfrm>
-          <a:prstGeom prst="roundRect"/>
-          <a:solidFill>
-            <a:srgbClr val="EDEDED"/>
-          </a:solidFill>
-        </p:spPr>
-      </p:pic>
-      <p:pic>
-        <p:nvPicPr>
-          <p:cNvPr id="1125" name="그림 8"/>
-          <p:cNvPicPr>
-            <a:picLocks noChangeAspect="1"/>
-          </p:cNvPicPr>
-          <p:nvPr/>
-        </p:nvPicPr>
-        <p:blipFill rotWithShape="1">
-          <a:blip r:embed="rId3" cstate="print">
-            <a:extLst>
-              <a:ext uri="{28A0092B-C50C-407E-A947-70E740481C1C}">
-                <a14:useLocalDpi xmlns:a14="http://schemas.microsoft.com/office/drawing/2010/main" val="0"/>
-              </a:ext>
-            </a:extLst>
-          </a:blip>
-          <a:stretch>
-            <a:fillRect/>
-          </a:stretch>
-        </p:blipFill>
-        <p:spPr>
-          <a:xfrm rot="0">
-            <a:off x="6804660" y="1447165"/>
-            <a:ext cx="4144010" cy="1232535"/>
-          </a:xfrm>
-          <a:prstGeom prst="roundRect"/>
-          <a:solidFill>
-            <a:srgbClr val="EDEDED"/>
-          </a:solidFill>
-        </p:spPr>
-      </p:pic>
-      <p:sp>
-        <p:nvSpPr>
-          <p:cNvPr id="1126" name="텍스트 상자 11"/>
-          <p:cNvSpPr txBox="1">
-            <a:spLocks/>
-          </p:cNvSpPr>
-          <p:nvPr/>
-        </p:nvSpPr>
-        <p:spPr>
-          <a:xfrm rot="0">
-            <a:off x="6819900" y="2821305"/>
-            <a:ext cx="4131945" cy="995045"/>
-          </a:xfrm>
-          <a:prstGeom prst="rect"/>
-          <a:noFill/>
-        </p:spPr>
-        <p:txBody>
-          <a:bodyPr wrap="square" lIns="0" tIns="0" rIns="0" bIns="0" numCol="1" vert="horz" anchor="t">
-            <a:noAutofit/>
-          </a:bodyPr>
-          <a:lstStyle/>
-          <a:p>
-            <a:pPr marL="0" indent="0" algn="l" latinLnBrk="0" hangingPunct="1">
-              <a:buFontTx/>
-              <a:buNone/>
-            </a:pPr>
-            <a:r>
-              <a:rPr lang="ko-KR" sz="2000" b="1">
-                <a:solidFill>
-                  <a:srgbClr val="0611F2"/>
-                </a:solidFill>
-                <a:latin typeface="맑은 고딕" charset="0"/>
-                <a:ea typeface="맑은 고딕" charset="0"/>
-              </a:rPr>
-              <a:t>3</a:t>
-            </a:r>
-            <a:r>
-              <a:rPr lang="ko-KR" sz="2000" b="1">
-                <a:solidFill>
-                  <a:srgbClr val="0611F2"/>
-                </a:solidFill>
-                <a:latin typeface="맑은 고딕" charset="0"/>
-                <a:ea typeface="맑은 고딕" charset="0"/>
-              </a:rPr>
-              <a:t>0</a:t>
-            </a:r>
-            <a:r>
-              <a:rPr sz="2000" b="1">
-                <a:solidFill>
-                  <a:srgbClr val="0611F2"/>
-                </a:solidFill>
-                <a:latin typeface="맑은 고딕" charset="0"/>
-                <a:ea typeface="맑은 고딕" charset="0"/>
-              </a:rPr>
-              <a:t>.</a:t>
-            </a:r>
-            <a:r>
-              <a:rPr sz="2000" b="1">
-                <a:solidFill>
-                  <a:srgbClr val="0611F2"/>
-                </a:solidFill>
-                <a:latin typeface="맑은 고딕" charset="0"/>
-                <a:ea typeface="맑은 고딕" charset="0"/>
-              </a:rPr>
-              <a:t> </a:t>
-            </a:r>
-            <a:r>
-              <a:rPr sz="1800">
-                <a:latin typeface="맑은 고딕" charset="0"/>
-                <a:ea typeface="맑은 고딕" charset="0"/>
-              </a:rPr>
-              <a:t>그런 다음 Delete 스크립트의 int </a:t>
-            </a:r>
-            <a:r>
-              <a:rPr sz="1800">
-                <a:latin typeface="맑은 고딕" charset="0"/>
-                <a:ea typeface="맑은 고딕" charset="0"/>
-              </a:rPr>
-              <a:t>변수</a:t>
-            </a:r>
-            <a:r>
-              <a:rPr sz="1800">
-                <a:latin typeface="맑은 고딕" charset="0"/>
-                <a:ea typeface="맑은 고딕" charset="0"/>
-              </a:rPr>
-              <a:t>를</a:t>
-            </a:r>
-            <a:r>
-              <a:rPr sz="1800">
-                <a:latin typeface="맑은 고딕" charset="0"/>
-                <a:ea typeface="맑은 고딕" charset="0"/>
-              </a:rPr>
-              <a:t> </a:t>
-            </a:r>
-            <a:r>
-              <a:rPr sz="1800">
-                <a:latin typeface="맑은 고딕" charset="0"/>
-                <a:ea typeface="맑은 고딕" charset="0"/>
-              </a:rPr>
-              <a:t>선언한 다음 1</a:t>
-            </a:r>
-            <a:r>
-              <a:rPr lang="ko-KR" sz="1800">
-                <a:latin typeface="맑은 고딕" charset="0"/>
-                <a:ea typeface="맑은 고딕" charset="0"/>
-              </a:rPr>
-              <a:t> ~ </a:t>
-            </a:r>
-            <a:r>
-              <a:rPr lang="ko-KR" sz="1800">
-                <a:latin typeface="맑은 고딕" charset="0"/>
-                <a:ea typeface="맑은 고딕" charset="0"/>
-              </a:rPr>
-              <a:t>5 사이의 난수 </a:t>
-            </a:r>
-            <a:r>
-              <a:rPr lang="ko-KR" sz="1800">
-                <a:latin typeface="맑은 고딕" charset="0"/>
-                <a:ea typeface="맑은 고딕" charset="0"/>
-              </a:rPr>
-              <a:t>값을</a:t>
-            </a:r>
-            <a:r>
-              <a:rPr lang="ko-KR" sz="1800">
-                <a:latin typeface="맑은 고딕" charset="0"/>
-                <a:ea typeface="맑은 고딕" charset="0"/>
-              </a:rPr>
-              <a:t> 받도록 설정합니</a:t>
-            </a:r>
-            <a:r>
-              <a:rPr lang="ko-KR" sz="1800">
-                <a:latin typeface="맑은 고딕" charset="0"/>
-                <a:ea typeface="맑은 고딕" charset="0"/>
-              </a:rPr>
-              <a:t>다.</a:t>
-            </a:r>
-            <a:endParaRPr lang="ko-KR" altLang="en-US" sz="1800">
-              <a:latin typeface="맑은 고딕" charset="0"/>
-              <a:ea typeface="맑은 고딕" charset="0"/>
-            </a:endParaRPr>
-          </a:p>
-        </p:txBody>
-      </p:sp>
-      <p:pic>
-        <p:nvPicPr>
-          <p:cNvPr id="1127" name="그림 12"/>
-          <p:cNvPicPr>
-            <a:picLocks noChangeAspect="1"/>
-          </p:cNvPicPr>
-          <p:nvPr/>
-        </p:nvPicPr>
-        <p:blipFill rotWithShape="1">
-          <a:blip r:embed="rId4" cstate="print">
-            <a:extLst>
-              <a:ext uri="{28A0092B-C50C-407E-A947-70E740481C1C}">
-                <a14:useLocalDpi xmlns:a14="http://schemas.microsoft.com/office/drawing/2010/main" val="0"/>
-              </a:ext>
-            </a:extLst>
-          </a:blip>
-          <a:stretch>
-            <a:fillRect/>
-          </a:stretch>
-        </p:blipFill>
-        <p:spPr>
-          <a:xfrm rot="0">
-            <a:off x="6796405" y="3936365"/>
-            <a:ext cx="4152265" cy="1120775"/>
-          </a:xfrm>
-          <a:prstGeom prst="roundRect"/>
-          <a:solidFill>
-            <a:srgbClr val="EDEDED"/>
-          </a:solidFill>
-        </p:spPr>
-      </p:pic>
     </p:spTree>
   </p:cSld>
   <p:clrMapOvr>
@@ -10592,9 +10059,9 @@
           <p:nvPr/>
         </p:nvSpPr>
         <p:spPr>
-          <a:xfrm rot="0">
+          <a:xfrm>
             <a:off x="6805295" y="5294630"/>
-            <a:ext cx="4152265" cy="954405"/>
+            <a:ext cx="4152900" cy="954405"/>
           </a:xfrm>
           <a:prstGeom prst="rect"/>
           <a:noFill/>
@@ -10648,7 +10115,7 @@
                 <a:latin typeface="맑은 고딕" charset="0"/>
                 <a:ea typeface="맑은 고딕" charset="0"/>
               </a:rPr>
-              <a:t>그다음으로 UI에 Button을 생성한 </a:t>
+              <a:t>그다음 UI에 Button을 생성한 </a:t>
             </a:r>
             <a:r>
               <a:rPr lang="ko-KR" sz="1800">
@@ -10662,7 +10129,21 @@
                 <a:latin typeface="맑은 고딕" charset="0"/>
                 <a:ea typeface="맑은 고딕" charset="0"/>
               </a:rPr>
-              <a:t> Create Button이라는 이름으로 </a:t>
+              <a:t> </a:t>
+            </a:r>
+            <a:r>
+              <a:rPr lang="ko-KR" sz="1800">
+                <a:latin typeface="맑은 고딕" charset="0"/>
+                <a:ea typeface="맑은 고딕" charset="0"/>
+              </a:rPr>
+              <a:t>Create</a:t>
+            </a:r>
+            <a:r>
+              <a:rPr lang="ko-KR" sz="1800">
+                <a:latin typeface="맑은 고딕" charset="0"/>
+                <a:ea typeface="맑은 고딕" charset="0"/>
+              </a:rPr>
+              <a:t> Button이라는 이름으로 </a:t>
             </a:r>
             <a:r>
               <a:rPr lang="ko-KR" sz="1800">
@@ -10742,7 +10223,7 @@
       </p:pic>
       <p:pic>
         <p:nvPicPr>
-          <p:cNvPr id="1057" name="그림 16" descr="C:/Users/Admin1/AppData/Roaming/PolarisOffice/ETemp/21916_16244272/fImage254672965724.png"/>
+          <p:cNvPr id="1057" name="그림 16"/>
           <p:cNvPicPr>
             <a:picLocks noChangeAspect="1"/>
           </p:cNvPicPr>
@@ -10773,7 +10254,7 @@
       </p:pic>
       <p:pic>
         <p:nvPicPr>
-          <p:cNvPr id="1058" name="그림 19" descr="C:/Users/Admin1/AppData/Roaming/PolarisOffice/ETemp/21916_16244272/fImage77952971478.png"/>
+          <p:cNvPr id="1058" name="그림 19"/>
           <p:cNvPicPr>
             <a:picLocks noChangeAspect="1"/>
           </p:cNvPicPr>
@@ -10921,9 +10402,9 @@
           <p:nvPr/>
         </p:nvSpPr>
         <p:spPr>
-          <a:xfrm rot="0">
+          <a:xfrm>
             <a:off x="6801485" y="5244465"/>
-            <a:ext cx="4181475" cy="954405"/>
+            <a:ext cx="4182110" cy="954405"/>
           </a:xfrm>
           <a:prstGeom prst="rect"/>
           <a:noFill/>
@@ -10977,7 +10458,21 @@
                 <a:latin typeface="맑은 고딕" charset="0"/>
                 <a:ea typeface="맑은 고딕" charset="0"/>
               </a:rPr>
-              <a:t>그다음 Create Button 오브젝트의 </a:t>
+              <a:t>그런 다음 Create Button </a:t>
+            </a:r>
+            <a:r>
+              <a:rPr lang="ko-KR" sz="1800">
+                <a:latin typeface="맑은 고딕" charset="0"/>
+                <a:ea typeface="맑은 고딕" charset="0"/>
+              </a:rPr>
+              <a:t>오브젝트의</a:t>
+            </a:r>
+            <a:r>
+              <a:rPr lang="ko-KR" sz="1800">
+                <a:latin typeface="맑은 고딕" charset="0"/>
+                <a:ea typeface="맑은 고딕" charset="0"/>
+              </a:rPr>
+              <a:t> </a:t>
             </a:r>
             <a:r>
               <a:rPr lang="ko-KR" sz="1800">
@@ -10998,21 +10493,35 @@
                 <a:latin typeface="맑은 고딕" charset="0"/>
                 <a:ea typeface="맑은 고딕" charset="0"/>
               </a:rPr>
-              <a:t>지정하고 위치와 크기를 </a:t>
-            </a:r>
-            <a:r>
-              <a:rPr lang="ko-KR" sz="1800">
-                <a:latin typeface="맑은 고딕" charset="0"/>
-                <a:ea typeface="맑은 고딕" charset="0"/>
-              </a:rPr>
-              <a:t>설정합니</a:t>
-            </a:r>
-            <a:r>
-              <a:rPr lang="ko-KR" sz="1800">
-                <a:latin typeface="맑은 고딕" charset="0"/>
-                <a:ea typeface="맑은 고딕" charset="0"/>
-              </a:rPr>
-              <a:t>다.</a:t>
+              <a:t>지정하고</a:t>
+            </a:r>
+            <a:r>
+              <a:rPr lang="ko-KR" sz="1800">
+                <a:latin typeface="맑은 고딕" charset="0"/>
+                <a:ea typeface="맑은 고딕" charset="0"/>
+              </a:rPr>
+              <a:t> 위치와 </a:t>
+            </a:r>
+            <a:r>
+              <a:rPr lang="ko-KR" sz="1800">
+                <a:latin typeface="맑은 고딕" charset="0"/>
+                <a:ea typeface="맑은 고딕" charset="0"/>
+              </a:rPr>
+              <a:t>크기를</a:t>
+            </a:r>
+            <a:r>
+              <a:rPr lang="ko-KR" sz="1800">
+                <a:latin typeface="맑은 고딕" charset="0"/>
+                <a:ea typeface="맑은 고딕" charset="0"/>
+              </a:rPr>
+              <a:t> </a:t>
+            </a:r>
+            <a:r>
+              <a:rPr lang="ko-KR" sz="1800">
+                <a:latin typeface="맑은 고딕" charset="0"/>
+                <a:ea typeface="맑은 고딕" charset="0"/>
+              </a:rPr>
+              <a:t>설정합니다.</a:t>
             </a:r>
             <a:endParaRPr lang="ko-KR" altLang="en-US" sz="1800">
               <a:latin typeface="맑은 고딕" charset="0"/>
@@ -11023,7 +10532,7 @@
       </p:sp>
       <p:pic>
         <p:nvPicPr>
-          <p:cNvPr id="1037" name="그림 2" descr="C:/Users/Admin1/AppData/Roaming/PolarisOffice/ETemp/21916_16244272/fImage301717141.png"/>
+          <p:cNvPr id="1037" name="그림 2"/>
           <p:cNvPicPr>
             <a:picLocks noChangeAspect="1"/>
           </p:cNvPicPr>
@@ -11054,7 +10563,7 @@
       </p:pic>
       <p:pic>
         <p:nvPicPr>
-          <p:cNvPr id="1038" name="그림 3" descr="C:/Users/Admin1/AppData/Roaming/PolarisOffice/ETemp/21916_16244272/fImage77952971478.png"/>
+          <p:cNvPr id="1038" name="그림 3"/>
           <p:cNvPicPr>
             <a:picLocks noChangeAspect="1"/>
           </p:cNvPicPr>
@@ -11092,9 +10601,9 @@
           <p:nvPr/>
         </p:nvSpPr>
         <p:spPr>
-          <a:xfrm rot="0">
+          <a:xfrm>
             <a:off x="1231265" y="2646045"/>
-            <a:ext cx="4152900" cy="954405"/>
+            <a:ext cx="4153535" cy="954405"/>
           </a:xfrm>
           <a:prstGeom prst="rect"/>
           <a:noFill/>
@@ -11148,14 +10657,14 @@
                 <a:latin typeface="맑은 고딕" charset="0"/>
                 <a:ea typeface="맑은 고딕" charset="0"/>
               </a:rPr>
-              <a:t>이제 Create </a:t>
-            </a:r>
-            <a:r>
-              <a:rPr lang="ko-KR" sz="1800">
-                <a:latin typeface="맑은 고딕" charset="0"/>
-                <a:ea typeface="맑은 고딕" charset="0"/>
-              </a:rPr>
-              <a:t>Button 오브젝트를</a:t>
+              <a:t>그러고 나서 Create Button </a:t>
+            </a:r>
+            <a:r>
+              <a:rPr lang="ko-KR" sz="1800">
+                <a:latin typeface="맑은 고딕" charset="0"/>
+                <a:ea typeface="맑은 고딕" charset="0"/>
+              </a:rPr>
+              <a:t>오브젝트를</a:t>
             </a:r>
             <a:r>
               <a:rPr lang="ko-KR" sz="1800">
@@ -11190,49 +10699,21 @@
                 <a:latin typeface="맑은 고딕" charset="0"/>
                 <a:ea typeface="맑은 고딕" charset="0"/>
               </a:rPr>
-              <a:t> </a:t>
-            </a:r>
-            <a:r>
-              <a:rPr lang="ko-KR" sz="1800">
-                <a:latin typeface="맑은 고딕" charset="0"/>
-                <a:ea typeface="맑은 고딕" charset="0"/>
-              </a:rPr>
-              <a:t>On</a:t>
-            </a:r>
-            <a:r>
-              <a:rPr lang="ko-KR" sz="1800">
-                <a:latin typeface="맑은 고딕" charset="0"/>
-                <a:ea typeface="맑은 고딕" charset="0"/>
-              </a:rPr>
-              <a:t> </a:t>
-            </a:r>
-            <a:r>
-              <a:rPr lang="ko-KR" sz="1800">
-                <a:latin typeface="맑은 고딕" charset="0"/>
-                <a:ea typeface="맑은 고딕" charset="0"/>
-              </a:rPr>
-              <a:t>Click</a:t>
-            </a:r>
-            <a:r>
-              <a:rPr lang="ko-KR" sz="1800">
-                <a:latin typeface="맑은 고딕" charset="0"/>
-                <a:ea typeface="맑은 고딕" charset="0"/>
-              </a:rPr>
-              <a:t> 함수에 </a:t>
-            </a:r>
-            <a:r>
-              <a:rPr lang="ko-KR" sz="1800">
-                <a:latin typeface="맑은 고딕" charset="0"/>
-                <a:ea typeface="맑은 고딕" charset="0"/>
-              </a:rPr>
-              <a:t>Event를</a:t>
-            </a:r>
-            <a:r>
-              <a:rPr lang="ko-KR" sz="1800">
-                <a:latin typeface="맑은 고딕" charset="0"/>
-                <a:ea typeface="맑은 고딕" charset="0"/>
-              </a:rPr>
-              <a:t> </a:t>
+              <a:t> On Click </a:t>
+            </a:r>
+            <a:r>
+              <a:rPr lang="ko-KR" sz="1800">
+                <a:latin typeface="맑은 고딕" charset="0"/>
+                <a:ea typeface="맑은 고딕" charset="0"/>
+              </a:rPr>
+              <a:t>함수에</a:t>
+            </a:r>
+            <a:r>
+              <a:rPr lang="ko-KR" sz="1800">
+                <a:latin typeface="맑은 고딕" charset="0"/>
+                <a:ea typeface="맑은 고딕" charset="0"/>
+              </a:rPr>
+              <a:t> Event를 </a:t>
             </a:r>
             <a:r>
               <a:rPr lang="ko-KR" sz="1800">
@@ -11250,7 +10731,7 @@
       </p:sp>
       <p:pic>
         <p:nvPicPr>
-          <p:cNvPr id="1040" name="그림 6" descr="C:/Users/Admin1/AppData/Roaming/PolarisOffice/ETemp/21916_16244272/fImage123181758467.png"/>
+          <p:cNvPr id="1040" name="그림 6"/>
           <p:cNvPicPr>
             <a:picLocks noChangeAspect="1"/>
           </p:cNvPicPr>
@@ -11288,9 +10769,9 @@
           <p:nvPr/>
         </p:nvSpPr>
         <p:spPr>
-          <a:xfrm rot="0">
+          <a:xfrm>
             <a:off x="1240155" y="5479415"/>
-            <a:ext cx="4144645" cy="677545"/>
+            <a:ext cx="4145280" cy="677545"/>
           </a:xfrm>
           <a:prstGeom prst="rect"/>
           <a:noFill/>
@@ -11344,14 +10825,14 @@
                 <a:latin typeface="맑은 고딕" charset="0"/>
                 <a:ea typeface="맑은 고딕" charset="0"/>
               </a:rPr>
-              <a:t>그리고 Back Ground 오브젝트</a:t>
-            </a:r>
-            <a:r>
-              <a:rPr lang="ko-KR" sz="1800">
-                <a:latin typeface="맑은 고딕" charset="0"/>
-                <a:ea typeface="맑은 고딕" charset="0"/>
-              </a:rPr>
-              <a:t>의</a:t>
+              <a:t>이제 Back Ground 오브젝트의 </a:t>
+            </a:r>
+            <a:r>
+              <a:rPr lang="ko-KR" sz="1800">
+                <a:latin typeface="맑은 고딕" charset="0"/>
+                <a:ea typeface="맑은 고딕" charset="0"/>
+              </a:rPr>
+              <a:t>앵커를</a:t>
             </a:r>
             <a:r>
               <a:rPr lang="ko-KR" sz="1800">
@@ -11365,14 +10846,7 @@
                 <a:latin typeface="맑은 고딕" charset="0"/>
                 <a:ea typeface="맑은 고딕" charset="0"/>
               </a:rPr>
-              <a:t>앵커를</a:t>
-            </a:r>
-            <a:r>
-              <a:rPr lang="ko-KR" sz="1800">
-                <a:latin typeface="맑은 고딕" charset="0"/>
-                <a:ea typeface="맑은 고딕" charset="0"/>
-              </a:rPr>
-              <a:t> 설정합니다.</a:t>
+              <a:t>설정합니다.</a:t>
             </a:r>
             <a:endParaRPr lang="ko-KR" altLang="en-US" sz="1800">
               <a:latin typeface="맑은 고딕" charset="0"/>
@@ -11383,7 +10857,7 @@
       </p:sp>
       <p:pic>
         <p:nvPicPr>
-          <p:cNvPr id="1042" name="그림 10" descr="C:/Users/Admin1/AppData/Roaming/PolarisOffice/ETemp/21916_16244272/fImage122371776334.png"/>
+          <p:cNvPr id="1042" name="그림 10"/>
           <p:cNvPicPr>
             <a:picLocks noChangeAspect="1"/>
           </p:cNvPicPr>
@@ -11421,9 +10895,9 @@
           <p:nvPr/>
         </p:nvSpPr>
         <p:spPr>
-          <a:xfrm rot="0">
+          <a:xfrm>
             <a:off x="6795770" y="2887345"/>
-            <a:ext cx="4178935" cy="677545"/>
+            <a:ext cx="4179570" cy="677545"/>
           </a:xfrm>
           <a:prstGeom prst="rect"/>
           <a:noFill/>
@@ -11477,7 +10951,7 @@
                 <a:latin typeface="맑은 고딕" charset="0"/>
                 <a:ea typeface="맑은 고딕" charset="0"/>
               </a:rPr>
-              <a:t>그런 다음 Render Texture </a:t>
+              <a:t>그리고 Render Texture </a:t>
             </a:r>
             <a:r>
               <a:rPr lang="ko-KR" sz="1800">
@@ -11498,7 +10972,28 @@
                 <a:latin typeface="맑은 고딕" charset="0"/>
                 <a:ea typeface="맑은 고딕" charset="0"/>
               </a:rPr>
-              <a:t>위치와 크기를 설정합니다.</a:t>
+              <a:t>위치와</a:t>
+            </a:r>
+            <a:r>
+              <a:rPr lang="ko-KR" sz="1800">
+                <a:latin typeface="맑은 고딕" charset="0"/>
+                <a:ea typeface="맑은 고딕" charset="0"/>
+              </a:rPr>
+              <a:t> </a:t>
+            </a:r>
+            <a:r>
+              <a:rPr lang="ko-KR" sz="1800">
+                <a:latin typeface="맑은 고딕" charset="0"/>
+                <a:ea typeface="맑은 고딕" charset="0"/>
+              </a:rPr>
+              <a:t>크기를</a:t>
+            </a:r>
+            <a:r>
+              <a:rPr lang="ko-KR" sz="1800">
+                <a:latin typeface="맑은 고딕" charset="0"/>
+                <a:ea typeface="맑은 고딕" charset="0"/>
+              </a:rPr>
+              <a:t> 설정합니다.</a:t>
             </a:r>
             <a:endParaRPr lang="ko-KR" altLang="en-US" sz="1800">
               <a:latin typeface="맑은 고딕" charset="0"/>
@@ -11509,7 +11004,7 @@
       </p:sp>
       <p:pic>
         <p:nvPicPr>
-          <p:cNvPr id="1044" name="그림 15" descr="C:/Users/Admin1/AppData/Roaming/PolarisOffice/ETemp/21916_16244272/fImage119231796500.png"/>
+          <p:cNvPr id="1044" name="그림 15"/>
           <p:cNvPicPr>
             <a:picLocks noChangeAspect="1"/>
           </p:cNvPicPr>
@@ -11657,9 +11152,9 @@
           <p:nvPr/>
         </p:nvSpPr>
         <p:spPr>
-          <a:xfrm rot="0">
+          <a:xfrm>
             <a:off x="1214120" y="5219700"/>
-            <a:ext cx="4144645" cy="954405"/>
+            <a:ext cx="4145280" cy="954405"/>
           </a:xfrm>
           <a:prstGeom prst="rect"/>
           <a:noFill/>
@@ -11686,17 +11181,7 @@
                 <a:latin typeface="맑은 고딕" charset="0"/>
                 <a:ea typeface="맑은 고딕" charset="0"/>
               </a:rPr>
-              <a:t>1</a:t>
-            </a:r>
-            <a:r>
-              <a:rPr lang="ko-KR" sz="2000" b="1">
-                <a:solidFill>
-                  <a:srgbClr val="0611F2"/>
-                </a:solidFill>
-                <a:latin typeface="맑은 고딕" charset="0"/>
-                <a:ea typeface="맑은 고딕" charset="0"/>
-              </a:rPr>
-              <a:t>0</a:t>
+              <a:t>10</a:t>
             </a:r>
             <a:r>
               <a:rPr sz="2000" b="1">
@@ -11723,7 +11208,21 @@
                 <a:latin typeface="맑은 고딕" charset="0"/>
                 <a:ea typeface="맑은 고딕" charset="0"/>
               </a:rPr>
-              <a:t>이제 Alien 오브젝트의 위치와 </a:t>
+              <a:t>그러고 나서 Alien 오브젝트의 </a:t>
+            </a:r>
+            <a:r>
+              <a:rPr lang="ko-KR" sz="1800">
+                <a:latin typeface="맑은 고딕" charset="0"/>
+                <a:ea typeface="맑은 고딕" charset="0"/>
+              </a:rPr>
+              <a:t>위치와</a:t>
+            </a:r>
+            <a:r>
+              <a:rPr lang="ko-KR" sz="1800">
+                <a:latin typeface="맑은 고딕" charset="0"/>
+                <a:ea typeface="맑은 고딕" charset="0"/>
+              </a:rPr>
+              <a:t> </a:t>
             </a:r>
             <a:r>
               <a:rPr lang="ko-KR" sz="1800">
@@ -11744,21 +11243,35 @@
                 <a:latin typeface="맑은 고딕" charset="0"/>
                 <a:ea typeface="맑은 고딕" charset="0"/>
               </a:rPr>
-              <a:t>값을 설정한 다음 크기를 </a:t>
-            </a:r>
-            <a:r>
-              <a:rPr lang="ko-KR" sz="1800">
-                <a:latin typeface="맑은 고딕" charset="0"/>
-                <a:ea typeface="맑은 고딕" charset="0"/>
-              </a:rPr>
-              <a:t>설정합니</a:t>
-            </a:r>
-            <a:r>
-              <a:rPr lang="ko-KR" sz="1800">
-                <a:latin typeface="맑은 고딕" charset="0"/>
-                <a:ea typeface="맑은 고딕" charset="0"/>
-              </a:rPr>
-              <a:t>다.</a:t>
+              <a:t>값을</a:t>
+            </a:r>
+            <a:r>
+              <a:rPr lang="ko-KR" sz="1800">
+                <a:latin typeface="맑은 고딕" charset="0"/>
+                <a:ea typeface="맑은 고딕" charset="0"/>
+              </a:rPr>
+              <a:t> </a:t>
+            </a:r>
+            <a:r>
+              <a:rPr lang="ko-KR" sz="1800">
+                <a:latin typeface="맑은 고딕" charset="0"/>
+                <a:ea typeface="맑은 고딕" charset="0"/>
+              </a:rPr>
+              <a:t>설정한</a:t>
+            </a:r>
+            <a:r>
+              <a:rPr lang="ko-KR" sz="1800">
+                <a:latin typeface="맑은 고딕" charset="0"/>
+                <a:ea typeface="맑은 고딕" charset="0"/>
+              </a:rPr>
+              <a:t> 다음 크기를 </a:t>
+            </a:r>
+            <a:r>
+              <a:rPr lang="ko-KR" sz="1800">
+                <a:latin typeface="맑은 고딕" charset="0"/>
+                <a:ea typeface="맑은 고딕" charset="0"/>
+              </a:rPr>
+              <a:t>설정합니다.</a:t>
             </a:r>
             <a:endParaRPr lang="ko-KR" altLang="en-US" sz="1800">
               <a:latin typeface="맑은 고딕" charset="0"/>
@@ -11769,7 +11282,7 @@
       </p:sp>
       <p:pic>
         <p:nvPicPr>
-          <p:cNvPr id="1070" name="그림 28" descr="C:/Users/Admin1/AppData/Roaming/PolarisOffice/ETemp/21916_16244272/fImage57802649169.png"/>
+          <p:cNvPr id="1070" name="그림 28"/>
           <p:cNvPicPr>
             <a:picLocks noChangeAspect="1"/>
           </p:cNvPicPr>
@@ -11807,9 +11320,9 @@
           <p:nvPr/>
         </p:nvSpPr>
         <p:spPr>
-          <a:xfrm rot="0">
+          <a:xfrm>
             <a:off x="1225550" y="2715895"/>
-            <a:ext cx="4141470" cy="954405"/>
+            <a:ext cx="4142105" cy="954405"/>
           </a:xfrm>
           <a:prstGeom prst="rect"/>
           <a:noFill/>
@@ -11863,7 +11376,7 @@
                 <a:latin typeface="맑은 고딕" charset="0"/>
                 <a:ea typeface="맑은 고딕" charset="0"/>
               </a:rPr>
-              <a:t>그러고 나서 Project 폴더 아래에 </a:t>
+              <a:t>그다음으로 Project 폴더 아래에 </a:t>
             </a:r>
             <a:r>
               <a:rPr lang="ko-KR" sz="1800">
@@ -11884,21 +11397,35 @@
                 <a:latin typeface="맑은 고딕" charset="0"/>
                 <a:ea typeface="맑은 고딕" charset="0"/>
               </a:rPr>
-              <a:t>Model 폴더에 Alien 모델을 월드 </a:t>
-            </a:r>
-            <a:r>
-              <a:rPr lang="ko-KR" sz="1800">
-                <a:latin typeface="맑은 고딕" charset="0"/>
-                <a:ea typeface="맑은 고딕" charset="0"/>
-              </a:rPr>
-              <a:t>공간</a:t>
-            </a:r>
-            <a:r>
-              <a:rPr lang="ko-KR" sz="1800">
-                <a:latin typeface="맑은 고딕" charset="0"/>
-                <a:ea typeface="맑은 고딕" charset="0"/>
-              </a:rPr>
-              <a:t>에</a:t>
+              <a:t>Model</a:t>
+            </a:r>
+            <a:r>
+              <a:rPr lang="ko-KR" sz="1800">
+                <a:latin typeface="맑은 고딕" charset="0"/>
+                <a:ea typeface="맑은 고딕" charset="0"/>
+              </a:rPr>
+              <a:t> </a:t>
+            </a:r>
+            <a:r>
+              <a:rPr lang="ko-KR" sz="1800">
+                <a:latin typeface="맑은 고딕" charset="0"/>
+                <a:ea typeface="맑은 고딕" charset="0"/>
+              </a:rPr>
+              <a:t>폴더에</a:t>
+            </a:r>
+            <a:r>
+              <a:rPr lang="ko-KR" sz="1800">
+                <a:latin typeface="맑은 고딕" charset="0"/>
+                <a:ea typeface="맑은 고딕" charset="0"/>
+              </a:rPr>
+              <a:t> Alien 모델을 월드 </a:t>
+            </a:r>
+            <a:r>
+              <a:rPr lang="ko-KR" sz="1800">
+                <a:latin typeface="맑은 고딕" charset="0"/>
+                <a:ea typeface="맑은 고딕" charset="0"/>
+              </a:rPr>
+              <a:t>공간에</a:t>
             </a:r>
             <a:r>
               <a:rPr lang="ko-KR" sz="1800">
@@ -11923,7 +11450,7 @@
       </p:sp>
       <p:pic>
         <p:nvPicPr>
-          <p:cNvPr id="1074" name="그림 36" descr="C:/Users/Admin1/AppData/Roaming/PolarisOffice/ETemp/21916_16244272/fImage91672685724.png"/>
+          <p:cNvPr id="1074" name="그림 36"/>
           <p:cNvPicPr>
             <a:picLocks noChangeAspect="1"/>
           </p:cNvPicPr>
@@ -11954,7 +11481,7 @@
       </p:pic>
       <p:pic>
         <p:nvPicPr>
-          <p:cNvPr id="1072" name="그림 34" descr="C:/Users/Admin1/AppData/Roaming/PolarisOffice/ETemp/21916_16244272/fImage2242171995705.png"/>
+          <p:cNvPr id="1072" name="그림 34"/>
           <p:cNvPicPr>
             <a:picLocks noChangeAspect="1"/>
           </p:cNvPicPr>
@@ -11983,7 +11510,7 @@
       </p:pic>
       <p:pic>
         <p:nvPicPr>
-          <p:cNvPr id="1075" name="그림 39" descr="C:/Users/Admin1/AppData/Roaming/PolarisOffice/ETemp/21916_16244272/fImage151762691478.png"/>
+          <p:cNvPr id="1075" name="그림 39"/>
           <p:cNvPicPr>
             <a:picLocks noChangeAspect="1"/>
           </p:cNvPicPr>
@@ -12022,8 +11549,8 @@
         </p:nvSpPr>
         <p:spPr>
           <a:xfrm rot="0">
-            <a:off x="6822440" y="3350260"/>
-            <a:ext cx="4117975" cy="647065"/>
+            <a:off x="6822440" y="5529580"/>
+            <a:ext cx="4118610" cy="647065"/>
           </a:xfrm>
           <a:prstGeom prst="rect"/>
           <a:noFill/>
@@ -12077,7 +11604,7 @@
                 <a:latin typeface="맑은 고딕" charset="0"/>
                 <a:ea typeface="맑은 고딕" charset="0"/>
               </a:rPr>
-              <a:t> 그리고</a:t>
+              <a:t> 이제</a:t>
             </a:r>
             <a:r>
               <a:rPr lang="ko-KR" sz="1800">
@@ -12098,21 +11625,7 @@
                 <a:latin typeface="맑은 고딕" charset="0"/>
                 <a:ea typeface="맑은 고딕" charset="0"/>
               </a:rPr>
-              <a:t> </a:t>
-            </a:r>
-            <a:r>
-              <a:rPr lang="ko-KR" sz="1800">
-                <a:latin typeface="맑은 고딕" charset="0"/>
-                <a:ea typeface="맑은 고딕" charset="0"/>
-              </a:rPr>
-              <a:t>이름으로</a:t>
-            </a:r>
-            <a:r>
-              <a:rPr lang="ko-KR" sz="1800">
-                <a:latin typeface="맑은 고딕" charset="0"/>
-                <a:ea typeface="맑은 고딕" charset="0"/>
-              </a:rPr>
-              <a:t> 정의합니다.</a:t>
+              <a:t> 이름으로 정의합니다.</a:t>
             </a:r>
             <a:endParaRPr lang="ko-KR" altLang="en-US" sz="1800">
               <a:latin typeface="맑은 고딕" charset="0"/>
@@ -12123,38 +11636,7 @@
       </p:sp>
       <p:pic>
         <p:nvPicPr>
-          <p:cNvPr id="1077" name="그림 47" descr="C:/Users/Admin1/AppData/Roaming/PolarisOffice/ETemp/21916_16244272/fImage18932593281.png"/>
-          <p:cNvPicPr>
-            <a:picLocks noChangeAspect="1"/>
-          </p:cNvPicPr>
-          <p:nvPr/>
-        </p:nvPicPr>
-        <p:blipFill rotWithShape="1">
-          <a:blip r:embed="rId16" cstate="hqprint">
-            <a:extLst>
-              <a:ext uri="{28A0092B-C50C-407E-A947-70E740481C1C}">
-                <a14:useLocalDpi xmlns:a14="http://schemas.microsoft.com/office/drawing/2010/main"/>
-              </a:ext>
-            </a:extLst>
-          </a:blip>
-          <a:stretch>
-            <a:fillRect/>
-          </a:stretch>
-        </p:blipFill>
-        <p:spPr>
-          <a:xfrm rot="0">
-            <a:off x="10060940" y="1886585"/>
-            <a:ext cx="889635" cy="913130"/>
-          </a:xfrm>
-          <a:prstGeom prst="roundRect"/>
-          <a:solidFill>
-            <a:srgbClr val="EDEDED"/>
-          </a:solidFill>
-        </p:spPr>
-      </p:pic>
-      <p:pic>
-        <p:nvPicPr>
-          <p:cNvPr id="1078" name="그림 48" descr="C:/Users/Admin1/AppData/Roaming/PolarisOffice/ETemp/21916_16244272/fImage82892606827.png"/>
+          <p:cNvPr id="1078" name="그림 48" descr="C:/Users/Admin1/AppData/Roaming/PolarisOffice/ETemp/14520_11842488/fImage82892606827.png"/>
           <p:cNvPicPr>
             <a:picLocks noChangeAspect="1"/>
           </p:cNvPicPr>
@@ -12174,8 +11656,8 @@
         </p:blipFill>
         <p:spPr>
           <a:xfrm rot="0">
-            <a:off x="6822440" y="1458595"/>
-            <a:ext cx="2326005" cy="1763395"/>
+            <a:off x="6831330" y="1455420"/>
+            <a:ext cx="4126230" cy="2731135"/>
           </a:xfrm>
           <a:prstGeom prst="roundRect"/>
           <a:solidFill>
@@ -12185,7 +11667,38 @@
       </p:pic>
       <p:pic>
         <p:nvPicPr>
-          <p:cNvPr id="1079" name="그림 49" descr="C:/Users/Admin1/AppData/Roaming/PolarisOffice/ETemp/21916_16244272/fImage2242171995705.png"/>
+          <p:cNvPr id="1079" name="그림 6" descr="C:/Users/Admin1/AppData/Roaming/PolarisOffice/ETemp/14520_11842488/fImage552928941.png"/>
+          <p:cNvPicPr>
+            <a:picLocks noChangeAspect="1"/>
+          </p:cNvPicPr>
+          <p:nvPr/>
+        </p:nvPicPr>
+        <p:blipFill rotWithShape="1">
+          <a:blip r:embed="rId20" cstate="print">
+            <a:extLst>
+              <a:ext uri="{28A0092B-C50C-407E-A947-70E740481C1C}">
+                <a14:useLocalDpi xmlns:a14="http://schemas.microsoft.com/office/drawing/2010/main" val="0"/>
+              </a:ext>
+            </a:extLst>
+          </a:blip>
+          <a:stretch>
+            <a:fillRect/>
+          </a:stretch>
+        </p:blipFill>
+        <p:spPr>
+          <a:xfrm rot="0">
+            <a:off x="6822440" y="4410075"/>
+            <a:ext cx="4126230" cy="991235"/>
+          </a:xfrm>
+          <a:prstGeom prst="roundRect"/>
+          <a:solidFill>
+            <a:srgbClr val="EDEDED"/>
+          </a:solidFill>
+        </p:spPr>
+      </p:pic>
+      <p:pic>
+        <p:nvPicPr>
+          <p:cNvPr id="1080" name="그림 9" descr="C:/Users/Admin1/AppData/Roaming/PolarisOffice/ETemp/14520_11842488/fImage2242171995705.png"/>
           <p:cNvPicPr>
             <a:picLocks noChangeAspect="1"/>
           </p:cNvPicPr>
@@ -12204,207 +11717,12 @@
           </a:stretch>
         </p:blipFill>
         <p:spPr>
-          <a:xfrm rot="0">
-            <a:off x="9233535" y="2131060"/>
-            <a:ext cx="733425" cy="427355"/>
+          <a:xfrm rot="5400000">
+            <a:off x="8502015" y="4016375"/>
+            <a:ext cx="746125" cy="514985"/>
           </a:xfrm>
           <a:prstGeom prst="rect"/>
           <a:noFill/>
-        </p:spPr>
-      </p:pic>
-      <p:sp>
-        <p:nvSpPr>
-          <p:cNvPr id="1080" name="텍스트 상자 52"/>
-          <p:cNvSpPr txBox="1">
-            <a:spLocks/>
-          </p:cNvSpPr>
-          <p:nvPr/>
-        </p:nvSpPr>
-        <p:spPr>
-          <a:xfrm rot="0">
-            <a:off x="6821805" y="5501005"/>
-            <a:ext cx="4126865" cy="677545"/>
-          </a:xfrm>
-          <a:prstGeom prst="rect"/>
-          <a:noFill/>
-          <a:ln w="0">
-            <a:noFill/>
-            <a:prstDash/>
-          </a:ln>
-        </p:spPr>
-        <p:txBody>
-          <a:bodyPr wrap="square" lIns="89535" tIns="46355" rIns="89535" bIns="46355" numCol="1" vert="horz" anchor="t">
-            <a:spAutoFit/>
-          </a:bodyPr>
-          <a:lstStyle/>
-          <a:p>
-            <a:pPr marL="0" indent="0" algn="l" latinLnBrk="0" hangingPunct="1">
-              <a:buFontTx/>
-              <a:buNone/>
-            </a:pPr>
-            <a:r>
-              <a:rPr lang="ko-KR" sz="2000" b="1">
-                <a:solidFill>
-                  <a:srgbClr val="0611F2"/>
-                </a:solidFill>
-                <a:latin typeface="맑은 고딕" charset="0"/>
-                <a:ea typeface="맑은 고딕" charset="0"/>
-              </a:rPr>
-              <a:t>1</a:t>
-            </a:r>
-            <a:r>
-              <a:rPr lang="ko-KR" sz="2000" b="1">
-                <a:solidFill>
-                  <a:srgbClr val="0611F2"/>
-                </a:solidFill>
-                <a:latin typeface="맑은 고딕" charset="0"/>
-                <a:ea typeface="맑은 고딕" charset="0"/>
-              </a:rPr>
-              <a:t>2</a:t>
-            </a:r>
-            <a:r>
-              <a:rPr sz="2000" b="1">
-                <a:solidFill>
-                  <a:srgbClr val="0611F2"/>
-                </a:solidFill>
-                <a:latin typeface="맑은 고딕" charset="0"/>
-                <a:ea typeface="맑은 고딕" charset="0"/>
-              </a:rPr>
-              <a:t>.</a:t>
-            </a:r>
-            <a:r>
-              <a:rPr sz="2000" b="1">
-                <a:solidFill>
-                  <a:srgbClr val="0611F2"/>
-                </a:solidFill>
-                <a:latin typeface="맑은 고딕" charset="0"/>
-                <a:ea typeface="맑은 고딕" charset="0"/>
-              </a:rPr>
-              <a:t> </a:t>
-            </a:r>
-            <a:r>
-              <a:rPr lang="ko-KR" sz="1800">
-                <a:latin typeface="맑은 고딕" charset="0"/>
-                <a:ea typeface="맑은 고딕" charset="0"/>
-              </a:rPr>
-              <a:t>그다음 Alien </a:t>
-            </a:r>
-            <a:r>
-              <a:rPr lang="ko-KR" sz="1800">
-                <a:latin typeface="맑은 고딕" charset="0"/>
-                <a:ea typeface="맑은 고딕" charset="0"/>
-              </a:rPr>
-              <a:t>오브젝트에 </a:t>
-            </a:r>
-            <a:r>
-              <a:rPr lang="ko-KR" sz="1800">
-                <a:latin typeface="맑은 고딕" charset="0"/>
-                <a:ea typeface="맑은 고딕" charset="0"/>
-              </a:rPr>
-              <a:t>Delete </a:t>
-            </a:r>
-            <a:r>
-              <a:rPr lang="ko-KR" sz="1800">
-                <a:latin typeface="맑은 고딕" charset="0"/>
-                <a:ea typeface="맑은 고딕" charset="0"/>
-              </a:rPr>
-              <a:t>스크립트</a:t>
-            </a:r>
-            <a:r>
-              <a:rPr lang="ko-KR" sz="1800">
-                <a:latin typeface="맑은 고딕" charset="0"/>
-                <a:ea typeface="맑은 고딕" charset="0"/>
-              </a:rPr>
-              <a:t> </a:t>
-            </a:r>
-            <a:r>
-              <a:rPr lang="ko-KR" sz="1800">
-                <a:latin typeface="맑은 고딕" charset="0"/>
-                <a:ea typeface="맑은 고딕" charset="0"/>
-              </a:rPr>
-              <a:t>컴포넌트를</a:t>
-            </a:r>
-            <a:r>
-              <a:rPr lang="ko-KR" sz="1800">
-                <a:latin typeface="맑은 고딕" charset="0"/>
-                <a:ea typeface="맑은 고딕" charset="0"/>
-              </a:rPr>
-              <a:t> </a:t>
-            </a:r>
-            <a:r>
-              <a:rPr lang="ko-KR" sz="1800">
-                <a:latin typeface="맑은 고딕" charset="0"/>
-                <a:ea typeface="맑은 고딕" charset="0"/>
-              </a:rPr>
-              <a:t>추가합니다.</a:t>
-            </a:r>
-            <a:endParaRPr lang="ko-KR" altLang="en-US" sz="1800">
-              <a:latin typeface="맑은 고딕" charset="0"/>
-              <a:ea typeface="맑은 고딕" charset="0"/>
-            </a:endParaRPr>
-          </a:p>
-        </p:txBody>
-      </p:sp>
-      <p:pic>
-        <p:nvPicPr>
-          <p:cNvPr id="1081" name="그림 53" descr="C:/Users/Admin1/AppData/Roaming/PolarisOffice/ETemp/21916_16244272/fImage52902588145.png"/>
-          <p:cNvPicPr>
-            <a:picLocks noChangeAspect="1"/>
-          </p:cNvPicPr>
-          <p:nvPr/>
-        </p:nvPicPr>
-        <p:blipFill rotWithShape="1">
-          <a:blip r:embed="rId18" cstate="hqprint">
-            <a:extLst>
-              <a:ext uri="{28A0092B-C50C-407E-A947-70E740481C1C}">
-                <a14:useLocalDpi xmlns:a14="http://schemas.microsoft.com/office/drawing/2010/main"/>
-              </a:ext>
-            </a:extLst>
-          </a:blip>
-          <a:stretch>
-            <a:fillRect/>
-          </a:stretch>
-        </p:blipFill>
-        <p:spPr>
-          <a:xfrm rot="0">
-            <a:off x="8286750" y="4125595"/>
-            <a:ext cx="2661920" cy="1266825"/>
-          </a:xfrm>
-          <a:prstGeom prst="roundRect"/>
-          <a:solidFill>
-            <a:srgbClr val="EDEDED"/>
-          </a:solidFill>
-        </p:spPr>
-      </p:pic>
-      <p:pic>
-        <p:nvPicPr>
-          <p:cNvPr id="1082" name="그림 54" descr="C:/Users/Admin1/AppData/Roaming/PolarisOffice/ETemp/21916_16244272/fImage91672829358.png"/>
-          <p:cNvPicPr>
-            <a:picLocks noChangeAspect="1"/>
-          </p:cNvPicPr>
-          <p:nvPr/>
-        </p:nvPicPr>
-        <p:blipFill rotWithShape="1">
-          <a:blip r:embed="rId19" cstate="print">
-            <a:extLst>
-              <a:ext uri="{28A0092B-C50C-407E-A947-70E740481C1C}">
-                <a14:useLocalDpi xmlns:a14="http://schemas.microsoft.com/office/drawing/2010/main" val="0"/>
-              </a:ext>
-            </a:extLst>
-          </a:blip>
-          <a:stretch>
-            <a:fillRect/>
-          </a:stretch>
-        </p:blipFill>
-        <p:spPr>
-          <a:xfrm rot="0">
-            <a:off x="6823075" y="4125595"/>
-            <a:ext cx="1300480" cy="1258570"/>
-          </a:xfrm>
-          <a:prstGeom prst="roundRect"/>
-          <a:solidFill>
-            <a:srgbClr val="EDEDED"/>
-          </a:solidFill>
         </p:spPr>
       </p:pic>
     </p:spTree>
@@ -12527,8 +11845,8 @@
         </p:nvSpPr>
         <p:spPr>
           <a:xfrm rot="0">
-            <a:off x="6810375" y="4114800"/>
-            <a:ext cx="4164330" cy="2061845"/>
+            <a:off x="6801485" y="4114800"/>
+            <a:ext cx="4147185" cy="2061845"/>
           </a:xfrm>
           <a:prstGeom prst="rect"/>
           <a:noFill/>
@@ -12555,7 +11873,7 @@
                 <a:latin typeface="맑은 고딕" charset="0"/>
                 <a:ea typeface="맑은 고딕" charset="0"/>
               </a:rPr>
-              <a:t>14</a:t>
+              <a:t>13</a:t>
             </a:r>
             <a:r>
               <a:rPr sz="2000" b="1">
@@ -12582,7 +11900,7 @@
                 <a:latin typeface="맑은 고딕" charset="0"/>
                 <a:ea typeface="맑은 고딕" charset="0"/>
               </a:rPr>
-              <a:t>그러고 나서 GenericCreate( ) </a:t>
+              <a:t>그다음 CreateGeneric( ) </a:t>
             </a:r>
             <a:r>
               <a:rPr lang="ko-KR" sz="1800">
@@ -12603,7 +11921,7 @@
                 <a:latin typeface="맑은 고딕" charset="0"/>
                 <a:ea typeface="맑은 고딕" charset="0"/>
               </a:rPr>
-              <a:t>선언한 다음</a:t>
+              <a:t>선언한</a:t>
             </a:r>
             <a:r>
               <a:rPr lang="ko-KR" sz="1800">
@@ -12617,7 +11935,7 @@
                 <a:latin typeface="맑은 고딕" charset="0"/>
                 <a:ea typeface="맑은 고딕" charset="0"/>
               </a:rPr>
-              <a:t>생성할</a:t>
+              <a:t>다음</a:t>
             </a:r>
             <a:r>
               <a:rPr lang="ko-KR" sz="1800">
@@ -12631,7 +11949,21 @@
                 <a:latin typeface="맑은 고딕" charset="0"/>
                 <a:ea typeface="맑은 고딕" charset="0"/>
               </a:rPr>
-              <a:t>게임</a:t>
+              <a:t>생성되는 게임 </a:t>
+            </a:r>
+            <a:r>
+              <a:rPr lang="ko-KR" sz="1800">
+                <a:latin typeface="맑은 고딕" charset="0"/>
+                <a:ea typeface="맑은 고딕" charset="0"/>
+              </a:rPr>
+              <a:t>오브젝트와</a:t>
+            </a:r>
+            <a:r>
+              <a:rPr lang="ko-KR" sz="1800">
+                <a:latin typeface="맑은 고딕" charset="0"/>
+                <a:ea typeface="맑은 고딕" charset="0"/>
+              </a:rPr>
+              <a:t> 생성되는</a:t>
             </a:r>
             <a:r>
               <a:rPr lang="ko-KR" sz="1800">
@@ -12645,49 +11977,7 @@
                 <a:latin typeface="맑은 고딕" charset="0"/>
                 <a:ea typeface="맑은 고딕" charset="0"/>
               </a:rPr>
-              <a:t>오브젝트와</a:t>
-            </a:r>
-            <a:r>
-              <a:rPr lang="ko-KR" sz="1800">
-                <a:latin typeface="맑은 고딕" charset="0"/>
-                <a:ea typeface="맑은 고딕" charset="0"/>
-              </a:rPr>
-              <a:t> </a:t>
-            </a:r>
-            <a:r>
-              <a:rPr lang="ko-KR" sz="1800">
-                <a:latin typeface="맑은 고딕" charset="0"/>
-                <a:ea typeface="맑은 고딕" charset="0"/>
-              </a:rPr>
-              <a:t>생성되는</a:t>
-            </a:r>
-            <a:r>
-              <a:rPr lang="ko-KR" sz="1800">
-                <a:latin typeface="맑은 고딕" charset="0"/>
-                <a:ea typeface="맑은 고딕" charset="0"/>
-              </a:rPr>
-              <a:t> </a:t>
-            </a:r>
-            <a:r>
-              <a:rPr lang="ko-KR" sz="1800">
-                <a:latin typeface="맑은 고딕" charset="0"/>
-                <a:ea typeface="맑은 고딕" charset="0"/>
-              </a:rPr>
-              <a:t>위치</a:t>
-            </a:r>
-            <a:r>
-              <a:rPr lang="ko-KR" sz="1800">
-                <a:latin typeface="맑은 고딕" charset="0"/>
-                <a:ea typeface="맑은 고딕" charset="0"/>
-              </a:rPr>
-              <a:t> </a:t>
-            </a:r>
-            <a:r>
-              <a:rPr lang="ko-KR" sz="1800">
-                <a:latin typeface="맑은 고딕" charset="0"/>
-                <a:ea typeface="맑은 고딕" charset="0"/>
-              </a:rPr>
-              <a:t>그리고</a:t>
+              <a:t>위치와</a:t>
             </a:r>
             <a:r>
               <a:rPr lang="ko-KR" sz="1800">
@@ -12756,7 +12046,14 @@
                 <a:latin typeface="맑은 고딕" charset="0"/>
                 <a:ea typeface="맑은 고딕" charset="0"/>
               </a:rPr>
-              <a:t>이제</a:t>
+              <a:t>그</a:t>
+            </a:r>
+            <a:r>
+              <a:rPr lang="ko-KR" sz="1800">
+                <a:latin typeface="맑은 고딕" charset="0"/>
+                <a:ea typeface="맑은 고딕" charset="0"/>
+              </a:rPr>
+              <a:t>러고</a:t>
             </a:r>
             <a:r>
               <a:rPr lang="ko-KR" sz="1800">
@@ -12770,14 +12067,28 @@
                 <a:latin typeface="맑은 고딕" charset="0"/>
                 <a:ea typeface="맑은 고딕" charset="0"/>
               </a:rPr>
-              <a:t>생성되는 순간 Delete 컴포넌트</a:t>
-            </a:r>
-            <a:r>
-              <a:rPr lang="ko-KR" sz="1800">
-                <a:latin typeface="맑은 고딕" charset="0"/>
-                <a:ea typeface="맑은 고딕" charset="0"/>
-              </a:rPr>
-              <a:t>를 </a:t>
+              <a:t>나서</a:t>
+            </a:r>
+            <a:r>
+              <a:rPr lang="ko-KR" sz="1800">
+                <a:latin typeface="맑은 고딕" charset="0"/>
+                <a:ea typeface="맑은 고딕" charset="0"/>
+              </a:rPr>
+              <a:t> 생성되는 순간 Delete </a:t>
+            </a:r>
+            <a:r>
+              <a:rPr lang="ko-KR" sz="1800">
+                <a:latin typeface="맑은 고딕" charset="0"/>
+                <a:ea typeface="맑은 고딕" charset="0"/>
+              </a:rPr>
+              <a:t>컴포넌트를</a:t>
+            </a:r>
+            <a:r>
+              <a:rPr lang="ko-KR" sz="1800">
+                <a:latin typeface="맑은 고딕" charset="0"/>
+                <a:ea typeface="맑은 고딕" charset="0"/>
+              </a:rPr>
+              <a:t> </a:t>
             </a:r>
             <a:r>
               <a:rPr lang="ko-KR" sz="1800">
@@ -12810,8 +12121,8 @@
         </p:nvSpPr>
         <p:spPr>
           <a:xfrm rot="0">
-            <a:off x="1214120" y="4944110"/>
-            <a:ext cx="4152265" cy="1231265"/>
+            <a:off x="1205865" y="4392930"/>
+            <a:ext cx="4152900" cy="1784985"/>
           </a:xfrm>
           <a:prstGeom prst="rect"/>
           <a:noFill/>
@@ -12838,17 +12149,7 @@
                 <a:latin typeface="맑은 고딕" charset="0"/>
                 <a:ea typeface="맑은 고딕" charset="0"/>
               </a:rPr>
-              <a:t>1</a:t>
-            </a:r>
-            <a:r>
-              <a:rPr lang="ko-KR" sz="2000" b="1">
-                <a:solidFill>
-                  <a:srgbClr val="0611F2"/>
-                </a:solidFill>
-                <a:latin typeface="맑은 고딕" charset="0"/>
-                <a:ea typeface="맑은 고딕" charset="0"/>
-              </a:rPr>
-              <a:t>3</a:t>
+              <a:t>12</a:t>
             </a:r>
             <a:r>
               <a:rPr sz="2000" b="1">
@@ -12875,7 +12176,7 @@
                 <a:latin typeface="맑은 고딕" charset="0"/>
                 <a:ea typeface="맑은 고딕" charset="0"/>
               </a:rPr>
-              <a:t>그런 다음 Create 스크립트의 </a:t>
+              <a:t>그리고 Create 스크립트의 </a:t>
             </a:r>
             <a:r>
               <a:rPr lang="ko-KR" sz="1800">
@@ -12910,74 +12211,94 @@
                 <a:latin typeface="맑은 고딕" charset="0"/>
                 <a:ea typeface="맑은 고딕" charset="0"/>
               </a:rPr>
-              <a:t>선언한</a:t>
-            </a:r>
-            <a:r>
-              <a:rPr lang="ko-KR" sz="1800">
-                <a:latin typeface="맑은 고딕" charset="0"/>
-                <a:ea typeface="맑은 고딕" charset="0"/>
-              </a:rPr>
-              <a:t> </a:t>
-            </a:r>
-            <a:r>
-              <a:rPr lang="ko-KR" sz="1800">
-                <a:latin typeface="맑은 고딕" charset="0"/>
-                <a:ea typeface="맑은 고딕" charset="0"/>
-              </a:rPr>
-              <a:t>다음</a:t>
-            </a:r>
-            <a:r>
-              <a:rPr lang="ko-KR" sz="1800">
-                <a:latin typeface="맑은 고딕" charset="0"/>
-                <a:ea typeface="맑은 고딕" charset="0"/>
-              </a:rPr>
-              <a:t> </a:t>
-            </a:r>
-            <a:r>
-              <a:rPr lang="ko-KR" sz="1800">
-                <a:latin typeface="맑은 고딕" charset="0"/>
-                <a:ea typeface="맑은 고딕" charset="0"/>
-              </a:rPr>
-              <a:t>bool 변수와 float 변수를 </a:t>
-            </a:r>
-            <a:r>
-              <a:rPr lang="ko-KR" sz="1800">
-                <a:latin typeface="맑은 고딕" charset="0"/>
-                <a:ea typeface="맑은 고딕" charset="0"/>
-              </a:rPr>
-              <a:t>2개</a:t>
-            </a:r>
-            <a:r>
-              <a:rPr lang="ko-KR" sz="1800">
-                <a:latin typeface="맑은 고딕" charset="0"/>
-                <a:ea typeface="맑은 고딕" charset="0"/>
-              </a:rPr>
-              <a:t> 선언합니</a:t>
-            </a:r>
-            <a:r>
-              <a:rPr lang="ko-KR" sz="1800">
-                <a:latin typeface="맑은 고딕" charset="0"/>
-                <a:ea typeface="맑은 고딕" charset="0"/>
-              </a:rPr>
-              <a:t>다.</a:t>
+              <a:t>선언합니다.</a:t>
             </a:r>
             <a:endParaRPr lang="ko-KR" altLang="en-US" sz="1800">
               <a:latin typeface="맑은 고딕" charset="0"/>
               <a:ea typeface="맑은 고딕" charset="0"/>
             </a:endParaRPr>
           </a:p>
+          <a:p>
+            <a:pPr marL="0" indent="0" algn="l" latinLnBrk="0" hangingPunct="1">
+              <a:buFontTx/>
+              <a:buNone/>
+            </a:pPr>
+            <a:endParaRPr lang="ko-KR" altLang="en-US" sz="1800">
+              <a:latin typeface="맑은 고딕" charset="0"/>
+              <a:ea typeface="맑은 고딕" charset="0"/>
+            </a:endParaRPr>
+          </a:p>
+          <a:p>
+            <a:pPr marL="0" indent="0" algn="l" latinLnBrk="0" hangingPunct="1">
+              <a:buFontTx/>
+              <a:buNone/>
+            </a:pPr>
+            <a:r>
+              <a:rPr lang="ko-KR" sz="1800">
+                <a:latin typeface="맑은 고딕" charset="0"/>
+                <a:ea typeface="맑은 고딕" charset="0"/>
+              </a:rPr>
+              <a:t>그런</a:t>
+            </a:r>
+            <a:r>
+              <a:rPr lang="ko-KR" sz="1800">
+                <a:latin typeface="맑은 고딕" charset="0"/>
+                <a:ea typeface="맑은 고딕" charset="0"/>
+              </a:rPr>
+              <a:t> </a:t>
+            </a:r>
+            <a:r>
+              <a:rPr lang="ko-KR" sz="1800">
+                <a:latin typeface="맑은 고딕" charset="0"/>
+                <a:ea typeface="맑은 고딕" charset="0"/>
+              </a:rPr>
+              <a:t>다음</a:t>
+            </a:r>
+            <a:r>
+              <a:rPr lang="ko-KR" sz="1800">
+                <a:latin typeface="맑은 고딕" charset="0"/>
+                <a:ea typeface="맑은 고딕" charset="0"/>
+              </a:rPr>
+              <a:t> </a:t>
+            </a:r>
+            <a:r>
+              <a:rPr lang="ko-KR" sz="1800">
+                <a:latin typeface="맑은 고딕" charset="0"/>
+                <a:ea typeface="맑은 고딕" charset="0"/>
+              </a:rPr>
+              <a:t>bool</a:t>
+            </a:r>
+            <a:r>
+              <a:rPr lang="ko-KR" sz="1800">
+                <a:latin typeface="맑은 고딕" charset="0"/>
+                <a:ea typeface="맑은 고딕" charset="0"/>
+              </a:rPr>
+              <a:t> 변수와 float 변수를 </a:t>
+            </a:r>
+            <a:r>
+              <a:rPr lang="ko-KR" sz="1800">
+                <a:latin typeface="맑은 고딕" charset="0"/>
+                <a:ea typeface="맑은 고딕" charset="0"/>
+              </a:rPr>
+              <a:t>선언합니다.</a:t>
+            </a:r>
+            <a:endParaRPr lang="ko-KR" altLang="en-US" sz="1800">
+              <a:latin typeface="맑은 고딕" charset="0"/>
+              <a:ea typeface="맑은 고딕" charset="0"/>
+            </a:endParaRPr>
+          </a:p>
         </p:txBody>
       </p:sp>
       <p:pic>
         <p:nvPicPr>
-          <p:cNvPr id="1068" name="Picture "/>
+          <p:cNvPr id="1070" name="그림 1" descr="C:/Users/Admin1/AppData/Roaming/PolarisOffice/ETemp/14520_11842488/fImage609162048467.png"/>
           <p:cNvPicPr>
             <a:picLocks noChangeAspect="1"/>
           </p:cNvPicPr>
           <p:nvPr/>
         </p:nvPicPr>
         <p:blipFill rotWithShape="1">
-          <a:blip r:embed="rId2" cstate="print">
+          <a:blip r:embed="rId5" cstate="print">
             <a:extLst>
               <a:ext uri="{28A0092B-C50C-407E-A947-70E740481C1C}">
                 <a14:useLocalDpi xmlns:a14="http://schemas.microsoft.com/office/drawing/2010/main" val="0"/>
@@ -12990,8 +12311,8 @@
         </p:blipFill>
         <p:spPr>
           <a:xfrm rot="0">
-            <a:off x="1213485" y="1455420"/>
-            <a:ext cx="4162425" cy="3317240"/>
+            <a:off x="1240790" y="1456055"/>
+            <a:ext cx="4126230" cy="2790825"/>
           </a:xfrm>
           <a:prstGeom prst="roundRect"/>
           <a:solidFill>
@@ -13001,17 +12322,17 @@
       </p:pic>
       <p:pic>
         <p:nvPicPr>
-          <p:cNvPr id="1069" name="Picture " descr="C:/Users/Admin1/AppData/Roaming/PolarisOffice/ETemp/6964_10535456/fImage529592604464.png"/>
+          <p:cNvPr id="1071" name="그림 10" descr="C:/Users/Admin1/AppData/Roaming/PolarisOffice/ETemp/14520_11842488/fImage666182916334.png"/>
           <p:cNvPicPr>
             <a:picLocks noChangeAspect="1"/>
           </p:cNvPicPr>
           <p:nvPr/>
         </p:nvPicPr>
         <p:blipFill rotWithShape="1">
-          <a:blip r:embed="rId3" cstate="hqprint">
+          <a:blip r:embed="rId6" cstate="print">
             <a:extLst>
               <a:ext uri="{28A0092B-C50C-407E-A947-70E740481C1C}">
-                <a14:useLocalDpi xmlns:a14="http://schemas.microsoft.com/office/drawing/2010/main"/>
+                <a14:useLocalDpi xmlns:a14="http://schemas.microsoft.com/office/drawing/2010/main" val="0"/>
               </a:ext>
             </a:extLst>
           </a:blip>
@@ -13021,8 +12342,8 @@
         </p:blipFill>
         <p:spPr>
           <a:xfrm rot="0">
-            <a:off x="6813550" y="1456055"/>
-            <a:ext cx="4144645" cy="2498090"/>
+            <a:off x="6813550" y="1447165"/>
+            <a:ext cx="4144010" cy="2515870"/>
           </a:xfrm>
           <a:prstGeom prst="roundRect"/>
           <a:solidFill>
@@ -13080,8 +12401,8 @@
         </p:nvSpPr>
         <p:spPr>
           <a:xfrm rot="0">
-            <a:off x="4514215" y="350520"/>
-            <a:ext cx="3170555" cy="478155"/>
+            <a:off x="4514215" y="367665"/>
+            <a:ext cx="3171190" cy="478790"/>
           </a:xfrm>
           <a:prstGeom prst="rect"/>
           <a:noFill/>
@@ -13118,17 +12439,7 @@
                 <a:latin typeface="나눔바른고딕" charset="0"/>
                 <a:ea typeface="나눔바른고딕" charset="0"/>
               </a:rPr>
-              <a:t> </a:t>
-            </a:r>
-            <a:r>
-              <a:rPr lang="ko-KR" altLang="en-US" sz="2500" b="1">
-                <a:solidFill>
-                  <a:schemeClr val="tx1"/>
-                </a:solidFill>
-                <a:latin typeface="나눔바른고딕" charset="0"/>
-                <a:ea typeface="나눔바른고딕" charset="0"/>
-              </a:rPr>
-              <a:t>번째 튜토리얼</a:t>
+              <a:t> 번째 튜토리얼</a:t>
             </a:r>
             <a:endParaRPr lang="ko-KR" altLang="en-US" sz="2500" b="1">
               <a:solidFill>
@@ -13149,9 +12460,9 @@
           <p:nvPr/>
         </p:nvSpPr>
         <p:spPr>
-          <a:xfrm rot="0">
+          <a:xfrm>
             <a:off x="1231900" y="4392930"/>
-            <a:ext cx="4144010" cy="1784985"/>
+            <a:ext cx="4144645" cy="1784985"/>
           </a:xfrm>
           <a:prstGeom prst="rect"/>
           <a:noFill/>
@@ -13178,17 +12489,7 @@
                 <a:latin typeface="맑은 고딕" charset="0"/>
                 <a:ea typeface="맑은 고딕" charset="0"/>
               </a:rPr>
-              <a:t>1</a:t>
-            </a:r>
-            <a:r>
-              <a:rPr lang="ko-KR" sz="2000" b="1">
-                <a:solidFill>
-                  <a:srgbClr val="0611F2"/>
-                </a:solidFill>
-                <a:latin typeface="맑은 고딕" charset="0"/>
-                <a:ea typeface="맑은 고딕" charset="0"/>
-              </a:rPr>
-              <a:t>5</a:t>
+              <a:t>14</a:t>
             </a:r>
             <a:r>
               <a:rPr sz="2000" b="1">
@@ -13215,35 +12516,7 @@
                 <a:latin typeface="맑은 고딕" charset="0"/>
                 <a:ea typeface="맑은 고딕" charset="0"/>
               </a:rPr>
-              <a:t>그리고 </a:t>
-            </a:r>
-            <a:r>
-              <a:rPr lang="ko-KR" sz="1800">
-                <a:latin typeface="맑은 고딕" charset="0"/>
-                <a:ea typeface="맑은 고딕" charset="0"/>
-              </a:rPr>
-              <a:t>Update(</a:t>
-            </a:r>
-            <a:r>
-              <a:rPr lang="ko-KR" sz="1800">
-                <a:latin typeface="맑은 고딕" charset="0"/>
-                <a:ea typeface="맑은 고딕" charset="0"/>
-              </a:rPr>
-              <a:t> ) </a:t>
-            </a:r>
-            <a:r>
-              <a:rPr lang="ko-KR" sz="1800">
-                <a:latin typeface="맑은 고딕" charset="0"/>
-                <a:ea typeface="맑은 고딕" charset="0"/>
-              </a:rPr>
-              <a:t>함수에서</a:t>
-            </a:r>
-            <a:r>
-              <a:rPr lang="ko-KR" sz="1800">
-                <a:latin typeface="맑은 고딕" charset="0"/>
-                <a:ea typeface="맑은 고딕" charset="0"/>
-              </a:rPr>
-              <a:t> 조건에 </a:t>
+              <a:t>이제 Update( ) 함수에서 조건에 </a:t>
             </a:r>
             <a:r>
               <a:rPr lang="ko-KR" sz="1800">
@@ -13257,55 +12530,6 @@
                 <a:latin typeface="맑은 고딕" charset="0"/>
                 <a:ea typeface="맑은 고딕" charset="0"/>
               </a:rPr>
-              <a:t> 버튼</a:t>
-            </a:r>
-            <a:r>
-              <a:rPr lang="ko-KR" sz="1800">
-                <a:latin typeface="맑은 고딕" charset="0"/>
-                <a:ea typeface="맑은 고딕" charset="0"/>
-              </a:rPr>
-              <a:t> 오브젝트를 활성화 </a:t>
-            </a:r>
-            <a:r>
-              <a:rPr lang="ko-KR" sz="1800">
-                <a:latin typeface="맑은 고딕" charset="0"/>
-                <a:ea typeface="맑은 고딕" charset="0"/>
-              </a:rPr>
-              <a:t>또는 </a:t>
-            </a:r>
-            <a:r>
-              <a:rPr lang="ko-KR" sz="1800">
-                <a:latin typeface="맑은 고딕" charset="0"/>
-                <a:ea typeface="맑은 고딕" charset="0"/>
-              </a:rPr>
-              <a:t>비활성</a:t>
-            </a:r>
-            <a:r>
-              <a:rPr lang="ko-KR" sz="1800">
-                <a:latin typeface="맑은 고딕" charset="0"/>
-                <a:ea typeface="맑은 고딕" charset="0"/>
-              </a:rPr>
-              <a:t>화</a:t>
-            </a:r>
-            <a:r>
-              <a:rPr lang="ko-KR" sz="1800">
-                <a:latin typeface="맑은 고딕" charset="0"/>
-                <a:ea typeface="맑은 고딕" charset="0"/>
-              </a:rPr>
-              <a:t>하</a:t>
-            </a:r>
-            <a:r>
-              <a:rPr lang="ko-KR" sz="1800">
-                <a:latin typeface="맑은 고딕" charset="0"/>
-                <a:ea typeface="맑은 고딕" charset="0"/>
-              </a:rPr>
-              <a:t>도록</a:t>
-            </a:r>
-            <a:r>
-              <a:rPr lang="ko-KR" sz="1800">
-                <a:latin typeface="맑은 고딕" charset="0"/>
-                <a:ea typeface="맑은 고딕" charset="0"/>
-              </a:rPr>
               <a:t> </a:t>
             </a:r>
             <a:r>
@@ -13313,7 +12537,28 @@
                 <a:latin typeface="맑은 고딕" charset="0"/>
                 <a:ea typeface="맑은 고딕" charset="0"/>
               </a:rPr>
-              <a:t>선언합니다.</a:t>
+              <a:t>버튼</a:t>
+            </a:r>
+            <a:r>
+              <a:rPr lang="ko-KR" sz="1800">
+                <a:latin typeface="맑은 고딕" charset="0"/>
+                <a:ea typeface="맑은 고딕" charset="0"/>
+              </a:rPr>
+              <a:t> 오브젝트를 활성화 또는 </a:t>
+            </a:r>
+            <a:r>
+              <a:rPr lang="ko-KR" sz="1800">
+                <a:latin typeface="맑은 고딕" charset="0"/>
+                <a:ea typeface="맑은 고딕" charset="0"/>
+              </a:rPr>
+              <a:t>비활성화하도록</a:t>
+            </a:r>
+            <a:r>
+              <a:rPr lang="ko-KR" sz="1800">
+                <a:latin typeface="맑은 고딕" charset="0"/>
+                <a:ea typeface="맑은 고딕" charset="0"/>
+              </a:rPr>
+              <a:t> 선언합니다.</a:t>
             </a:r>
             <a:endParaRPr lang="ko-KR" altLang="en-US" sz="1800">
               <a:latin typeface="맑은 고딕" charset="0"/>
@@ -13340,21 +12585,7 @@
                 <a:latin typeface="맑은 고딕" charset="0"/>
                 <a:ea typeface="맑은 고딕" charset="0"/>
               </a:rPr>
-              <a:t>그런</a:t>
-            </a:r>
-            <a:r>
-              <a:rPr lang="ko-KR" sz="1800">
-                <a:latin typeface="맑은 고딕" charset="0"/>
-                <a:ea typeface="맑은 고딕" charset="0"/>
-              </a:rPr>
-              <a:t> </a:t>
-            </a:r>
-            <a:r>
-              <a:rPr lang="ko-KR" sz="1800">
-                <a:latin typeface="맑은 고딕" charset="0"/>
-                <a:ea typeface="맑은 고딕" charset="0"/>
-              </a:rPr>
-              <a:t>다음</a:t>
+              <a:t>그리고</a:t>
             </a:r>
             <a:r>
               <a:rPr lang="ko-KR" sz="1800">
@@ -13400,38 +12631,7 @@
       </p:sp>
       <p:pic>
         <p:nvPicPr>
-          <p:cNvPr id="1070" name="그림 55" descr="C:/Users/Admin1/AppData/Roaming/PolarisOffice/ETemp/6964_10535456/fImage677412915705.png"/>
-          <p:cNvPicPr>
-            <a:picLocks noChangeAspect="1"/>
-          </p:cNvPicPr>
-          <p:nvPr/>
-        </p:nvPicPr>
-        <p:blipFill rotWithShape="1">
-          <a:blip r:embed="rId2" cstate="hqprint">
-            <a:extLst>
-              <a:ext uri="{28A0092B-C50C-407E-A947-70E740481C1C}">
-                <a14:useLocalDpi xmlns:a14="http://schemas.microsoft.com/office/drawing/2010/main"/>
-              </a:ext>
-            </a:extLst>
-          </a:blip>
-          <a:stretch>
-            <a:fillRect/>
-          </a:stretch>
-        </p:blipFill>
-        <p:spPr>
-          <a:xfrm rot="0">
-            <a:off x="1249045" y="1447165"/>
-            <a:ext cx="4144645" cy="2792095"/>
-          </a:xfrm>
-          <a:prstGeom prst="roundRect"/>
-          <a:solidFill>
-            <a:srgbClr val="EDEDED"/>
-          </a:solidFill>
-        </p:spPr>
-      </p:pic>
-      <p:pic>
-        <p:nvPicPr>
-          <p:cNvPr id="1071" name="그림 58"/>
+          <p:cNvPr id="1071" name="그림 58" descr="C:/Users/Admin1/AppData/Roaming/PolarisOffice/ETemp/14520_11842488/fImage192962919169.png"/>
           <p:cNvPicPr>
             <a:picLocks noChangeAspect="1"/>
           </p:cNvPicPr>
@@ -13452,7 +12652,7 @@
         <p:spPr>
           <a:xfrm rot="0">
             <a:off x="6813550" y="1447165"/>
-            <a:ext cx="4144010" cy="3376930"/>
+            <a:ext cx="4144010" cy="2791460"/>
           </a:xfrm>
           <a:prstGeom prst="roundRect"/>
           <a:solidFill>
@@ -13470,14 +12670,14 @@
         </p:nvSpPr>
         <p:spPr>
           <a:xfrm rot="0">
-            <a:off x="6807200" y="5041900"/>
-            <a:ext cx="4141470" cy="1138555"/>
+            <a:off x="6824345" y="4430395"/>
+            <a:ext cx="4124325" cy="1746250"/>
           </a:xfrm>
           <a:prstGeom prst="rect"/>
           <a:noFill/>
         </p:spPr>
         <p:txBody>
-          <a:bodyPr wrap="square" lIns="0" tIns="0" rIns="0" bIns="0" vert="horz" anchor="t">
+          <a:bodyPr wrap="square" lIns="0" tIns="0" rIns="0" bIns="0" numCol="1" vert="horz" anchor="t">
             <a:noAutofit/>
           </a:bodyPr>
           <a:lstStyle/>
@@ -13494,17 +12694,7 @@
                 <a:latin typeface="맑은 고딕" charset="0"/>
                 <a:ea typeface="맑은 고딕" charset="0"/>
               </a:rPr>
-              <a:t>1</a:t>
-            </a:r>
-            <a:r>
-              <a:rPr lang="ko-KR" sz="2000" b="1">
-                <a:solidFill>
-                  <a:srgbClr val="0611F2"/>
-                </a:solidFill>
-                <a:latin typeface="맑은 고딕" charset="0"/>
-                <a:ea typeface="맑은 고딕" charset="0"/>
-              </a:rPr>
-              <a:t>6</a:t>
+              <a:t>15</a:t>
             </a:r>
             <a:r>
               <a:rPr sz="2000" b="1">
@@ -13531,7 +12721,7 @@
                 <a:latin typeface="맑은 고딕" charset="0"/>
                 <a:ea typeface="맑은 고딕" charset="0"/>
               </a:rPr>
-              <a:t>그다음으로 Create Button </a:t>
+              <a:t>그런 다음 Create Button </a:t>
             </a:r>
             <a:r>
               <a:rPr lang="ko-KR" sz="1800">
@@ -13559,7 +12749,7 @@
                 <a:latin typeface="맑은 고딕" charset="0"/>
                 <a:ea typeface="맑은 고딕" charset="0"/>
               </a:rPr>
-              <a:t> Image 컴포넌트의 </a:t>
+              <a:t> </a:t>
             </a:r>
             <a:r>
               <a:rPr lang="ko-KR" sz="1800">
@@ -13580,99 +12770,206 @@
                 <a:latin typeface="맑은 고딕" charset="0"/>
                 <a:ea typeface="맑은 고딕" charset="0"/>
               </a:rPr>
-              <a:t>Type을 설정한 다음</a:t>
-            </a:r>
-            <a:r>
-              <a:rPr lang="ko-KR" sz="1800">
-                <a:latin typeface="맑은 고딕" charset="0"/>
-                <a:ea typeface="맑은 고딕" charset="0"/>
-              </a:rPr>
-              <a:t> </a:t>
-            </a:r>
-            <a:r>
-              <a:rPr lang="ko-KR" sz="1800">
-                <a:latin typeface="맑은 고딕" charset="0"/>
-                <a:ea typeface="맑은 고딕" charset="0"/>
-              </a:rPr>
-              <a:t>Fill</a:t>
-            </a:r>
-            <a:r>
-              <a:rPr lang="ko-KR" sz="1800">
-                <a:latin typeface="맑은 고딕" charset="0"/>
-                <a:ea typeface="맑은 고딕" charset="0"/>
-              </a:rPr>
-              <a:t> </a:t>
-            </a:r>
-            <a:r>
-              <a:rPr lang="ko-KR" sz="1800">
-                <a:latin typeface="맑은 고딕" charset="0"/>
-                <a:ea typeface="맑은 고딕" charset="0"/>
-              </a:rPr>
-              <a:t>Method</a:t>
-            </a:r>
-            <a:r>
-              <a:rPr lang="ko-KR" sz="1800">
-                <a:latin typeface="맑은 고딕" charset="0"/>
-                <a:ea typeface="맑은 고딕" charset="0"/>
-              </a:rPr>
-              <a:t> </a:t>
-            </a:r>
-            <a:r>
-              <a:rPr lang="ko-KR" sz="1800">
-                <a:latin typeface="맑은 고딕" charset="0"/>
-                <a:ea typeface="맑은 고딕" charset="0"/>
-              </a:rPr>
-              <a:t>와</a:t>
-            </a:r>
-            <a:r>
-              <a:rPr lang="ko-KR" sz="1800">
-                <a:latin typeface="맑은 고딕" charset="0"/>
-                <a:ea typeface="맑은 고딕" charset="0"/>
-              </a:rPr>
-              <a:t> </a:t>
-            </a:r>
-            <a:r>
-              <a:rPr lang="ko-KR" sz="1800">
-                <a:latin typeface="맑은 고딕" charset="0"/>
-                <a:ea typeface="맑은 고딕" charset="0"/>
-              </a:rPr>
-              <a:t>Fill</a:t>
-            </a:r>
-            <a:r>
-              <a:rPr lang="ko-KR" sz="1800">
-                <a:latin typeface="맑은 고딕" charset="0"/>
-                <a:ea typeface="맑은 고딕" charset="0"/>
-              </a:rPr>
-              <a:t> </a:t>
-            </a:r>
-            <a:r>
-              <a:rPr lang="ko-KR" sz="1800">
-                <a:latin typeface="맑은 고딕" charset="0"/>
-                <a:ea typeface="맑은 고딕" charset="0"/>
-              </a:rPr>
-              <a:t>Origin을</a:t>
-            </a:r>
-            <a:r>
-              <a:rPr lang="ko-KR" sz="1800">
-                <a:latin typeface="맑은 고딕" charset="0"/>
-                <a:ea typeface="맑은 고딕" charset="0"/>
-              </a:rPr>
-              <a:t> </a:t>
-            </a:r>
-            <a:r>
-              <a:rPr lang="ko-KR" sz="1800">
-                <a:latin typeface="맑은 고딕" charset="0"/>
-                <a:ea typeface="맑은 고딕" charset="0"/>
-              </a:rPr>
-              <a:t>설정합니다.</a:t>
+              <a:t>컴포넌트를 </a:t>
+            </a:r>
+            <a:r>
+              <a:rPr lang="ko-KR" sz="1800">
+                <a:latin typeface="맑은 고딕" charset="0"/>
+                <a:ea typeface="맑은 고딕" charset="0"/>
+              </a:rPr>
+              <a:t>선택합니</a:t>
+            </a:r>
+            <a:r>
+              <a:rPr lang="ko-KR" sz="1800">
+                <a:latin typeface="맑은 고딕" charset="0"/>
+                <a:ea typeface="맑은 고딕" charset="0"/>
+              </a:rPr>
+              <a:t>다.</a:t>
             </a:r>
             <a:endParaRPr lang="ko-KR" altLang="en-US" sz="1800">
               <a:latin typeface="맑은 고딕" charset="0"/>
               <a:ea typeface="맑은 고딕" charset="0"/>
             </a:endParaRPr>
           </a:p>
+          <a:p>
+            <a:pPr marL="0" indent="0" algn="l" latinLnBrk="0" hangingPunct="1">
+              <a:buFontTx/>
+              <a:buNone/>
+            </a:pPr>
+            <a:endParaRPr lang="ko-KR" altLang="en-US" sz="1800">
+              <a:latin typeface="맑은 고딕" charset="0"/>
+              <a:ea typeface="맑은 고딕" charset="0"/>
+            </a:endParaRPr>
+          </a:p>
+          <a:p>
+            <a:pPr marL="0" indent="0" algn="l" latinLnBrk="0" hangingPunct="1">
+              <a:buFontTx/>
+              <a:buNone/>
+            </a:pPr>
+            <a:r>
+              <a:rPr lang="ko-KR" sz="1800">
+                <a:latin typeface="맑은 고딕" charset="0"/>
+                <a:ea typeface="맑은 고딕" charset="0"/>
+              </a:rPr>
+              <a:t>그다음</a:t>
+            </a:r>
+            <a:r>
+              <a:rPr lang="ko-KR" sz="1800">
+                <a:latin typeface="맑은 고딕" charset="0"/>
+                <a:ea typeface="맑은 고딕" charset="0"/>
+              </a:rPr>
+              <a:t> Image</a:t>
+            </a:r>
+            <a:r>
+              <a:rPr lang="ko-KR" sz="1800">
+                <a:latin typeface="맑은 고딕" charset="0"/>
+                <a:ea typeface="맑은 고딕" charset="0"/>
+              </a:rPr>
+              <a:t> </a:t>
+            </a:r>
+            <a:r>
+              <a:rPr lang="ko-KR" sz="1800">
+                <a:latin typeface="맑은 고딕" charset="0"/>
+                <a:ea typeface="맑은 고딕" charset="0"/>
+              </a:rPr>
+              <a:t>Type과</a:t>
+            </a:r>
+            <a:r>
+              <a:rPr lang="ko-KR" sz="1800">
+                <a:latin typeface="맑은 고딕" charset="0"/>
+                <a:ea typeface="맑은 고딕" charset="0"/>
+              </a:rPr>
+              <a:t> </a:t>
+            </a:r>
+            <a:r>
+              <a:rPr lang="ko-KR" sz="1800">
+                <a:latin typeface="맑은 고딕" charset="0"/>
+                <a:ea typeface="맑은 고딕" charset="0"/>
+              </a:rPr>
+              <a:t>Fill</a:t>
+            </a:r>
+            <a:r>
+              <a:rPr lang="ko-KR" sz="1800">
+                <a:latin typeface="맑은 고딕" charset="0"/>
+                <a:ea typeface="맑은 고딕" charset="0"/>
+              </a:rPr>
+              <a:t> </a:t>
+            </a:r>
+            <a:r>
+              <a:rPr lang="ko-KR" sz="1800">
+                <a:latin typeface="맑은 고딕" charset="0"/>
+                <a:ea typeface="맑은 고딕" charset="0"/>
+              </a:rPr>
+              <a:t>Method</a:t>
+            </a:r>
+            <a:r>
+              <a:rPr lang="ko-KR" sz="1800">
+                <a:latin typeface="맑은 고딕" charset="0"/>
+                <a:ea typeface="맑은 고딕" charset="0"/>
+              </a:rPr>
+              <a:t>를 </a:t>
+            </a:r>
+            <a:r>
+              <a:rPr lang="ko-KR" sz="1800">
+                <a:latin typeface="맑은 고딕" charset="0"/>
+                <a:ea typeface="맑은 고딕" charset="0"/>
+              </a:rPr>
+              <a:t>설정한</a:t>
+            </a:r>
+            <a:r>
+              <a:rPr lang="ko-KR" sz="1800">
+                <a:latin typeface="맑은 고딕" charset="0"/>
+                <a:ea typeface="맑은 고딕" charset="0"/>
+              </a:rPr>
+              <a:t> </a:t>
+            </a:r>
+            <a:r>
+              <a:rPr lang="ko-KR" sz="1800">
+                <a:latin typeface="맑은 고딕" charset="0"/>
+                <a:ea typeface="맑은 고딕" charset="0"/>
+              </a:rPr>
+              <a:t>다음</a:t>
+            </a:r>
+            <a:r>
+              <a:rPr lang="ko-KR" sz="1800">
+                <a:latin typeface="맑은 고딕" charset="0"/>
+                <a:ea typeface="맑은 고딕" charset="0"/>
+              </a:rPr>
+              <a:t> </a:t>
+            </a:r>
+            <a:r>
+              <a:rPr lang="ko-KR" sz="1800">
+                <a:latin typeface="맑은 고딕" charset="0"/>
+                <a:ea typeface="맑은 고딕" charset="0"/>
+              </a:rPr>
+              <a:t>Fill</a:t>
+            </a:r>
+            <a:r>
+              <a:rPr lang="ko-KR" sz="1800">
+                <a:latin typeface="맑은 고딕" charset="0"/>
+                <a:ea typeface="맑은 고딕" charset="0"/>
+              </a:rPr>
+              <a:t> </a:t>
+            </a:r>
+            <a:r>
+              <a:rPr lang="ko-KR" sz="1800">
+                <a:latin typeface="맑은 고딕" charset="0"/>
+                <a:ea typeface="맑은 고딕" charset="0"/>
+              </a:rPr>
+              <a:t>Origin을</a:t>
+            </a:r>
+            <a:r>
+              <a:rPr lang="ko-KR" sz="1800">
+                <a:latin typeface="맑은 고딕" charset="0"/>
+                <a:ea typeface="맑은 고딕" charset="0"/>
+              </a:rPr>
+              <a:t> </a:t>
+            </a:r>
+            <a:r>
+              <a:rPr lang="ko-KR" sz="1800">
+                <a:latin typeface="맑은 고딕" charset="0"/>
+                <a:ea typeface="맑은 고딕" charset="0"/>
+              </a:rPr>
+              <a:t>설정합니다.</a:t>
+            </a:r>
+            <a:endParaRPr lang="ko-KR" altLang="en-US" sz="1800">
+              <a:latin typeface="맑은 고딕" charset="0"/>
+              <a:ea typeface="맑은 고딕" charset="0"/>
+            </a:endParaRPr>
+          </a:p>
         </p:txBody>
       </p:sp>
+      <p:pic>
+        <p:nvPicPr>
+          <p:cNvPr id="1073" name="그림 13" descr="C:/Users/Admin1/AppData/Roaming/PolarisOffice/ETemp/14520_11842488/fImage606452926500.png"/>
+          <p:cNvPicPr>
+            <a:picLocks noChangeAspect="1"/>
+          </p:cNvPicPr>
+          <p:nvPr/>
+        </p:nvPicPr>
+        <p:blipFill rotWithShape="1">
+          <a:blip r:embed="rId5" cstate="print">
+            <a:extLst>
+              <a:ext uri="{28A0092B-C50C-407E-A947-70E740481C1C}">
+                <a14:useLocalDpi xmlns:a14="http://schemas.microsoft.com/office/drawing/2010/main" val="0"/>
+              </a:ext>
+            </a:extLst>
+          </a:blip>
+          <a:stretch>
+            <a:fillRect/>
+          </a:stretch>
+        </p:blipFill>
+        <p:spPr>
+          <a:xfrm rot="0">
+            <a:off x="1235710" y="1447165"/>
+            <a:ext cx="4140200" cy="2791460"/>
+          </a:xfrm>
+          <a:prstGeom prst="roundRect"/>
+          <a:solidFill>
+            <a:srgbClr val="EDEDED"/>
+          </a:solidFill>
+        </p:spPr>
+      </p:pic>
     </p:spTree>
   </p:cSld>
   <p:clrMapOvr>
@@ -13697,7 +12994,7 @@
 </file>
 
 <file path=ppt/slides/slide7.xml><?xml version="1.0" encoding="utf-8"?>
-<p:sld xmlns:a="http://schemas.openxmlformats.org/drawingml/2006/main" xmlns:r="http://schemas.openxmlformats.org/officeDocument/2006/relationships" xmlns:p="http://schemas.openxmlformats.org/presentationml/2006/main">
+<p:sld xmlns:a="http://schemas.openxmlformats.org/drawingml/2006/main" xmlns:r="http://schemas.openxmlformats.org/officeDocument/2006/relationships" xmlns:p="http://schemas.openxmlformats.org/presentationml/2006/main" xmlns:p14="http://schemas.microsoft.com/office/powerpoint/2010/main">
   <p:cSld>
     <p:spTree>
       <p:nvGrpSpPr>
@@ -13792,9 +13089,9 @@
           <p:nvPr/>
         </p:nvSpPr>
         <p:spPr>
-          <a:xfrm rot="0">
+          <a:xfrm>
             <a:off x="1240790" y="5495290"/>
-            <a:ext cx="4144010" cy="677545"/>
+            <a:ext cx="4144645" cy="677545"/>
           </a:xfrm>
           <a:prstGeom prst="rect"/>
           <a:noFill/>
@@ -13821,7 +13118,7 @@
                 <a:latin typeface="맑은 고딕" charset="0"/>
                 <a:ea typeface="맑은 고딕" charset="0"/>
               </a:rPr>
-              <a:t>18</a:t>
+              <a:t>17</a:t>
             </a:r>
             <a:r>
               <a:rPr sz="2000" b="1">
@@ -13855,77 +13152,21 @@
                 <a:latin typeface="맑은 고딕" charset="0"/>
                 <a:ea typeface="맑은 고딕" charset="0"/>
               </a:rPr>
-              <a:t>Generic Create( ) 함수를 </a:t>
+              <a:t>Generic Create( ) 함수를 On </a:t>
             </a:r>
             <a:r>
               <a:rPr sz="1800">
                 <a:latin typeface="맑은 고딕" charset="0"/>
                 <a:ea typeface="맑은 고딕" charset="0"/>
               </a:rPr>
-              <a:t>On</a:t>
+              <a:t>Click(</a:t>
             </a:r>
             <a:r>
               <a:rPr sz="1800">
                 <a:latin typeface="맑은 고딕" charset="0"/>
                 <a:ea typeface="맑은 고딕" charset="0"/>
               </a:rPr>
-              <a:t> </a:t>
-            </a:r>
-            <a:r>
-              <a:rPr sz="1800">
-                <a:latin typeface="맑은 고딕" charset="0"/>
-                <a:ea typeface="맑은 고딕" charset="0"/>
-              </a:rPr>
-              <a:t>Click(</a:t>
-            </a:r>
-            <a:r>
-              <a:rPr sz="1800">
-                <a:latin typeface="맑은 고딕" charset="0"/>
-                <a:ea typeface="맑은 고딕" charset="0"/>
-              </a:rPr>
-              <a:t> </a:t>
-            </a:r>
-            <a:r>
-              <a:rPr sz="1800">
-                <a:latin typeface="맑은 고딕" charset="0"/>
-                <a:ea typeface="맑은 고딕" charset="0"/>
-              </a:rPr>
-              <a:t>)</a:t>
-            </a:r>
-            <a:r>
-              <a:rPr sz="1800">
-                <a:latin typeface="맑은 고딕" charset="0"/>
-                <a:ea typeface="맑은 고딕" charset="0"/>
-              </a:rPr>
-              <a:t> </a:t>
-            </a:r>
-            <a:r>
-              <a:rPr sz="1800">
-                <a:latin typeface="맑은 고딕" charset="0"/>
-                <a:ea typeface="맑은 고딕" charset="0"/>
-              </a:rPr>
-              <a:t>함수에</a:t>
-            </a:r>
-            <a:r>
-              <a:rPr sz="1800">
-                <a:latin typeface="맑은 고딕" charset="0"/>
-                <a:ea typeface="맑은 고딕" charset="0"/>
-              </a:rPr>
-              <a:t> </a:t>
-            </a:r>
-            <a:r>
-              <a:rPr sz="1800">
-                <a:latin typeface="맑은 고딕" charset="0"/>
-                <a:ea typeface="맑은 고딕" charset="0"/>
-              </a:rPr>
-              <a:t>등록합니다.</a:t>
-            </a:r>
-            <a:r>
-              <a:rPr sz="1800">
-                <a:latin typeface="맑은 고딕" charset="0"/>
-                <a:ea typeface="맑은 고딕" charset="0"/>
-              </a:rPr>
-              <a:t> </a:t>
+              <a:t> ) 함수에 등록합니다. </a:t>
             </a:r>
             <a:endParaRPr lang="ko-KR" altLang="en-US" sz="1800">
               <a:latin typeface="맑은 고딕" charset="0"/>
@@ -13944,14 +13185,14 @@
         </p:nvSpPr>
         <p:spPr>
           <a:xfrm rot="0">
-            <a:off x="6807200" y="5041900"/>
-            <a:ext cx="4141470" cy="1138555"/>
+            <a:off x="6806565" y="4429760"/>
+            <a:ext cx="4150995" cy="1746250"/>
           </a:xfrm>
           <a:prstGeom prst="rect"/>
           <a:noFill/>
         </p:spPr>
         <p:txBody>
-          <a:bodyPr wrap="square" lIns="0" tIns="0" rIns="0" bIns="0" vert="horz" anchor="t">
+          <a:bodyPr wrap="square" lIns="0" tIns="0" rIns="0" bIns="0" numCol="1" vert="horz" anchor="t">
             <a:noAutofit/>
           </a:bodyPr>
           <a:lstStyle/>
@@ -13968,7 +13209,7 @@
                 <a:latin typeface="맑은 고딕" charset="0"/>
                 <a:ea typeface="맑은 고딕" charset="0"/>
               </a:rPr>
-              <a:t>19</a:t>
+              <a:t>18</a:t>
             </a:r>
             <a:r>
               <a:rPr sz="2000" b="1">
@@ -14009,95 +13250,115 @@
                 <a:latin typeface="맑은 고딕" charset="0"/>
                 <a:ea typeface="맑은 고딕" charset="0"/>
               </a:rPr>
-              <a:t> </a:t>
+              <a:t> 폴더에 Space Ground 텍스처를 </a:t>
             </a:r>
             <a:r>
               <a:rPr sz="1800">
                 <a:latin typeface="맑은 고딕" charset="0"/>
                 <a:ea typeface="맑은 고딕" charset="0"/>
               </a:rPr>
-              <a:t>폴더에</a:t>
+              <a:t>선택</a:t>
             </a:r>
             <a:r>
               <a:rPr sz="1800">
                 <a:latin typeface="맑은 고딕" charset="0"/>
                 <a:ea typeface="맑은 고딕" charset="0"/>
               </a:rPr>
-              <a:t> Space Ground 텍스처를 </a:t>
-            </a:r>
-            <a:r>
-              <a:rPr sz="1800">
-                <a:latin typeface="맑은 고딕" charset="0"/>
-                <a:ea typeface="맑은 고딕" charset="0"/>
-              </a:rPr>
-              <a:t>선택하고</a:t>
-            </a:r>
-            <a:r>
-              <a:rPr sz="1800">
-                <a:latin typeface="맑은 고딕" charset="0"/>
-                <a:ea typeface="맑은 고딕" charset="0"/>
-              </a:rPr>
-              <a:t> </a:t>
-            </a:r>
-            <a:r>
-              <a:rPr sz="1800">
-                <a:latin typeface="맑은 고딕" charset="0"/>
-                <a:ea typeface="맑은 고딕" charset="0"/>
-              </a:rPr>
-              <a:t>Back Ground</a:t>
-            </a:r>
-            <a:r>
-              <a:rPr sz="1800">
-                <a:latin typeface="맑은 고딕" charset="0"/>
-                <a:ea typeface="맑은 고딕" charset="0"/>
-              </a:rPr>
-              <a:t> 오브젝트의 </a:t>
-            </a:r>
-            <a:r>
-              <a:rPr sz="1800">
-                <a:latin typeface="맑은 고딕" charset="0"/>
-                <a:ea typeface="맑은 고딕" charset="0"/>
-              </a:rPr>
-              <a:t>Source</a:t>
-            </a:r>
-            <a:r>
-              <a:rPr sz="1800">
-                <a:latin typeface="맑은 고딕" charset="0"/>
-                <a:ea typeface="맑은 고딕" charset="0"/>
-              </a:rPr>
-              <a:t> </a:t>
-            </a:r>
-            <a:r>
-              <a:rPr sz="1800">
-                <a:latin typeface="맑은 고딕" charset="0"/>
-                <a:ea typeface="맑은 고딕" charset="0"/>
-              </a:rPr>
-              <a:t>Image에</a:t>
-            </a:r>
-            <a:r>
-              <a:rPr sz="1800">
-                <a:latin typeface="맑은 고딕" charset="0"/>
-                <a:ea typeface="맑은 고딕" charset="0"/>
-              </a:rPr>
-              <a:t> </a:t>
-            </a:r>
-            <a:r>
-              <a:rPr sz="1800">
-                <a:latin typeface="맑은 고딕" charset="0"/>
-                <a:ea typeface="맑은 고딕" charset="0"/>
-              </a:rPr>
-              <a:t>넣어줍니다.</a:t>
+              <a:t>합니</a:t>
+            </a:r>
+            <a:r>
+              <a:rPr lang="ko-KR" sz="1800">
+                <a:latin typeface="맑은 고딕" charset="0"/>
+                <a:ea typeface="맑은 고딕" charset="0"/>
+              </a:rPr>
+              <a:t>다.</a:t>
             </a:r>
             <a:endParaRPr lang="ko-KR" altLang="en-US" sz="1800">
               <a:latin typeface="맑은 고딕" charset="0"/>
               <a:ea typeface="맑은 고딕" charset="0"/>
             </a:endParaRPr>
           </a:p>
+          <a:p>
+            <a:pPr marL="0" indent="0" algn="l" latinLnBrk="0" hangingPunct="1">
+              <a:buFontTx/>
+              <a:buNone/>
+            </a:pPr>
+            <a:endParaRPr lang="ko-KR" altLang="en-US" sz="1800">
+              <a:latin typeface="맑은 고딕" charset="0"/>
+              <a:ea typeface="맑은 고딕" charset="0"/>
+            </a:endParaRPr>
+          </a:p>
+          <a:p>
+            <a:pPr marL="0" indent="0" algn="l" latinLnBrk="0" hangingPunct="1">
+              <a:buFontTx/>
+              <a:buNone/>
+            </a:pPr>
+            <a:r>
+              <a:rPr lang="ko-KR" sz="1800">
+                <a:latin typeface="맑은 고딕" charset="0"/>
+                <a:ea typeface="맑은 고딕" charset="0"/>
+              </a:rPr>
+              <a:t>그런</a:t>
+            </a:r>
+            <a:r>
+              <a:rPr lang="ko-KR" sz="1800">
+                <a:latin typeface="맑은 고딕" charset="0"/>
+                <a:ea typeface="맑은 고딕" charset="0"/>
+              </a:rPr>
+              <a:t> </a:t>
+            </a:r>
+            <a:r>
+              <a:rPr lang="ko-KR" sz="1800">
+                <a:latin typeface="맑은 고딕" charset="0"/>
+                <a:ea typeface="맑은 고딕" charset="0"/>
+              </a:rPr>
+              <a:t>다음</a:t>
+            </a:r>
+            <a:r>
+              <a:rPr sz="1800">
+                <a:latin typeface="맑은 고딕" charset="0"/>
+                <a:ea typeface="맑은 고딕" charset="0"/>
+              </a:rPr>
+              <a:t> Back Ground 오브젝트의 </a:t>
+            </a:r>
+            <a:r>
+              <a:rPr sz="1800">
+                <a:latin typeface="맑은 고딕" charset="0"/>
+                <a:ea typeface="맑은 고딕" charset="0"/>
+              </a:rPr>
+              <a:t>Source</a:t>
+            </a:r>
+            <a:r>
+              <a:rPr sz="1800">
+                <a:latin typeface="맑은 고딕" charset="0"/>
+                <a:ea typeface="맑은 고딕" charset="0"/>
+              </a:rPr>
+              <a:t> </a:t>
+            </a:r>
+            <a:r>
+              <a:rPr sz="1800">
+                <a:latin typeface="맑은 고딕" charset="0"/>
+                <a:ea typeface="맑은 고딕" charset="0"/>
+              </a:rPr>
+              <a:t>Image에</a:t>
+            </a:r>
+            <a:r>
+              <a:rPr sz="1800">
+                <a:latin typeface="맑은 고딕" charset="0"/>
+                <a:ea typeface="맑은 고딕" charset="0"/>
+              </a:rPr>
+              <a:t> 넣어줍니다.</a:t>
+            </a:r>
+            <a:endParaRPr lang="ko-KR" altLang="en-US" sz="1800">
+              <a:latin typeface="맑은 고딕" charset="0"/>
+              <a:ea typeface="맑은 고딕" charset="0"/>
+            </a:endParaRPr>
+          </a:p>
         </p:txBody>
       </p:sp>
       <p:pic>
         <p:nvPicPr>
-          <p:cNvPr id="1073" name="그림 60" descr="C:/Users/Admin1/AppData/Roaming/PolarisOffice/ETemp/21916_16244272/fImage90643028145.png"/>
+          <p:cNvPr id="1073" name="그림 60"/>
           <p:cNvPicPr>
             <a:picLocks noChangeAspect="1"/>
           </p:cNvPicPr>
@@ -14128,7 +13389,7 @@
       </p:pic>
       <p:pic>
         <p:nvPicPr>
-          <p:cNvPr id="1074" name="그림 63" descr="C:/Users/Admin1/AppData/Roaming/PolarisOffice/ETemp/21916_16244272/fImage56453033281.png"/>
+          <p:cNvPr id="1074" name="그림 63"/>
           <p:cNvPicPr>
             <a:picLocks noChangeAspect="1"/>
           </p:cNvPicPr>
@@ -14199,9 +13460,9 @@
           <p:nvPr/>
         </p:nvSpPr>
         <p:spPr>
-          <a:xfrm rot="0">
+          <a:xfrm>
             <a:off x="1234440" y="2810510"/>
-            <a:ext cx="4141470" cy="954405"/>
+            <a:ext cx="4142105" cy="954405"/>
           </a:xfrm>
           <a:prstGeom prst="rect"/>
           <a:noFill/>
@@ -14228,7 +13489,7 @@
                 <a:latin typeface="맑은 고딕" charset="0"/>
                 <a:ea typeface="맑은 고딕" charset="0"/>
               </a:rPr>
-              <a:t>17</a:t>
+              <a:t>16</a:t>
             </a:r>
             <a:r>
               <a:rPr sz="2000" b="1">
@@ -14269,28 +13530,14 @@
                 <a:latin typeface="맑은 고딕" charset="0"/>
                 <a:ea typeface="맑은 고딕" charset="0"/>
               </a:rPr>
-              <a:t> </a:t>
-            </a:r>
-            <a:r>
-              <a:rPr lang="ko-KR" sz="1800">
-                <a:latin typeface="맑은 고딕" charset="0"/>
-                <a:ea typeface="맑은 고딕" charset="0"/>
-              </a:rPr>
-              <a:t>On Click( ) 함수에 Create </a:t>
-            </a:r>
-            <a:r>
-              <a:rPr lang="ko-KR" sz="1800">
-                <a:latin typeface="맑은 고딕" charset="0"/>
-                <a:ea typeface="맑은 고딕" charset="0"/>
-              </a:rPr>
-              <a:t>Object</a:t>
-            </a:r>
-            <a:r>
-              <a:rPr lang="ko-KR" sz="1800">
-                <a:latin typeface="맑은 고딕" charset="0"/>
-                <a:ea typeface="맑은 고딕" charset="0"/>
-              </a:rPr>
-              <a:t>를</a:t>
+              <a:t> On Click( ) 함수에 Create </a:t>
+            </a:r>
+            <a:r>
+              <a:rPr lang="ko-KR" sz="1800">
+                <a:latin typeface="맑은 고딕" charset="0"/>
+                <a:ea typeface="맑은 고딕" charset="0"/>
+              </a:rPr>
+              <a:t>Object를</a:t>
             </a:r>
             <a:r>
               <a:rPr lang="ko-KR" sz="1800">
@@ -14308,17 +13555,17 @@
       </p:sp>
       <p:pic>
         <p:nvPicPr>
-          <p:cNvPr id="1077" name="그림 68" descr="C:/Users/Admin1/AppData/Roaming/PolarisOffice/ETemp/21916_16244272/fImage60353066827.png"/>
+          <p:cNvPr id="1077" name="그림 68" descr="C:/Users/Admin1/AppData/Roaming/PolarisOffice/ETemp/14520_11842488/fImage60353066827.png"/>
           <p:cNvPicPr>
             <a:picLocks noChangeAspect="1"/>
           </p:cNvPicPr>
           <p:nvPr/>
         </p:nvPicPr>
         <p:blipFill rotWithShape="1">
-          <a:blip r:embed="rId4" cstate="print">
+          <a:blip r:embed="rId4" cstate="hqprint">
             <a:extLst>
               <a:ext uri="{28A0092B-C50C-407E-A947-70E740481C1C}">
-                <a14:useLocalDpi xmlns:a14="http://schemas.microsoft.com/office/drawing/2010/main" val="0"/>
+                <a14:useLocalDpi xmlns:a14="http://schemas.microsoft.com/office/drawing/2010/main"/>
               </a:ext>
             </a:extLst>
           </a:blip>
@@ -14328,8 +13575,8 @@
         </p:blipFill>
         <p:spPr>
           <a:xfrm rot="0">
-            <a:off x="1239520" y="3919220"/>
-            <a:ext cx="4136390" cy="1498600"/>
+            <a:off x="1239520" y="3936365"/>
+            <a:ext cx="4137025" cy="1464945"/>
           </a:xfrm>
           <a:prstGeom prst="roundRect"/>
           <a:solidFill>
@@ -14339,17 +13586,17 @@
       </p:pic>
       <p:pic>
         <p:nvPicPr>
-          <p:cNvPr id="1078" name="그림 71" descr="C:/Users/Admin1/AppData/Roaming/PolarisOffice/ETemp/21916_16244272/fImage173613079961.png"/>
+          <p:cNvPr id="1078" name="그림 71" descr="C:/Users/Admin1/AppData/Roaming/PolarisOffice/ETemp/14520_11842488/fImage173613079961.png"/>
           <p:cNvPicPr>
             <a:picLocks noChangeAspect="1"/>
           </p:cNvPicPr>
           <p:nvPr/>
         </p:nvPicPr>
         <p:blipFill rotWithShape="1">
-          <a:blip r:embed="rId5" cstate="print">
+          <a:blip r:embed="rId5" cstate="hqprint">
             <a:extLst>
               <a:ext uri="{28A0092B-C50C-407E-A947-70E740481C1C}">
-                <a14:useLocalDpi xmlns:a14="http://schemas.microsoft.com/office/drawing/2010/main" val="0"/>
+                <a14:useLocalDpi xmlns:a14="http://schemas.microsoft.com/office/drawing/2010/main"/>
               </a:ext>
             </a:extLst>
           </a:blip>
@@ -14359,8 +13606,8 @@
         </p:blipFill>
         <p:spPr>
           <a:xfrm rot="0">
-            <a:off x="6802120" y="1438275"/>
-            <a:ext cx="4146550" cy="2240280"/>
+            <a:off x="6802120" y="1447165"/>
+            <a:ext cx="4147185" cy="1766570"/>
           </a:xfrm>
           <a:prstGeom prst="roundRect"/>
           <a:solidFill>
@@ -14370,17 +13617,17 @@
       </p:pic>
       <p:pic>
         <p:nvPicPr>
-          <p:cNvPr id="1079" name="그림 74" descr="C:/Users/Admin1/AppData/Roaming/PolarisOffice/ETemp/21916_16244272/fImage27694308491.png"/>
+          <p:cNvPr id="1079" name="그림 74" descr="C:/Users/Admin1/AppData/Roaming/PolarisOffice/ETemp/14520_11842488/fImage27694308491.png"/>
           <p:cNvPicPr>
             <a:picLocks noChangeAspect="1"/>
           </p:cNvPicPr>
           <p:nvPr/>
         </p:nvPicPr>
         <p:blipFill rotWithShape="1">
-          <a:blip r:embed="rId6" cstate="print">
+          <a:blip r:embed="rId6" cstate="hqprint">
             <a:extLst>
               <a:ext uri="{28A0092B-C50C-407E-A947-70E740481C1C}">
-                <a14:useLocalDpi xmlns:a14="http://schemas.microsoft.com/office/drawing/2010/main" val="0"/>
+                <a14:useLocalDpi xmlns:a14="http://schemas.microsoft.com/office/drawing/2010/main"/>
               </a:ext>
             </a:extLst>
           </a:blip>
@@ -14390,8 +13637,8 @@
         </p:blipFill>
         <p:spPr>
           <a:xfrm rot="0">
-            <a:off x="6817360" y="3841750"/>
-            <a:ext cx="4131310" cy="1051560"/>
+            <a:off x="6813550" y="3367405"/>
+            <a:ext cx="4144645" cy="913765"/>
           </a:xfrm>
           <a:prstGeom prst="roundRect"/>
           <a:solidFill>
@@ -14407,13 +13654,12 @@
         </p:nvCxnSpPr>
         <p:spPr>
           <a:xfrm rot="0" flipV="1">
-            <a:off x="9630410" y="1765935"/>
-            <a:ext cx="1206500" cy="2429510"/>
+            <a:off x="9932035" y="1705610"/>
+            <a:ext cx="895985" cy="1972945"/>
           </a:xfrm>
           <a:prstGeom prst="straightConnector1"/>
           <a:ln w="6350" cap="flat" cmpd="sng">
             <a:prstDash/>
-            <a:headEnd type="none" w="med" len="med"/>
             <a:tailEnd type="triangle" w="med" len="med"/>
           </a:ln>
         </p:spPr>
@@ -14481,9 +13727,9 @@
           <p:nvPr/>
         </p:nvSpPr>
         <p:spPr>
-          <a:xfrm>
-            <a:off x="5036820" y="469265"/>
-            <a:ext cx="2122170" cy="478155"/>
+          <a:xfrm rot="0">
+            <a:off x="4514215" y="350520"/>
+            <a:ext cx="3171190" cy="478155"/>
           </a:xfrm>
           <a:prstGeom prst="rect"/>
           <a:noFill/>
@@ -14510,7 +13756,17 @@
                 <a:latin typeface="나눔바른고딕" charset="0"/>
                 <a:ea typeface="나눔바른고딕" charset="0"/>
               </a:rPr>
-              <a:t>Instantiate</a:t>
+              <a:t>여덟</a:t>
+            </a:r>
+            <a:r>
+              <a:rPr lang="ko-KR" altLang="en-US" sz="2500" b="1">
+                <a:solidFill>
+                  <a:schemeClr val="tx1"/>
+                </a:solidFill>
+                <a:latin typeface="나눔바른고딕" charset="0"/>
+                <a:ea typeface="나눔바른고딕" charset="0"/>
+              </a:rPr>
+              <a:t> 번째 튜토리얼</a:t>
             </a:r>
             <a:endParaRPr lang="ko-KR" altLang="en-US" sz="2500" b="1">
               <a:solidFill>
@@ -14524,7 +13780,7 @@
       </p:sp>
       <p:sp>
         <p:nvSpPr>
-          <p:cNvPr id="1035" name="Rect 0"/>
+          <p:cNvPr id="1067" name="Rect 0"/>
           <p:cNvSpPr txBox="1">
             <a:spLocks/>
           </p:cNvSpPr>
@@ -14532,8 +13788,8 @@
         </p:nvSpPr>
         <p:spPr>
           <a:xfrm rot="0">
-            <a:off x="1181735" y="1440180"/>
-            <a:ext cx="4184650" cy="4799965"/>
+            <a:off x="1241425" y="2705735"/>
+            <a:ext cx="4151630" cy="677545"/>
           </a:xfrm>
           <a:prstGeom prst="rect"/>
           <a:noFill/>
@@ -14553,226 +13809,223 @@
               <a:buNone/>
             </a:pPr>
             <a:r>
-              <a:rPr lang="ko-KR" sz="1800">
-                <a:latin typeface="맑은 고딕" charset="0"/>
-                <a:ea typeface="맑은 고딕" charset="0"/>
-              </a:rPr>
-              <a:t>Instantiate(</a:t>
-            </a:r>
-            <a:r>
-              <a:rPr lang="ko-KR" sz="1800">
-                <a:latin typeface="맑은 고딕" charset="0"/>
-                <a:ea typeface="맑은 고딕" charset="0"/>
-              </a:rPr>
-              <a:t> )함수는 게임 오브젝트를 </a:t>
-            </a:r>
-            <a:r>
-              <a:rPr lang="ko-KR" sz="1800">
-                <a:latin typeface="맑은 고딕" charset="0"/>
-                <a:ea typeface="맑은 고딕" charset="0"/>
-              </a:rPr>
-              <a:t>생성하는</a:t>
-            </a:r>
-            <a:r>
-              <a:rPr lang="ko-KR" sz="1800">
-                <a:latin typeface="맑은 고딕" charset="0"/>
-                <a:ea typeface="맑은 고딕" charset="0"/>
-              </a:rPr>
-              <a:t> 함수입니다. </a:t>
+              <a:rPr lang="ko-KR" sz="2000" b="1">
+                <a:solidFill>
+                  <a:srgbClr val="0611F2"/>
+                </a:solidFill>
+                <a:latin typeface="맑은 고딕" charset="0"/>
+                <a:ea typeface="맑은 고딕" charset="0"/>
+              </a:rPr>
+              <a:t>1</a:t>
+            </a:r>
+            <a:r>
+              <a:rPr lang="ko-KR" sz="2000" b="1">
+                <a:solidFill>
+                  <a:srgbClr val="0611F2"/>
+                </a:solidFill>
+                <a:latin typeface="맑은 고딕" charset="0"/>
+                <a:ea typeface="맑은 고딕" charset="0"/>
+              </a:rPr>
+              <a:t>9</a:t>
+            </a:r>
+            <a:r>
+              <a:rPr sz="2000" b="1">
+                <a:solidFill>
+                  <a:srgbClr val="0611F2"/>
+                </a:solidFill>
+                <a:latin typeface="맑은 고딕" charset="0"/>
+                <a:ea typeface="맑은 고딕" charset="0"/>
+              </a:rPr>
+              <a:t>.</a:t>
+            </a:r>
+            <a:r>
+              <a:rPr sz="2000" b="1">
+                <a:solidFill>
+                  <a:srgbClr val="0611F2"/>
+                </a:solidFill>
+                <a:latin typeface="맑은 고딕" charset="0"/>
+                <a:ea typeface="맑은 고딕" charset="0"/>
+              </a:rPr>
+              <a:t> </a:t>
+            </a:r>
+            <a:r>
+              <a:rPr sz="1800">
+                <a:latin typeface="맑은 고딕" charset="0"/>
+                <a:ea typeface="맑은 고딕" charset="0"/>
+              </a:rPr>
+              <a:t>그다음으로 Delete 스크립트에 int </a:t>
+            </a:r>
+            <a:r>
+              <a:rPr sz="1800">
+                <a:latin typeface="맑은 고딕" charset="0"/>
+                <a:ea typeface="맑은 고딕" charset="0"/>
+              </a:rPr>
+              <a:t>변수</a:t>
+            </a:r>
+            <a:r>
+              <a:rPr sz="1800">
+                <a:latin typeface="맑은 고딕" charset="0"/>
+                <a:ea typeface="맑은 고딕" charset="0"/>
+              </a:rPr>
+              <a:t>를</a:t>
+            </a:r>
+            <a:r>
+              <a:rPr sz="1800">
+                <a:latin typeface="맑은 고딕" charset="0"/>
+                <a:ea typeface="맑은 고딕" charset="0"/>
+              </a:rPr>
+              <a:t> </a:t>
+            </a:r>
+            <a:r>
+              <a:rPr sz="1800">
+                <a:latin typeface="맑은 고딕" charset="0"/>
+                <a:ea typeface="맑은 고딕" charset="0"/>
+              </a:rPr>
+              <a:t>선언합니다.</a:t>
             </a:r>
             <a:endParaRPr lang="ko-KR" altLang="en-US" sz="1800">
               <a:latin typeface="맑은 고딕" charset="0"/>
               <a:ea typeface="맑은 고딕" charset="0"/>
             </a:endParaRPr>
           </a:p>
+        </p:txBody>
+      </p:sp>
+      <p:sp>
+        <p:nvSpPr>
+          <p:cNvPr id="1072" name="Rect 0"/>
+          <p:cNvSpPr txBox="1">
+            <a:spLocks/>
+          </p:cNvSpPr>
+          <p:nvPr/>
+        </p:nvSpPr>
+        <p:spPr>
+          <a:xfrm rot="0">
+            <a:off x="6798310" y="2750185"/>
+            <a:ext cx="4150360" cy="927735"/>
+          </a:xfrm>
+          <a:prstGeom prst="rect"/>
+          <a:noFill/>
+        </p:spPr>
+        <p:txBody>
+          <a:bodyPr wrap="square" lIns="0" tIns="0" rIns="0" bIns="0" numCol="1" vert="horz" anchor="t">
+            <a:noAutofit/>
+          </a:bodyPr>
+          <a:lstStyle/>
           <a:p>
             <a:pPr marL="0" indent="0" algn="l" latinLnBrk="0" hangingPunct="1">
               <a:buFontTx/>
               <a:buNone/>
             </a:pPr>
+            <a:r>
+              <a:rPr lang="ko-KR" sz="2000" b="1">
+                <a:solidFill>
+                  <a:srgbClr val="0611F2"/>
+                </a:solidFill>
+                <a:latin typeface="맑은 고딕" charset="0"/>
+                <a:ea typeface="맑은 고딕" charset="0"/>
+              </a:rPr>
+              <a:t>21</a:t>
+            </a:r>
+            <a:r>
+              <a:rPr sz="2000" b="1">
+                <a:solidFill>
+                  <a:srgbClr val="0611F2"/>
+                </a:solidFill>
+                <a:latin typeface="맑은 고딕" charset="0"/>
+                <a:ea typeface="맑은 고딕" charset="0"/>
+              </a:rPr>
+              <a:t>.</a:t>
+            </a:r>
+            <a:r>
+              <a:rPr sz="2000" b="1">
+                <a:solidFill>
+                  <a:srgbClr val="0611F2"/>
+                </a:solidFill>
+                <a:latin typeface="맑은 고딕" charset="0"/>
+                <a:ea typeface="맑은 고딕" charset="0"/>
+              </a:rPr>
+              <a:t> </a:t>
+            </a:r>
+            <a:r>
+              <a:rPr sz="1800">
+                <a:latin typeface="맑은 고딕" charset="0"/>
+                <a:ea typeface="맑은 고딕" charset="0"/>
+              </a:rPr>
+              <a:t>이제 Project 폴더 아래에 있는 </a:t>
+            </a:r>
+            <a:r>
+              <a:rPr sz="1800">
+                <a:latin typeface="맑은 고딕" charset="0"/>
+                <a:ea typeface="맑은 고딕" charset="0"/>
+              </a:rPr>
+              <a:t>Texture</a:t>
+            </a:r>
+            <a:r>
+              <a:rPr sz="1800">
+                <a:latin typeface="맑은 고딕" charset="0"/>
+                <a:ea typeface="맑은 고딕" charset="0"/>
+              </a:rPr>
+              <a:t> </a:t>
+            </a:r>
+            <a:r>
+              <a:rPr sz="1800">
+                <a:latin typeface="맑은 고딕" charset="0"/>
+                <a:ea typeface="맑은 고딕" charset="0"/>
+              </a:rPr>
+              <a:t>폴더에</a:t>
+            </a:r>
+            <a:r>
+              <a:rPr sz="1800">
+                <a:latin typeface="맑은 고딕" charset="0"/>
+                <a:ea typeface="맑은 고딕" charset="0"/>
+              </a:rPr>
+              <a:t> Alien 텍스처를 선택하고 </a:t>
+            </a:r>
+            <a:r>
+              <a:rPr sz="1800">
+                <a:latin typeface="맑은 고딕" charset="0"/>
+                <a:ea typeface="맑은 고딕" charset="0"/>
+              </a:rPr>
+              <a:t>Body</a:t>
+            </a:r>
+            <a:r>
+              <a:rPr sz="1800">
+                <a:latin typeface="맑은 고딕" charset="0"/>
+                <a:ea typeface="맑은 고딕" charset="0"/>
+              </a:rPr>
+              <a:t> </a:t>
+            </a:r>
+            <a:r>
+              <a:rPr sz="1800">
+                <a:latin typeface="맑은 고딕" charset="0"/>
+                <a:ea typeface="맑은 고딕" charset="0"/>
+              </a:rPr>
+              <a:t>오브젝트에</a:t>
+            </a:r>
+            <a:r>
+              <a:rPr sz="1800">
+                <a:latin typeface="맑은 고딕" charset="0"/>
+                <a:ea typeface="맑은 고딕" charset="0"/>
+              </a:rPr>
+              <a:t> </a:t>
+            </a:r>
+            <a:r>
+              <a:rPr sz="1800">
+                <a:latin typeface="맑은 고딕" charset="0"/>
+                <a:ea typeface="맑은 고딕" charset="0"/>
+              </a:rPr>
+              <a:t>넣어줍니다.</a:t>
+            </a:r>
             <a:endParaRPr lang="ko-KR" altLang="en-US" sz="1800">
               <a:latin typeface="맑은 고딕" charset="0"/>
               <a:ea typeface="맑은 고딕" charset="0"/>
             </a:endParaRPr>
           </a:p>
-          <a:p>
-            <a:pPr marL="0" indent="0" algn="l" latinLnBrk="0" hangingPunct="1">
-              <a:buFontTx/>
-              <a:buNone/>
-            </a:pPr>
-            <a:r>
-              <a:rPr lang="ko-KR" sz="1800">
-                <a:latin typeface="맑은 고딕" charset="0"/>
-                <a:ea typeface="맑은 고딕" charset="0"/>
-              </a:rPr>
-              <a:t>그리고</a:t>
-            </a:r>
-            <a:r>
-              <a:rPr lang="ko-KR" sz="1800">
-                <a:latin typeface="맑은 고딕" charset="0"/>
-                <a:ea typeface="맑은 고딕" charset="0"/>
-              </a:rPr>
-              <a:t> 생성할 때 생성되는 위치와 </a:t>
-            </a:r>
-            <a:r>
-              <a:rPr lang="ko-KR" sz="1800">
-                <a:latin typeface="맑은 고딕" charset="0"/>
-                <a:ea typeface="맑은 고딕" charset="0"/>
-              </a:rPr>
-              <a:t>생성될</a:t>
-            </a:r>
-            <a:r>
-              <a:rPr lang="ko-KR" sz="1800">
-                <a:latin typeface="맑은 고딕" charset="0"/>
-                <a:ea typeface="맑은 고딕" charset="0"/>
-              </a:rPr>
-              <a:t> 때 방향을 설정할 수 있습니다.</a:t>
-            </a:r>
-            <a:endParaRPr lang="ko-KR" altLang="en-US" sz="1800">
-              <a:latin typeface="맑은 고딕" charset="0"/>
-              <a:ea typeface="맑은 고딕" charset="0"/>
-            </a:endParaRPr>
-          </a:p>
-          <a:p>
-            <a:pPr marL="0" indent="0" algn="l" latinLnBrk="0" hangingPunct="1">
-              <a:buFontTx/>
-              <a:buNone/>
-            </a:pPr>
-            <a:endParaRPr lang="ko-KR" altLang="en-US" sz="1800">
-              <a:latin typeface="맑은 고딕" charset="0"/>
-              <a:ea typeface="맑은 고딕" charset="0"/>
-            </a:endParaRPr>
-          </a:p>
-          <a:p>
-            <a:pPr marL="0" indent="0" algn="l" latinLnBrk="0" hangingPunct="1">
-              <a:buFontTx/>
-              <a:buNone/>
-            </a:pPr>
-            <a:endParaRPr lang="ko-KR" altLang="en-US" sz="1800">
-              <a:latin typeface="맑은 고딕" charset="0"/>
-              <a:ea typeface="맑은 고딕" charset="0"/>
-            </a:endParaRPr>
-          </a:p>
-          <a:p>
-            <a:pPr marL="0" indent="0" algn="l" latinLnBrk="0" hangingPunct="1">
-              <a:buFontTx/>
-              <a:buNone/>
-            </a:pPr>
-            <a:endParaRPr lang="ko-KR" altLang="en-US" sz="1800">
-              <a:latin typeface="맑은 고딕" charset="0"/>
-              <a:ea typeface="맑은 고딕" charset="0"/>
-            </a:endParaRPr>
-          </a:p>
-          <a:p>
-            <a:pPr marL="0" indent="0" algn="l" latinLnBrk="0" hangingPunct="1">
-              <a:buFontTx/>
-              <a:buNone/>
-            </a:pPr>
-            <a:endParaRPr lang="ko-KR" altLang="en-US" sz="1800">
-              <a:latin typeface="맑은 고딕" charset="0"/>
-              <a:ea typeface="맑은 고딕" charset="0"/>
-            </a:endParaRPr>
-          </a:p>
-          <a:p>
-            <a:pPr marL="0" indent="0" algn="l" latinLnBrk="0" hangingPunct="1">
-              <a:buFontTx/>
-              <a:buNone/>
-            </a:pPr>
-            <a:endParaRPr lang="ko-KR" altLang="en-US" sz="1800">
-              <a:latin typeface="맑은 고딕" charset="0"/>
-              <a:ea typeface="맑은 고딕" charset="0"/>
-            </a:endParaRPr>
-          </a:p>
-          <a:p>
-            <a:pPr marL="0" indent="0" algn="l" latinLnBrk="0" hangingPunct="1">
-              <a:buFontTx/>
-              <a:buNone/>
-            </a:pPr>
-            <a:endParaRPr lang="ko-KR" altLang="en-US" sz="1800">
-              <a:latin typeface="맑은 고딕" charset="0"/>
-              <a:ea typeface="맑은 고딕" charset="0"/>
-            </a:endParaRPr>
-          </a:p>
-          <a:p>
-            <a:pPr marL="0" indent="0" algn="l" latinLnBrk="0" hangingPunct="1">
-              <a:buFontTx/>
-              <a:buNone/>
-            </a:pPr>
-            <a:endParaRPr lang="ko-KR" altLang="en-US" sz="1800">
-              <a:latin typeface="맑은 고딕" charset="0"/>
-              <a:ea typeface="맑은 고딕" charset="0"/>
-            </a:endParaRPr>
-          </a:p>
-          <a:p>
-            <a:pPr marL="0" indent="0" algn="l" latinLnBrk="0" hangingPunct="1">
-              <a:buFontTx/>
-              <a:buNone/>
-            </a:pPr>
-            <a:endParaRPr lang="ko-KR" altLang="en-US" sz="1800">
-              <a:latin typeface="맑은 고딕" charset="0"/>
-              <a:ea typeface="맑은 고딕" charset="0"/>
-            </a:endParaRPr>
-          </a:p>
-          <a:p>
-            <a:pPr marL="0" indent="0" algn="l" latinLnBrk="0" hangingPunct="1">
-              <a:buFontTx/>
-              <a:buNone/>
-            </a:pPr>
-            <a:endParaRPr lang="ko-KR" altLang="en-US" sz="1800">
-              <a:latin typeface="맑은 고딕" charset="0"/>
-              <a:ea typeface="맑은 고딕" charset="0"/>
-            </a:endParaRPr>
-          </a:p>
-          <a:p>
-            <a:pPr marL="0" indent="0" algn="l" latinLnBrk="0" hangingPunct="1">
-              <a:buFontTx/>
-              <a:buNone/>
-            </a:pPr>
-            <a:r>
-              <a:rPr lang="ko-KR" sz="1800">
-                <a:latin typeface="맑은 고딕" charset="0"/>
-                <a:ea typeface="맑은 고딕" charset="0"/>
-              </a:rPr>
-              <a:t>게임</a:t>
-            </a:r>
-            <a:r>
-              <a:rPr lang="ko-KR" sz="1800">
-                <a:latin typeface="맑은 고딕" charset="0"/>
-                <a:ea typeface="맑은 고딕" charset="0"/>
-              </a:rPr>
-              <a:t> 오브젝트의 생성은 메모리를 새로 </a:t>
-            </a:r>
-            <a:r>
-              <a:rPr lang="ko-KR" sz="1800">
-                <a:latin typeface="맑은 고딕" charset="0"/>
-                <a:ea typeface="맑은 고딕" charset="0"/>
-              </a:rPr>
-              <a:t>할당하며,</a:t>
-            </a:r>
-            <a:r>
-              <a:rPr lang="ko-KR" sz="1800">
-                <a:latin typeface="맑은 고딕" charset="0"/>
-                <a:ea typeface="맑은 고딕" charset="0"/>
-              </a:rPr>
-              <a:t> Managed Heap 영역에서 </a:t>
-            </a:r>
-            <a:r>
-              <a:rPr lang="ko-KR" sz="1800">
-                <a:latin typeface="맑은 고딕" charset="0"/>
-                <a:ea typeface="맑은 고딕" charset="0"/>
-              </a:rPr>
-              <a:t>관리합니다.</a:t>
-            </a:r>
-            <a:endParaRPr lang="ko-KR" altLang="en-US" sz="1800">
-              <a:latin typeface="맑은 고딕" charset="0"/>
-              <a:ea typeface="맑은 고딕" charset="0"/>
-            </a:endParaRPr>
-          </a:p>
         </p:txBody>
       </p:sp>
       <p:pic>
         <p:nvPicPr>
-          <p:cNvPr id="1036" name="그림 1" descr="C:/Users/Admin1/AppData/Roaming/PolarisOffice/ETemp/21916_16244272/fImage29139941.png"/>
+          <p:cNvPr id="1084" name="그림 14" descr="C:/Users/Admin1/AppData/Roaming/PolarisOffice/ETemp/14520_11842488/fImage276932566334.png"/>
           <p:cNvPicPr>
             <a:picLocks noChangeAspect="1"/>
           </p:cNvPicPr>
@@ -14792,8 +14045,8 @@
         </p:blipFill>
         <p:spPr>
           <a:xfrm rot="0">
-            <a:off x="6813550" y="1438275"/>
-            <a:ext cx="4152265" cy="3686810"/>
+            <a:off x="8191500" y="1442085"/>
+            <a:ext cx="2757805" cy="1177290"/>
           </a:xfrm>
           <a:prstGeom prst="roundRect"/>
           <a:solidFill>
@@ -14801,123 +14054,16 @@
           </a:solidFill>
         </p:spPr>
       </p:pic>
-      <p:sp>
-        <p:nvSpPr>
-          <p:cNvPr id="1037" name="텍스트 상자 4"/>
-          <p:cNvSpPr txBox="1">
-            <a:spLocks/>
-          </p:cNvSpPr>
-          <p:nvPr/>
-        </p:nvSpPr>
-        <p:spPr>
-          <a:xfrm rot="0">
-            <a:off x="6805295" y="5306695"/>
-            <a:ext cx="4160520" cy="923925"/>
-          </a:xfrm>
-          <a:prstGeom prst="rect"/>
-          <a:noFill/>
-          <a:ln w="0">
-            <a:noFill/>
-            <a:prstDash/>
-          </a:ln>
-        </p:spPr>
-        <p:txBody>
-          <a:bodyPr wrap="square" lIns="89535" tIns="46355" rIns="89535" bIns="46355" numCol="1" vert="horz" anchor="t">
-            <a:spAutoFit/>
-          </a:bodyPr>
-          <a:lstStyle/>
-          <a:p>
-            <a:pPr marL="0" indent="0" algn="l" latinLnBrk="0" hangingPunct="1">
-              <a:buFontTx/>
-              <a:buNone/>
-            </a:pPr>
-            <a:r>
-              <a:rPr lang="ko-KR" sz="1800">
-                <a:latin typeface="맑은 고딕" charset="0"/>
-                <a:ea typeface="맑은 고딕" charset="0"/>
-              </a:rPr>
-              <a:t>Instantiate로</a:t>
-            </a:r>
-            <a:r>
-              <a:rPr lang="ko-KR" sz="1800">
-                <a:latin typeface="맑은 고딕" charset="0"/>
-                <a:ea typeface="맑은 고딕" charset="0"/>
-              </a:rPr>
-              <a:t> 게임 오브젝트를 </a:t>
-            </a:r>
-            <a:r>
-              <a:rPr lang="ko-KR" sz="1800">
-                <a:latin typeface="맑은 고딕" charset="0"/>
-                <a:ea typeface="맑은 고딕" charset="0"/>
-              </a:rPr>
-              <a:t>생성하게</a:t>
-            </a:r>
-            <a:r>
-              <a:rPr lang="ko-KR" sz="1800">
-                <a:latin typeface="맑은 고딕" charset="0"/>
-                <a:ea typeface="맑은 고딕" charset="0"/>
-              </a:rPr>
-              <a:t> </a:t>
-            </a:r>
-            <a:r>
-              <a:rPr lang="ko-KR" sz="1800">
-                <a:latin typeface="맑은 고딕" charset="0"/>
-                <a:ea typeface="맑은 고딕" charset="0"/>
-              </a:rPr>
-              <a:t>되면</a:t>
-            </a:r>
-            <a:r>
-              <a:rPr lang="ko-KR" sz="1800">
-                <a:latin typeface="맑은 고딕" charset="0"/>
-                <a:ea typeface="맑은 고딕" charset="0"/>
-              </a:rPr>
-              <a:t> (Clone)이라는 이름이 </a:t>
-            </a:r>
-            <a:r>
-              <a:rPr lang="ko-KR" sz="1800">
-                <a:latin typeface="맑은 고딕" charset="0"/>
-                <a:ea typeface="맑은 고딕" charset="0"/>
-              </a:rPr>
-              <a:t>붙어서</a:t>
-            </a:r>
-            <a:r>
-              <a:rPr lang="ko-KR" sz="1800">
-                <a:latin typeface="맑은 고딕" charset="0"/>
-                <a:ea typeface="맑은 고딕" charset="0"/>
-              </a:rPr>
-              <a:t> </a:t>
-            </a:r>
-            <a:r>
-              <a:rPr lang="ko-KR" sz="1800">
-                <a:latin typeface="맑은 고딕" charset="0"/>
-                <a:ea typeface="맑은 고딕" charset="0"/>
-              </a:rPr>
-              <a:t>생성됩니다.</a:t>
-            </a:r>
-            <a:r>
-              <a:rPr lang="ko-KR" sz="1800">
-                <a:latin typeface="맑은 고딕" charset="0"/>
-                <a:ea typeface="맑은 고딕" charset="0"/>
-              </a:rPr>
-              <a:t> </a:t>
-            </a:r>
-            <a:endParaRPr lang="ko-KR" altLang="en-US" sz="1800">
-              <a:latin typeface="맑은 고딕" charset="0"/>
-              <a:ea typeface="맑은 고딕" charset="0"/>
-            </a:endParaRPr>
-          </a:p>
-        </p:txBody>
-      </p:sp>
       <p:pic>
         <p:nvPicPr>
-          <p:cNvPr id="1044" name="그림 145" descr="C:/Users/Admin1/AppData/Roaming/PolarisOffice/ETemp/21916_16244272/fImage688723905436.png"/>
+          <p:cNvPr id="1085" name="그림 17" descr="C:/Users/Admin1/AppData/Roaming/PolarisOffice/ETemp/14520_11842488/fImage102992576500.png"/>
           <p:cNvPicPr>
             <a:picLocks noChangeAspect="1"/>
           </p:cNvPicPr>
           <p:nvPr/>
         </p:nvPicPr>
         <p:blipFill rotWithShape="1">
-          <a:blip r:embed="rId13" cstate="hqprint">
+          <a:blip r:embed="rId5" cstate="hqprint">
             <a:extLst>
               <a:ext uri="{28A0092B-C50C-407E-A947-70E740481C1C}">
                 <a14:useLocalDpi xmlns:a14="http://schemas.microsoft.com/office/drawing/2010/main"/>
@@ -14930,13 +14076,406 @@
         </p:blipFill>
         <p:spPr>
           <a:xfrm rot="0">
-            <a:off x="1179195" y="3126740"/>
-            <a:ext cx="4187825" cy="1964690"/>
+            <a:off x="6802755" y="1438275"/>
+            <a:ext cx="1311910" cy="1179195"/>
+          </a:xfrm>
+          <a:prstGeom prst="roundRect"/>
+          <a:solidFill>
+            <a:srgbClr val="EDEDED"/>
+          </a:solidFill>
+        </p:spPr>
+      </p:pic>
+      <p:cxnSp>
+        <p:nvCxnSpPr>
+          <p:cNvPr id="1086" name="도형 20"/>
+          <p:cNvCxnSpPr/>
+          <p:nvPr/>
+        </p:nvCxnSpPr>
+        <p:spPr>
+          <a:xfrm rot="0" flipH="1">
+            <a:off x="7554595" y="1861185"/>
+            <a:ext cx="1504315" cy="370205"/>
+          </a:xfrm>
+          <a:prstGeom prst="straightConnector1"/>
+          <a:ln w="6350" cap="flat" cmpd="sng">
+            <a:prstDash/>
+            <a:tailEnd type="triangle" w="med" len="med"/>
+          </a:ln>
+        </p:spPr>
+        <p:style>
+          <a:lnRef idx="1">
+            <a:schemeClr val="accent1"/>
+          </a:lnRef>
+          <a:fillRef idx="0">
+            <a:schemeClr val="accent1"/>
+          </a:fillRef>
+          <a:effectRef idx="0">
+            <a:schemeClr val="accent1"/>
+          </a:effectRef>
+          <a:fontRef idx="minor">
+            <a:schemeClr val="tx1"/>
+          </a:fontRef>
+        </p:style>
+      </p:cxnSp>
+      <p:pic>
+        <p:nvPicPr>
+          <p:cNvPr id="1087" name="그림 21" descr="C:/Users/Admin1/AppData/Roaming/PolarisOffice/ETemp/14520_11842488/fImage121522599169.png"/>
+          <p:cNvPicPr>
+            <a:picLocks noChangeAspect="1"/>
+          </p:cNvPicPr>
+          <p:nvPr/>
+        </p:nvPicPr>
+        <p:blipFill rotWithShape="1">
+          <a:blip r:embed="rId6" cstate="hqprint">
+            <a:extLst>
+              <a:ext uri="{28A0092B-C50C-407E-A947-70E740481C1C}">
+                <a14:useLocalDpi xmlns:a14="http://schemas.microsoft.com/office/drawing/2010/main"/>
+              </a:ext>
+            </a:extLst>
+          </a:blip>
+          <a:stretch>
+            <a:fillRect/>
+          </a:stretch>
+        </p:blipFill>
+        <p:spPr>
+          <a:xfrm rot="0">
+            <a:off x="6805295" y="3811905"/>
+            <a:ext cx="4132580" cy="1632585"/>
+          </a:xfrm>
+          <a:prstGeom prst="roundRect"/>
+          <a:solidFill>
+            <a:srgbClr val="EDEDED"/>
+          </a:solidFill>
+        </p:spPr>
+      </p:pic>
+      <p:sp>
+        <p:nvSpPr>
+          <p:cNvPr id="1088" name="텍스트 상자 24"/>
+          <p:cNvSpPr txBox="1">
+            <a:spLocks/>
+          </p:cNvSpPr>
+          <p:nvPr/>
+        </p:nvSpPr>
+        <p:spPr>
+          <a:xfrm rot="0">
+            <a:off x="6805295" y="5593080"/>
+            <a:ext cx="4152265" cy="668655"/>
           </a:xfrm>
           <a:prstGeom prst="rect"/>
           <a:noFill/>
         </p:spPr>
+        <p:txBody>
+          <a:bodyPr wrap="square" lIns="0" tIns="0" rIns="0" bIns="0" numCol="1" vert="horz" anchor="t">
+            <a:noAutofit/>
+          </a:bodyPr>
+          <a:lstStyle/>
+          <a:p>
+            <a:pPr marL="0" indent="0" algn="l" latinLnBrk="0" hangingPunct="1">
+              <a:buFontTx/>
+              <a:buNone/>
+            </a:pPr>
+            <a:r>
+              <a:rPr lang="ko-KR" sz="2000" b="1">
+                <a:solidFill>
+                  <a:srgbClr val="0611F2"/>
+                </a:solidFill>
+                <a:latin typeface="맑은 고딕" charset="0"/>
+                <a:ea typeface="맑은 고딕" charset="0"/>
+              </a:rPr>
+              <a:t>22</a:t>
+            </a:r>
+            <a:r>
+              <a:rPr sz="2000" b="1">
+                <a:solidFill>
+                  <a:srgbClr val="0611F2"/>
+                </a:solidFill>
+                <a:latin typeface="맑은 고딕" charset="0"/>
+                <a:ea typeface="맑은 고딕" charset="0"/>
+              </a:rPr>
+              <a:t>.</a:t>
+            </a:r>
+            <a:r>
+              <a:rPr sz="2000" b="1">
+                <a:solidFill>
+                  <a:srgbClr val="0611F2"/>
+                </a:solidFill>
+                <a:latin typeface="맑은 고딕" charset="0"/>
+                <a:ea typeface="맑은 고딕" charset="0"/>
+              </a:rPr>
+              <a:t> </a:t>
+            </a:r>
+            <a:r>
+              <a:rPr sz="1800">
+                <a:latin typeface="맑은 고딕" charset="0"/>
+                <a:ea typeface="맑은 고딕" charset="0"/>
+              </a:rPr>
+              <a:t>그리고 Create Object의 </a:t>
+            </a:r>
+            <a:r>
+              <a:rPr sz="1800">
+                <a:latin typeface="맑은 고딕" charset="0"/>
+                <a:ea typeface="맑은 고딕" charset="0"/>
+              </a:rPr>
+              <a:t>위치와</a:t>
+            </a:r>
+            <a:r>
+              <a:rPr sz="1800">
+                <a:latin typeface="맑은 고딕" charset="0"/>
+                <a:ea typeface="맑은 고딕" charset="0"/>
+              </a:rPr>
+              <a:t> </a:t>
+            </a:r>
+            <a:r>
+              <a:rPr sz="1800">
+                <a:latin typeface="맑은 고딕" charset="0"/>
+                <a:ea typeface="맑은 고딕" charset="0"/>
+              </a:rPr>
+              <a:t>회전</a:t>
+            </a:r>
+            <a:r>
+              <a:rPr sz="1800">
+                <a:latin typeface="맑은 고딕" charset="0"/>
+                <a:ea typeface="맑은 고딕" charset="0"/>
+              </a:rPr>
+              <a:t> </a:t>
+            </a:r>
+            <a:r>
+              <a:rPr sz="1800">
+                <a:latin typeface="맑은 고딕" charset="0"/>
+                <a:ea typeface="맑은 고딕" charset="0"/>
+              </a:rPr>
+              <a:t>값을</a:t>
+            </a:r>
+            <a:r>
+              <a:rPr sz="1800">
+                <a:latin typeface="맑은 고딕" charset="0"/>
+                <a:ea typeface="맑은 고딕" charset="0"/>
+              </a:rPr>
+              <a:t> 초기화합니다.</a:t>
+            </a:r>
+            <a:endParaRPr lang="ko-KR" altLang="en-US" sz="1800">
+              <a:latin typeface="맑은 고딕" charset="0"/>
+              <a:ea typeface="맑은 고딕" charset="0"/>
+            </a:endParaRPr>
+          </a:p>
+        </p:txBody>
+      </p:sp>
+      <p:pic>
+        <p:nvPicPr>
+          <p:cNvPr id="1089" name="그림 22" descr="C:/Users/Admin1/AppData/Roaming/PolarisOffice/ETemp/14520_11842488/fImage256083079169.png"/>
+          <p:cNvPicPr>
+            <a:picLocks noChangeAspect="1"/>
+          </p:cNvPicPr>
+          <p:nvPr/>
+        </p:nvPicPr>
+        <p:blipFill rotWithShape="1">
+          <a:blip r:embed="rId8" cstate="print">
+            <a:extLst>
+              <a:ext uri="{28A0092B-C50C-407E-A947-70E740481C1C}">
+                <a14:useLocalDpi xmlns:a14="http://schemas.microsoft.com/office/drawing/2010/main" val="0"/>
+              </a:ext>
+            </a:extLst>
+          </a:blip>
+          <a:stretch>
+            <a:fillRect/>
+          </a:stretch>
+        </p:blipFill>
+        <p:spPr>
+          <a:xfrm rot="0">
+            <a:off x="1231900" y="1438910"/>
+            <a:ext cx="4144010" cy="1162685"/>
+          </a:xfrm>
+          <a:prstGeom prst="roundRect"/>
+          <a:solidFill>
+            <a:srgbClr val="EDEDED"/>
+          </a:solidFill>
+        </p:spPr>
       </p:pic>
+      <p:pic>
+        <p:nvPicPr>
+          <p:cNvPr id="1090" name="그림 25" descr="C:/Users/Admin1/AppData/Roaming/PolarisOffice/ETemp/14520_11842488/fImage370183085724.png"/>
+          <p:cNvPicPr>
+            <a:picLocks noChangeAspect="1"/>
+          </p:cNvPicPr>
+          <p:nvPr/>
+        </p:nvPicPr>
+        <p:blipFill rotWithShape="1">
+          <a:blip r:embed="rId9" cstate="print">
+            <a:extLst>
+              <a:ext uri="{28A0092B-C50C-407E-A947-70E740481C1C}">
+                <a14:useLocalDpi xmlns:a14="http://schemas.microsoft.com/office/drawing/2010/main" val="0"/>
+              </a:ext>
+            </a:extLst>
+          </a:blip>
+          <a:stretch>
+            <a:fillRect/>
+          </a:stretch>
+        </p:blipFill>
+        <p:spPr>
+          <a:xfrm rot="0">
+            <a:off x="1231900" y="3514090"/>
+            <a:ext cx="4144010" cy="1413510"/>
+          </a:xfrm>
+          <a:prstGeom prst="roundRect"/>
+          <a:solidFill>
+            <a:srgbClr val="EDEDED"/>
+          </a:solidFill>
+        </p:spPr>
+      </p:pic>
+      <p:sp>
+        <p:nvSpPr>
+          <p:cNvPr id="1091" name="텍스트 상자 28"/>
+          <p:cNvSpPr txBox="1">
+            <a:spLocks/>
+          </p:cNvSpPr>
+          <p:nvPr/>
+        </p:nvSpPr>
+        <p:spPr>
+          <a:xfrm rot="0">
+            <a:off x="1235075" y="5033645"/>
+            <a:ext cx="4151630" cy="1231265"/>
+          </a:xfrm>
+          <a:prstGeom prst="rect"/>
+          <a:noFill/>
+          <a:ln w="0">
+            <a:noFill/>
+            <a:prstDash/>
+          </a:ln>
+        </p:spPr>
+        <p:txBody>
+          <a:bodyPr wrap="square" lIns="89535" tIns="46355" rIns="89535" bIns="46355" numCol="1" vert="horz" anchor="t">
+            <a:spAutoFit/>
+          </a:bodyPr>
+          <a:lstStyle/>
+          <a:p>
+            <a:pPr marL="0" indent="0" algn="l" latinLnBrk="0" hangingPunct="1">
+              <a:buFontTx/>
+              <a:buNone/>
+            </a:pPr>
+            <a:r>
+              <a:rPr lang="ko-KR" sz="2000" b="1">
+                <a:solidFill>
+                  <a:srgbClr val="0611F2"/>
+                </a:solidFill>
+                <a:latin typeface="맑은 고딕" charset="0"/>
+                <a:ea typeface="맑은 고딕" charset="0"/>
+              </a:rPr>
+              <a:t>2</a:t>
+            </a:r>
+            <a:r>
+              <a:rPr lang="ko-KR" sz="2000" b="1">
+                <a:solidFill>
+                  <a:srgbClr val="0611F2"/>
+                </a:solidFill>
+                <a:latin typeface="맑은 고딕" charset="0"/>
+                <a:ea typeface="맑은 고딕" charset="0"/>
+              </a:rPr>
+              <a:t>0</a:t>
+            </a:r>
+            <a:r>
+              <a:rPr sz="2000" b="1">
+                <a:solidFill>
+                  <a:srgbClr val="0611F2"/>
+                </a:solidFill>
+                <a:latin typeface="맑은 고딕" charset="0"/>
+                <a:ea typeface="맑은 고딕" charset="0"/>
+              </a:rPr>
+              <a:t>.</a:t>
+            </a:r>
+            <a:r>
+              <a:rPr sz="2000" b="1">
+                <a:solidFill>
+                  <a:srgbClr val="0611F2"/>
+                </a:solidFill>
+                <a:latin typeface="맑은 고딕" charset="0"/>
+                <a:ea typeface="맑은 고딕" charset="0"/>
+              </a:rPr>
+              <a:t> </a:t>
+            </a:r>
+            <a:r>
+              <a:rPr sz="1800">
+                <a:latin typeface="맑은 고딕" charset="0"/>
+                <a:ea typeface="맑은 고딕" charset="0"/>
+              </a:rPr>
+              <a:t>그러고 나서 Start( )함수에서 </a:t>
+            </a:r>
+            <a:r>
+              <a:rPr sz="1800">
+                <a:latin typeface="맑은 고딕" charset="0"/>
+                <a:ea typeface="맑은 고딕" charset="0"/>
+              </a:rPr>
+              <a:t>random변수</a:t>
+            </a:r>
+            <a:r>
+              <a:rPr sz="1800">
+                <a:latin typeface="맑은 고딕" charset="0"/>
+                <a:ea typeface="맑은 고딕" charset="0"/>
+              </a:rPr>
+              <a:t>의</a:t>
+            </a:r>
+            <a:r>
+              <a:rPr sz="1800">
+                <a:latin typeface="맑은 고딕" charset="0"/>
+                <a:ea typeface="맑은 고딕" charset="0"/>
+              </a:rPr>
+              <a:t> </a:t>
+            </a:r>
+            <a:r>
+              <a:rPr sz="1800">
+                <a:latin typeface="맑은 고딕" charset="0"/>
+                <a:ea typeface="맑은 고딕" charset="0"/>
+              </a:rPr>
+              <a:t>값을 1 ~ 5사이 값을 </a:t>
+            </a:r>
+            <a:r>
+              <a:rPr sz="1800">
+                <a:latin typeface="맑은 고딕" charset="0"/>
+                <a:ea typeface="맑은 고딕" charset="0"/>
+              </a:rPr>
+              <a:t>받도</a:t>
+            </a:r>
+            <a:r>
+              <a:rPr lang="ko-KR" sz="1800">
+                <a:latin typeface="맑은 고딕" charset="0"/>
+                <a:ea typeface="맑은 고딕" charset="0"/>
+              </a:rPr>
+              <a:t>록</a:t>
+            </a:r>
+            <a:r>
+              <a:rPr lang="ko-KR" sz="1800">
+                <a:latin typeface="맑은 고딕" charset="0"/>
+                <a:ea typeface="맑은 고딕" charset="0"/>
+              </a:rPr>
+              <a:t> </a:t>
+            </a:r>
+            <a:r>
+              <a:rPr lang="ko-KR" sz="1800">
+                <a:latin typeface="맑은 고딕" charset="0"/>
+                <a:ea typeface="맑은 고딕" charset="0"/>
+              </a:rPr>
+              <a:t>설정한 다음 Destroy( ) 함수를 </a:t>
+            </a:r>
+            <a:r>
+              <a:rPr lang="ko-KR" sz="1800">
+                <a:latin typeface="맑은 고딕" charset="0"/>
+                <a:ea typeface="맑은 고딕" charset="0"/>
+              </a:rPr>
+              <a:t>호출합니</a:t>
+            </a:r>
+            <a:r>
+              <a:rPr lang="ko-KR" sz="1800">
+                <a:latin typeface="맑은 고딕" charset="0"/>
+                <a:ea typeface="맑은 고딕" charset="0"/>
+              </a:rPr>
+              <a:t>다.</a:t>
+            </a:r>
+            <a:endParaRPr lang="ko-KR" altLang="en-US" sz="1800">
+              <a:latin typeface="맑은 고딕" charset="0"/>
+              <a:ea typeface="맑은 고딕" charset="0"/>
+            </a:endParaRPr>
+          </a:p>
+        </p:txBody>
+      </p:sp>
     </p:spTree>
   </p:cSld>
   <p:clrMapOvr>
@@ -14961,7 +14500,7 @@
 </file>
 
 <file path=ppt/slides/slide9.xml><?xml version="1.0" encoding="utf-8"?>
-<p:sld xmlns:a="http://schemas.openxmlformats.org/drawingml/2006/main" xmlns:r="http://schemas.openxmlformats.org/officeDocument/2006/relationships" xmlns:p="http://schemas.openxmlformats.org/presentationml/2006/main">
+<p:sld xmlns:a="http://schemas.openxmlformats.org/drawingml/2006/main" xmlns:r="http://schemas.openxmlformats.org/officeDocument/2006/relationships" xmlns:p="http://schemas.openxmlformats.org/presentationml/2006/main" xmlns:p14="http://schemas.microsoft.com/office/powerpoint/2010/main">
   <p:cSld>
     <p:spTree>
       <p:nvGrpSpPr>
@@ -14987,8 +14526,8 @@
         </p:nvSpPr>
         <p:spPr>
           <a:xfrm rot="0">
-            <a:off x="4514215" y="350520"/>
-            <a:ext cx="3171190" cy="478155"/>
+            <a:off x="4350385" y="381000"/>
+            <a:ext cx="3480435" cy="478155"/>
           </a:xfrm>
           <a:prstGeom prst="rect"/>
           <a:noFill/>
@@ -15015,7 +14554,7 @@
                 <a:latin typeface="나눔바른고딕" charset="0"/>
                 <a:ea typeface="나눔바른고딕" charset="0"/>
               </a:rPr>
-              <a:t>여덟</a:t>
+              <a:t>아홉</a:t>
             </a:r>
             <a:r>
               <a:rPr lang="ko-KR" altLang="en-US" sz="2500" b="1">
@@ -15039,7 +14578,7 @@
       </p:sp>
       <p:sp>
         <p:nvSpPr>
-          <p:cNvPr id="1067" name="Rect 0"/>
+          <p:cNvPr id="1109" name="텍스트 상자 11"/>
           <p:cNvSpPr txBox="1">
             <a:spLocks/>
           </p:cNvSpPr>
@@ -15047,8 +14586,8 @@
         </p:nvSpPr>
         <p:spPr>
           <a:xfrm rot="0">
-            <a:off x="1240790" y="5038725"/>
-            <a:ext cx="4135120" cy="1231265"/>
+            <a:off x="1240790" y="4464050"/>
+            <a:ext cx="4137660" cy="1754505"/>
           </a:xfrm>
           <a:prstGeom prst="rect"/>
           <a:noFill/>
@@ -15068,401 +14607,230 @@
               <a:buNone/>
             </a:pPr>
             <a:r>
-              <a:rPr lang="ko-KR" sz="2000" b="1">
-                <a:solidFill>
-                  <a:srgbClr val="0611F2"/>
-                </a:solidFill>
-                <a:latin typeface="맑은 고딕" charset="0"/>
-                <a:ea typeface="맑은 고딕" charset="0"/>
-              </a:rPr>
-              <a:t>2</a:t>
-            </a:r>
-            <a:r>
-              <a:rPr lang="ko-KR" sz="2000" b="1">
-                <a:solidFill>
-                  <a:srgbClr val="0611F2"/>
-                </a:solidFill>
-                <a:latin typeface="맑은 고딕" charset="0"/>
-                <a:ea typeface="맑은 고딕" charset="0"/>
-              </a:rPr>
-              <a:t>0</a:t>
-            </a:r>
-            <a:r>
-              <a:rPr sz="2000" b="1">
-                <a:solidFill>
-                  <a:srgbClr val="0611F2"/>
-                </a:solidFill>
-                <a:latin typeface="맑은 고딕" charset="0"/>
-                <a:ea typeface="맑은 고딕" charset="0"/>
-              </a:rPr>
-              <a:t>.</a:t>
-            </a:r>
-            <a:r>
-              <a:rPr sz="2000" b="1">
-                <a:solidFill>
-                  <a:srgbClr val="0611F2"/>
-                </a:solidFill>
-                <a:latin typeface="맑은 고딕" charset="0"/>
-                <a:ea typeface="맑은 고딕" charset="0"/>
-              </a:rPr>
-              <a:t> </a:t>
-            </a:r>
-            <a:r>
-              <a:rPr sz="1800">
-                <a:latin typeface="맑은 고딕" charset="0"/>
-                <a:ea typeface="맑은 고딕" charset="0"/>
-              </a:rPr>
-              <a:t>그다음 Project 폴더 아래에 </a:t>
-            </a:r>
-            <a:r>
-              <a:rPr sz="1800">
-                <a:latin typeface="맑은 고딕" charset="0"/>
-                <a:ea typeface="맑은 고딕" charset="0"/>
-              </a:rPr>
-              <a:t>있는</a:t>
-            </a:r>
-            <a:r>
-              <a:rPr sz="1800">
-                <a:latin typeface="맑은 고딕" charset="0"/>
-                <a:ea typeface="맑은 고딕" charset="0"/>
-              </a:rPr>
-              <a:t> </a:t>
-            </a:r>
-            <a:r>
-              <a:rPr sz="1800">
-                <a:latin typeface="맑은 고딕" charset="0"/>
-                <a:ea typeface="맑은 고딕" charset="0"/>
-              </a:rPr>
-              <a:t>Texture</a:t>
-            </a:r>
-            <a:r>
-              <a:rPr sz="1800">
-                <a:latin typeface="맑은 고딕" charset="0"/>
-                <a:ea typeface="맑은 고딕" charset="0"/>
-              </a:rPr>
-              <a:t> </a:t>
-            </a:r>
-            <a:r>
-              <a:rPr sz="1800">
-                <a:latin typeface="맑은 고딕" charset="0"/>
-                <a:ea typeface="맑은 고딕" charset="0"/>
-              </a:rPr>
-              <a:t>폴더에</a:t>
-            </a:r>
-            <a:r>
-              <a:rPr sz="1800">
-                <a:latin typeface="맑은 고딕" charset="0"/>
-                <a:ea typeface="맑은 고딕" charset="0"/>
-              </a:rPr>
-              <a:t> Alien Button </a:t>
-            </a:r>
-            <a:r>
-              <a:rPr sz="1800">
-                <a:latin typeface="맑은 고딕" charset="0"/>
-                <a:ea typeface="맑은 고딕" charset="0"/>
-              </a:rPr>
-              <a:t>텍스처를</a:t>
-            </a:r>
-            <a:r>
-              <a:rPr sz="1800">
-                <a:latin typeface="맑은 고딕" charset="0"/>
-                <a:ea typeface="맑은 고딕" charset="0"/>
-              </a:rPr>
-              <a:t> </a:t>
-            </a:r>
-            <a:r>
-              <a:rPr sz="1800">
-                <a:latin typeface="맑은 고딕" charset="0"/>
-                <a:ea typeface="맑은 고딕" charset="0"/>
-              </a:rPr>
-              <a:t>선택하고</a:t>
-            </a:r>
-            <a:r>
-              <a:rPr sz="1800">
-                <a:latin typeface="맑은 고딕" charset="0"/>
-                <a:ea typeface="맑은 고딕" charset="0"/>
-              </a:rPr>
-              <a:t> </a:t>
-            </a:r>
-            <a:r>
-              <a:rPr sz="1800">
-                <a:latin typeface="맑은 고딕" charset="0"/>
-                <a:ea typeface="맑은 고딕" charset="0"/>
-              </a:rPr>
-              <a:t>Create B</a:t>
-            </a:r>
-            <a:r>
-              <a:rPr sz="1800">
-                <a:latin typeface="맑은 고딕" charset="0"/>
-                <a:ea typeface="맑은 고딕" charset="0"/>
-              </a:rPr>
-              <a:t>u</a:t>
-            </a:r>
-            <a:r>
-              <a:rPr sz="1800">
-                <a:latin typeface="맑은 고딕" charset="0"/>
-                <a:ea typeface="맑은 고딕" charset="0"/>
-              </a:rPr>
-              <a:t>tton </a:t>
-            </a:r>
-            <a:r>
-              <a:rPr sz="1800">
-                <a:latin typeface="맑은 고딕" charset="0"/>
-                <a:ea typeface="맑은 고딕" charset="0"/>
-              </a:rPr>
-              <a:t>오브젝트의</a:t>
-            </a:r>
-            <a:r>
-              <a:rPr sz="1800">
-                <a:latin typeface="맑은 고딕" charset="0"/>
-                <a:ea typeface="맑은 고딕" charset="0"/>
-              </a:rPr>
-              <a:t> </a:t>
-            </a:r>
-            <a:r>
-              <a:rPr sz="1800">
-                <a:latin typeface="맑은 고딕" charset="0"/>
-                <a:ea typeface="맑은 고딕" charset="0"/>
-              </a:rPr>
-              <a:t>Source</a:t>
-            </a:r>
-            <a:r>
-              <a:rPr sz="1800">
-                <a:latin typeface="맑은 고딕" charset="0"/>
-                <a:ea typeface="맑은 고딕" charset="0"/>
-              </a:rPr>
-              <a:t> </a:t>
-            </a:r>
-            <a:r>
-              <a:rPr sz="1800">
-                <a:latin typeface="맑은 고딕" charset="0"/>
-                <a:ea typeface="맑은 고딕" charset="0"/>
-              </a:rPr>
-              <a:t>Image에</a:t>
-            </a:r>
-            <a:r>
-              <a:rPr sz="1800">
-                <a:latin typeface="맑은 고딕" charset="0"/>
-                <a:ea typeface="맑은 고딕" charset="0"/>
-              </a:rPr>
-              <a:t> </a:t>
-            </a:r>
-            <a:r>
-              <a:rPr sz="1800">
-                <a:latin typeface="맑은 고딕" charset="0"/>
-                <a:ea typeface="맑은 고딕" charset="0"/>
-              </a:rPr>
-              <a:t>넣어줍니다.</a:t>
+              <a:rPr lang="ko-KR" sz="1800">
+                <a:latin typeface="맑은 고딕" charset="0"/>
+                <a:ea typeface="맑은 고딕" charset="0"/>
+              </a:rPr>
+              <a:t>Destroy(</a:t>
+            </a:r>
+            <a:r>
+              <a:rPr lang="ko-KR" sz="1800">
+                <a:latin typeface="맑은 고딕" charset="0"/>
+                <a:ea typeface="맑은 고딕" charset="0"/>
+              </a:rPr>
+              <a:t> ) 함수로 게임 오브젝트를 </a:t>
+            </a:r>
+            <a:r>
+              <a:rPr lang="ko-KR" sz="1800">
+                <a:latin typeface="맑은 고딕" charset="0"/>
+                <a:ea typeface="맑은 고딕" charset="0"/>
+              </a:rPr>
+              <a:t>파괴했을</a:t>
+            </a:r>
+            <a:r>
+              <a:rPr lang="ko-KR" sz="1800">
+                <a:latin typeface="맑은 고딕" charset="0"/>
+                <a:ea typeface="맑은 고딕" charset="0"/>
+              </a:rPr>
+              <a:t> 때 C++ nativeObject는 </a:t>
+            </a:r>
+            <a:r>
+              <a:rPr lang="ko-KR" sz="1800">
+                <a:latin typeface="맑은 고딕" charset="0"/>
+                <a:ea typeface="맑은 고딕" charset="0"/>
+              </a:rPr>
+              <a:t>메모리에서</a:t>
+            </a:r>
+            <a:r>
+              <a:rPr lang="ko-KR" sz="1800">
+                <a:latin typeface="맑은 고딕" charset="0"/>
+                <a:ea typeface="맑은 고딕" charset="0"/>
+              </a:rPr>
+              <a:t> 해제됩니다.</a:t>
             </a:r>
             <a:endParaRPr lang="ko-KR" altLang="en-US" sz="1800">
               <a:latin typeface="맑은 고딕" charset="0"/>
               <a:ea typeface="맑은 고딕" charset="0"/>
             </a:endParaRPr>
           </a:p>
-        </p:txBody>
-      </p:sp>
-      <p:sp>
-        <p:nvSpPr>
-          <p:cNvPr id="1072" name="Rect 0"/>
-          <p:cNvSpPr txBox="1">
-            <a:spLocks/>
-          </p:cNvSpPr>
-          <p:nvPr/>
-        </p:nvSpPr>
-        <p:spPr>
-          <a:xfrm rot="0">
-            <a:off x="6807200" y="2759075"/>
-            <a:ext cx="4147185" cy="1139190"/>
-          </a:xfrm>
-          <a:prstGeom prst="rect"/>
-          <a:noFill/>
-        </p:spPr>
-        <p:txBody>
-          <a:bodyPr wrap="square" lIns="0" tIns="0" rIns="0" bIns="0" numCol="1" vert="horz" anchor="t">
-            <a:noAutofit/>
-          </a:bodyPr>
-          <a:lstStyle/>
           <a:p>
             <a:pPr marL="0" indent="0" algn="l" latinLnBrk="0" hangingPunct="1">
               <a:buFontTx/>
               <a:buNone/>
             </a:pPr>
-            <a:r>
-              <a:rPr lang="ko-KR" sz="2000" b="1">
-                <a:solidFill>
-                  <a:srgbClr val="0611F2"/>
-                </a:solidFill>
-                <a:latin typeface="맑은 고딕" charset="0"/>
-                <a:ea typeface="맑은 고딕" charset="0"/>
-              </a:rPr>
-              <a:t>2</a:t>
-            </a:r>
-            <a:r>
-              <a:rPr lang="ko-KR" sz="2000" b="1">
-                <a:solidFill>
-                  <a:srgbClr val="0611F2"/>
-                </a:solidFill>
-                <a:latin typeface="맑은 고딕" charset="0"/>
-                <a:ea typeface="맑은 고딕" charset="0"/>
-              </a:rPr>
-              <a:t>1</a:t>
-            </a:r>
-            <a:r>
-              <a:rPr sz="2000" b="1">
-                <a:solidFill>
-                  <a:srgbClr val="0611F2"/>
-                </a:solidFill>
-                <a:latin typeface="맑은 고딕" charset="0"/>
-                <a:ea typeface="맑은 고딕" charset="0"/>
-              </a:rPr>
-              <a:t>.</a:t>
-            </a:r>
-            <a:r>
-              <a:rPr sz="2000" b="1">
-                <a:solidFill>
-                  <a:srgbClr val="0611F2"/>
-                </a:solidFill>
-                <a:latin typeface="맑은 고딕" charset="0"/>
-                <a:ea typeface="맑은 고딕" charset="0"/>
-              </a:rPr>
-              <a:t> </a:t>
-            </a:r>
-            <a:r>
-              <a:rPr sz="1800">
-                <a:latin typeface="맑은 고딕" charset="0"/>
-                <a:ea typeface="맑은 고딕" charset="0"/>
-              </a:rPr>
-              <a:t>그런 다음 Project 폴더 아래에 있는 </a:t>
-            </a:r>
-            <a:r>
-              <a:rPr sz="1800">
-                <a:latin typeface="맑은 고딕" charset="0"/>
-                <a:ea typeface="맑은 고딕" charset="0"/>
-              </a:rPr>
-              <a:t>Texture</a:t>
-            </a:r>
-            <a:r>
-              <a:rPr sz="1800">
-                <a:latin typeface="맑은 고딕" charset="0"/>
-                <a:ea typeface="맑은 고딕" charset="0"/>
-              </a:rPr>
-              <a:t> </a:t>
-            </a:r>
-            <a:r>
-              <a:rPr sz="1800">
-                <a:latin typeface="맑은 고딕" charset="0"/>
-                <a:ea typeface="맑은 고딕" charset="0"/>
-              </a:rPr>
-              <a:t>폴더에</a:t>
-            </a:r>
-            <a:r>
-              <a:rPr sz="1800">
-                <a:latin typeface="맑은 고딕" charset="0"/>
-                <a:ea typeface="맑은 고딕" charset="0"/>
-              </a:rPr>
-              <a:t> Alien 텍스처를 </a:t>
-            </a:r>
-            <a:r>
-              <a:rPr sz="1800">
-                <a:latin typeface="맑은 고딕" charset="0"/>
-                <a:ea typeface="맑은 고딕" charset="0"/>
-              </a:rPr>
-              <a:t>선택한 </a:t>
-            </a:r>
-            <a:r>
-              <a:rPr sz="1800">
-                <a:latin typeface="맑은 고딕" charset="0"/>
-                <a:ea typeface="맑은 고딕" charset="0"/>
-              </a:rPr>
-              <a:t>다</a:t>
-            </a:r>
-            <a:r>
-              <a:rPr sz="1800">
-                <a:latin typeface="맑은 고딕" charset="0"/>
-                <a:ea typeface="맑은 고딕" charset="0"/>
-              </a:rPr>
-              <a:t>음</a:t>
-            </a:r>
-            <a:r>
-              <a:rPr sz="1800">
-                <a:latin typeface="맑은 고딕" charset="0"/>
-                <a:ea typeface="맑은 고딕" charset="0"/>
-              </a:rPr>
-              <a:t> </a:t>
-            </a:r>
-            <a:r>
-              <a:rPr sz="1800">
-                <a:latin typeface="맑은 고딕" charset="0"/>
-                <a:ea typeface="맑은 고딕" charset="0"/>
-              </a:rPr>
-              <a:t>Alien 오브젝트 하위</a:t>
-            </a:r>
-            <a:r>
-              <a:rPr sz="1800">
-                <a:latin typeface="맑은 고딕" charset="0"/>
-                <a:ea typeface="맑은 고딕" charset="0"/>
-              </a:rPr>
-              <a:t> </a:t>
-            </a:r>
-            <a:r>
-              <a:rPr sz="1800">
-                <a:latin typeface="맑은 고딕" charset="0"/>
-                <a:ea typeface="맑은 고딕" charset="0"/>
-              </a:rPr>
-              <a:t>오브젝트의 </a:t>
-            </a:r>
-            <a:r>
-              <a:rPr sz="1800">
-                <a:latin typeface="맑은 고딕" charset="0"/>
-                <a:ea typeface="맑은 고딕" charset="0"/>
-              </a:rPr>
-              <a:t> </a:t>
-            </a:r>
-            <a:r>
-              <a:rPr sz="1800">
-                <a:latin typeface="맑은 고딕" charset="0"/>
-                <a:ea typeface="맑은 고딕" charset="0"/>
-              </a:rPr>
-              <a:t>Body</a:t>
-            </a:r>
-            <a:r>
-              <a:rPr sz="1800">
-                <a:latin typeface="맑은 고딕" charset="0"/>
-                <a:ea typeface="맑은 고딕" charset="0"/>
-              </a:rPr>
-              <a:t> 오브젝트에</a:t>
-            </a:r>
-            <a:r>
-              <a:rPr sz="1800">
-                <a:latin typeface="맑은 고딕" charset="0"/>
-                <a:ea typeface="맑은 고딕" charset="0"/>
-              </a:rPr>
-              <a:t> </a:t>
-            </a:r>
-            <a:r>
-              <a:rPr sz="1800">
-                <a:latin typeface="맑은 고딕" charset="0"/>
-                <a:ea typeface="맑은 고딕" charset="0"/>
-              </a:rPr>
-              <a:t>넣어줍니다.</a:t>
-            </a:r>
             <a:endParaRPr lang="ko-KR" altLang="en-US" sz="1800">
               <a:latin typeface="맑은 고딕" charset="0"/>
               <a:ea typeface="맑은 고딕" charset="0"/>
             </a:endParaRPr>
           </a:p>
+          <a:p>
+            <a:pPr marL="0" indent="0" algn="l" latinLnBrk="0" hangingPunct="1">
+              <a:buFontTx/>
+              <a:buNone/>
+            </a:pPr>
+            <a:r>
+              <a:rPr lang="ko-KR" sz="1800">
+                <a:latin typeface="맑은 고딕" charset="0"/>
+                <a:ea typeface="맑은 고딕" charset="0"/>
+              </a:rPr>
+              <a:t>하지만,</a:t>
+            </a:r>
+            <a:r>
+              <a:rPr lang="ko-KR" sz="1800">
+                <a:latin typeface="맑은 고딕" charset="0"/>
+                <a:ea typeface="맑은 고딕" charset="0"/>
+              </a:rPr>
+              <a:t> </a:t>
+            </a:r>
+            <a:r>
+              <a:rPr lang="ko-KR" sz="1800">
+                <a:latin typeface="맑은 고딕" charset="0"/>
+                <a:ea typeface="맑은 고딕" charset="0"/>
+              </a:rPr>
+              <a:t>C#</a:t>
+            </a:r>
+            <a:r>
+              <a:rPr lang="ko-KR" sz="1800">
+                <a:latin typeface="맑은 고딕" charset="0"/>
+                <a:ea typeface="맑은 고딕" charset="0"/>
+              </a:rPr>
+              <a:t> </a:t>
+            </a:r>
+            <a:r>
+              <a:rPr lang="ko-KR" sz="1800">
+                <a:latin typeface="맑은 고딕" charset="0"/>
+                <a:ea typeface="맑은 고딕" charset="0"/>
+              </a:rPr>
+              <a:t>UnityEngine.Object는</a:t>
+            </a:r>
+            <a:r>
+              <a:rPr lang="ko-KR" sz="1800">
+                <a:latin typeface="맑은 고딕" charset="0"/>
+                <a:ea typeface="맑은 고딕" charset="0"/>
+              </a:rPr>
+              <a:t> </a:t>
+            </a:r>
+            <a:r>
+              <a:rPr lang="ko-KR" sz="1800">
+                <a:latin typeface="맑은 고딕" charset="0"/>
+                <a:ea typeface="맑은 고딕" charset="0"/>
+              </a:rPr>
+              <a:t>객체이기</a:t>
+            </a:r>
+            <a:r>
+              <a:rPr lang="ko-KR" sz="1800">
+                <a:latin typeface="맑은 고딕" charset="0"/>
+                <a:ea typeface="맑은 고딕" charset="0"/>
+              </a:rPr>
+              <a:t> </a:t>
+            </a:r>
+            <a:r>
+              <a:rPr lang="ko-KR" sz="1800">
+                <a:latin typeface="맑은 고딕" charset="0"/>
+                <a:ea typeface="맑은 고딕" charset="0"/>
+              </a:rPr>
+              <a:t>때문에</a:t>
+            </a:r>
+            <a:r>
+              <a:rPr lang="ko-KR" sz="1800">
+                <a:latin typeface="맑은 고딕" charset="0"/>
+                <a:ea typeface="맑은 고딕" charset="0"/>
+              </a:rPr>
+              <a:t> </a:t>
+            </a:r>
+            <a:r>
+              <a:rPr lang="ko-KR" sz="1800">
+                <a:latin typeface="맑은 고딕" charset="0"/>
+                <a:ea typeface="맑은 고딕" charset="0"/>
+              </a:rPr>
+              <a:t>해제되지</a:t>
+            </a:r>
+            <a:r>
+              <a:rPr lang="ko-KR" sz="1800">
+                <a:latin typeface="맑은 고딕" charset="0"/>
+                <a:ea typeface="맑은 고딕" charset="0"/>
+              </a:rPr>
+              <a:t> 않습니다.</a:t>
+            </a:r>
+            <a:endParaRPr lang="ko-KR" altLang="en-US" sz="1800">
+              <a:latin typeface="맑은 고딕" charset="0"/>
+              <a:ea typeface="맑은 고딕" charset="0"/>
+            </a:endParaRPr>
+          </a:p>
         </p:txBody>
       </p:sp>
       <p:pic>
         <p:nvPicPr>
-          <p:cNvPr id="1081" name="그림 7" descr="C:/Users/Admin1/AppData/Roaming/PolarisOffice/ETemp/6964_10535456/fImage2085225341.png"/>
+          <p:cNvPr id="1110" name="그림 25" descr="C:/Users/Admin1/AppData/Roaming/PolarisOffice/ETemp/14520_11842488/fImage691572615724.png"/>
           <p:cNvPicPr>
             <a:picLocks noChangeAspect="1"/>
           </p:cNvPicPr>
           <p:nvPr/>
         </p:nvPicPr>
         <p:blipFill rotWithShape="1">
-          <a:blip r:embed="rId2" cstate="print">
+          <a:blip r:embed="rId13" cstate="hqprint">
+            <a:extLst>
+              <a:ext uri="{28A0092B-C50C-407E-A947-70E740481C1C}">
+                <a14:useLocalDpi xmlns:a14="http://schemas.microsoft.com/office/drawing/2010/main"/>
+              </a:ext>
+            </a:extLst>
+          </a:blip>
+          <a:stretch>
+            <a:fillRect/>
+          </a:stretch>
+        </p:blipFill>
+        <p:spPr>
+          <a:xfrm rot="0">
+            <a:off x="1235075" y="1464310"/>
+            <a:ext cx="4144010" cy="2840355"/>
+          </a:xfrm>
+          <a:prstGeom prst="roundRect"/>
+          <a:solidFill>
+            <a:srgbClr val="EDEDED"/>
+          </a:solidFill>
+        </p:spPr>
+      </p:pic>
+      <p:pic>
+        <p:nvPicPr>
+          <p:cNvPr id="1111" name="그림 29"/>
+          <p:cNvPicPr>
+            <a:picLocks noChangeAspect="1"/>
+          </p:cNvPicPr>
+          <p:nvPr/>
+        </p:nvPicPr>
+        <p:blipFill rotWithShape="1">
+          <a:blip r:embed="rId14" cstate="hqprint">
+            <a:extLst>
+              <a:ext uri="{28A0092B-C50C-407E-A947-70E740481C1C}">
+                <a14:useLocalDpi xmlns:a14="http://schemas.microsoft.com/office/drawing/2010/main"/>
+              </a:ext>
+            </a:extLst>
+          </a:blip>
+          <a:stretch>
+            <a:fillRect/>
+          </a:stretch>
+        </p:blipFill>
+        <p:spPr>
+          <a:xfrm rot="0">
+            <a:off x="6832600" y="1464310"/>
+            <a:ext cx="2633345" cy="3888105"/>
+          </a:xfrm>
+          <a:prstGeom prst="roundRect"/>
+          <a:solidFill>
+            <a:srgbClr val="EDEDED"/>
+          </a:solidFill>
+        </p:spPr>
+      </p:pic>
+      <p:pic>
+        <p:nvPicPr>
+          <p:cNvPr id="1112" name="그림 30"/>
+          <p:cNvPicPr>
+            <a:picLocks noChangeAspect="1"/>
+          </p:cNvPicPr>
+          <p:nvPr/>
+        </p:nvPicPr>
+        <p:blipFill rotWithShape="1">
+          <a:blip r:embed="rId15" cstate="print">
             <a:extLst>
               <a:ext uri="{28A0092B-C50C-407E-A947-70E740481C1C}">
                 <a14:useLocalDpi xmlns:a14="http://schemas.microsoft.com/office/drawing/2010/main" val="0"/>
@@ -15475,8 +14843,8 @@
         </p:blipFill>
         <p:spPr>
           <a:xfrm rot="0">
-            <a:off x="1231900" y="1438275"/>
-            <a:ext cx="4144010" cy="2232025"/>
+            <a:off x="9620885" y="2286000"/>
+            <a:ext cx="1342390" cy="2243455"/>
           </a:xfrm>
           <a:prstGeom prst="roundRect"/>
           <a:solidFill>
@@ -15484,199 +14852,9 @@
           </a:solidFill>
         </p:spPr>
       </p:pic>
-      <p:pic>
-        <p:nvPicPr>
-          <p:cNvPr id="1082" name="그림 10" descr="C:/Users/Admin1/AppData/Roaming/PolarisOffice/ETemp/6964_10535456/fImage275792548467.png"/>
-          <p:cNvPicPr>
-            <a:picLocks noChangeAspect="1"/>
-          </p:cNvPicPr>
-          <p:nvPr/>
-        </p:nvPicPr>
-        <p:blipFill rotWithShape="1">
-          <a:blip r:embed="rId3" cstate="print">
-            <a:extLst>
-              <a:ext uri="{28A0092B-C50C-407E-A947-70E740481C1C}">
-                <a14:useLocalDpi xmlns:a14="http://schemas.microsoft.com/office/drawing/2010/main" val="0"/>
-              </a:ext>
-            </a:extLst>
-          </a:blip>
-          <a:stretch>
-            <a:fillRect/>
-          </a:stretch>
-        </p:blipFill>
-        <p:spPr>
-          <a:xfrm rot="0">
-            <a:off x="1251585" y="3838575"/>
-            <a:ext cx="4115435" cy="1054735"/>
-          </a:xfrm>
-          <a:prstGeom prst="roundRect"/>
-          <a:solidFill>
-            <a:srgbClr val="EDEDED"/>
-          </a:solidFill>
-        </p:spPr>
-      </p:pic>
-      <p:cxnSp>
-        <p:nvCxnSpPr>
-          <p:cNvPr id="1083" name="도형 13"/>
-          <p:cNvCxnSpPr/>
-          <p:nvPr/>
-        </p:nvCxnSpPr>
-        <p:spPr>
-          <a:xfrm rot="0" flipV="1">
-            <a:off x="2558415" y="1705610"/>
-            <a:ext cx="2696845" cy="2378075"/>
-          </a:xfrm>
-          <a:prstGeom prst="straightConnector1"/>
-          <a:ln w="6350" cap="flat" cmpd="sng">
-            <a:prstDash/>
-            <a:headEnd type="none" w="med" len="med"/>
-            <a:tailEnd type="triangle" w="med" len="med"/>
-          </a:ln>
-        </p:spPr>
-        <p:style>
-          <a:lnRef idx="1">
-            <a:schemeClr val="accent1"/>
-          </a:lnRef>
-          <a:fillRef idx="0">
-            <a:schemeClr val="accent1"/>
-          </a:fillRef>
-          <a:effectRef idx="0">
-            <a:schemeClr val="accent1"/>
-          </a:effectRef>
-          <a:fontRef idx="minor">
-            <a:schemeClr val="tx1"/>
-          </a:fontRef>
-        </p:style>
-      </p:cxnSp>
-      <p:pic>
-        <p:nvPicPr>
-          <p:cNvPr id="1084" name="그림 14" descr="C:/Users/Admin1/AppData/Roaming/PolarisOffice/ETemp/6964_10535456/fImage276932566334.png"/>
-          <p:cNvPicPr>
-            <a:picLocks noChangeAspect="1"/>
-          </p:cNvPicPr>
-          <p:nvPr/>
-        </p:nvPicPr>
-        <p:blipFill rotWithShape="1">
-          <a:blip r:embed="rId4" cstate="print">
-            <a:extLst>
-              <a:ext uri="{28A0092B-C50C-407E-A947-70E740481C1C}">
-                <a14:useLocalDpi xmlns:a14="http://schemas.microsoft.com/office/drawing/2010/main" val="0"/>
-              </a:ext>
-            </a:extLst>
-          </a:blip>
-          <a:stretch>
-            <a:fillRect/>
-          </a:stretch>
-        </p:blipFill>
-        <p:spPr>
-          <a:xfrm rot="0">
-            <a:off x="8166100" y="1442085"/>
-            <a:ext cx="2782570" cy="1182370"/>
-          </a:xfrm>
-          <a:prstGeom prst="roundRect"/>
-          <a:solidFill>
-            <a:srgbClr val="EDEDED"/>
-          </a:solidFill>
-        </p:spPr>
-      </p:pic>
-      <p:pic>
-        <p:nvPicPr>
-          <p:cNvPr id="1085" name="그림 17" descr="C:/Users/Admin1/AppData/Roaming/PolarisOffice/ETemp/6964_10535456/fImage102992576500.png"/>
-          <p:cNvPicPr>
-            <a:picLocks noChangeAspect="1"/>
-          </p:cNvPicPr>
-          <p:nvPr/>
-        </p:nvPicPr>
-        <p:blipFill rotWithShape="1">
-          <a:blip r:embed="rId5" cstate="print">
-            <a:extLst>
-              <a:ext uri="{28A0092B-C50C-407E-A947-70E740481C1C}">
-                <a14:useLocalDpi xmlns:a14="http://schemas.microsoft.com/office/drawing/2010/main" val="0"/>
-              </a:ext>
-            </a:extLst>
-          </a:blip>
-          <a:stretch>
-            <a:fillRect/>
-          </a:stretch>
-        </p:blipFill>
-        <p:spPr>
-          <a:xfrm rot="0">
-            <a:off x="6802755" y="1448435"/>
-            <a:ext cx="1269365" cy="1175385"/>
-          </a:xfrm>
-          <a:prstGeom prst="roundRect"/>
-          <a:solidFill>
-            <a:srgbClr val="EDEDED"/>
-          </a:solidFill>
-        </p:spPr>
-      </p:pic>
-      <p:cxnSp>
-        <p:nvCxnSpPr>
-          <p:cNvPr id="1086" name="도형 20"/>
-          <p:cNvCxnSpPr/>
-          <p:nvPr/>
-        </p:nvCxnSpPr>
-        <p:spPr>
-          <a:xfrm rot="0" flipH="1">
-            <a:off x="7533640" y="1852930"/>
-            <a:ext cx="1507490" cy="381635"/>
-          </a:xfrm>
-          <a:prstGeom prst="straightConnector1"/>
-          <a:ln w="6350" cap="flat" cmpd="sng">
-            <a:prstDash/>
-            <a:headEnd type="none" w="med" len="med"/>
-            <a:tailEnd type="triangle" w="med" len="med"/>
-          </a:ln>
-        </p:spPr>
-        <p:style>
-          <a:lnRef idx="1">
-            <a:schemeClr val="accent1"/>
-          </a:lnRef>
-          <a:fillRef idx="0">
-            <a:schemeClr val="accent1"/>
-          </a:fillRef>
-          <a:effectRef idx="0">
-            <a:schemeClr val="accent1"/>
-          </a:effectRef>
-          <a:fontRef idx="minor">
-            <a:schemeClr val="tx1"/>
-          </a:fontRef>
-        </p:style>
-      </p:cxnSp>
-      <p:pic>
-        <p:nvPicPr>
-          <p:cNvPr id="1087" name="그림 21" descr="C:/Users/Admin1/AppData/Roaming/PolarisOffice/ETemp/6964_10535456/fImage121522599169.png"/>
-          <p:cNvPicPr>
-            <a:picLocks noChangeAspect="1"/>
-          </p:cNvPicPr>
-          <p:nvPr/>
-        </p:nvPicPr>
-        <p:blipFill rotWithShape="1">
-          <a:blip r:embed="rId6" cstate="print">
-            <a:extLst>
-              <a:ext uri="{28A0092B-C50C-407E-A947-70E740481C1C}">
-                <a14:useLocalDpi xmlns:a14="http://schemas.microsoft.com/office/drawing/2010/main" val="0"/>
-              </a:ext>
-            </a:extLst>
-          </a:blip>
-          <a:stretch>
-            <a:fillRect/>
-          </a:stretch>
-        </p:blipFill>
-        <p:spPr>
-          <a:xfrm rot="0">
-            <a:off x="6806565" y="4087495"/>
-            <a:ext cx="4139565" cy="1402715"/>
-          </a:xfrm>
-          <a:prstGeom prst="roundRect"/>
-          <a:solidFill>
-            <a:srgbClr val="EDEDED"/>
-          </a:solidFill>
-        </p:spPr>
-      </p:pic>
       <p:sp>
         <p:nvSpPr>
-          <p:cNvPr id="1088" name="텍스트 상자 24"/>
+          <p:cNvPr id="1113" name="텍스트 상자 33"/>
           <p:cNvSpPr txBox="1">
             <a:spLocks/>
           </p:cNvSpPr>
@@ -15684,8 +14862,8 @@
         </p:nvSpPr>
         <p:spPr>
           <a:xfrm rot="0">
-            <a:off x="6805930" y="5601970"/>
-            <a:ext cx="4122420" cy="668020"/>
+            <a:off x="6831965" y="5593080"/>
+            <a:ext cx="4133850" cy="625475"/>
           </a:xfrm>
           <a:prstGeom prst="rect"/>
           <a:noFill/>
@@ -15708,7 +14886,7 @@
                 <a:latin typeface="맑은 고딕" charset="0"/>
                 <a:ea typeface="맑은 고딕" charset="0"/>
               </a:rPr>
-              <a:t>22</a:t>
+              <a:t>23</a:t>
             </a:r>
             <a:r>
               <a:rPr sz="2000" b="1">
@@ -15735,35 +14913,14 @@
                 <a:latin typeface="맑은 고딕" charset="0"/>
                 <a:ea typeface="맑은 고딕" charset="0"/>
               </a:rPr>
-              <a:t>그러고 나서 Create Object의 </a:t>
+              <a:t>그런 다음 Camera 오브젝트를 </a:t>
             </a:r>
             <a:r>
               <a:rPr sz="1800">
                 <a:latin typeface="맑은 고딕" charset="0"/>
                 <a:ea typeface="맑은 고딕" charset="0"/>
               </a:rPr>
-              <a:t>위치</a:t>
-            </a:r>
-            <a:r>
-              <a:rPr sz="1800">
-                <a:latin typeface="맑은 고딕" charset="0"/>
-                <a:ea typeface="맑은 고딕" charset="0"/>
-              </a:rPr>
-              <a:t>와</a:t>
-            </a:r>
-            <a:r>
-              <a:rPr sz="1800">
-                <a:latin typeface="맑은 고딕" charset="0"/>
-                <a:ea typeface="맑은 고딕" charset="0"/>
-              </a:rPr>
-              <a:t> </a:t>
-            </a:r>
-            <a:r>
-              <a:rPr sz="1800">
-                <a:latin typeface="맑은 고딕" charset="0"/>
-                <a:ea typeface="맑은 고딕" charset="0"/>
-              </a:rPr>
-              <a:t>회전 값을 초기화합니다.</a:t>
+              <a:t>생성합니다.</a:t>
             </a:r>
             <a:endParaRPr lang="ko-KR" altLang="en-US" sz="1800">
               <a:latin typeface="맑은 고딕" charset="0"/>

--- a/Assets/Instantiate & Destroy/PPT Data/Instatiate and Destroy Example.pptx
+++ b/Assets/Instantiate & Destroy/PPT Data/Instatiate and Destroy Example.pptx
@@ -2,24 +2,22 @@
 <file path=ppt/presentation.xml><?xml version="1.0" encoding="utf-8"?>
 <p:presentation xmlns:a="http://schemas.openxmlformats.org/drawingml/2006/main" xmlns:r="http://schemas.openxmlformats.org/officeDocument/2006/relationships" xmlns:p="http://schemas.openxmlformats.org/presentationml/2006/main" xmlns:p14="http://schemas.microsoft.com/office/powerpoint/2010/main" saveSubsetFonts="1" firstSlideNum="0">
   <p:sldMasterIdLst>
-    <p:sldMasterId id="2147485917" r:id="rId12"/>
+    <p:sldMasterId id="2147485949" r:id="rId12"/>
   </p:sldMasterIdLst>
   <p:notesMasterIdLst>
     <p:notesMasterId r:id="rId14"/>
   </p:notesMasterIdLst>
   <p:sldIdLst>
     <p:sldId id="293" r:id="rId16"/>
-    <p:sldId id="305" r:id="rId17"/>
-    <p:sldId id="294" r:id="rId18"/>
-    <p:sldId id="295" r:id="rId19"/>
-    <p:sldId id="306" r:id="rId20"/>
-    <p:sldId id="307" r:id="rId21"/>
-    <p:sldId id="308" r:id="rId22"/>
-    <p:sldId id="309" r:id="rId23"/>
-    <p:sldId id="287" r:id="rId24"/>
-    <p:sldId id="310" r:id="rId25"/>
-    <p:sldId id="304" r:id="rId26"/>
-    <p:sldId id="311" r:id="rId27"/>
+    <p:sldId id="312" r:id="rId18"/>
+    <p:sldId id="305" r:id="rId20"/>
+    <p:sldId id="294" r:id="rId22"/>
+    <p:sldId id="306" r:id="rId24"/>
+    <p:sldId id="307" r:id="rId25"/>
+    <p:sldId id="309" r:id="rId26"/>
+    <p:sldId id="287" r:id="rId27"/>
+    <p:sldId id="310" r:id="rId28"/>
+    <p:sldId id="304" r:id="rId29"/>
   </p:sldIdLst>
   <p:sldSz cx="12192000" cy="6858000"/>
   <p:notesSz cx="6858000" cy="9144000"/>
@@ -762,290 +760,6 @@
 </p:notes>
 </file>
 
-<file path=ppt/notesSlides/notesSlide11.xml><?xml version="1.0" encoding="utf-8"?>
-<p:notes xmlns:a="http://schemas.openxmlformats.org/drawingml/2006/main" xmlns:r="http://schemas.openxmlformats.org/officeDocument/2006/relationships" xmlns:p="http://schemas.openxmlformats.org/presentationml/2006/main">
-  <p:cSld>
-    <p:spTree>
-      <p:nvGrpSpPr>
-        <p:cNvPr id="1" name=""/>
-        <p:cNvGrpSpPr/>
-        <p:nvPr/>
-      </p:nvGrpSpPr>
-      <p:grpSpPr>
-        <a:xfrm>
-          <a:off x="0" y="0"/>
-          <a:ext cx="0" cy="0"/>
-          <a:chOff x="0" y="0"/>
-          <a:chExt cx="0" cy="0"/>
-        </a:xfrm>
-      </p:grpSpPr>
-      <p:sp>
-        <p:nvSpPr>
-          <p:cNvPr id="2" name="슬라이드 이미지 개체 틀 3"/>
-          <p:cNvSpPr>
-            <a:spLocks noChangeAspect="1"/>
-          </p:cNvSpPr>
-          <p:nvPr>
-            <p:ph type="sldImg" idx="2"/>
-          </p:nvPr>
-        </p:nvSpPr>
-        <p:spPr>
-          <a:xfrm rot="0">
-            <a:off x="685800" y="1143000"/>
-            <a:ext cx="5489575" cy="3089275"/>
-          </a:xfrm>
-          <a:prstGeom prst="rect"/>
-          <a:noFill/>
-          <a:ln w="12700" cap="flat" cmpd="sng">
-            <a:solidFill>
-              <a:srgbClr val="000000">
-                <a:alpha val="100000"/>
-              </a:srgbClr>
-            </a:solidFill>
-            <a:prstDash val="solid"/>
-          </a:ln>
-        </p:spPr>
-        <p:txBody>
-          <a:bodyPr wrap="square" lIns="91440" tIns="45720" rIns="91440" bIns="45720" numCol="1" vert="horz" anchor="ctr">
-            <a:noAutofit/>
-          </a:bodyPr>
-          <a:lstStyle/>
-          <a:p>
-            <a:pPr marL="0" indent="0" latinLnBrk="0">
-              <a:buFontTx/>
-              <a:buNone/>
-            </a:pPr>
-          </a:p>
-        </p:txBody>
-      </p:sp>
-      <p:sp>
-        <p:nvSpPr>
-          <p:cNvPr id="3" name="슬라이드 노트 개체 틀 4"/>
-          <p:cNvSpPr txBox="1">
-            <a:spLocks/>
-          </p:cNvSpPr>
-          <p:nvPr>
-            <p:ph type="body" idx="3"/>
-          </p:nvPr>
-        </p:nvSpPr>
-        <p:spPr>
-          <a:xfrm rot="0">
-            <a:off x="685800" y="4400550"/>
-            <a:ext cx="5489575" cy="3603625"/>
-          </a:xfrm>
-          <a:prstGeom prst="rect"/>
-        </p:spPr>
-        <p:txBody>
-          <a:bodyPr wrap="square" lIns="91440" tIns="45720" rIns="91440" bIns="45720" numCol="1" vert="horz" anchor="t">
-            <a:noAutofit/>
-          </a:bodyPr>
-          <a:lstStyle/>
-          <a:p>
-            <a:pPr marL="0" indent="0" latinLnBrk="0">
-              <a:buFontTx/>
-              <a:buNone/>
-            </a:pPr>
-          </a:p>
-        </p:txBody>
-      </p:sp>
-      <p:sp>
-        <p:nvSpPr>
-          <p:cNvPr id="4" name="슬라이드 번호 개체 틀 6"/>
-          <p:cNvSpPr txBox="1">
-            <a:spLocks/>
-          </p:cNvSpPr>
-          <p:nvPr>
-            <p:ph type="sldNum" idx="5"/>
-          </p:nvPr>
-        </p:nvSpPr>
-        <p:spPr>
-          <a:xfrm rot="0">
-            <a:off x="3884930" y="8685530"/>
-            <a:ext cx="2974975" cy="461645"/>
-          </a:xfrm>
-          <a:prstGeom prst="rect"/>
-        </p:spPr>
-        <p:txBody>
-          <a:bodyPr wrap="square" lIns="91440" tIns="45720" rIns="91440" bIns="45720" numCol="1" vert="horz" anchor="b">
-            <a:noAutofit/>
-          </a:bodyPr>
-          <a:lstStyle>
-            <a:lvl1pPr marL="0" indent="0" algn="r" latinLnBrk="0">
-              <a:buFontTx/>
-              <a:buNone/>
-              <a:defRPr lang="en-GB" altLang="en-US" sz="1200"/>
-            </a:lvl1pPr>
-          </a:lstStyle>
-          <a:p>
-            <a:pPr marL="0" indent="0" latinLnBrk="0">
-              <a:buFontTx/>
-              <a:buNone/>
-            </a:pPr>
-            <a:fld id="{B9320F77-B9A0-41C5-862A-B4B631284C64}" type="slidenum">
-              <a:rPr lang="ko-KR" altLang="en-US"/>
-              <a:t>‹#›</a:t>
-            </a:fld>
-          </a:p>
-        </p:txBody>
-      </p:sp>
-    </p:spTree>
-  </p:cSld>
-  <p:clrMapOvr>
-    <a:masterClrMapping/>
-  </p:clrMapOvr>
-  <mc:AlternateContent xmlns:mc="http://schemas.openxmlformats.org/markup-compatibility/2006">
-    <mc:Choice xmlns:p14="http://schemas.microsoft.com/office/powerpoint/2010/main" Requires="p14">
-      <p:transition spd="slow" p14:dur="0"/>
-    </mc:Choice>
-    <mc:Fallback>
-      <p:transition spd="slow"/>
-    </mc:Fallback>
-  </mc:AlternateContent>
-</p:notes>
-</file>
-
-<file path=ppt/notesSlides/notesSlide12.xml><?xml version="1.0" encoding="utf-8"?>
-<p:notes xmlns:a="http://schemas.openxmlformats.org/drawingml/2006/main" xmlns:r="http://schemas.openxmlformats.org/officeDocument/2006/relationships" xmlns:p="http://schemas.openxmlformats.org/presentationml/2006/main">
-  <p:cSld>
-    <p:spTree>
-      <p:nvGrpSpPr>
-        <p:cNvPr id="1" name=""/>
-        <p:cNvGrpSpPr/>
-        <p:nvPr/>
-      </p:nvGrpSpPr>
-      <p:grpSpPr>
-        <a:xfrm>
-          <a:off x="0" y="0"/>
-          <a:ext cx="0" cy="0"/>
-          <a:chOff x="0" y="0"/>
-          <a:chExt cx="0" cy="0"/>
-        </a:xfrm>
-      </p:grpSpPr>
-      <p:sp>
-        <p:nvSpPr>
-          <p:cNvPr id="2" name="슬라이드 이미지 개체 틀 3"/>
-          <p:cNvSpPr>
-            <a:spLocks noChangeAspect="1"/>
-          </p:cNvSpPr>
-          <p:nvPr>
-            <p:ph type="sldImg" idx="2"/>
-          </p:nvPr>
-        </p:nvSpPr>
-        <p:spPr>
-          <a:xfrm rot="0">
-            <a:off x="685800" y="1143000"/>
-            <a:ext cx="5490210" cy="3089910"/>
-          </a:xfrm>
-          <a:prstGeom prst="rect"/>
-          <a:noFill/>
-          <a:ln w="12700" cap="flat" cmpd="sng">
-            <a:solidFill>
-              <a:srgbClr val="000000">
-                <a:alpha val="100000"/>
-              </a:srgbClr>
-            </a:solidFill>
-            <a:prstDash val="solid"/>
-          </a:ln>
-        </p:spPr>
-        <p:txBody>
-          <a:bodyPr wrap="square" lIns="91440" tIns="45720" rIns="91440" bIns="45720" numCol="1" vert="horz" anchor="ctr">
-            <a:noAutofit/>
-          </a:bodyPr>
-          <a:lstStyle/>
-          <a:p>
-            <a:pPr marL="0" indent="0" latinLnBrk="0">
-              <a:buFontTx/>
-              <a:buNone/>
-            </a:pPr>
-          </a:p>
-        </p:txBody>
-      </p:sp>
-      <p:sp>
-        <p:nvSpPr>
-          <p:cNvPr id="3" name="슬라이드 노트 개체 틀 4"/>
-          <p:cNvSpPr txBox="1">
-            <a:spLocks/>
-          </p:cNvSpPr>
-          <p:nvPr>
-            <p:ph type="body" idx="3"/>
-          </p:nvPr>
-        </p:nvSpPr>
-        <p:spPr>
-          <a:xfrm rot="0">
-            <a:off x="685800" y="4400550"/>
-            <a:ext cx="5490210" cy="3604260"/>
-          </a:xfrm>
-          <a:prstGeom prst="rect"/>
-        </p:spPr>
-        <p:txBody>
-          <a:bodyPr wrap="square" lIns="91440" tIns="45720" rIns="91440" bIns="45720" numCol="1" vert="horz" anchor="t">
-            <a:noAutofit/>
-          </a:bodyPr>
-          <a:lstStyle/>
-          <a:p>
-            <a:pPr marL="0" indent="0" latinLnBrk="0">
-              <a:buFontTx/>
-              <a:buNone/>
-            </a:pPr>
-          </a:p>
-        </p:txBody>
-      </p:sp>
-      <p:sp>
-        <p:nvSpPr>
-          <p:cNvPr id="4" name="슬라이드 번호 개체 틀 6"/>
-          <p:cNvSpPr txBox="1">
-            <a:spLocks/>
-          </p:cNvSpPr>
-          <p:nvPr>
-            <p:ph type="sldNum" idx="5"/>
-          </p:nvPr>
-        </p:nvSpPr>
-        <p:spPr>
-          <a:xfrm rot="0">
-            <a:off x="3884930" y="8685530"/>
-            <a:ext cx="2975610" cy="462280"/>
-          </a:xfrm>
-          <a:prstGeom prst="rect"/>
-        </p:spPr>
-        <p:txBody>
-          <a:bodyPr wrap="square" lIns="91440" tIns="45720" rIns="91440" bIns="45720" numCol="1" vert="horz" anchor="b">
-            <a:noAutofit/>
-          </a:bodyPr>
-          <a:lstStyle>
-            <a:lvl1pPr marL="0" indent="0" algn="r" latinLnBrk="0">
-              <a:buFontTx/>
-              <a:buNone/>
-              <a:defRPr lang="en-GB" altLang="en-US" sz="1200"/>
-            </a:lvl1pPr>
-          </a:lstStyle>
-          <a:p>
-            <a:pPr marL="0" indent="0" latinLnBrk="0">
-              <a:buFontTx/>
-              <a:buNone/>
-            </a:pPr>
-            <a:fld id="{B9320F77-B9A0-41C5-862A-B4B631284C64}" type="slidenum">
-              <a:rPr lang="ko-KR" altLang="en-US"/>
-              <a:t>‹#›</a:t>
-            </a:fld>
-          </a:p>
-        </p:txBody>
-      </p:sp>
-    </p:spTree>
-  </p:cSld>
-  <p:clrMapOvr>
-    <a:masterClrMapping/>
-  </p:clrMapOvr>
-  <mc:AlternateContent xmlns:mc="http://schemas.openxmlformats.org/markup-compatibility/2006">
-    <mc:Choice xmlns:p14="http://schemas.microsoft.com/office/powerpoint/2010/main" Requires="p14">
-      <p:transition spd="slow" p14:dur="0"/>
-    </mc:Choice>
-    <mc:Fallback>
-      <p:transition spd="slow"/>
-    </mc:Fallback>
-  </mc:AlternateContent>
-</p:notes>
-</file>
-
 <file path=ppt/notesSlides/notesSlide2.xml><?xml version="1.0" encoding="utf-8"?>
 <p:notes xmlns:a="http://schemas.openxmlformats.org/drawingml/2006/main" xmlns:r="http://schemas.openxmlformats.org/officeDocument/2006/relationships" xmlns:p="http://schemas.openxmlformats.org/presentationml/2006/main">
   <p:cSld>
@@ -1218,7 +932,7 @@
         <p:spPr>
           <a:xfrm rot="0">
             <a:off x="685800" y="1143000"/>
-            <a:ext cx="5489575" cy="3089275"/>
+            <a:ext cx="5490210" cy="3089910"/>
           </a:xfrm>
           <a:prstGeom prst="rect"/>
           <a:noFill/>
@@ -1257,7 +971,7 @@
         <p:spPr>
           <a:xfrm rot="0">
             <a:off x="685800" y="4400550"/>
-            <a:ext cx="5489575" cy="3603625"/>
+            <a:ext cx="5490210" cy="3604260"/>
           </a:xfrm>
           <a:prstGeom prst="rect"/>
         </p:spPr>
@@ -1287,7 +1001,7 @@
         <p:spPr>
           <a:xfrm rot="0">
             <a:off x="3884930" y="8685530"/>
-            <a:ext cx="2974975" cy="461645"/>
+            <a:ext cx="2975610" cy="462280"/>
           </a:xfrm>
           <a:prstGeom prst="rect"/>
         </p:spPr>
@@ -1786,7 +1500,7 @@
         <p:spPr>
           <a:xfrm rot="0">
             <a:off x="685800" y="1143000"/>
-            <a:ext cx="5490210" cy="3089910"/>
+            <a:ext cx="5490845" cy="3090545"/>
           </a:xfrm>
           <a:prstGeom prst="rect"/>
           <a:noFill/>
@@ -1825,7 +1539,7 @@
         <p:spPr>
           <a:xfrm rot="0">
             <a:off x="685800" y="4400550"/>
-            <a:ext cx="5490210" cy="3604260"/>
+            <a:ext cx="5490845" cy="3604895"/>
           </a:xfrm>
           <a:prstGeom prst="rect"/>
         </p:spPr>
@@ -1855,7 +1569,7 @@
         <p:spPr>
           <a:xfrm rot="0">
             <a:off x="3884930" y="8685530"/>
-            <a:ext cx="2975610" cy="462280"/>
+            <a:ext cx="2976245" cy="462915"/>
           </a:xfrm>
           <a:prstGeom prst="rect"/>
         </p:spPr>
@@ -1928,7 +1642,7 @@
         <p:spPr>
           <a:xfrm rot="0">
             <a:off x="685800" y="1143000"/>
-            <a:ext cx="5490845" cy="3090545"/>
+            <a:ext cx="5488940" cy="3088640"/>
           </a:xfrm>
           <a:prstGeom prst="rect"/>
           <a:noFill/>
@@ -1967,7 +1681,7 @@
         <p:spPr>
           <a:xfrm rot="0">
             <a:off x="685800" y="4400550"/>
-            <a:ext cx="5490845" cy="3604895"/>
+            <a:ext cx="5488940" cy="3602990"/>
           </a:xfrm>
           <a:prstGeom prst="rect"/>
         </p:spPr>
@@ -1997,7 +1711,7 @@
         <p:spPr>
           <a:xfrm rot="0">
             <a:off x="3884930" y="8685530"/>
-            <a:ext cx="2976245" cy="462915"/>
+            <a:ext cx="2974340" cy="461010"/>
           </a:xfrm>
           <a:prstGeom prst="rect"/>
         </p:spPr>
@@ -2070,7 +1784,7 @@
         <p:spPr>
           <a:xfrm rot="0">
             <a:off x="685800" y="1143000"/>
-            <a:ext cx="5488940" cy="3088640"/>
+            <a:ext cx="5489575" cy="3089275"/>
           </a:xfrm>
           <a:prstGeom prst="rect"/>
           <a:noFill/>
@@ -2109,7 +1823,7 @@
         <p:spPr>
           <a:xfrm rot="0">
             <a:off x="685800" y="4400550"/>
-            <a:ext cx="5488940" cy="3602990"/>
+            <a:ext cx="5489575" cy="3603625"/>
           </a:xfrm>
           <a:prstGeom prst="rect"/>
         </p:spPr>
@@ -2139,7 +1853,7 @@
         <p:spPr>
           <a:xfrm rot="0">
             <a:off x="3884930" y="8685530"/>
-            <a:ext cx="2974340" cy="461010"/>
+            <a:ext cx="2974975" cy="461645"/>
           </a:xfrm>
           <a:prstGeom prst="rect"/>
         </p:spPr>
@@ -7144,9 +6858,213 @@
           </a:p>
         </p:txBody>
       </p:sp>
+      <p:sp>
+        <p:nvSpPr>
+          <p:cNvPr id="1044" name="텍스트 상자 64"/>
+          <p:cNvSpPr txBox="1">
+            <a:spLocks/>
+          </p:cNvSpPr>
+          <p:nvPr/>
+        </p:nvSpPr>
+        <p:spPr>
+          <a:xfrm rot="0">
+            <a:off x="1230630" y="5581015"/>
+            <a:ext cx="4137025" cy="677545"/>
+          </a:xfrm>
+          <a:prstGeom prst="rect"/>
+          <a:noFill/>
+          <a:ln w="0">
+            <a:noFill/>
+            <a:prstDash/>
+          </a:ln>
+        </p:spPr>
+        <p:txBody>
+          <a:bodyPr wrap="square" lIns="89535" tIns="46355" rIns="89535" bIns="46355" numCol="1" vert="horz" anchor="t">
+            <a:spAutoFit/>
+          </a:bodyPr>
+          <a:lstStyle/>
+          <a:p>
+            <a:pPr marL="0" indent="0" algn="l" latinLnBrk="0" hangingPunct="1">
+              <a:buFontTx/>
+              <a:buNone/>
+            </a:pPr>
+            <a:r>
+              <a:rPr sz="2000" b="1">
+                <a:solidFill>
+                  <a:srgbClr val="0611F2"/>
+                </a:solidFill>
+                <a:latin typeface="맑은 고딕" charset="0"/>
+                <a:ea typeface="맑은 고딕" charset="0"/>
+              </a:rPr>
+              <a:t>1.</a:t>
+            </a:r>
+            <a:r>
+              <a:rPr sz="2000" b="1">
+                <a:solidFill>
+                  <a:srgbClr val="0611F2"/>
+                </a:solidFill>
+                <a:latin typeface="맑은 고딕" charset="0"/>
+                <a:ea typeface="맑은 고딕" charset="0"/>
+              </a:rPr>
+              <a:t> </a:t>
+            </a:r>
+            <a:r>
+              <a:rPr lang="ko-KR" sz="1800">
+                <a:latin typeface="맑은 고딕" charset="0"/>
+                <a:ea typeface="맑은 고딕" charset="0"/>
+              </a:rPr>
+              <a:t>첫</a:t>
+            </a:r>
+            <a:r>
+              <a:rPr lang="ko-KR" sz="1800">
+                <a:latin typeface="맑은 고딕" charset="0"/>
+                <a:ea typeface="맑은 고딕" charset="0"/>
+              </a:rPr>
+              <a:t> </a:t>
+            </a:r>
+            <a:r>
+              <a:rPr lang="ko-KR" sz="1800">
+                <a:latin typeface="맑은 고딕" charset="0"/>
+                <a:ea typeface="맑은 고딕" charset="0"/>
+              </a:rPr>
+              <a:t>번째로</a:t>
+            </a:r>
+            <a:r>
+              <a:rPr lang="ko-KR" sz="1800">
+                <a:latin typeface="맑은 고딕" charset="0"/>
+                <a:ea typeface="맑은 고딕" charset="0"/>
+              </a:rPr>
+              <a:t> </a:t>
+            </a:r>
+            <a:r>
+              <a:rPr sz="1800">
+                <a:latin typeface="맑은 고딕" charset="0"/>
+                <a:ea typeface="맑은 고딕" charset="0"/>
+              </a:rPr>
+              <a:t>C# Script를 생성한 다음 </a:t>
+            </a:r>
+            <a:r>
+              <a:rPr lang="ko-KR" sz="1800">
+                <a:latin typeface="맑은 고딕" charset="0"/>
+                <a:ea typeface="맑은 고딕" charset="0"/>
+              </a:rPr>
+              <a:t>C</a:t>
+            </a:r>
+            <a:r>
+              <a:rPr lang="ko-KR" sz="1800">
+                <a:latin typeface="맑은 고딕" charset="0"/>
+                <a:ea typeface="맑은 고딕" charset="0"/>
+              </a:rPr>
+              <a:t>reate</a:t>
+            </a:r>
+            <a:r>
+              <a:rPr sz="1800">
+                <a:latin typeface="맑은 고딕" charset="0"/>
+                <a:ea typeface="맑은 고딕" charset="0"/>
+              </a:rPr>
+              <a:t>라는 이름으로 정의합니다.</a:t>
+            </a:r>
+            <a:endParaRPr lang="ko-KR" altLang="en-US" sz="1800">
+              <a:latin typeface="맑은 고딕" charset="0"/>
+              <a:ea typeface="맑은 고딕" charset="0"/>
+            </a:endParaRPr>
+          </a:p>
+        </p:txBody>
+      </p:sp>
       <p:pic>
         <p:nvPicPr>
-          <p:cNvPr id="1042" name="그림 58"/>
+          <p:cNvPr id="1045" name="그림 65" descr="C:/Users/nwond/AppData/Roaming/PolarisOffice/ETemp/33252_23922448/fImage28282796334.png"/>
+          <p:cNvPicPr>
+            <a:picLocks noChangeAspect="1"/>
+          </p:cNvPicPr>
+          <p:nvPr/>
+        </p:nvPicPr>
+        <p:blipFill rotWithShape="1">
+          <a:blip r:embed="rId4" cstate="hqprint">
+            <a:extLst>
+              <a:ext uri="{28A0092B-C50C-407E-A947-70E740481C1C}">
+                <a14:useLocalDpi xmlns:a14="http://schemas.microsoft.com/office/drawing/2010/main"/>
+              </a:ext>
+            </a:extLst>
+          </a:blip>
+          <a:stretch>
+            <a:fillRect/>
+          </a:stretch>
+        </p:blipFill>
+        <p:spPr>
+          <a:xfrm rot="0">
+            <a:off x="4393565" y="2854960"/>
+            <a:ext cx="977265" cy="1148715"/>
+          </a:xfrm>
+          <a:prstGeom prst="roundRect"/>
+          <a:solidFill>
+            <a:srgbClr val="EDEDED"/>
+          </a:solidFill>
+        </p:spPr>
+      </p:pic>
+      <p:pic>
+        <p:nvPicPr>
+          <p:cNvPr id="1054" name="그림 1" descr="C:/Users/nwond/AppData/Roaming/PolarisOffice/ETemp/33252_23922448/fImage828927541.png"/>
+          <p:cNvPicPr>
+            <a:picLocks noChangeAspect="1"/>
+          </p:cNvPicPr>
+          <p:nvPr/>
+        </p:nvPicPr>
+        <p:blipFill rotWithShape="1">
+          <a:blip r:embed="rId16" cstate="hqprint">
+            <a:extLst>
+              <a:ext uri="{28A0092B-C50C-407E-A947-70E740481C1C}">
+                <a14:useLocalDpi xmlns:a14="http://schemas.microsoft.com/office/drawing/2010/main"/>
+              </a:ext>
+            </a:extLst>
+          </a:blip>
+          <a:stretch>
+            <a:fillRect/>
+          </a:stretch>
+        </p:blipFill>
+        <p:spPr>
+          <a:xfrm rot="0">
+            <a:off x="1240790" y="1455420"/>
+            <a:ext cx="2743835" cy="3907790"/>
+          </a:xfrm>
+          <a:prstGeom prst="roundRect"/>
+          <a:solidFill>
+            <a:srgbClr val="EDEDED"/>
+          </a:solidFill>
+        </p:spPr>
+      </p:pic>
+      <p:pic>
+        <p:nvPicPr>
+          <p:cNvPr id="1055" name="그림 2" descr="C:/Users/nwond/AppData/Roaming/PolarisOffice/ETemp/33252_23922448/fImage2242172768467.png"/>
+          <p:cNvPicPr>
+            <a:picLocks noChangeAspect="1"/>
+          </p:cNvPicPr>
+          <p:nvPr/>
+        </p:nvPicPr>
+        <p:blipFill rotWithShape="1">
+          <a:blip r:embed="rId17" cstate="hqprint">
+            <a:extLst>
+              <a:ext uri="{28A0092B-C50C-407E-A947-70E740481C1C}">
+                <a14:useLocalDpi xmlns:a14="http://schemas.microsoft.com/office/drawing/2010/main"/>
+              </a:ext>
+            </a:extLst>
+          </a:blip>
+          <a:stretch>
+            <a:fillRect/>
+          </a:stretch>
+        </p:blipFill>
+        <p:spPr>
+          <a:xfrm rot="0">
+            <a:off x="3562985" y="3150870"/>
+            <a:ext cx="1157605" cy="553085"/>
+          </a:xfrm>
+          <a:prstGeom prst="rect"/>
+          <a:noFill/>
+        </p:spPr>
+      </p:pic>
+      <p:pic>
+        <p:nvPicPr>
+          <p:cNvPr id="1056" name="그림 3" descr="C:/Users/nwond/AppData/Roaming/PolarisOffice/ETemp/33252_23922448/fImage850627641.png"/>
           <p:cNvPicPr>
             <a:picLocks noChangeAspect="1"/>
           </p:cNvPicPr>
@@ -7166,8 +7084,8 @@
         </p:blipFill>
         <p:spPr>
           <a:xfrm rot="0">
-            <a:off x="1231900" y="1447165"/>
-            <a:ext cx="2477135" cy="2794000"/>
+            <a:off x="6807835" y="1458595"/>
+            <a:ext cx="2520315" cy="3656330"/>
           </a:xfrm>
           <a:prstGeom prst="roundRect"/>
           <a:solidFill>
@@ -7177,7 +7095,7 @@
       </p:pic>
       <p:sp>
         <p:nvSpPr>
-          <p:cNvPr id="1044" name="텍스트 상자 64"/>
+          <p:cNvPr id="1057" name="텍스트 상자 4"/>
           <p:cNvSpPr txBox="1">
             <a:spLocks/>
           </p:cNvSpPr>
@@ -7185,8 +7103,8 @@
         </p:nvSpPr>
         <p:spPr>
           <a:xfrm rot="0">
-            <a:off x="1230630" y="4469765"/>
-            <a:ext cx="4136390" cy="1784985"/>
+            <a:off x="6801485" y="5363210"/>
+            <a:ext cx="4146550" cy="954405"/>
           </a:xfrm>
           <a:prstGeom prst="rect"/>
           <a:noFill/>
@@ -7213,7 +7131,7 @@
                 <a:latin typeface="맑은 고딕" charset="0"/>
                 <a:ea typeface="맑은 고딕" charset="0"/>
               </a:rPr>
-              <a:t>1.</a:t>
+              <a:t>2</a:t>
             </a:r>
             <a:r>
               <a:rPr sz="2000" b="1">
@@ -7223,6 +7141,16 @@
                 <a:latin typeface="맑은 고딕" charset="0"/>
                 <a:ea typeface="맑은 고딕" charset="0"/>
               </a:rPr>
+              <a:t>.</a:t>
+            </a:r>
+            <a:r>
+              <a:rPr sz="2000" b="1">
+                <a:solidFill>
+                  <a:srgbClr val="0611F2"/>
+                </a:solidFill>
+                <a:latin typeface="맑은 고딕" charset="0"/>
+                <a:ea typeface="맑은 고딕" charset="0"/>
+              </a:rPr>
               <a:t> </a:t>
             </a:r>
             <a:r>
@@ -7230,7 +7158,7 @@
                 <a:latin typeface="맑은 고딕" charset="0"/>
                 <a:ea typeface="맑은 고딕" charset="0"/>
               </a:rPr>
-              <a:t>첫 번째로 빈</a:t>
+              <a:t>이제</a:t>
             </a:r>
             <a:r>
               <a:rPr lang="ko-KR" sz="1800">
@@ -7244,346 +7172,18 @@
                 <a:latin typeface="맑은 고딕" charset="0"/>
                 <a:ea typeface="맑은 고딕" charset="0"/>
               </a:rPr>
-              <a:t>게임</a:t>
-            </a:r>
-            <a:r>
-              <a:rPr lang="ko-KR" sz="1800">
-                <a:latin typeface="맑은 고딕" charset="0"/>
-                <a:ea typeface="맑은 고딕" charset="0"/>
-              </a:rPr>
-              <a:t> </a:t>
-            </a:r>
-            <a:r>
-              <a:rPr lang="ko-KR" sz="1800">
-                <a:latin typeface="맑은 고딕" charset="0"/>
-                <a:ea typeface="맑은 고딕" charset="0"/>
-              </a:rPr>
-              <a:t>오브젝트를</a:t>
-            </a:r>
-            <a:r>
-              <a:rPr lang="ko-KR" sz="1800">
-                <a:latin typeface="맑은 고딕" charset="0"/>
-                <a:ea typeface="맑은 고딕" charset="0"/>
-              </a:rPr>
-              <a:t> </a:t>
-            </a:r>
-            <a:r>
-              <a:rPr lang="ko-KR" sz="1800">
-                <a:latin typeface="맑은 고딕" charset="0"/>
-                <a:ea typeface="맑은 고딕" charset="0"/>
-              </a:rPr>
-              <a:t>생성하고</a:t>
-            </a:r>
-            <a:r>
-              <a:rPr lang="ko-KR" sz="1800">
-                <a:latin typeface="맑은 고딕" charset="0"/>
-                <a:ea typeface="맑은 고딕" charset="0"/>
-              </a:rPr>
-              <a:t> </a:t>
-            </a:r>
-            <a:r>
-              <a:rPr lang="ko-KR" sz="1800">
-                <a:latin typeface="맑은 고딕" charset="0"/>
-                <a:ea typeface="맑은 고딕" charset="0"/>
-              </a:rPr>
-              <a:t>Create</a:t>
-            </a:r>
-            <a:r>
-              <a:rPr lang="ko-KR" sz="1800">
-                <a:latin typeface="맑은 고딕" charset="0"/>
-                <a:ea typeface="맑은 고딕" charset="0"/>
-              </a:rPr>
-              <a:t> Object라는 이름으로 </a:t>
-            </a:r>
-            <a:r>
-              <a:rPr lang="ko-KR" sz="1800">
-                <a:latin typeface="맑은 고딕" charset="0"/>
-                <a:ea typeface="맑은 고딕" charset="0"/>
-              </a:rPr>
-              <a:t>정의합니다.</a:t>
-            </a:r>
-            <a:r>
-              <a:rPr lang="ko-KR" sz="1800">
-                <a:latin typeface="맑은 고딕" charset="0"/>
-                <a:ea typeface="맑은 고딕" charset="0"/>
-              </a:rPr>
-              <a:t> </a:t>
+              <a:t>빈 게임 오브젝트를 생성하고 Create Object라는 이름으로 정의합니다. </a:t>
             </a:r>
             <a:endParaRPr lang="ko-KR" altLang="en-US" sz="1800">
               <a:latin typeface="맑은 고딕" charset="0"/>
               <a:ea typeface="맑은 고딕" charset="0"/>
             </a:endParaRPr>
           </a:p>
-          <a:p>
-            <a:pPr marL="0" indent="0" algn="l" latinLnBrk="0" hangingPunct="1">
-              <a:buFontTx/>
-              <a:buNone/>
-            </a:pPr>
-            <a:endParaRPr lang="ko-KR" altLang="en-US" sz="1800">
-              <a:latin typeface="맑은 고딕" charset="0"/>
-              <a:ea typeface="맑은 고딕" charset="0"/>
-            </a:endParaRPr>
-          </a:p>
-          <a:p>
-            <a:pPr marL="0" indent="0" algn="l" latinLnBrk="0" hangingPunct="1">
-              <a:buFontTx/>
-              <a:buNone/>
-            </a:pPr>
-            <a:r>
-              <a:rPr lang="ko-KR" sz="1800">
-                <a:latin typeface="맑은 고딕" charset="0"/>
-                <a:ea typeface="맑은 고딕" charset="0"/>
-              </a:rPr>
-              <a:t>이제</a:t>
-            </a:r>
-            <a:r>
-              <a:rPr lang="ko-KR" sz="1800">
-                <a:latin typeface="맑은 고딕" charset="0"/>
-                <a:ea typeface="맑은 고딕" charset="0"/>
-              </a:rPr>
-              <a:t> Create라는 </a:t>
-            </a:r>
-            <a:r>
-              <a:rPr lang="ko-KR" sz="1800">
-                <a:latin typeface="맑은 고딕" charset="0"/>
-                <a:ea typeface="맑은 고딕" charset="0"/>
-              </a:rPr>
-              <a:t>스크립트를 생성한 </a:t>
-            </a:r>
-            <a:r>
-              <a:rPr lang="ko-KR" sz="1800">
-                <a:latin typeface="맑은 고딕" charset="0"/>
-                <a:ea typeface="맑은 고딕" charset="0"/>
-              </a:rPr>
-              <a:t>다</a:t>
-            </a:r>
-            <a:r>
-              <a:rPr lang="ko-KR" sz="1800">
-                <a:latin typeface="맑은 고딕" charset="0"/>
-                <a:ea typeface="맑은 고딕" charset="0"/>
-              </a:rPr>
-              <a:t>음</a:t>
-            </a:r>
-            <a:r>
-              <a:rPr lang="ko-KR" sz="1800">
-                <a:latin typeface="맑은 고딕" charset="0"/>
-                <a:ea typeface="맑은 고딕" charset="0"/>
-              </a:rPr>
-              <a:t> Create</a:t>
-            </a:r>
-            <a:r>
-              <a:rPr lang="ko-KR" sz="1800">
-                <a:latin typeface="맑은 고딕" charset="0"/>
-                <a:ea typeface="맑은 고딕" charset="0"/>
-              </a:rPr>
-              <a:t> </a:t>
-            </a:r>
-            <a:r>
-              <a:rPr lang="ko-KR" sz="1800">
-                <a:latin typeface="맑은 고딕" charset="0"/>
-                <a:ea typeface="맑은 고딕" charset="0"/>
-              </a:rPr>
-              <a:t>Object에</a:t>
-            </a:r>
-            <a:r>
-              <a:rPr lang="ko-KR" sz="1800">
-                <a:latin typeface="맑은 고딕" charset="0"/>
-                <a:ea typeface="맑은 고딕" charset="0"/>
-              </a:rPr>
-              <a:t> </a:t>
-            </a:r>
-            <a:r>
-              <a:rPr lang="ko-KR" sz="1800">
-                <a:latin typeface="맑은 고딕" charset="0"/>
-                <a:ea typeface="맑은 고딕" charset="0"/>
-              </a:rPr>
-              <a:t>넣어줍니다.</a:t>
-            </a:r>
-            <a:endParaRPr lang="ko-KR" altLang="en-US" sz="1800">
-              <a:latin typeface="맑은 고딕" charset="0"/>
-              <a:ea typeface="맑은 고딕" charset="0"/>
-            </a:endParaRPr>
-          </a:p>
         </p:txBody>
       </p:sp>
       <p:pic>
         <p:nvPicPr>
-          <p:cNvPr id="1045" name="그림 65"/>
-          <p:cNvPicPr>
-            <a:picLocks noChangeAspect="1"/>
-          </p:cNvPicPr>
-          <p:nvPr/>
-        </p:nvPicPr>
-        <p:blipFill rotWithShape="1">
-          <a:blip r:embed="rId4" cstate="hqprint">
-            <a:extLst>
-              <a:ext uri="{28A0092B-C50C-407E-A947-70E740481C1C}">
-                <a14:useLocalDpi xmlns:a14="http://schemas.microsoft.com/office/drawing/2010/main"/>
-              </a:ext>
-            </a:extLst>
-          </a:blip>
-          <a:stretch>
-            <a:fillRect/>
-          </a:stretch>
-        </p:blipFill>
-        <p:spPr>
-          <a:xfrm rot="0">
-            <a:off x="4289425" y="3499485"/>
-            <a:ext cx="702310" cy="741680"/>
-          </a:xfrm>
-          <a:prstGeom prst="roundRect"/>
-          <a:solidFill>
-            <a:srgbClr val="EDEDED"/>
-          </a:solidFill>
-        </p:spPr>
-      </p:pic>
-      <p:cxnSp>
-        <p:nvCxnSpPr>
-          <p:cNvPr id="1046" name="도형 68"/>
-          <p:cNvCxnSpPr>
-            <a:stCxn id="1045" idx="0"/>
-            <a:endCxn id="1051" idx="2"/>
-          </p:cNvCxnSpPr>
-          <p:nvPr/>
-        </p:nvCxnSpPr>
-        <p:spPr>
-          <a:xfrm rot="0" flipV="1">
-            <a:off x="4640580" y="3161665"/>
-            <a:ext cx="3175" cy="338455"/>
-          </a:xfrm>
-          <a:prstGeom prst="straightConnector1"/>
-          <a:ln w="6350" cap="flat" cmpd="sng">
-            <a:prstDash/>
-            <a:tailEnd type="triangle" w="med" len="med"/>
-          </a:ln>
-        </p:spPr>
-        <p:style>
-          <a:lnRef idx="1">
-            <a:schemeClr val="accent1"/>
-          </a:lnRef>
-          <a:fillRef idx="0">
-            <a:schemeClr val="accent1"/>
-          </a:fillRef>
-          <a:effectRef idx="0">
-            <a:schemeClr val="accent1"/>
-          </a:effectRef>
-          <a:fontRef idx="minor">
-            <a:schemeClr val="tx1"/>
-          </a:fontRef>
-        </p:style>
-      </p:cxnSp>
-      <p:sp>
-        <p:nvSpPr>
-          <p:cNvPr id="1050" name="텍스트 상자 1"/>
-          <p:cNvSpPr txBox="1">
-            <a:spLocks/>
-          </p:cNvSpPr>
-          <p:nvPr/>
-        </p:nvSpPr>
-        <p:spPr>
-          <a:xfrm rot="0">
-            <a:off x="6822440" y="5303520"/>
-            <a:ext cx="4118610" cy="954405"/>
-          </a:xfrm>
-          <a:prstGeom prst="rect"/>
-          <a:noFill/>
-          <a:ln w="0">
-            <a:noFill/>
-            <a:prstDash/>
-          </a:ln>
-        </p:spPr>
-        <p:txBody>
-          <a:bodyPr wrap="square" lIns="89535" tIns="46355" rIns="89535" bIns="46355" numCol="1" vert="horz" anchor="t">
-            <a:spAutoFit/>
-          </a:bodyPr>
-          <a:lstStyle/>
-          <a:p>
-            <a:pPr marL="0" indent="0" algn="l" latinLnBrk="0" hangingPunct="1">
-              <a:buFontTx/>
-              <a:buNone/>
-            </a:pPr>
-            <a:r>
-              <a:rPr lang="ko-KR" sz="2000" b="1">
-                <a:solidFill>
-                  <a:srgbClr val="0611F2"/>
-                </a:solidFill>
-                <a:latin typeface="맑은 고딕" charset="0"/>
-                <a:ea typeface="맑은 고딕" charset="0"/>
-              </a:rPr>
-              <a:t>2</a:t>
-            </a:r>
-            <a:r>
-              <a:rPr sz="2000" b="1">
-                <a:solidFill>
-                  <a:srgbClr val="0611F2"/>
-                </a:solidFill>
-                <a:latin typeface="맑은 고딕" charset="0"/>
-                <a:ea typeface="맑은 고딕" charset="0"/>
-              </a:rPr>
-              <a:t>.</a:t>
-            </a:r>
-            <a:r>
-              <a:rPr sz="2000" b="1">
-                <a:solidFill>
-                  <a:srgbClr val="0611F2"/>
-                </a:solidFill>
-                <a:latin typeface="맑은 고딕" charset="0"/>
-                <a:ea typeface="맑은 고딕" charset="0"/>
-              </a:rPr>
-              <a:t> </a:t>
-            </a:r>
-            <a:r>
-              <a:rPr lang="ko-KR" sz="1800">
-                <a:latin typeface="맑은 고딕" charset="0"/>
-                <a:ea typeface="맑은 고딕" charset="0"/>
-              </a:rPr>
-              <a:t>그리고 UI에서 Image를 생성한 </a:t>
-            </a:r>
-            <a:r>
-              <a:rPr lang="ko-KR" sz="1800">
-                <a:latin typeface="맑은 고딕" charset="0"/>
-                <a:ea typeface="맑은 고딕" charset="0"/>
-              </a:rPr>
-              <a:t>다음</a:t>
-            </a:r>
-            <a:r>
-              <a:rPr lang="ko-KR" sz="1800">
-                <a:latin typeface="맑은 고딕" charset="0"/>
-                <a:ea typeface="맑은 고딕" charset="0"/>
-              </a:rPr>
-              <a:t> </a:t>
-            </a:r>
-            <a:r>
-              <a:rPr lang="ko-KR" sz="1800">
-                <a:latin typeface="맑은 고딕" charset="0"/>
-                <a:ea typeface="맑은 고딕" charset="0"/>
-              </a:rPr>
-              <a:t>Back Ground 라는 이름으로 </a:t>
-            </a:r>
-            <a:r>
-              <a:rPr lang="ko-KR" sz="1800">
-                <a:latin typeface="맑은 고딕" charset="0"/>
-                <a:ea typeface="맑은 고딕" charset="0"/>
-              </a:rPr>
-              <a:t>정의합니</a:t>
-            </a:r>
-            <a:r>
-              <a:rPr lang="ko-KR" sz="1800">
-                <a:latin typeface="맑은 고딕" charset="0"/>
-                <a:ea typeface="맑은 고딕" charset="0"/>
-              </a:rPr>
-              <a:t>다.</a:t>
-            </a:r>
-            <a:endParaRPr lang="ko-KR" altLang="en-US" sz="1800">
-              <a:latin typeface="맑은 고딕" charset="0"/>
-              <a:ea typeface="맑은 고딕" charset="0"/>
-            </a:endParaRPr>
-          </a:p>
-        </p:txBody>
-      </p:sp>
-      <p:pic>
-        <p:nvPicPr>
-          <p:cNvPr id="1051" name="그림 1" descr="C:/Users/Admin1/AppData/Roaming/PolarisOffice/ETemp/14520_11842488/fImage462429141.png"/>
+          <p:cNvPr id="1058" name="그림 5" descr="C:/Users/nwond/AppData/Roaming/PolarisOffice/ETemp/33252_23922448/fImage462429141.png"/>
           <p:cNvPicPr>
             <a:picLocks noChangeAspect="1"/>
           </p:cNvPicPr>
@@ -7603,70 +7203,8 @@
         </p:blipFill>
         <p:spPr>
           <a:xfrm rot="0">
-            <a:off x="3919220" y="1438275"/>
-            <a:ext cx="1448435" cy="1724025"/>
-          </a:xfrm>
-          <a:prstGeom prst="roundRect"/>
-          <a:solidFill>
-            <a:srgbClr val="EDEDED"/>
-          </a:solidFill>
-        </p:spPr>
-      </p:pic>
-      <p:pic>
-        <p:nvPicPr>
-          <p:cNvPr id="1052" name="그림 4"/>
-          <p:cNvPicPr>
-            <a:picLocks noChangeAspect="1"/>
-          </p:cNvPicPr>
-          <p:nvPr/>
-        </p:nvPicPr>
-        <p:blipFill rotWithShape="1">
-          <a:blip r:embed="rId14" cstate="print">
-            <a:extLst>
-              <a:ext uri="{28A0092B-C50C-407E-A947-70E740481C1C}">
-                <a14:useLocalDpi xmlns:a14="http://schemas.microsoft.com/office/drawing/2010/main" val="0"/>
-              </a:ext>
-            </a:extLst>
-          </a:blip>
-          <a:stretch>
-            <a:fillRect/>
-          </a:stretch>
-        </p:blipFill>
-        <p:spPr>
-          <a:xfrm rot="0">
-            <a:off x="9698990" y="2226945"/>
-            <a:ext cx="1241425" cy="2080260"/>
-          </a:xfrm>
-          <a:prstGeom prst="roundRect"/>
-          <a:solidFill>
-            <a:srgbClr val="EDEDED"/>
-          </a:solidFill>
-        </p:spPr>
-      </p:pic>
-      <p:pic>
-        <p:nvPicPr>
-          <p:cNvPr id="1053" name="그림 5"/>
-          <p:cNvPicPr>
-            <a:picLocks noChangeAspect="1"/>
-          </p:cNvPicPr>
-          <p:nvPr/>
-        </p:nvPicPr>
-        <p:blipFill rotWithShape="1">
-          <a:blip r:embed="rId15" cstate="print">
-            <a:extLst>
-              <a:ext uri="{28A0092B-C50C-407E-A947-70E740481C1C}">
-                <a14:useLocalDpi xmlns:a14="http://schemas.microsoft.com/office/drawing/2010/main" val="0"/>
-              </a:ext>
-            </a:extLst>
-          </a:blip>
-          <a:stretch>
-            <a:fillRect/>
-          </a:stretch>
-        </p:blipFill>
-        <p:spPr>
-          <a:xfrm rot="0">
-            <a:off x="6830695" y="1446530"/>
-            <a:ext cx="2696845" cy="3662045"/>
+            <a:off x="9532620" y="2456180"/>
+            <a:ext cx="1415415" cy="1659255"/>
           </a:xfrm>
           <a:prstGeom prst="roundRect"/>
           <a:solidFill>
@@ -7723,9 +7261,9 @@
           <p:nvPr/>
         </p:nvSpPr>
         <p:spPr>
-          <a:xfrm rot="0">
-            <a:off x="4478655" y="407035"/>
-            <a:ext cx="3231515" cy="478155"/>
+          <a:xfrm>
+            <a:off x="4327525" y="353060"/>
+            <a:ext cx="3545205" cy="478155"/>
           </a:xfrm>
           <a:prstGeom prst="rect"/>
           <a:noFill/>
@@ -7752,37 +7290,7 @@
                 <a:latin typeface="나눔바른고딕" charset="0"/>
                 <a:ea typeface="나눔바른고딕" charset="0"/>
               </a:rPr>
-              <a:t>열</a:t>
-            </a:r>
-            <a:r>
-              <a:rPr lang="ko-KR" altLang="en-US" sz="2500" b="1">
-                <a:solidFill>
-                  <a:schemeClr val="tx1"/>
-                </a:solidFill>
-                <a:latin typeface="나눔바른고딕" charset="0"/>
-                <a:ea typeface="나눔바른고딕" charset="0"/>
-              </a:rPr>
-              <a:t> </a:t>
-            </a:r>
-            <a:r>
-              <a:rPr lang="ko-KR" altLang="en-US" sz="2500" b="1">
-                <a:solidFill>
-                  <a:schemeClr val="tx1"/>
-                </a:solidFill>
-                <a:latin typeface="나눔바른고딕" charset="0"/>
-                <a:ea typeface="나눔바른고딕" charset="0"/>
-              </a:rPr>
-              <a:t>번째 튜토리</a:t>
-            </a:r>
-            <a:r>
-              <a:rPr lang="ko-KR" altLang="en-US" sz="2500" b="1">
-                <a:solidFill>
-                  <a:schemeClr val="tx1"/>
-                </a:solidFill>
-                <a:latin typeface="나눔바른고딕" charset="0"/>
-                <a:ea typeface="나눔바른고딕" charset="0"/>
-              </a:rPr>
-              <a:t>얼</a:t>
+              <a:t>열 번째 튜토리얼</a:t>
             </a:r>
             <a:endParaRPr lang="ko-KR" altLang="en-US" sz="2500" b="1">
               <a:solidFill>
@@ -7794,1226 +7302,9 @@
           </a:p>
         </p:txBody>
       </p:sp>
-      <p:sp>
-        <p:nvSpPr>
-          <p:cNvPr id="1113" name="Rect 0"/>
-          <p:cNvSpPr txBox="1">
-            <a:spLocks/>
-          </p:cNvSpPr>
-          <p:nvPr/>
-        </p:nvSpPr>
-        <p:spPr>
-          <a:xfrm rot="0">
-            <a:off x="6806565" y="4771390"/>
-            <a:ext cx="4159250" cy="1448435"/>
-          </a:xfrm>
-          <a:prstGeom prst="rect"/>
-          <a:noFill/>
-        </p:spPr>
-        <p:txBody>
-          <a:bodyPr wrap="square" lIns="0" tIns="0" rIns="0" bIns="0" numCol="1" vert="horz" anchor="t">
-            <a:noAutofit/>
-          </a:bodyPr>
-          <a:lstStyle/>
-          <a:p>
-            <a:pPr marL="0" indent="0" algn="l" latinLnBrk="0" hangingPunct="1">
-              <a:buFontTx/>
-              <a:buNone/>
-            </a:pPr>
-            <a:r>
-              <a:rPr lang="ko-KR" sz="2000" b="1">
-                <a:solidFill>
-                  <a:srgbClr val="0611F2"/>
-                </a:solidFill>
-                <a:latin typeface="맑은 고딕" charset="0"/>
-                <a:ea typeface="맑은 고딕" charset="0"/>
-              </a:rPr>
-              <a:t>26</a:t>
-            </a:r>
-            <a:r>
-              <a:rPr sz="2000" b="1">
-                <a:solidFill>
-                  <a:srgbClr val="0611F2"/>
-                </a:solidFill>
-                <a:latin typeface="맑은 고딕" charset="0"/>
-                <a:ea typeface="맑은 고딕" charset="0"/>
-              </a:rPr>
-              <a:t>.</a:t>
-            </a:r>
-            <a:r>
-              <a:rPr sz="2000" b="1">
-                <a:solidFill>
-                  <a:srgbClr val="0611F2"/>
-                </a:solidFill>
-                <a:latin typeface="맑은 고딕" charset="0"/>
-                <a:ea typeface="맑은 고딕" charset="0"/>
-              </a:rPr>
-              <a:t> </a:t>
-            </a:r>
-            <a:r>
-              <a:rPr sz="1800">
-                <a:latin typeface="맑은 고딕" charset="0"/>
-                <a:ea typeface="맑은 고딕" charset="0"/>
-              </a:rPr>
-              <a:t>이제 Project 폴더에 있는 </a:t>
-            </a:r>
-            <a:r>
-              <a:rPr sz="1800">
-                <a:latin typeface="맑은 고딕" charset="0"/>
-                <a:ea typeface="맑은 고딕" charset="0"/>
-              </a:rPr>
-              <a:t>Render</a:t>
-            </a:r>
-            <a:r>
-              <a:rPr sz="1800">
-                <a:latin typeface="맑은 고딕" charset="0"/>
-                <a:ea typeface="맑은 고딕" charset="0"/>
-              </a:rPr>
-              <a:t> </a:t>
-            </a:r>
-            <a:r>
-              <a:rPr sz="1800">
-                <a:latin typeface="맑은 고딕" charset="0"/>
-                <a:ea typeface="맑은 고딕" charset="0"/>
-              </a:rPr>
-              <a:t>Texture</a:t>
-            </a:r>
-            <a:r>
-              <a:rPr sz="1800">
-                <a:latin typeface="맑은 고딕" charset="0"/>
-                <a:ea typeface="맑은 고딕" charset="0"/>
-              </a:rPr>
-              <a:t> 폴더에 3D Texture를 </a:t>
-            </a:r>
-            <a:r>
-              <a:rPr sz="1800">
-                <a:latin typeface="맑은 고딕" charset="0"/>
-                <a:ea typeface="맑은 고딕" charset="0"/>
-              </a:rPr>
-              <a:t>선택합니</a:t>
-            </a:r>
-            <a:r>
-              <a:rPr sz="1800">
-                <a:latin typeface="맑은 고딕" charset="0"/>
-                <a:ea typeface="맑은 고딕" charset="0"/>
-              </a:rPr>
-              <a:t>다.</a:t>
-            </a:r>
-            <a:endParaRPr lang="ko-KR" altLang="en-US" sz="1800">
-              <a:latin typeface="맑은 고딕" charset="0"/>
-              <a:ea typeface="맑은 고딕" charset="0"/>
-            </a:endParaRPr>
-          </a:p>
-          <a:p>
-            <a:pPr marL="0" indent="0" algn="l" latinLnBrk="0" hangingPunct="1">
-              <a:buFontTx/>
-              <a:buNone/>
-            </a:pPr>
-            <a:endParaRPr lang="ko-KR" altLang="en-US" sz="1800">
-              <a:latin typeface="맑은 고딕" charset="0"/>
-              <a:ea typeface="맑은 고딕" charset="0"/>
-            </a:endParaRPr>
-          </a:p>
-          <a:p>
-            <a:pPr marL="0" indent="0" algn="l" latinLnBrk="0" hangingPunct="1">
-              <a:buFontTx/>
-              <a:buNone/>
-            </a:pPr>
-            <a:r>
-              <a:rPr sz="1800">
-                <a:latin typeface="맑은 고딕" charset="0"/>
-                <a:ea typeface="맑은 고딕" charset="0"/>
-              </a:rPr>
-              <a:t>그리</a:t>
-            </a:r>
-            <a:r>
-              <a:rPr lang="ko-KR" sz="1800">
-                <a:latin typeface="맑은 고딕" charset="0"/>
-                <a:ea typeface="맑은 고딕" charset="0"/>
-              </a:rPr>
-              <a:t>고</a:t>
-            </a:r>
-            <a:r>
-              <a:rPr lang="ko-KR" sz="1800">
-                <a:latin typeface="맑은 고딕" charset="0"/>
-                <a:ea typeface="맑은 고딕" charset="0"/>
-              </a:rPr>
-              <a:t> </a:t>
-            </a:r>
-            <a:r>
-              <a:rPr sz="1800">
-                <a:latin typeface="맑은 고딕" charset="0"/>
-                <a:ea typeface="맑은 고딕" charset="0"/>
-              </a:rPr>
-              <a:t>Render</a:t>
-            </a:r>
-            <a:r>
-              <a:rPr sz="1800">
-                <a:latin typeface="맑은 고딕" charset="0"/>
-                <a:ea typeface="맑은 고딕" charset="0"/>
-              </a:rPr>
-              <a:t> </a:t>
-            </a:r>
-            <a:r>
-              <a:rPr sz="1800">
-                <a:latin typeface="맑은 고딕" charset="0"/>
-                <a:ea typeface="맑은 고딕" charset="0"/>
-              </a:rPr>
-              <a:t>Texture</a:t>
-            </a:r>
-            <a:r>
-              <a:rPr sz="1800">
-                <a:latin typeface="맑은 고딕" charset="0"/>
-                <a:ea typeface="맑은 고딕" charset="0"/>
-              </a:rPr>
-              <a:t> 오브젝트에 </a:t>
-            </a:r>
-            <a:r>
-              <a:rPr sz="1800">
-                <a:latin typeface="맑은 고딕" charset="0"/>
-                <a:ea typeface="맑은 고딕" charset="0"/>
-              </a:rPr>
-              <a:t>있는</a:t>
-            </a:r>
-            <a:r>
-              <a:rPr sz="1800">
-                <a:latin typeface="맑은 고딕" charset="0"/>
-                <a:ea typeface="맑은 고딕" charset="0"/>
-              </a:rPr>
-              <a:t> </a:t>
-            </a:r>
-            <a:r>
-              <a:rPr sz="1800">
-                <a:latin typeface="맑은 고딕" charset="0"/>
-                <a:ea typeface="맑은 고딕" charset="0"/>
-              </a:rPr>
-              <a:t>Texture</a:t>
-            </a:r>
-            <a:r>
-              <a:rPr lang="ko-KR" sz="1800">
-                <a:latin typeface="맑은 고딕" charset="0"/>
-                <a:ea typeface="맑은 고딕" charset="0"/>
-              </a:rPr>
-              <a:t>에</a:t>
-            </a:r>
-            <a:r>
-              <a:rPr lang="ko-KR" sz="1800">
-                <a:latin typeface="맑은 고딕" charset="0"/>
-                <a:ea typeface="맑은 고딕" charset="0"/>
-              </a:rPr>
-              <a:t> </a:t>
-            </a:r>
-            <a:r>
-              <a:rPr lang="ko-KR" sz="1800">
-                <a:latin typeface="맑은 고딕" charset="0"/>
-                <a:ea typeface="맑은 고딕" charset="0"/>
-              </a:rPr>
-              <a:t>넣어줍니다.</a:t>
-            </a:r>
-            <a:endParaRPr lang="ko-KR" altLang="en-US" sz="1800">
-              <a:latin typeface="맑은 고딕" charset="0"/>
-              <a:ea typeface="맑은 고딕" charset="0"/>
-            </a:endParaRPr>
-          </a:p>
-        </p:txBody>
-      </p:sp>
-      <p:sp>
-        <p:nvSpPr>
-          <p:cNvPr id="1114" name="텍스트 상자 1"/>
-          <p:cNvSpPr txBox="1">
-            <a:spLocks/>
-          </p:cNvSpPr>
-          <p:nvPr/>
-        </p:nvSpPr>
-        <p:spPr>
-          <a:xfrm rot="0">
-            <a:off x="1244600" y="2851150"/>
-            <a:ext cx="4131310" cy="1003300"/>
-          </a:xfrm>
-          <a:prstGeom prst="rect"/>
-          <a:noFill/>
-        </p:spPr>
-        <p:txBody>
-          <a:bodyPr wrap="square" lIns="0" tIns="0" rIns="0" bIns="0" numCol="1" vert="horz" anchor="t">
-            <a:noAutofit/>
-          </a:bodyPr>
-          <a:lstStyle/>
-          <a:p>
-            <a:pPr marL="0" indent="0" algn="l" latinLnBrk="0" hangingPunct="1">
-              <a:buFontTx/>
-              <a:buNone/>
-            </a:pPr>
-            <a:r>
-              <a:rPr lang="ko-KR" sz="2000" b="1">
-                <a:solidFill>
-                  <a:srgbClr val="0611F2"/>
-                </a:solidFill>
-                <a:latin typeface="맑은 고딕" charset="0"/>
-                <a:ea typeface="맑은 고딕" charset="0"/>
-              </a:rPr>
-              <a:t>24</a:t>
-            </a:r>
-            <a:r>
-              <a:rPr sz="2000" b="1">
-                <a:solidFill>
-                  <a:srgbClr val="0611F2"/>
-                </a:solidFill>
-                <a:latin typeface="맑은 고딕" charset="0"/>
-                <a:ea typeface="맑은 고딕" charset="0"/>
-              </a:rPr>
-              <a:t>.</a:t>
-            </a:r>
-            <a:r>
-              <a:rPr sz="2000" b="1">
-                <a:solidFill>
-                  <a:srgbClr val="0611F2"/>
-                </a:solidFill>
-                <a:latin typeface="맑은 고딕" charset="0"/>
-                <a:ea typeface="맑은 고딕" charset="0"/>
-              </a:rPr>
-              <a:t> </a:t>
-            </a:r>
-            <a:r>
-              <a:rPr sz="1800">
-                <a:latin typeface="맑은 고딕" charset="0"/>
-                <a:ea typeface="맑은 고딕" charset="0"/>
-              </a:rPr>
-              <a:t>그다음으로 Render Texture를 </a:t>
-            </a:r>
-            <a:r>
-              <a:rPr sz="1800">
-                <a:latin typeface="맑은 고딕" charset="0"/>
-                <a:ea typeface="맑은 고딕" charset="0"/>
-              </a:rPr>
-              <a:t>생성한</a:t>
-            </a:r>
-            <a:r>
-              <a:rPr sz="1800">
-                <a:latin typeface="맑은 고딕" charset="0"/>
-                <a:ea typeface="맑은 고딕" charset="0"/>
-              </a:rPr>
-              <a:t> </a:t>
-            </a:r>
-            <a:r>
-              <a:rPr sz="1800">
-                <a:latin typeface="맑은 고딕" charset="0"/>
-                <a:ea typeface="맑은 고딕" charset="0"/>
-              </a:rPr>
-              <a:t>다음</a:t>
-            </a:r>
-            <a:r>
-              <a:rPr sz="1800">
-                <a:latin typeface="맑은 고딕" charset="0"/>
-                <a:ea typeface="맑은 고딕" charset="0"/>
-              </a:rPr>
-              <a:t> </a:t>
-            </a:r>
-            <a:r>
-              <a:rPr sz="1800">
-                <a:latin typeface="맑은 고딕" charset="0"/>
-                <a:ea typeface="맑은 고딕" charset="0"/>
-              </a:rPr>
-              <a:t>3D</a:t>
-            </a:r>
-            <a:r>
-              <a:rPr sz="1800">
-                <a:latin typeface="맑은 고딕" charset="0"/>
-                <a:ea typeface="맑은 고딕" charset="0"/>
-              </a:rPr>
-              <a:t> Texture라는 이름으로 </a:t>
-            </a:r>
-            <a:r>
-              <a:rPr sz="1800">
-                <a:latin typeface="맑은 고딕" charset="0"/>
-                <a:ea typeface="맑은 고딕" charset="0"/>
-              </a:rPr>
-              <a:t>정의합니</a:t>
-            </a:r>
-            <a:r>
-              <a:rPr lang="ko-KR" sz="1800">
-                <a:latin typeface="맑은 고딕" charset="0"/>
-                <a:ea typeface="맑은 고딕" charset="0"/>
-              </a:rPr>
-              <a:t>다.</a:t>
-            </a:r>
-            <a:endParaRPr lang="ko-KR" altLang="en-US" sz="1800">
-              <a:latin typeface="맑은 고딕" charset="0"/>
-              <a:ea typeface="맑은 고딕" charset="0"/>
-            </a:endParaRPr>
-          </a:p>
-        </p:txBody>
-      </p:sp>
       <p:pic>
         <p:nvPicPr>
-          <p:cNvPr id="1115" name="그림 2"/>
-          <p:cNvPicPr>
-            <a:picLocks noChangeAspect="1"/>
-          </p:cNvPicPr>
-          <p:nvPr/>
-        </p:nvPicPr>
-        <p:blipFill rotWithShape="1">
-          <a:blip r:embed="rId2" cstate="print">
-            <a:extLst>
-              <a:ext uri="{28A0092B-C50C-407E-A947-70E740481C1C}">
-                <a14:useLocalDpi xmlns:a14="http://schemas.microsoft.com/office/drawing/2010/main" val="0"/>
-              </a:ext>
-            </a:extLst>
-          </a:blip>
-          <a:stretch>
-            <a:fillRect/>
-          </a:stretch>
-        </p:blipFill>
-        <p:spPr>
-          <a:xfrm rot="0">
-            <a:off x="1244600" y="1455420"/>
-            <a:ext cx="1391920" cy="1250950"/>
-          </a:xfrm>
-          <a:prstGeom prst="roundRect"/>
-          <a:solidFill>
-            <a:srgbClr val="EDEDED"/>
-          </a:solidFill>
-        </p:spPr>
-      </p:pic>
-      <p:pic>
-        <p:nvPicPr>
-          <p:cNvPr id="1116" name="그림 5"/>
-          <p:cNvPicPr>
-            <a:picLocks noChangeAspect="1"/>
-          </p:cNvPicPr>
-          <p:nvPr/>
-        </p:nvPicPr>
-        <p:blipFill rotWithShape="1">
-          <a:blip r:embed="rId3" cstate="print">
-            <a:extLst>
-              <a:ext uri="{28A0092B-C50C-407E-A947-70E740481C1C}">
-                <a14:useLocalDpi xmlns:a14="http://schemas.microsoft.com/office/drawing/2010/main" val="0"/>
-              </a:ext>
-            </a:extLst>
-          </a:blip>
-          <a:stretch>
-            <a:fillRect/>
-          </a:stretch>
-        </p:blipFill>
-        <p:spPr>
-          <a:xfrm rot="0">
-            <a:off x="2756535" y="1454785"/>
-            <a:ext cx="2619375" cy="1260475"/>
-          </a:xfrm>
-          <a:prstGeom prst="roundRect"/>
-          <a:solidFill>
-            <a:srgbClr val="EDEDED"/>
-          </a:solidFill>
-        </p:spPr>
-      </p:pic>
-      <p:pic>
-        <p:nvPicPr>
-          <p:cNvPr id="1117" name="그림 8"/>
-          <p:cNvPicPr>
-            <a:picLocks noChangeAspect="1"/>
-          </p:cNvPicPr>
-          <p:nvPr/>
-        </p:nvPicPr>
-        <p:blipFill rotWithShape="1">
-          <a:blip r:embed="rId4" cstate="print">
-            <a:extLst>
-              <a:ext uri="{28A0092B-C50C-407E-A947-70E740481C1C}">
-                <a14:useLocalDpi xmlns:a14="http://schemas.microsoft.com/office/drawing/2010/main" val="0"/>
-              </a:ext>
-            </a:extLst>
-          </a:blip>
-          <a:stretch>
-            <a:fillRect/>
-          </a:stretch>
-        </p:blipFill>
-        <p:spPr>
-          <a:xfrm rot="0">
-            <a:off x="1243330" y="3914140"/>
-            <a:ext cx="4133215" cy="1517650"/>
-          </a:xfrm>
-          <a:prstGeom prst="roundRect"/>
-          <a:solidFill>
-            <a:srgbClr val="EDEDED"/>
-          </a:solidFill>
-        </p:spPr>
-      </p:pic>
-      <p:sp>
-        <p:nvSpPr>
-          <p:cNvPr id="1118" name="텍스트 상자 11"/>
-          <p:cNvSpPr txBox="1">
-            <a:spLocks/>
-          </p:cNvSpPr>
-          <p:nvPr/>
-        </p:nvSpPr>
-        <p:spPr>
-          <a:xfrm>
-            <a:off x="1236980" y="5589270"/>
-            <a:ext cx="4132580" cy="626110"/>
-          </a:xfrm>
-          <a:prstGeom prst="rect"/>
-          <a:noFill/>
-        </p:spPr>
-        <p:txBody>
-          <a:bodyPr wrap="square" lIns="0" tIns="0" rIns="0" bIns="0" numCol="1" vert="horz" anchor="t">
-            <a:noAutofit/>
-          </a:bodyPr>
-          <a:lstStyle/>
-          <a:p>
-            <a:pPr marL="0" indent="0" algn="l" latinLnBrk="0" hangingPunct="1">
-              <a:buFontTx/>
-              <a:buNone/>
-            </a:pPr>
-            <a:r>
-              <a:rPr lang="ko-KR" sz="2000" b="1">
-                <a:solidFill>
-                  <a:srgbClr val="0611F2"/>
-                </a:solidFill>
-                <a:latin typeface="맑은 고딕" charset="0"/>
-                <a:ea typeface="맑은 고딕" charset="0"/>
-              </a:rPr>
-              <a:t>25</a:t>
-            </a:r>
-            <a:r>
-              <a:rPr sz="2000" b="1">
-                <a:solidFill>
-                  <a:srgbClr val="0611F2"/>
-                </a:solidFill>
-                <a:latin typeface="맑은 고딕" charset="0"/>
-                <a:ea typeface="맑은 고딕" charset="0"/>
-              </a:rPr>
-              <a:t>.</a:t>
-            </a:r>
-            <a:r>
-              <a:rPr sz="2000" b="1">
-                <a:solidFill>
-                  <a:srgbClr val="0611F2"/>
-                </a:solidFill>
-                <a:latin typeface="맑은 고딕" charset="0"/>
-                <a:ea typeface="맑은 고딕" charset="0"/>
-              </a:rPr>
-              <a:t> </a:t>
-            </a:r>
-            <a:r>
-              <a:rPr sz="1800">
-                <a:latin typeface="맑은 고딕" charset="0"/>
-                <a:ea typeface="맑은 고딕" charset="0"/>
-              </a:rPr>
-              <a:t>그러고 나서 Camera 오브젝트의 </a:t>
-            </a:r>
-            <a:r>
-              <a:rPr sz="1800">
-                <a:latin typeface="맑은 고딕" charset="0"/>
-                <a:ea typeface="맑은 고딕" charset="0"/>
-              </a:rPr>
-              <a:t>위치와</a:t>
-            </a:r>
-            <a:r>
-              <a:rPr sz="1800">
-                <a:latin typeface="맑은 고딕" charset="0"/>
-                <a:ea typeface="맑은 고딕" charset="0"/>
-              </a:rPr>
-              <a:t> </a:t>
-            </a:r>
-            <a:r>
-              <a:rPr sz="1800">
-                <a:latin typeface="맑은 고딕" charset="0"/>
-                <a:ea typeface="맑은 고딕" charset="0"/>
-              </a:rPr>
-              <a:t>회전</a:t>
-            </a:r>
-            <a:r>
-              <a:rPr sz="1800">
-                <a:latin typeface="맑은 고딕" charset="0"/>
-                <a:ea typeface="맑은 고딕" charset="0"/>
-              </a:rPr>
-              <a:t> </a:t>
-            </a:r>
-            <a:r>
-              <a:rPr sz="1800">
-                <a:latin typeface="맑은 고딕" charset="0"/>
-                <a:ea typeface="맑은 고딕" charset="0"/>
-              </a:rPr>
-              <a:t>값을</a:t>
-            </a:r>
-            <a:r>
-              <a:rPr sz="1800">
-                <a:latin typeface="맑은 고딕" charset="0"/>
-                <a:ea typeface="맑은 고딕" charset="0"/>
-              </a:rPr>
-              <a:t> 설정합니다.</a:t>
-            </a:r>
-            <a:endParaRPr lang="ko-KR" altLang="en-US" sz="1800">
-              <a:latin typeface="맑은 고딕" charset="0"/>
-              <a:ea typeface="맑은 고딕" charset="0"/>
-            </a:endParaRPr>
-          </a:p>
-        </p:txBody>
-      </p:sp>
-      <p:pic>
-        <p:nvPicPr>
-          <p:cNvPr id="1119" name="그림 12" descr="C:/Users/Admin1/AppData/Roaming/PolarisOffice/ETemp/14520_11842488/fImage145202586500.png"/>
-          <p:cNvPicPr>
-            <a:picLocks noChangeAspect="1"/>
-          </p:cNvPicPr>
-          <p:nvPr/>
-        </p:nvPicPr>
-        <p:blipFill rotWithShape="1">
-          <a:blip r:embed="rId5" cstate="hqprint">
-            <a:extLst>
-              <a:ext uri="{28A0092B-C50C-407E-A947-70E740481C1C}">
-                <a14:useLocalDpi xmlns:a14="http://schemas.microsoft.com/office/drawing/2010/main"/>
-              </a:ext>
-            </a:extLst>
-          </a:blip>
-          <a:stretch>
-            <a:fillRect/>
-          </a:stretch>
-        </p:blipFill>
-        <p:spPr>
-          <a:xfrm rot="0">
-            <a:off x="6806565" y="1445260"/>
-            <a:ext cx="4157345" cy="1948815"/>
-          </a:xfrm>
-          <a:prstGeom prst="roundRect"/>
-          <a:solidFill>
-            <a:srgbClr val="EDEDED"/>
-          </a:solidFill>
-        </p:spPr>
-      </p:pic>
-      <p:pic>
-        <p:nvPicPr>
-          <p:cNvPr id="1120" name="그림 15" descr="C:/Users/Admin1/AppData/Roaming/PolarisOffice/ETemp/14520_11842488/fImage45992599169.png"/>
-          <p:cNvPicPr>
-            <a:picLocks noChangeAspect="1"/>
-          </p:cNvPicPr>
-          <p:nvPr/>
-        </p:nvPicPr>
-        <p:blipFill rotWithShape="1">
-          <a:blip r:embed="rId6" cstate="hqprint">
-            <a:extLst>
-              <a:ext uri="{28A0092B-C50C-407E-A947-70E740481C1C}">
-                <a14:useLocalDpi xmlns:a14="http://schemas.microsoft.com/office/drawing/2010/main"/>
-              </a:ext>
-            </a:extLst>
-          </a:blip>
-          <a:stretch>
-            <a:fillRect/>
-          </a:stretch>
-        </p:blipFill>
-        <p:spPr>
-          <a:xfrm rot="0">
-            <a:off x="6805295" y="3582670"/>
-            <a:ext cx="4152265" cy="1052195"/>
-          </a:xfrm>
-          <a:prstGeom prst="roundRect"/>
-          <a:solidFill>
-            <a:srgbClr val="EDEDED"/>
-          </a:solidFill>
-        </p:spPr>
-      </p:pic>
-      <p:cxnSp>
-        <p:nvCxnSpPr>
-          <p:cNvPr id="1121" name="도형 16"/>
-          <p:cNvCxnSpPr/>
-          <p:nvPr/>
-        </p:nvCxnSpPr>
-        <p:spPr>
-          <a:xfrm rot="0" flipV="1">
-            <a:off x="7890510" y="1765935"/>
-            <a:ext cx="2937510" cy="2171065"/>
-          </a:xfrm>
-          <a:prstGeom prst="straightConnector1"/>
-          <a:ln w="6350" cap="flat" cmpd="sng">
-            <a:prstDash/>
-            <a:tailEnd type="triangle" w="med" len="med"/>
-          </a:ln>
-        </p:spPr>
-        <p:style>
-          <a:lnRef idx="1">
-            <a:schemeClr val="accent1"/>
-          </a:lnRef>
-          <a:fillRef idx="0">
-            <a:schemeClr val="accent1"/>
-          </a:fillRef>
-          <a:effectRef idx="0">
-            <a:schemeClr val="accent1"/>
-          </a:effectRef>
-          <a:fontRef idx="minor">
-            <a:schemeClr val="tx1"/>
-          </a:fontRef>
-        </p:style>
-      </p:cxnSp>
-    </p:spTree>
-  </p:cSld>
-  <p:clrMapOvr>
-    <a:masterClrMapping/>
-  </p:clrMapOvr>
-  <mc:AlternateContent xmlns:mc="http://schemas.openxmlformats.org/markup-compatibility/2006">
-    <mc:Choice xmlns:p14="http://schemas.microsoft.com/office/powerpoint/2010/main" Requires="p14">
-      <p:transition spd="slow" p14:dur="2000"/>
-    </mc:Choice>
-    <mc:Fallback>
-      <p:transition spd="slow"/>
-    </mc:Fallback>
-  </mc:AlternateContent>
-  <p:timing>
-    <p:tnLst>
-      <p:par>
-        <p:cTn id="1" dur="indefinite" restart="never" nodeType="tmRoot"/>
-      </p:par>
-    </p:tnLst>
-  </p:timing>
-</p:sld>
-</file>
-
-<file path=ppt/slides/slide11.xml><?xml version="1.0" encoding="utf-8"?>
-<p:sld xmlns:a="http://schemas.openxmlformats.org/drawingml/2006/main" xmlns:r="http://schemas.openxmlformats.org/officeDocument/2006/relationships" xmlns:p="http://schemas.openxmlformats.org/presentationml/2006/main" xmlns:p14="http://schemas.microsoft.com/office/powerpoint/2010/main">
-  <p:cSld>
-    <p:spTree>
-      <p:nvGrpSpPr>
-        <p:cNvPr id="1" name=""/>
-        <p:cNvGrpSpPr/>
-        <p:nvPr/>
-      </p:nvGrpSpPr>
-      <p:grpSpPr>
-        <a:xfrm>
-          <a:off x="0" y="0"/>
-          <a:ext cx="0" cy="0"/>
-          <a:chOff x="0" y="0"/>
-          <a:chExt cx="0" cy="0"/>
-        </a:xfrm>
-      </p:grpSpPr>
-      <p:sp>
-        <p:nvSpPr>
-          <p:cNvPr id="1031" name="Rect 0"/>
-          <p:cNvSpPr txBox="1">
-            <a:spLocks/>
-          </p:cNvSpPr>
-          <p:nvPr/>
-        </p:nvSpPr>
-        <p:spPr>
-          <a:xfrm rot="0">
-            <a:off x="4327525" y="353060"/>
-            <a:ext cx="3544570" cy="478155"/>
-          </a:xfrm>
-          <a:prstGeom prst="rect"/>
-          <a:noFill/>
-          <a:ln w="0">
-            <a:noFill/>
-            <a:prstDash/>
-          </a:ln>
-        </p:spPr>
-        <p:txBody>
-          <a:bodyPr wrap="square" lIns="89535" tIns="46355" rIns="89535" bIns="46355" numCol="1" vert="horz" anchor="t">
-            <a:spAutoFit/>
-          </a:bodyPr>
-          <a:lstStyle/>
-          <a:p>
-            <a:pPr marL="0" indent="0" algn="ctr" latinLnBrk="0">
-              <a:buFontTx/>
-              <a:buNone/>
-            </a:pPr>
-            <a:r>
-              <a:rPr lang="ko-KR" altLang="en-US" sz="2500" b="1">
-                <a:solidFill>
-                  <a:schemeClr val="tx1"/>
-                </a:solidFill>
-                <a:latin typeface="나눔바른고딕" charset="0"/>
-                <a:ea typeface="나눔바른고딕" charset="0"/>
-              </a:rPr>
-              <a:t>열한</a:t>
-            </a:r>
-            <a:r>
-              <a:rPr lang="ko-KR" altLang="en-US" sz="2500" b="1">
-                <a:solidFill>
-                  <a:schemeClr val="tx1"/>
-                </a:solidFill>
-                <a:latin typeface="나눔바른고딕" charset="0"/>
-                <a:ea typeface="나눔바른고딕" charset="0"/>
-              </a:rPr>
-              <a:t> </a:t>
-            </a:r>
-            <a:r>
-              <a:rPr lang="ko-KR" altLang="en-US" sz="2500" b="1">
-                <a:solidFill>
-                  <a:schemeClr val="tx1"/>
-                </a:solidFill>
-                <a:latin typeface="나눔바른고딕" charset="0"/>
-                <a:ea typeface="나눔바른고딕" charset="0"/>
-              </a:rPr>
-              <a:t>번째 튜토리</a:t>
-            </a:r>
-            <a:r>
-              <a:rPr lang="ko-KR" altLang="en-US" sz="2500" b="1">
-                <a:solidFill>
-                  <a:schemeClr val="tx1"/>
-                </a:solidFill>
-                <a:latin typeface="나눔바른고딕" charset="0"/>
-                <a:ea typeface="나눔바른고딕" charset="0"/>
-              </a:rPr>
-              <a:t>얼</a:t>
-            </a:r>
-            <a:endParaRPr lang="ko-KR" altLang="en-US" sz="2500" b="1">
-              <a:solidFill>
-                <a:schemeClr val="tx1"/>
-              </a:solidFill>
-              <a:latin typeface="나눔바른고딕" charset="0"/>
-              <a:ea typeface="나눔바른고딕" charset="0"/>
-            </a:endParaRPr>
-          </a:p>
-        </p:txBody>
-      </p:sp>
-      <p:pic>
-        <p:nvPicPr>
-          <p:cNvPr id="1116" name="그림 17"/>
-          <p:cNvPicPr>
-            <a:picLocks noChangeAspect="1"/>
-          </p:cNvPicPr>
-          <p:nvPr/>
-        </p:nvPicPr>
-        <p:blipFill rotWithShape="1">
-          <a:blip r:embed="rId7" cstate="print">
-            <a:extLst>
-              <a:ext uri="{28A0092B-C50C-407E-A947-70E740481C1C}">
-                <a14:useLocalDpi xmlns:a14="http://schemas.microsoft.com/office/drawing/2010/main" val="0"/>
-              </a:ext>
-            </a:extLst>
-          </a:blip>
-          <a:stretch>
-            <a:fillRect/>
-          </a:stretch>
-        </p:blipFill>
-        <p:spPr>
-          <a:xfrm rot="0">
-            <a:off x="8235315" y="1437640"/>
-            <a:ext cx="2710815" cy="1308100"/>
-          </a:xfrm>
-          <a:prstGeom prst="roundRect"/>
-          <a:solidFill>
-            <a:srgbClr val="EDEDED"/>
-          </a:solidFill>
-        </p:spPr>
-      </p:pic>
-      <p:pic>
-        <p:nvPicPr>
-          <p:cNvPr id="1117" name="그림 20"/>
-          <p:cNvPicPr>
-            <a:picLocks noChangeAspect="1"/>
-          </p:cNvPicPr>
-          <p:nvPr/>
-        </p:nvPicPr>
-        <p:blipFill rotWithShape="1">
-          <a:blip r:embed="rId8" cstate="print">
-            <a:extLst>
-              <a:ext uri="{28A0092B-C50C-407E-A947-70E740481C1C}">
-                <a14:useLocalDpi xmlns:a14="http://schemas.microsoft.com/office/drawing/2010/main" val="0"/>
-              </a:ext>
-            </a:extLst>
-          </a:blip>
-          <a:stretch>
-            <a:fillRect/>
-          </a:stretch>
-        </p:blipFill>
-        <p:spPr>
-          <a:xfrm rot="0">
-            <a:off x="6814820" y="1442085"/>
-            <a:ext cx="1308100" cy="1303020"/>
-          </a:xfrm>
-          <a:prstGeom prst="roundRect"/>
-          <a:solidFill>
-            <a:srgbClr val="EDEDED"/>
-          </a:solidFill>
-        </p:spPr>
-      </p:pic>
-      <p:cxnSp>
-        <p:nvCxnSpPr>
-          <p:cNvPr id="1118" name="도형 23"/>
-          <p:cNvCxnSpPr/>
-          <p:nvPr/>
-        </p:nvCxnSpPr>
-        <p:spPr>
-          <a:xfrm rot="0" flipV="1">
-            <a:off x="7957820" y="2224405"/>
-            <a:ext cx="2910205" cy="78740"/>
-          </a:xfrm>
-          <a:prstGeom prst="straightConnector1"/>
-          <a:ln w="6350" cap="flat" cmpd="sng">
-            <a:prstDash/>
-            <a:headEnd type="none" w="med" len="med"/>
-            <a:tailEnd type="triangle" w="med" len="med"/>
-          </a:ln>
-        </p:spPr>
-        <p:style>
-          <a:lnRef idx="1">
-            <a:schemeClr val="accent1"/>
-          </a:lnRef>
-          <a:fillRef idx="0">
-            <a:schemeClr val="accent1"/>
-          </a:fillRef>
-          <a:effectRef idx="0">
-            <a:schemeClr val="accent1"/>
-          </a:effectRef>
-          <a:fontRef idx="minor">
-            <a:schemeClr val="tx1"/>
-          </a:fontRef>
-        </p:style>
-      </p:cxnSp>
-      <p:sp>
-        <p:nvSpPr>
-          <p:cNvPr id="1119" name="텍스트 상자 24"/>
-          <p:cNvSpPr txBox="1">
-            <a:spLocks/>
-          </p:cNvSpPr>
-          <p:nvPr/>
-        </p:nvSpPr>
-        <p:spPr>
-          <a:xfrm>
-            <a:off x="6814820" y="2873375"/>
-            <a:ext cx="4131945" cy="955040"/>
-          </a:xfrm>
-          <a:prstGeom prst="rect"/>
-          <a:noFill/>
-        </p:spPr>
-        <p:txBody>
-          <a:bodyPr wrap="square" lIns="0" tIns="0" rIns="0" bIns="0" numCol="1" vert="horz" anchor="t">
-            <a:noAutofit/>
-          </a:bodyPr>
-          <a:lstStyle/>
-          <a:p>
-            <a:pPr marL="0" indent="0" algn="l" latinLnBrk="0" hangingPunct="1">
-              <a:buFontTx/>
-              <a:buNone/>
-            </a:pPr>
-            <a:r>
-              <a:rPr lang="ko-KR" sz="2000" b="1">
-                <a:solidFill>
-                  <a:srgbClr val="0611F2"/>
-                </a:solidFill>
-                <a:latin typeface="맑은 고딕" charset="0"/>
-                <a:ea typeface="맑은 고딕" charset="0"/>
-              </a:rPr>
-              <a:t>28</a:t>
-            </a:r>
-            <a:r>
-              <a:rPr sz="2000" b="1">
-                <a:solidFill>
-                  <a:srgbClr val="0611F2"/>
-                </a:solidFill>
-                <a:latin typeface="맑은 고딕" charset="0"/>
-                <a:ea typeface="맑은 고딕" charset="0"/>
-              </a:rPr>
-              <a:t>.</a:t>
-            </a:r>
-            <a:r>
-              <a:rPr sz="2000" b="1">
-                <a:solidFill>
-                  <a:srgbClr val="0611F2"/>
-                </a:solidFill>
-                <a:latin typeface="맑은 고딕" charset="0"/>
-                <a:ea typeface="맑은 고딕" charset="0"/>
-              </a:rPr>
-              <a:t> </a:t>
-            </a:r>
-            <a:r>
-              <a:rPr sz="1800">
-                <a:latin typeface="맑은 고딕" charset="0"/>
-                <a:ea typeface="맑은 고딕" charset="0"/>
-              </a:rPr>
-              <a:t>그다음 Create Object에 있는 </a:t>
-            </a:r>
-            <a:r>
-              <a:rPr sz="1800">
-                <a:latin typeface="맑은 고딕" charset="0"/>
-                <a:ea typeface="맑은 고딕" charset="0"/>
-              </a:rPr>
-              <a:t>Create</a:t>
-            </a:r>
-            <a:r>
-              <a:rPr sz="1800">
-                <a:latin typeface="맑은 고딕" charset="0"/>
-                <a:ea typeface="맑은 고딕" charset="0"/>
-              </a:rPr>
-              <a:t> </a:t>
-            </a:r>
-            <a:r>
-              <a:rPr sz="1800">
-                <a:latin typeface="맑은 고딕" charset="0"/>
-                <a:ea typeface="맑은 고딕" charset="0"/>
-              </a:rPr>
-              <a:t>스크립트의</a:t>
-            </a:r>
-            <a:r>
-              <a:rPr sz="1800">
-                <a:latin typeface="맑은 고딕" charset="0"/>
-                <a:ea typeface="맑은 고딕" charset="0"/>
-              </a:rPr>
-              <a:t> Button 변수에 </a:t>
-            </a:r>
-            <a:r>
-              <a:rPr sz="1800">
-                <a:latin typeface="맑은 고딕" charset="0"/>
-                <a:ea typeface="맑은 고딕" charset="0"/>
-              </a:rPr>
-              <a:t>Create</a:t>
-            </a:r>
-            <a:r>
-              <a:rPr sz="1800">
-                <a:latin typeface="맑은 고딕" charset="0"/>
-                <a:ea typeface="맑은 고딕" charset="0"/>
-              </a:rPr>
-              <a:t> </a:t>
-            </a:r>
-            <a:r>
-              <a:rPr sz="1800">
-                <a:latin typeface="맑은 고딕" charset="0"/>
-                <a:ea typeface="맑은 고딕" charset="0"/>
-              </a:rPr>
-              <a:t>Button</a:t>
-            </a:r>
-            <a:r>
-              <a:rPr sz="1800">
-                <a:latin typeface="맑은 고딕" charset="0"/>
-                <a:ea typeface="맑은 고딕" charset="0"/>
-              </a:rPr>
-              <a:t> 오브젝트</a:t>
-            </a:r>
-            <a:r>
-              <a:rPr lang="ko-KR" sz="1800">
-                <a:latin typeface="맑은 고딕" charset="0"/>
-                <a:ea typeface="맑은 고딕" charset="0"/>
-              </a:rPr>
-              <a:t>를 넣어줍니다.</a:t>
-            </a:r>
-            <a:endParaRPr lang="ko-KR" altLang="en-US" sz="1800">
-              <a:latin typeface="맑은 고딕" charset="0"/>
-              <a:ea typeface="맑은 고딕" charset="0"/>
-            </a:endParaRPr>
-          </a:p>
-        </p:txBody>
-      </p:sp>
-      <p:pic>
-        <p:nvPicPr>
-          <p:cNvPr id="1120" name="그림 25"/>
-          <p:cNvPicPr>
-            <a:picLocks noChangeAspect="1"/>
-          </p:cNvPicPr>
-          <p:nvPr/>
-        </p:nvPicPr>
-        <p:blipFill rotWithShape="1">
-          <a:blip r:embed="rId9" cstate="print">
-            <a:extLst>
-              <a:ext uri="{28A0092B-C50C-407E-A947-70E740481C1C}">
-                <a14:useLocalDpi xmlns:a14="http://schemas.microsoft.com/office/drawing/2010/main" val="0"/>
-              </a:ext>
-            </a:extLst>
-          </a:blip>
-          <a:stretch>
-            <a:fillRect/>
-          </a:stretch>
-        </p:blipFill>
-        <p:spPr>
-          <a:xfrm rot="0">
-            <a:off x="6814185" y="3921760"/>
-            <a:ext cx="1291590" cy="1238885"/>
-          </a:xfrm>
-          <a:prstGeom prst="roundRect"/>
-          <a:solidFill>
-            <a:srgbClr val="EDEDED"/>
-          </a:solidFill>
-        </p:spPr>
-      </p:pic>
-      <p:pic>
-        <p:nvPicPr>
-          <p:cNvPr id="1121" name="그림 28"/>
-          <p:cNvPicPr>
-            <a:picLocks noChangeAspect="1"/>
-          </p:cNvPicPr>
-          <p:nvPr/>
-        </p:nvPicPr>
-        <p:blipFill rotWithShape="1">
-          <a:blip r:embed="rId10" cstate="print">
-            <a:extLst>
-              <a:ext uri="{28A0092B-C50C-407E-A947-70E740481C1C}">
-                <a14:useLocalDpi xmlns:a14="http://schemas.microsoft.com/office/drawing/2010/main" val="0"/>
-              </a:ext>
-            </a:extLst>
-          </a:blip>
-          <a:stretch>
-            <a:fillRect/>
-          </a:stretch>
-        </p:blipFill>
-        <p:spPr>
-          <a:xfrm rot="0">
-            <a:off x="8235315" y="3939540"/>
-            <a:ext cx="2712085" cy="1229995"/>
-          </a:xfrm>
-          <a:prstGeom prst="roundRect"/>
-          <a:solidFill>
-            <a:srgbClr val="EDEDED"/>
-          </a:solidFill>
-        </p:spPr>
-      </p:pic>
-      <p:cxnSp>
-        <p:nvCxnSpPr>
-          <p:cNvPr id="1122" name="도형 31"/>
-          <p:cNvCxnSpPr/>
-          <p:nvPr/>
-        </p:nvCxnSpPr>
-        <p:spPr>
-          <a:xfrm rot="0" flipV="1">
-            <a:off x="7438390" y="4918075"/>
-            <a:ext cx="3438525" cy="34925"/>
-          </a:xfrm>
-          <a:prstGeom prst="straightConnector1"/>
-          <a:ln w="6350" cap="flat" cmpd="sng">
-            <a:prstDash/>
-            <a:headEnd type="none" w="med" len="med"/>
-            <a:tailEnd type="triangle" w="med" len="med"/>
-          </a:ln>
-        </p:spPr>
-        <p:style>
-          <a:lnRef idx="1">
-            <a:schemeClr val="accent1"/>
-          </a:lnRef>
-          <a:fillRef idx="0">
-            <a:schemeClr val="accent1"/>
-          </a:fillRef>
-          <a:effectRef idx="0">
-            <a:schemeClr val="accent1"/>
-          </a:effectRef>
-          <a:fontRef idx="minor">
-            <a:schemeClr val="tx1"/>
-          </a:fontRef>
-        </p:style>
-      </p:cxnSp>
-      <p:sp>
-        <p:nvSpPr>
-          <p:cNvPr id="1123" name="텍스트 상자 32"/>
-          <p:cNvSpPr txBox="1">
-            <a:spLocks/>
-          </p:cNvSpPr>
-          <p:nvPr/>
-        </p:nvSpPr>
-        <p:spPr>
-          <a:xfrm rot="0">
-            <a:off x="6817360" y="5299710"/>
-            <a:ext cx="4131945" cy="955040"/>
-          </a:xfrm>
-          <a:prstGeom prst="rect"/>
-          <a:noFill/>
-        </p:spPr>
-        <p:txBody>
-          <a:bodyPr wrap="square" lIns="0" tIns="0" rIns="0" bIns="0" numCol="1" vert="horz" anchor="t">
-            <a:noAutofit/>
-          </a:bodyPr>
-          <a:lstStyle/>
-          <a:p>
-            <a:pPr marL="0" indent="0" algn="l" latinLnBrk="0" hangingPunct="1">
-              <a:buFontTx/>
-              <a:buNone/>
-            </a:pPr>
-            <a:r>
-              <a:rPr lang="ko-KR" sz="2000" b="1">
-                <a:solidFill>
-                  <a:srgbClr val="0611F2"/>
-                </a:solidFill>
-                <a:latin typeface="맑은 고딕" charset="0"/>
-                <a:ea typeface="맑은 고딕" charset="0"/>
-              </a:rPr>
-              <a:t>29</a:t>
-            </a:r>
-            <a:r>
-              <a:rPr sz="2000" b="1">
-                <a:solidFill>
-                  <a:srgbClr val="0611F2"/>
-                </a:solidFill>
-                <a:latin typeface="맑은 고딕" charset="0"/>
-                <a:ea typeface="맑은 고딕" charset="0"/>
-              </a:rPr>
-              <a:t>.</a:t>
-            </a:r>
-            <a:r>
-              <a:rPr sz="2000" b="1">
-                <a:solidFill>
-                  <a:srgbClr val="0611F2"/>
-                </a:solidFill>
-                <a:latin typeface="맑은 고딕" charset="0"/>
-                <a:ea typeface="맑은 고딕" charset="0"/>
-              </a:rPr>
-              <a:t> </a:t>
-            </a:r>
-            <a:r>
-              <a:rPr sz="1800">
-                <a:latin typeface="맑은 고딕" charset="0"/>
-                <a:ea typeface="맑은 고딕" charset="0"/>
-              </a:rPr>
-              <a:t>그러고 나서 Create Object에 있는 </a:t>
-            </a:r>
-            <a:r>
-              <a:rPr sz="1800">
-                <a:latin typeface="맑은 고딕" charset="0"/>
-                <a:ea typeface="맑은 고딕" charset="0"/>
-              </a:rPr>
-              <a:t>Create</a:t>
-            </a:r>
-            <a:r>
-              <a:rPr sz="1800">
-                <a:latin typeface="맑은 고딕" charset="0"/>
-                <a:ea typeface="맑은 고딕" charset="0"/>
-              </a:rPr>
-              <a:t> </a:t>
-            </a:r>
-            <a:r>
-              <a:rPr sz="1800">
-                <a:latin typeface="맑은 고딕" charset="0"/>
-                <a:ea typeface="맑은 고딕" charset="0"/>
-              </a:rPr>
-              <a:t>스크립트</a:t>
-            </a:r>
-            <a:r>
-              <a:rPr lang="ko-KR" sz="1800">
-                <a:latin typeface="맑은 고딕" charset="0"/>
-                <a:ea typeface="맑은 고딕" charset="0"/>
-              </a:rPr>
-              <a:t>의</a:t>
-            </a:r>
-            <a:r>
-              <a:rPr sz="1800">
-                <a:latin typeface="맑은 고딕" charset="0"/>
-                <a:ea typeface="맑은 고딕" charset="0"/>
-              </a:rPr>
-              <a:t> Prefab 변수에 Alien </a:t>
-            </a:r>
-            <a:r>
-              <a:rPr sz="1800">
-                <a:latin typeface="맑은 고딕" charset="0"/>
-                <a:ea typeface="맑은 고딕" charset="0"/>
-              </a:rPr>
-              <a:t>오브젝트</a:t>
-            </a:r>
-            <a:r>
-              <a:rPr lang="ko-KR" sz="1800">
-                <a:latin typeface="맑은 고딕" charset="0"/>
-                <a:ea typeface="맑은 고딕" charset="0"/>
-              </a:rPr>
-              <a:t>를</a:t>
-            </a:r>
-            <a:r>
-              <a:rPr lang="ko-KR" sz="1800">
-                <a:latin typeface="맑은 고딕" charset="0"/>
-                <a:ea typeface="맑은 고딕" charset="0"/>
-              </a:rPr>
-              <a:t> 넣어줍니다.</a:t>
-            </a:r>
-            <a:endParaRPr lang="ko-KR" altLang="en-US" sz="1800">
-              <a:latin typeface="맑은 고딕" charset="0"/>
-              <a:ea typeface="맑은 고딕" charset="0"/>
-            </a:endParaRPr>
-          </a:p>
-        </p:txBody>
-      </p:sp>
-      <p:pic>
-        <p:nvPicPr>
-          <p:cNvPr id="1124" name="그림 29" descr="C:/Users/Admin1/AppData/Roaming/PolarisOffice/ETemp/14520_11842488/fImage350923101478.png"/>
+          <p:cNvPr id="1124" name="그림 29"/>
           <p:cNvPicPr>
             <a:picLocks noChangeAspect="1"/>
           </p:cNvPicPr>
@@ -9042,16 +7333,125 @@
           </a:solidFill>
         </p:spPr>
       </p:pic>
+      <p:sp>
+        <p:nvSpPr>
+          <p:cNvPr id="1126" name="텍스트 상자 35"/>
+          <p:cNvSpPr txBox="1">
+            <a:spLocks/>
+          </p:cNvSpPr>
+          <p:nvPr/>
+        </p:nvSpPr>
+        <p:spPr>
+          <a:xfrm>
+            <a:off x="1247140" y="5121910"/>
+            <a:ext cx="4129405" cy="1132840"/>
+          </a:xfrm>
+          <a:prstGeom prst="rect"/>
+          <a:noFill/>
+        </p:spPr>
+        <p:txBody>
+          <a:bodyPr wrap="square" lIns="0" tIns="0" rIns="0" bIns="0" numCol="1" vert="horz" anchor="t">
+            <a:noAutofit/>
+          </a:bodyPr>
+          <a:lstStyle/>
+          <a:p>
+            <a:pPr marL="0" indent="0" algn="l" latinLnBrk="0" hangingPunct="1">
+              <a:buFontTx/>
+              <a:buNone/>
+            </a:pPr>
+            <a:r>
+              <a:rPr lang="ko-KR" sz="2000" b="1">
+                <a:solidFill>
+                  <a:srgbClr val="0611F2"/>
+                </a:solidFill>
+                <a:latin typeface="맑은 고딕" charset="0"/>
+                <a:ea typeface="맑은 고딕" charset="0"/>
+              </a:rPr>
+              <a:t>27</a:t>
+            </a:r>
+            <a:r>
+              <a:rPr sz="2000" b="1">
+                <a:solidFill>
+                  <a:srgbClr val="0611F2"/>
+                </a:solidFill>
+                <a:latin typeface="맑은 고딕" charset="0"/>
+                <a:ea typeface="맑은 고딕" charset="0"/>
+              </a:rPr>
+              <a:t>. </a:t>
+            </a:r>
+            <a:r>
+              <a:rPr sz="1800">
+                <a:latin typeface="맑은 고딕" charset="0"/>
+                <a:ea typeface="맑은 고딕" charset="0"/>
+              </a:rPr>
+              <a:t>그</a:t>
+            </a:r>
+            <a:r>
+              <a:rPr sz="1800">
+                <a:latin typeface="맑은 고딕" charset="0"/>
+                <a:ea typeface="맑은 고딕" charset="0"/>
+              </a:rPr>
+              <a:t>리고</a:t>
+            </a:r>
+            <a:r>
+              <a:rPr sz="1800">
+                <a:latin typeface="맑은 고딕" charset="0"/>
+                <a:ea typeface="맑은 고딕" charset="0"/>
+              </a:rPr>
+              <a:t> Project 폴더 아래에 있는 Render Texture의 </a:t>
+            </a:r>
+            <a:r>
+              <a:rPr sz="1800">
+                <a:latin typeface="맑은 고딕" charset="0"/>
+                <a:ea typeface="맑은 고딕" charset="0"/>
+              </a:rPr>
+              <a:t>N</a:t>
+            </a:r>
+            <a:r>
+              <a:rPr lang="ko-KR" sz="1800">
+                <a:latin typeface="맑은 고딕" charset="0"/>
+                <a:ea typeface="맑은 고딕" charset="0"/>
+              </a:rPr>
+              <a:t>e</a:t>
+            </a:r>
+            <a:r>
+              <a:rPr lang="ko-KR" sz="1800">
+                <a:latin typeface="맑은 고딕" charset="0"/>
+                <a:ea typeface="맑은 고딕" charset="0"/>
+              </a:rPr>
+              <a:t>w Render</a:t>
+            </a:r>
+            <a:r>
+              <a:rPr sz="1800">
+                <a:latin typeface="맑은 고딕" charset="0"/>
+                <a:ea typeface="맑은 고딕" charset="0"/>
+              </a:rPr>
+              <a:t> Texture를 Camera 오브젝트에 있는 Target Texture에 넣어줍니</a:t>
+            </a:r>
+            <a:r>
+              <a:rPr lang="ko-KR" sz="1800">
+                <a:latin typeface="맑은 고딕" charset="0"/>
+                <a:ea typeface="맑은 고딕" charset="0"/>
+              </a:rPr>
+              <a:t>다.</a:t>
+            </a:r>
+            <a:endParaRPr lang="ko-KR" altLang="en-US" sz="1800">
+              <a:latin typeface="맑은 고딕" charset="0"/>
+              <a:ea typeface="맑은 고딕" charset="0"/>
+            </a:endParaRPr>
+          </a:p>
+        </p:txBody>
+      </p:sp>
       <p:pic>
         <p:nvPicPr>
-          <p:cNvPr id="1125" name="그림 32" descr="C:/Users/Admin1/AppData/Roaming/PolarisOffice/ETemp/14520_11842488/fImage42503119358.png"/>
+          <p:cNvPr id="1128" name="그림 73" descr="C:/Users/nwond/AppData/Roaming/PolarisOffice/ETemp/8448_10098368/fImage42012176962.png"/>
           <p:cNvPicPr>
             <a:picLocks noChangeAspect="1"/>
           </p:cNvPicPr>
           <p:nvPr/>
         </p:nvPicPr>
         <p:blipFill rotWithShape="1">
-          <a:blip r:embed="rId12" cstate="print">
+          <a:blip r:embed="rId13" cstate="print">
             <a:extLst>
               <a:ext uri="{28A0092B-C50C-407E-A947-70E740481C1C}">
                 <a14:useLocalDpi xmlns:a14="http://schemas.microsoft.com/office/drawing/2010/main" val="0"/>
@@ -9064,8 +7464,8 @@
         </p:blipFill>
         <p:spPr>
           <a:xfrm rot="0">
-            <a:off x="1240790" y="4185920"/>
-            <a:ext cx="4135120" cy="844550"/>
+            <a:off x="1243965" y="4154170"/>
+            <a:ext cx="4124960" cy="855345"/>
           </a:xfrm>
           <a:prstGeom prst="roundRect"/>
           <a:solidFill>
@@ -9073,132 +7473,6 @@
           </a:solidFill>
         </p:spPr>
       </p:pic>
-      <p:sp>
-        <p:nvSpPr>
-          <p:cNvPr id="1126" name="텍스트 상자 35"/>
-          <p:cNvSpPr txBox="1">
-            <a:spLocks/>
-          </p:cNvSpPr>
-          <p:nvPr/>
-        </p:nvSpPr>
-        <p:spPr>
-          <a:xfrm rot="0">
-            <a:off x="1247140" y="5121910"/>
-            <a:ext cx="4128770" cy="1132205"/>
-          </a:xfrm>
-          <a:prstGeom prst="rect"/>
-          <a:noFill/>
-        </p:spPr>
-        <p:txBody>
-          <a:bodyPr wrap="square" lIns="0" tIns="0" rIns="0" bIns="0" numCol="1" vert="horz" anchor="t">
-            <a:noAutofit/>
-          </a:bodyPr>
-          <a:lstStyle/>
-          <a:p>
-            <a:pPr marL="0" indent="0" algn="l" latinLnBrk="0" hangingPunct="1">
-              <a:buFontTx/>
-              <a:buNone/>
-            </a:pPr>
-            <a:r>
-              <a:rPr lang="ko-KR" sz="2000" b="1">
-                <a:solidFill>
-                  <a:srgbClr val="0611F2"/>
-                </a:solidFill>
-                <a:latin typeface="맑은 고딕" charset="0"/>
-                <a:ea typeface="맑은 고딕" charset="0"/>
-              </a:rPr>
-              <a:t>27</a:t>
-            </a:r>
-            <a:r>
-              <a:rPr sz="2000" b="1">
-                <a:solidFill>
-                  <a:srgbClr val="0611F2"/>
-                </a:solidFill>
-                <a:latin typeface="맑은 고딕" charset="0"/>
-                <a:ea typeface="맑은 고딕" charset="0"/>
-              </a:rPr>
-              <a:t>.</a:t>
-            </a:r>
-            <a:r>
-              <a:rPr sz="2000" b="1">
-                <a:solidFill>
-                  <a:srgbClr val="0611F2"/>
-                </a:solidFill>
-                <a:latin typeface="맑은 고딕" charset="0"/>
-                <a:ea typeface="맑은 고딕" charset="0"/>
-              </a:rPr>
-              <a:t> </a:t>
-            </a:r>
-            <a:r>
-              <a:rPr sz="1800">
-                <a:latin typeface="맑은 고딕" charset="0"/>
-                <a:ea typeface="맑은 고딕" charset="0"/>
-              </a:rPr>
-              <a:t>그런 다음 Project 폴더 아래에 있는 </a:t>
-            </a:r>
-            <a:r>
-              <a:rPr sz="1800">
-                <a:latin typeface="맑은 고딕" charset="0"/>
-                <a:ea typeface="맑은 고딕" charset="0"/>
-              </a:rPr>
-              <a:t>Render</a:t>
-            </a:r>
-            <a:r>
-              <a:rPr sz="1800">
-                <a:latin typeface="맑은 고딕" charset="0"/>
-                <a:ea typeface="맑은 고딕" charset="0"/>
-              </a:rPr>
-              <a:t> Texture의 3D Texture를 Camera </a:t>
-            </a:r>
-            <a:r>
-              <a:rPr sz="1800">
-                <a:latin typeface="맑은 고딕" charset="0"/>
-                <a:ea typeface="맑은 고딕" charset="0"/>
-              </a:rPr>
-              <a:t>오브젝트</a:t>
-            </a:r>
-            <a:r>
-              <a:rPr sz="1800">
-                <a:latin typeface="맑은 고딕" charset="0"/>
-                <a:ea typeface="맑은 고딕" charset="0"/>
-              </a:rPr>
-              <a:t>에</a:t>
-            </a:r>
-            <a:r>
-              <a:rPr sz="1800">
-                <a:latin typeface="맑은 고딕" charset="0"/>
-                <a:ea typeface="맑은 고딕" charset="0"/>
-              </a:rPr>
-              <a:t> </a:t>
-            </a:r>
-            <a:r>
-              <a:rPr sz="1800">
-                <a:latin typeface="맑은 고딕" charset="0"/>
-                <a:ea typeface="맑은 고딕" charset="0"/>
-              </a:rPr>
-              <a:t>있는 Target Texture에 </a:t>
-            </a:r>
-            <a:r>
-              <a:rPr sz="1800">
-                <a:latin typeface="맑은 고딕" charset="0"/>
-                <a:ea typeface="맑은 고딕" charset="0"/>
-              </a:rPr>
-              <a:t>넣어줍니</a:t>
-            </a:r>
-            <a:r>
-              <a:rPr lang="ko-KR" sz="1800">
-                <a:latin typeface="맑은 고딕" charset="0"/>
-                <a:ea typeface="맑은 고딕" charset="0"/>
-              </a:rPr>
-              <a:t>다.</a:t>
-            </a:r>
-            <a:endParaRPr lang="ko-KR" altLang="en-US" sz="1800">
-              <a:latin typeface="맑은 고딕" charset="0"/>
-              <a:ea typeface="맑은 고딕" charset="0"/>
-            </a:endParaRPr>
-          </a:p>
-        </p:txBody>
-      </p:sp>
       <p:cxnSp>
         <p:nvCxnSpPr>
           <p:cNvPr id="1127" name="도형 40"/>
@@ -9207,13 +7481,12 @@
         </p:nvCxnSpPr>
         <p:spPr>
           <a:xfrm rot="0" flipV="1">
-            <a:off x="2360295" y="3307715"/>
-            <a:ext cx="2886075" cy="1111885"/>
+            <a:off x="2284095" y="3301365"/>
+            <a:ext cx="2962910" cy="1062355"/>
           </a:xfrm>
           <a:prstGeom prst="straightConnector1"/>
           <a:ln w="6350" cap="flat" cmpd="sng">
             <a:prstDash/>
-            <a:headEnd type="none" w="med" len="med"/>
             <a:tailEnd type="triangle" w="med" len="med"/>
           </a:ln>
         </p:spPr>
@@ -9232,49 +7505,9 @@
           </a:fontRef>
         </p:style>
       </p:cxnSp>
-    </p:spTree>
-  </p:cSld>
-  <p:clrMapOvr>
-    <a:masterClrMapping/>
-  </p:clrMapOvr>
-  <mc:AlternateContent xmlns:mc="http://schemas.openxmlformats.org/markup-compatibility/2006">
-    <mc:Choice xmlns:p14="http://schemas.microsoft.com/office/powerpoint/2010/main" Requires="p14">
-      <p:transition spd="slow" p14:dur="2000"/>
-    </mc:Choice>
-    <mc:Fallback>
-      <p:transition spd="slow"/>
-    </mc:Fallback>
-  </mc:AlternateContent>
-  <p:timing>
-    <p:tnLst>
-      <p:par>
-        <p:cTn id="1" dur="indefinite" restart="never" nodeType="tmRoot"/>
-      </p:par>
-    </p:tnLst>
-  </p:timing>
-</p:sld>
-</file>
-
-<file path=ppt/slides/slide12.xml><?xml version="1.0" encoding="utf-8"?>
-<p:sld xmlns:a="http://schemas.openxmlformats.org/drawingml/2006/main" xmlns:r="http://schemas.openxmlformats.org/officeDocument/2006/relationships" xmlns:p="http://schemas.openxmlformats.org/presentationml/2006/main" xmlns:p14="http://schemas.microsoft.com/office/powerpoint/2010/main">
-  <p:cSld>
-    <p:spTree>
-      <p:nvGrpSpPr>
-        <p:cNvPr id="1" name=""/>
-        <p:cNvGrpSpPr/>
-        <p:nvPr/>
-      </p:nvGrpSpPr>
-      <p:grpSpPr>
-        <a:xfrm>
-          <a:off x="0" y="0"/>
-          <a:ext cx="0" cy="0"/>
-          <a:chOff x="0" y="0"/>
-          <a:chExt cx="0" cy="0"/>
-        </a:xfrm>
-      </p:grpSpPr>
-      <p:sp>
-        <p:nvSpPr>
-          <p:cNvPr id="1031" name="Rect 0"/>
+      <p:sp>
+        <p:nvSpPr>
+          <p:cNvPr id="1129" name="텍스트 상자 74"/>
           <p:cNvSpPr txBox="1">
             <a:spLocks/>
           </p:cNvSpPr>
@@ -9282,8 +7515,8 @@
         </p:nvSpPr>
         <p:spPr>
           <a:xfrm rot="0">
-            <a:off x="4327525" y="353060"/>
-            <a:ext cx="3545205" cy="478155"/>
+            <a:off x="6808470" y="5301615"/>
+            <a:ext cx="4145280" cy="954405"/>
           </a:xfrm>
           <a:prstGeom prst="rect"/>
           <a:noFill/>
@@ -9298,66 +7531,6 @@
           </a:bodyPr>
           <a:lstStyle/>
           <a:p>
-            <a:pPr marL="0" indent="0" algn="ctr" latinLnBrk="0">
-              <a:buFontTx/>
-              <a:buNone/>
-            </a:pPr>
-            <a:r>
-              <a:rPr lang="ko-KR" altLang="en-US" sz="2500" b="1">
-                <a:solidFill>
-                  <a:schemeClr val="tx1"/>
-                </a:solidFill>
-                <a:latin typeface="나눔바른고딕" charset="0"/>
-                <a:ea typeface="나눔바른고딕" charset="0"/>
-              </a:rPr>
-              <a:t>열두</a:t>
-            </a:r>
-            <a:r>
-              <a:rPr lang="ko-KR" altLang="en-US" sz="2500" b="1">
-                <a:solidFill>
-                  <a:schemeClr val="tx1"/>
-                </a:solidFill>
-                <a:latin typeface="나눔바른고딕" charset="0"/>
-                <a:ea typeface="나눔바른고딕" charset="0"/>
-              </a:rPr>
-              <a:t> 번째 튜토리얼</a:t>
-            </a:r>
-            <a:endParaRPr lang="ko-KR" altLang="en-US" sz="2500" b="1">
-              <a:solidFill>
-                <a:schemeClr val="tx1"/>
-              </a:solidFill>
-              <a:latin typeface="나눔바른고딕" charset="0"/>
-              <a:ea typeface="나눔바른고딕" charset="0"/>
-            </a:endParaRPr>
-          </a:p>
-        </p:txBody>
-      </p:sp>
-      <p:sp>
-        <p:nvSpPr>
-          <p:cNvPr id="1112" name="Rect 0"/>
-          <p:cNvSpPr txBox="1">
-            <a:spLocks/>
-          </p:cNvSpPr>
-          <p:nvPr/>
-        </p:nvSpPr>
-        <p:spPr>
-          <a:xfrm>
-            <a:off x="1223010" y="5506720"/>
-            <a:ext cx="4144645" cy="677545"/>
-          </a:xfrm>
-          <a:prstGeom prst="rect"/>
-          <a:noFill/>
-          <a:ln w="0">
-            <a:noFill/>
-            <a:prstDash/>
-          </a:ln>
-        </p:spPr>
-        <p:txBody>
-          <a:bodyPr wrap="square" lIns="89535" tIns="46355" rIns="89535" bIns="46355" numCol="1" vert="horz" anchor="t">
-            <a:spAutoFit/>
-          </a:bodyPr>
-          <a:lstStyle/>
-          <a:p>
             <a:pPr marL="0" indent="0" algn="l" latinLnBrk="0" hangingPunct="1">
               <a:buFontTx/>
               <a:buNone/>
@@ -9370,7 +7543,7 @@
                 <a:latin typeface="맑은 고딕" charset="0"/>
                 <a:ea typeface="맑은 고딕" charset="0"/>
               </a:rPr>
-              <a:t>3</a:t>
+              <a:t>2</a:t>
             </a:r>
             <a:r>
               <a:rPr lang="ko-KR" sz="2000" b="1">
@@ -9380,7 +7553,7 @@
                 <a:latin typeface="맑은 고딕" charset="0"/>
                 <a:ea typeface="맑은 고딕" charset="0"/>
               </a:rPr>
-              <a:t>0</a:t>
+              <a:t>8</a:t>
             </a:r>
             <a:r>
               <a:rPr sz="2000" b="1">
@@ -9390,13 +7563,31 @@
                 <a:latin typeface="맑은 고딕" charset="0"/>
                 <a:ea typeface="맑은 고딕" charset="0"/>
               </a:rPr>
-              <a:t>.</a:t>
-            </a:r>
-            <a:r>
-              <a:rPr sz="2000" b="1">
-                <a:solidFill>
-                  <a:srgbClr val="0611F2"/>
-                </a:solidFill>
+              <a:t>. </a:t>
+            </a:r>
+            <a:r>
+              <a:rPr lang="ko-KR" sz="1800">
+                <a:latin typeface="맑은 고딕" charset="0"/>
+                <a:ea typeface="맑은 고딕" charset="0"/>
+              </a:rPr>
+              <a:t>그런 </a:t>
+            </a:r>
+            <a:r>
+              <a:rPr lang="ko-KR" sz="1800">
+                <a:latin typeface="맑은 고딕" charset="0"/>
+                <a:ea typeface="맑은 고딕" charset="0"/>
+              </a:rPr>
+              <a:t>다음</a:t>
+            </a:r>
+            <a:r>
+              <a:rPr sz="1800">
+                <a:latin typeface="맑은 고딕" charset="0"/>
+                <a:ea typeface="맑은 고딕" charset="0"/>
+              </a:rPr>
+              <a:t> Camera 오브젝트의 Clear Flags</a:t>
+            </a:r>
+            <a:r>
+              <a:rPr sz="1800">
                 <a:latin typeface="맑은 고딕" charset="0"/>
                 <a:ea typeface="맑은 고딕" charset="0"/>
               </a:rPr>
@@ -9407,28 +7598,14 @@
                 <a:latin typeface="맑은 고딕" charset="0"/>
                 <a:ea typeface="맑은 고딕" charset="0"/>
               </a:rPr>
-              <a:t>이제 Camera 오브젝트의 Clear </a:t>
+              <a:t>속성을</a:t>
             </a:r>
             <a:r>
               <a:rPr sz="1800">
                 <a:latin typeface="맑은 고딕" charset="0"/>
                 <a:ea typeface="맑은 고딕" charset="0"/>
               </a:rPr>
-              <a:t>Flags를</a:t>
-            </a:r>
-            <a:r>
-              <a:rPr sz="1800">
-                <a:latin typeface="맑은 고딕" charset="0"/>
-                <a:ea typeface="맑은 고딕" charset="0"/>
-              </a:rPr>
-              <a:t> </a:t>
-            </a:r>
-            <a:r>
-              <a:rPr sz="1800">
-                <a:latin typeface="맑은 고딕" charset="0"/>
-                <a:ea typeface="맑은 고딕" charset="0"/>
-              </a:rPr>
-              <a:t>Solid</a:t>
+              <a:t> Solid</a:t>
             </a:r>
             <a:r>
               <a:rPr lang="ko-KR" sz="1800">
@@ -9446,14 +7623,14 @@
       </p:sp>
       <p:pic>
         <p:nvPicPr>
-          <p:cNvPr id="1124" name="그림 5" descr="C:/Users/Admin1/AppData/Roaming/PolarisOffice/ETemp/14520_11842488/fImage3514228141.png"/>
+          <p:cNvPr id="1130" name="그림 75" descr="C:/Users/nwond/AppData/Roaming/PolarisOffice/ETemp/8448_10098368/fImage3514228141.png"/>
           <p:cNvPicPr>
             <a:picLocks noChangeAspect="1"/>
           </p:cNvPicPr>
           <p:nvPr/>
         </p:nvPicPr>
         <p:blipFill rotWithShape="1">
-          <a:blip r:embed="rId2" cstate="hqprint">
+          <a:blip r:embed="rId14" cstate="hqprint">
             <a:extLst>
               <a:ext uri="{28A0092B-C50C-407E-A947-70E740481C1C}">
                 <a14:useLocalDpi xmlns:a14="http://schemas.microsoft.com/office/drawing/2010/main"/>
@@ -9466,8 +7643,8 @@
         </p:blipFill>
         <p:spPr>
           <a:xfrm rot="0">
-            <a:off x="1231900" y="1438275"/>
-            <a:ext cx="4135755" cy="3928745"/>
+            <a:off x="6814185" y="1440180"/>
+            <a:ext cx="4133850" cy="3730625"/>
           </a:xfrm>
           <a:prstGeom prst="roundRect"/>
           <a:solidFill>
@@ -9475,358 +7652,6 @@
           </a:solidFill>
         </p:spPr>
       </p:pic>
-      <p:sp>
-        <p:nvSpPr>
-          <p:cNvPr id="1125" name="텍스트 상자 36"/>
-          <p:cNvSpPr txBox="1">
-            <a:spLocks/>
-          </p:cNvSpPr>
-          <p:nvPr/>
-        </p:nvSpPr>
-        <p:spPr>
-          <a:xfrm rot="0">
-            <a:off x="6814185" y="4401185"/>
-            <a:ext cx="4143375" cy="1784985"/>
-          </a:xfrm>
-          <a:prstGeom prst="rect"/>
-          <a:noFill/>
-          <a:ln w="0">
-            <a:noFill/>
-            <a:prstDash/>
-          </a:ln>
-        </p:spPr>
-        <p:txBody>
-          <a:bodyPr wrap="square" lIns="89535" tIns="46355" rIns="89535" bIns="46355" numCol="1" vert="horz" anchor="t">
-            <a:spAutoFit/>
-          </a:bodyPr>
-          <a:lstStyle/>
-          <a:p>
-            <a:pPr marL="0" indent="0" algn="l" latinLnBrk="0" hangingPunct="1">
-              <a:buFontTx/>
-              <a:buNone/>
-            </a:pPr>
-            <a:r>
-              <a:rPr lang="ko-KR" sz="2000" b="1">
-                <a:solidFill>
-                  <a:srgbClr val="0611F2"/>
-                </a:solidFill>
-                <a:latin typeface="맑은 고딕" charset="0"/>
-                <a:ea typeface="맑은 고딕" charset="0"/>
-              </a:rPr>
-              <a:t>3</a:t>
-            </a:r>
-            <a:r>
-              <a:rPr lang="ko-KR" sz="2000" b="1">
-                <a:solidFill>
-                  <a:srgbClr val="0611F2"/>
-                </a:solidFill>
-                <a:latin typeface="맑은 고딕" charset="0"/>
-                <a:ea typeface="맑은 고딕" charset="0"/>
-              </a:rPr>
-              <a:t>1</a:t>
-            </a:r>
-            <a:r>
-              <a:rPr sz="2000" b="1">
-                <a:solidFill>
-                  <a:srgbClr val="0611F2"/>
-                </a:solidFill>
-                <a:latin typeface="맑은 고딕" charset="0"/>
-                <a:ea typeface="맑은 고딕" charset="0"/>
-              </a:rPr>
-              <a:t>.</a:t>
-            </a:r>
-            <a:r>
-              <a:rPr sz="2000" b="1">
-                <a:solidFill>
-                  <a:srgbClr val="0611F2"/>
-                </a:solidFill>
-                <a:latin typeface="맑은 고딕" charset="0"/>
-                <a:ea typeface="맑은 고딕" charset="0"/>
-              </a:rPr>
-              <a:t> </a:t>
-            </a:r>
-            <a:r>
-              <a:rPr sz="1800">
-                <a:latin typeface="맑은 고딕" charset="0"/>
-                <a:ea typeface="맑은 고딕" charset="0"/>
-              </a:rPr>
-              <a:t>그리고 Project 폴더 아래에 </a:t>
-            </a:r>
-            <a:r>
-              <a:rPr sz="1800">
-                <a:latin typeface="맑은 고딕" charset="0"/>
-                <a:ea typeface="맑은 고딕" charset="0"/>
-              </a:rPr>
-              <a:t>있는</a:t>
-            </a:r>
-            <a:r>
-              <a:rPr sz="1800">
-                <a:latin typeface="맑은 고딕" charset="0"/>
-                <a:ea typeface="맑은 고딕" charset="0"/>
-              </a:rPr>
-              <a:t> </a:t>
-            </a:r>
-            <a:r>
-              <a:rPr sz="1800">
-                <a:latin typeface="맑은 고딕" charset="0"/>
-                <a:ea typeface="맑은 고딕" charset="0"/>
-              </a:rPr>
-              <a:t>Texture</a:t>
-            </a:r>
-            <a:r>
-              <a:rPr sz="1800">
-                <a:latin typeface="맑은 고딕" charset="0"/>
-                <a:ea typeface="맑은 고딕" charset="0"/>
-              </a:rPr>
-              <a:t> </a:t>
-            </a:r>
-            <a:r>
-              <a:rPr sz="1800">
-                <a:latin typeface="맑은 고딕" charset="0"/>
-                <a:ea typeface="맑은 고딕" charset="0"/>
-              </a:rPr>
-              <a:t>폴더에</a:t>
-            </a:r>
-            <a:r>
-              <a:rPr sz="1800">
-                <a:latin typeface="맑은 고딕" charset="0"/>
-                <a:ea typeface="맑은 고딕" charset="0"/>
-              </a:rPr>
-              <a:t> Alien Button </a:t>
-            </a:r>
-            <a:r>
-              <a:rPr sz="1800">
-                <a:latin typeface="맑은 고딕" charset="0"/>
-                <a:ea typeface="맑은 고딕" charset="0"/>
-              </a:rPr>
-              <a:t>텍스처를</a:t>
-            </a:r>
-            <a:r>
-              <a:rPr sz="1800">
-                <a:latin typeface="맑은 고딕" charset="0"/>
-                <a:ea typeface="맑은 고딕" charset="0"/>
-              </a:rPr>
-              <a:t> </a:t>
-            </a:r>
-            <a:r>
-              <a:rPr sz="1800">
-                <a:latin typeface="맑은 고딕" charset="0"/>
-                <a:ea typeface="맑은 고딕" charset="0"/>
-              </a:rPr>
-              <a:t>선택합니다.</a:t>
-            </a:r>
-            <a:endParaRPr lang="ko-KR" altLang="en-US" sz="1800">
-              <a:latin typeface="맑은 고딕" charset="0"/>
-              <a:ea typeface="맑은 고딕" charset="0"/>
-            </a:endParaRPr>
-          </a:p>
-          <a:p>
-            <a:pPr marL="0" indent="0" algn="l" latinLnBrk="0" hangingPunct="1">
-              <a:buFontTx/>
-              <a:buNone/>
-            </a:pPr>
-            <a:endParaRPr lang="ko-KR" altLang="en-US" sz="1800">
-              <a:latin typeface="맑은 고딕" charset="0"/>
-              <a:ea typeface="맑은 고딕" charset="0"/>
-            </a:endParaRPr>
-          </a:p>
-          <a:p>
-            <a:pPr marL="0" indent="0" algn="l" latinLnBrk="0" hangingPunct="1">
-              <a:buFontTx/>
-              <a:buNone/>
-            </a:pPr>
-            <a:r>
-              <a:rPr lang="ko-KR" sz="1800">
-                <a:latin typeface="맑은 고딕" charset="0"/>
-                <a:ea typeface="맑은 고딕" charset="0"/>
-              </a:rPr>
-              <a:t>그런</a:t>
-            </a:r>
-            <a:r>
-              <a:rPr lang="ko-KR" sz="1800">
-                <a:latin typeface="맑은 고딕" charset="0"/>
-                <a:ea typeface="맑은 고딕" charset="0"/>
-              </a:rPr>
-              <a:t> </a:t>
-            </a:r>
-            <a:r>
-              <a:rPr lang="ko-KR" sz="1800">
-                <a:latin typeface="맑은 고딕" charset="0"/>
-                <a:ea typeface="맑은 고딕" charset="0"/>
-              </a:rPr>
-              <a:t>다음</a:t>
-            </a:r>
-            <a:r>
-              <a:rPr sz="1800">
-                <a:latin typeface="맑은 고딕" charset="0"/>
-                <a:ea typeface="맑은 고딕" charset="0"/>
-              </a:rPr>
-              <a:t> </a:t>
-            </a:r>
-            <a:r>
-              <a:rPr sz="1800">
-                <a:latin typeface="맑은 고딕" charset="0"/>
-                <a:ea typeface="맑은 고딕" charset="0"/>
-              </a:rPr>
-              <a:t>Create</a:t>
-            </a:r>
-            <a:r>
-              <a:rPr sz="1800">
-                <a:latin typeface="맑은 고딕" charset="0"/>
-                <a:ea typeface="맑은 고딕" charset="0"/>
-              </a:rPr>
-              <a:t> Button </a:t>
-            </a:r>
-            <a:r>
-              <a:rPr sz="1800">
-                <a:latin typeface="맑은 고딕" charset="0"/>
-                <a:ea typeface="맑은 고딕" charset="0"/>
-              </a:rPr>
-              <a:t>오브젝트의</a:t>
-            </a:r>
-            <a:r>
-              <a:rPr sz="1800">
-                <a:latin typeface="맑은 고딕" charset="0"/>
-                <a:ea typeface="맑은 고딕" charset="0"/>
-              </a:rPr>
-              <a:t> </a:t>
-            </a:r>
-            <a:r>
-              <a:rPr sz="1800">
-                <a:latin typeface="맑은 고딕" charset="0"/>
-                <a:ea typeface="맑은 고딕" charset="0"/>
-              </a:rPr>
-              <a:t>Source</a:t>
-            </a:r>
-            <a:r>
-              <a:rPr sz="1800">
-                <a:latin typeface="맑은 고딕" charset="0"/>
-                <a:ea typeface="맑은 고딕" charset="0"/>
-              </a:rPr>
-              <a:t> </a:t>
-            </a:r>
-            <a:r>
-              <a:rPr sz="1800">
-                <a:latin typeface="맑은 고딕" charset="0"/>
-                <a:ea typeface="맑은 고딕" charset="0"/>
-              </a:rPr>
-              <a:t>Image에</a:t>
-            </a:r>
-            <a:r>
-              <a:rPr sz="1800">
-                <a:latin typeface="맑은 고딕" charset="0"/>
-                <a:ea typeface="맑은 고딕" charset="0"/>
-              </a:rPr>
-              <a:t> </a:t>
-            </a:r>
-            <a:r>
-              <a:rPr sz="1800">
-                <a:latin typeface="맑은 고딕" charset="0"/>
-                <a:ea typeface="맑은 고딕" charset="0"/>
-              </a:rPr>
-              <a:t>넣어줍니다.</a:t>
-            </a:r>
-            <a:endParaRPr lang="ko-KR" altLang="en-US" sz="1800">
-              <a:latin typeface="맑은 고딕" charset="0"/>
-              <a:ea typeface="맑은 고딕" charset="0"/>
-            </a:endParaRPr>
-          </a:p>
-        </p:txBody>
-      </p:sp>
-      <p:pic>
-        <p:nvPicPr>
-          <p:cNvPr id="1126" name="그림 37" descr="C:/Users/Admin1/AppData/Roaming/PolarisOffice/ETemp/14520_11842488/fImage2085225341.png"/>
-          <p:cNvPicPr>
-            <a:picLocks noChangeAspect="1"/>
-          </p:cNvPicPr>
-          <p:nvPr/>
-        </p:nvPicPr>
-        <p:blipFill rotWithShape="1">
-          <a:blip r:embed="rId6" cstate="hqprint">
-            <a:extLst>
-              <a:ext uri="{28A0092B-C50C-407E-A947-70E740481C1C}">
-                <a14:useLocalDpi xmlns:a14="http://schemas.microsoft.com/office/drawing/2010/main"/>
-              </a:ext>
-            </a:extLst>
-          </a:blip>
-          <a:stretch>
-            <a:fillRect/>
-          </a:stretch>
-        </p:blipFill>
-        <p:spPr>
-          <a:xfrm rot="0">
-            <a:off x="6805295" y="1438275"/>
-            <a:ext cx="4152265" cy="1870075"/>
-          </a:xfrm>
-          <a:prstGeom prst="roundRect"/>
-          <a:solidFill>
-            <a:srgbClr val="EDEDED"/>
-          </a:solidFill>
-        </p:spPr>
-      </p:pic>
-      <p:pic>
-        <p:nvPicPr>
-          <p:cNvPr id="1127" name="그림 38" descr="C:/Users/Admin1/AppData/Roaming/PolarisOffice/ETemp/14520_11842488/fImage275792548467.png"/>
-          <p:cNvPicPr>
-            <a:picLocks noChangeAspect="1"/>
-          </p:cNvPicPr>
-          <p:nvPr/>
-        </p:nvPicPr>
-        <p:blipFill rotWithShape="1">
-          <a:blip r:embed="rId7" cstate="hqprint">
-            <a:extLst>
-              <a:ext uri="{28A0092B-C50C-407E-A947-70E740481C1C}">
-                <a14:useLocalDpi xmlns:a14="http://schemas.microsoft.com/office/drawing/2010/main"/>
-              </a:ext>
-            </a:extLst>
-          </a:blip>
-          <a:stretch>
-            <a:fillRect/>
-          </a:stretch>
-        </p:blipFill>
-        <p:spPr>
-          <a:xfrm rot="0">
-            <a:off x="6813550" y="3436620"/>
-            <a:ext cx="4152265" cy="887730"/>
-          </a:xfrm>
-          <a:prstGeom prst="roundRect"/>
-          <a:solidFill>
-            <a:srgbClr val="EDEDED"/>
-          </a:solidFill>
-        </p:spPr>
-      </p:pic>
-      <p:cxnSp>
-        <p:nvCxnSpPr>
-          <p:cNvPr id="1128" name="도형 39"/>
-          <p:cNvCxnSpPr/>
-          <p:nvPr/>
-        </p:nvCxnSpPr>
-        <p:spPr>
-          <a:xfrm rot="0" flipV="1">
-            <a:off x="8131810" y="1670685"/>
-            <a:ext cx="2696210" cy="2111375"/>
-          </a:xfrm>
-          <a:prstGeom prst="straightConnector1"/>
-          <a:ln w="6350" cap="flat" cmpd="sng">
-            <a:prstDash/>
-            <a:tailEnd type="triangle" w="med" len="med"/>
-          </a:ln>
-        </p:spPr>
-        <p:style>
-          <a:lnRef idx="1">
-            <a:schemeClr val="accent1"/>
-          </a:lnRef>
-          <a:fillRef idx="0">
-            <a:schemeClr val="accent1"/>
-          </a:fillRef>
-          <a:effectRef idx="0">
-            <a:schemeClr val="accent1"/>
-          </a:effectRef>
-          <a:fontRef idx="minor">
-            <a:schemeClr val="tx1"/>
-          </a:fontRef>
-        </p:style>
-      </p:cxnSp>
     </p:spTree>
   </p:cSld>
   <p:clrMapOvr>
@@ -9851,7 +7676,7 @@
 </file>
 
 <file path=ppt/slides/slide2.xml><?xml version="1.0" encoding="utf-8"?>
-<p:sld xmlns:a="http://schemas.openxmlformats.org/drawingml/2006/main" xmlns:r="http://schemas.openxmlformats.org/officeDocument/2006/relationships" xmlns:p="http://schemas.openxmlformats.org/presentationml/2006/main" xmlns:p14="http://schemas.microsoft.com/office/powerpoint/2010/main">
+<p:sld xmlns:a="http://schemas.openxmlformats.org/drawingml/2006/main" xmlns:r="http://schemas.openxmlformats.org/officeDocument/2006/relationships" xmlns:p="http://schemas.openxmlformats.org/presentationml/2006/main">
   <p:cSld>
     <p:spTree>
       <p:nvGrpSpPr>
@@ -9877,7 +7702,7 @@
         </p:nvSpPr>
         <p:spPr>
           <a:xfrm rot="0">
-            <a:off x="4540250" y="346710"/>
+            <a:off x="4540250" y="329565"/>
             <a:ext cx="3124200" cy="478155"/>
           </a:xfrm>
           <a:prstGeom prst="rect"/>
@@ -9929,7 +7754,7 @@
       </p:sp>
       <p:sp>
         <p:nvSpPr>
-          <p:cNvPr id="1044" name="Rect 0"/>
+          <p:cNvPr id="1050" name="Rect 0"/>
           <p:cNvSpPr txBox="1">
             <a:spLocks/>
           </p:cNvSpPr>
@@ -9937,8 +7762,8 @@
         </p:nvSpPr>
         <p:spPr>
           <a:xfrm rot="0">
-            <a:off x="1240790" y="5296535"/>
-            <a:ext cx="4126230" cy="954405"/>
+            <a:off x="6822440" y="5303520"/>
+            <a:ext cx="4125595" cy="954405"/>
           </a:xfrm>
           <a:prstGeom prst="rect"/>
           <a:noFill/>
@@ -9958,6 +7783,16 @@
               <a:buNone/>
             </a:pPr>
             <a:r>
+              <a:rPr lang="ko-KR" sz="2000" b="1">
+                <a:solidFill>
+                  <a:srgbClr val="0611F2"/>
+                </a:solidFill>
+                <a:latin typeface="맑은 고딕" charset="0"/>
+                <a:ea typeface="맑은 고딕" charset="0"/>
+              </a:rPr>
+              <a:t>4</a:t>
+            </a:r>
+            <a:r>
               <a:rPr sz="2000" b="1">
                 <a:solidFill>
                   <a:srgbClr val="0611F2"/>
@@ -9965,83 +7800,49 @@
                 <a:latin typeface="맑은 고딕" charset="0"/>
                 <a:ea typeface="맑은 고딕" charset="0"/>
               </a:rPr>
-              <a:t>3</a:t>
-            </a:r>
-            <a:r>
-              <a:rPr sz="2000" b="1">
-                <a:solidFill>
-                  <a:srgbClr val="0611F2"/>
-                </a:solidFill>
-                <a:latin typeface="맑은 고딕" charset="0"/>
-                <a:ea typeface="맑은 고딕" charset="0"/>
-              </a:rPr>
-              <a:t>.</a:t>
-            </a:r>
-            <a:r>
-              <a:rPr sz="2000" b="1">
-                <a:solidFill>
-                  <a:srgbClr val="0611F2"/>
-                </a:solidFill>
-                <a:latin typeface="맑은 고딕" charset="0"/>
-                <a:ea typeface="맑은 고딕" charset="0"/>
-              </a:rPr>
-              <a:t> </a:t>
+              <a:t>. </a:t>
             </a:r>
             <a:r>
               <a:rPr lang="ko-KR" sz="1800">
                 <a:latin typeface="맑은 고딕" charset="0"/>
                 <a:ea typeface="맑은 고딕" charset="0"/>
               </a:rPr>
-              <a:t>그런 다음 UI에 Raw Image를 </a:t>
+              <a:t>그</a:t>
             </a:r>
             <a:r>
               <a:rPr lang="ko-KR" sz="1800">
                 <a:latin typeface="맑은 고딕" charset="0"/>
                 <a:ea typeface="맑은 고딕" charset="0"/>
               </a:rPr>
-              <a:t>생성하고</a:t>
+              <a:t>런 </a:t>
             </a:r>
             <a:r>
               <a:rPr lang="ko-KR" sz="1800">
                 <a:latin typeface="맑은 고딕" charset="0"/>
                 <a:ea typeface="맑은 고딕" charset="0"/>
               </a:rPr>
-              <a:t> </a:t>
+              <a:t>다음</a:t>
             </a:r>
             <a:r>
               <a:rPr lang="ko-KR" sz="1800">
                 <a:latin typeface="맑은 고딕" charset="0"/>
                 <a:ea typeface="맑은 고딕" charset="0"/>
               </a:rPr>
-              <a:t>Render Texture라는 </a:t>
+              <a:t> UI에서 Image를 생성</a:t>
             </a:r>
             <a:r>
               <a:rPr lang="ko-KR" sz="1800">
                 <a:latin typeface="맑은 고딕" charset="0"/>
                 <a:ea typeface="맑은 고딕" charset="0"/>
               </a:rPr>
-              <a:t>이름으</a:t>
+              <a:t>하고</a:t>
             </a:r>
             <a:r>
               <a:rPr lang="ko-KR" sz="1800">
                 <a:latin typeface="맑은 고딕" charset="0"/>
                 <a:ea typeface="맑은 고딕" charset="0"/>
               </a:rPr>
-              <a:t>로</a:t>
-            </a:r>
-            <a:r>
-              <a:rPr lang="ko-KR" sz="1800">
-                <a:latin typeface="맑은 고딕" charset="0"/>
-                <a:ea typeface="맑은 고딕" charset="0"/>
-              </a:rPr>
-              <a:t> </a:t>
-            </a:r>
-            <a:r>
-              <a:rPr lang="ko-KR" sz="1800">
-                <a:latin typeface="맑은 고딕" charset="0"/>
-                <a:ea typeface="맑은 고딕" charset="0"/>
-              </a:rPr>
-              <a:t>정의합니다.</a:t>
+              <a:t> Back Ground라는 이름으로 정의합니다.</a:t>
             </a:r>
             <a:endParaRPr lang="ko-KR" altLang="en-US" sz="1800">
               <a:latin typeface="맑은 고딕" charset="0"/>
@@ -10050,125 +7851,232 @@
           </a:p>
         </p:txBody>
       </p:sp>
-      <p:sp>
-        <p:nvSpPr>
-          <p:cNvPr id="1050" name="Rect 0"/>
-          <p:cNvSpPr txBox="1">
-            <a:spLocks/>
-          </p:cNvSpPr>
-          <p:nvPr/>
-        </p:nvSpPr>
-        <p:spPr>
-          <a:xfrm>
-            <a:off x="6805295" y="5294630"/>
-            <a:ext cx="4152900" cy="954405"/>
-          </a:xfrm>
-          <a:prstGeom prst="rect"/>
-          <a:noFill/>
-          <a:ln w="0">
-            <a:noFill/>
-            <a:prstDash/>
-          </a:ln>
-        </p:spPr>
-        <p:txBody>
-          <a:bodyPr wrap="square" lIns="89535" tIns="46355" rIns="89535" bIns="46355" numCol="1" vert="horz" anchor="t">
-            <a:spAutoFit/>
-          </a:bodyPr>
-          <a:lstStyle/>
-          <a:p>
-            <a:pPr marL="0" indent="0" algn="l" latinLnBrk="0" hangingPunct="1">
-              <a:buFontTx/>
-              <a:buNone/>
-            </a:pPr>
-            <a:r>
-              <a:rPr lang="ko-KR" sz="2000" b="1">
-                <a:solidFill>
-                  <a:srgbClr val="0611F2"/>
-                </a:solidFill>
-                <a:latin typeface="맑은 고딕" charset="0"/>
-                <a:ea typeface="맑은 고딕" charset="0"/>
-              </a:rPr>
-              <a:t>4</a:t>
-            </a:r>
-            <a:r>
-              <a:rPr sz="2000" b="1">
-                <a:solidFill>
-                  <a:srgbClr val="0611F2"/>
-                </a:solidFill>
-                <a:latin typeface="맑은 고딕" charset="0"/>
-                <a:ea typeface="맑은 고딕" charset="0"/>
-              </a:rPr>
-              <a:t>.</a:t>
-            </a:r>
-            <a:r>
-              <a:rPr sz="2000" b="1">
-                <a:solidFill>
-                  <a:srgbClr val="0611F2"/>
-                </a:solidFill>
-                <a:latin typeface="맑은 고딕" charset="0"/>
-                <a:ea typeface="맑은 고딕" charset="0"/>
-              </a:rPr>
-              <a:t> </a:t>
-            </a:r>
-            <a:r>
-              <a:rPr lang="ko-KR" sz="1800">
-                <a:latin typeface="맑은 고딕" charset="0"/>
-                <a:ea typeface="맑은 고딕" charset="0"/>
-              </a:rPr>
-              <a:t>그다음 UI에 Button을 생성한 </a:t>
-            </a:r>
-            <a:r>
-              <a:rPr lang="ko-KR" sz="1800">
-                <a:latin typeface="맑은 고딕" charset="0"/>
-                <a:ea typeface="맑은 고딕" charset="0"/>
-              </a:rPr>
-              <a:t>다음</a:t>
-            </a:r>
-            <a:r>
-              <a:rPr lang="ko-KR" sz="1800">
-                <a:latin typeface="맑은 고딕" charset="0"/>
-                <a:ea typeface="맑은 고딕" charset="0"/>
-              </a:rPr>
-              <a:t> </a:t>
-            </a:r>
-            <a:r>
-              <a:rPr lang="ko-KR" sz="1800">
-                <a:latin typeface="맑은 고딕" charset="0"/>
-                <a:ea typeface="맑은 고딕" charset="0"/>
-              </a:rPr>
-              <a:t>Create</a:t>
-            </a:r>
-            <a:r>
-              <a:rPr lang="ko-KR" sz="1800">
-                <a:latin typeface="맑은 고딕" charset="0"/>
-                <a:ea typeface="맑은 고딕" charset="0"/>
-              </a:rPr>
-              <a:t> Button이라는 이름으로 </a:t>
-            </a:r>
-            <a:r>
-              <a:rPr lang="ko-KR" sz="1800">
-                <a:latin typeface="맑은 고딕" charset="0"/>
-                <a:ea typeface="맑은 고딕" charset="0"/>
-              </a:rPr>
-              <a:t>정의합니다.</a:t>
-            </a:r>
-            <a:endParaRPr lang="ko-KR" altLang="en-US" sz="1800">
-              <a:latin typeface="맑은 고딕" charset="0"/>
-              <a:ea typeface="맑은 고딕" charset="0"/>
-            </a:endParaRPr>
-          </a:p>
-        </p:txBody>
-      </p:sp>
       <p:pic>
         <p:nvPicPr>
-          <p:cNvPr id="1055" name="그림 10"/>
+          <p:cNvPr id="1052" name="Picture " descr="C:/Users/nwond/AppData/Roaming/PolarisOffice/ETemp/33252_23922448/fImage66822928467.png"/>
           <p:cNvPicPr>
             <a:picLocks noChangeAspect="1"/>
           </p:cNvPicPr>
           <p:nvPr/>
         </p:nvPicPr>
         <p:blipFill rotWithShape="1">
-          <a:blip r:embed="rId3" cstate="print">
+          <a:blip r:embed="rId2" cstate="hqprint">
+            <a:extLst>
+              <a:ext uri="{28A0092B-C50C-407E-A947-70E740481C1C}">
+                <a14:useLocalDpi xmlns:a14="http://schemas.microsoft.com/office/drawing/2010/main"/>
+              </a:ext>
+            </a:extLst>
+          </a:blip>
+          <a:stretch>
+            <a:fillRect/>
+          </a:stretch>
+        </p:blipFill>
+        <p:spPr>
+          <a:xfrm rot="0">
+            <a:off x="9705340" y="2220595"/>
+            <a:ext cx="1242060" cy="2080895"/>
+          </a:xfrm>
+          <a:prstGeom prst="roundRect"/>
+          <a:solidFill>
+            <a:srgbClr val="EDEDED"/>
+          </a:solidFill>
+        </p:spPr>
+      </p:pic>
+      <p:pic>
+        <p:nvPicPr>
+          <p:cNvPr id="1053" name="Picture " descr="C:/Users/nwond/AppData/Roaming/PolarisOffice/ETemp/33252_23922448/fImage212422936334.png"/>
+          <p:cNvPicPr>
+            <a:picLocks noChangeAspect="1"/>
+          </p:cNvPicPr>
+          <p:nvPr/>
+        </p:nvPicPr>
+        <p:blipFill rotWithShape="1">
+          <a:blip r:embed="rId3" cstate="hqprint">
+            <a:extLst>
+              <a:ext uri="{28A0092B-C50C-407E-A947-70E740481C1C}">
+                <a14:useLocalDpi xmlns:a14="http://schemas.microsoft.com/office/drawing/2010/main"/>
+              </a:ext>
+            </a:extLst>
+          </a:blip>
+          <a:stretch>
+            <a:fillRect/>
+          </a:stretch>
+        </p:blipFill>
+        <p:spPr>
+          <a:xfrm rot="0">
+            <a:off x="6830695" y="1446530"/>
+            <a:ext cx="2697480" cy="3643630"/>
+          </a:xfrm>
+          <a:prstGeom prst="roundRect"/>
+          <a:solidFill>
+            <a:srgbClr val="EDEDED"/>
+          </a:solidFill>
+        </p:spPr>
+      </p:pic>
+      <p:sp>
+        <p:nvSpPr>
+          <p:cNvPr id="1054" name="텍스트 상자 6"/>
+          <p:cNvSpPr txBox="1">
+            <a:spLocks/>
+          </p:cNvSpPr>
+          <p:nvPr/>
+        </p:nvSpPr>
+        <p:spPr>
+          <a:xfrm rot="0">
+            <a:off x="1235075" y="5581015"/>
+            <a:ext cx="4140200" cy="677545"/>
+          </a:xfrm>
+          <a:prstGeom prst="rect"/>
+          <a:noFill/>
+          <a:ln w="0">
+            <a:noFill/>
+            <a:prstDash/>
+          </a:ln>
+        </p:spPr>
+        <p:txBody>
+          <a:bodyPr wrap="square" lIns="89535" tIns="46355" rIns="89535" bIns="46355" numCol="1" vert="horz" anchor="t">
+            <a:spAutoFit/>
+          </a:bodyPr>
+          <a:lstStyle/>
+          <a:p>
+            <a:pPr marL="0" indent="0" algn="l" latinLnBrk="0" hangingPunct="1">
+              <a:buFontTx/>
+              <a:buNone/>
+            </a:pPr>
+            <a:r>
+              <a:rPr sz="2000" b="1">
+                <a:solidFill>
+                  <a:srgbClr val="0611F2"/>
+                </a:solidFill>
+                <a:latin typeface="맑은 고딕" charset="0"/>
+                <a:ea typeface="맑은 고딕" charset="0"/>
+              </a:rPr>
+              <a:t>3</a:t>
+            </a:r>
+            <a:r>
+              <a:rPr sz="2000" b="1">
+                <a:solidFill>
+                  <a:srgbClr val="0611F2"/>
+                </a:solidFill>
+                <a:latin typeface="맑은 고딕" charset="0"/>
+                <a:ea typeface="맑은 고딕" charset="0"/>
+              </a:rPr>
+              <a:t>.</a:t>
+            </a:r>
+            <a:r>
+              <a:rPr sz="2000" b="1">
+                <a:solidFill>
+                  <a:srgbClr val="0611F2"/>
+                </a:solidFill>
+                <a:latin typeface="맑은 고딕" charset="0"/>
+                <a:ea typeface="맑은 고딕" charset="0"/>
+              </a:rPr>
+              <a:t> </a:t>
+            </a:r>
+            <a:r>
+              <a:rPr lang="ko-KR" sz="1800">
+                <a:latin typeface="맑은 고딕" charset="0"/>
+                <a:ea typeface="맑은 고딕" charset="0"/>
+              </a:rPr>
+              <a:t>그리고</a:t>
+            </a:r>
+            <a:r>
+              <a:rPr lang="ko-KR" sz="1800">
+                <a:latin typeface="맑은 고딕" charset="0"/>
+                <a:ea typeface="맑은 고딕" charset="0"/>
+              </a:rPr>
+              <a:t> </a:t>
+            </a:r>
+            <a:r>
+              <a:rPr sz="1800">
+                <a:latin typeface="맑은 고딕" charset="0"/>
+                <a:ea typeface="맑은 고딕" charset="0"/>
+              </a:rPr>
+              <a:t>C# Script를 생성한</a:t>
+            </a:r>
+            <a:r>
+              <a:rPr sz="1800">
+                <a:latin typeface="맑은 고딕" charset="0"/>
+                <a:ea typeface="맑은 고딕" charset="0"/>
+              </a:rPr>
+              <a:t> </a:t>
+            </a:r>
+            <a:r>
+              <a:rPr sz="1800">
+                <a:latin typeface="맑은 고딕" charset="0"/>
+                <a:ea typeface="맑은 고딕" charset="0"/>
+              </a:rPr>
+              <a:t>다음 </a:t>
+            </a:r>
+            <a:r>
+              <a:rPr lang="ko-KR" sz="1800">
+                <a:latin typeface="맑은 고딕" charset="0"/>
+                <a:ea typeface="맑은 고딕" charset="0"/>
+              </a:rPr>
+              <a:t>D</a:t>
+            </a:r>
+            <a:r>
+              <a:rPr lang="ko-KR" sz="1800">
+                <a:latin typeface="맑은 고딕" charset="0"/>
+                <a:ea typeface="맑은 고딕" charset="0"/>
+              </a:rPr>
+              <a:t>elete</a:t>
+            </a:r>
+            <a:r>
+              <a:rPr sz="1800">
+                <a:latin typeface="맑은 고딕" charset="0"/>
+                <a:ea typeface="맑은 고딕" charset="0"/>
+              </a:rPr>
+              <a:t>라는 이름으로 정의합니다.</a:t>
+            </a:r>
+            <a:endParaRPr lang="ko-KR" altLang="en-US" sz="1800">
+              <a:latin typeface="맑은 고딕" charset="0"/>
+              <a:ea typeface="맑은 고딕" charset="0"/>
+            </a:endParaRPr>
+          </a:p>
+        </p:txBody>
+      </p:sp>
+      <p:pic>
+        <p:nvPicPr>
+          <p:cNvPr id="1056" name="그림 8" descr="C:/Users/nwond/AppData/Roaming/PolarisOffice/ETemp/33252_23922448/fImage82892826334.png"/>
+          <p:cNvPicPr>
+            <a:picLocks noChangeAspect="1"/>
+          </p:cNvPicPr>
+          <p:nvPr/>
+        </p:nvPicPr>
+        <p:blipFill rotWithShape="1">
+          <a:blip r:embed="rId4" cstate="hqprint">
+            <a:extLst>
+              <a:ext uri="{28A0092B-C50C-407E-A947-70E740481C1C}">
+                <a14:useLocalDpi xmlns:a14="http://schemas.microsoft.com/office/drawing/2010/main"/>
+              </a:ext>
+            </a:extLst>
+          </a:blip>
+          <a:stretch>
+            <a:fillRect/>
+          </a:stretch>
+        </p:blipFill>
+        <p:spPr>
+          <a:xfrm rot="0">
+            <a:off x="1240790" y="1455420"/>
+            <a:ext cx="2713355" cy="3907790"/>
+          </a:xfrm>
+          <a:prstGeom prst="roundRect"/>
+          <a:solidFill>
+            <a:srgbClr val="EDEDED"/>
+          </a:solidFill>
+        </p:spPr>
+      </p:pic>
+      <p:pic>
+        <p:nvPicPr>
+          <p:cNvPr id="1058" name="그림 10" descr="C:/Users/nwond/AppData/Roaming/PolarisOffice/ETemp/33252_23922448/fImage23372846500.png"/>
+          <p:cNvPicPr>
+            <a:picLocks noChangeAspect="1"/>
+          </p:cNvPicPr>
+          <p:nvPr/>
+        </p:nvPicPr>
+        <p:blipFill rotWithShape="1">
+          <a:blip r:embed="rId5" cstate="print">
             <a:extLst>
               <a:ext uri="{28A0092B-C50C-407E-A947-70E740481C1C}">
                 <a14:useLocalDpi xmlns:a14="http://schemas.microsoft.com/office/drawing/2010/main" val="0"/>
@@ -10181,8 +8089,8 @@
         </p:blipFill>
         <p:spPr>
           <a:xfrm rot="0">
-            <a:off x="4168775" y="2247900"/>
-            <a:ext cx="1198245" cy="2050415"/>
+            <a:off x="4412615" y="2849245"/>
+            <a:ext cx="959485" cy="1160780"/>
           </a:xfrm>
           <a:prstGeom prst="roundRect"/>
           <a:solidFill>
@@ -10192,69 +8100,7 @@
       </p:pic>
       <p:pic>
         <p:nvPicPr>
-          <p:cNvPr id="1056" name="그림 11"/>
-          <p:cNvPicPr>
-            <a:picLocks noChangeAspect="1"/>
-          </p:cNvPicPr>
-          <p:nvPr/>
-        </p:nvPicPr>
-        <p:blipFill rotWithShape="1">
-          <a:blip r:embed="rId4" cstate="print">
-            <a:extLst>
-              <a:ext uri="{28A0092B-C50C-407E-A947-70E740481C1C}">
-                <a14:useLocalDpi xmlns:a14="http://schemas.microsoft.com/office/drawing/2010/main" val="0"/>
-              </a:ext>
-            </a:extLst>
-          </a:blip>
-          <a:stretch>
-            <a:fillRect/>
-          </a:stretch>
-        </p:blipFill>
-        <p:spPr>
-          <a:xfrm rot="0">
-            <a:off x="1240790" y="1438275"/>
-            <a:ext cx="2799715" cy="3670300"/>
-          </a:xfrm>
-          <a:prstGeom prst="roundRect"/>
-          <a:solidFill>
-            <a:srgbClr val="EDEDED"/>
-          </a:solidFill>
-        </p:spPr>
-      </p:pic>
-      <p:pic>
-        <p:nvPicPr>
-          <p:cNvPr id="1057" name="그림 16"/>
-          <p:cNvPicPr>
-            <a:picLocks noChangeAspect="1"/>
-          </p:cNvPicPr>
-          <p:nvPr/>
-        </p:nvPicPr>
-        <p:blipFill rotWithShape="1">
-          <a:blip r:embed="rId5" cstate="hqprint">
-            <a:extLst>
-              <a:ext uri="{28A0092B-C50C-407E-A947-70E740481C1C}">
-                <a14:useLocalDpi xmlns:a14="http://schemas.microsoft.com/office/drawing/2010/main"/>
-              </a:ext>
-            </a:extLst>
-          </a:blip>
-          <a:stretch>
-            <a:fillRect/>
-          </a:stretch>
-        </p:blipFill>
-        <p:spPr>
-          <a:xfrm rot="0">
-            <a:off x="6801485" y="1438275"/>
-            <a:ext cx="2803525" cy="3627120"/>
-          </a:xfrm>
-          <a:prstGeom prst="roundRect"/>
-          <a:solidFill>
-            <a:srgbClr val="EDEDED"/>
-          </a:solidFill>
-        </p:spPr>
-      </p:pic>
-      <p:pic>
-        <p:nvPicPr>
-          <p:cNvPr id="1058" name="그림 19"/>
+          <p:cNvPr id="1057" name="그림 9" descr="C:/Users/nwond/AppData/Roaming/PolarisOffice/ETemp/33252_23922448/fImage2242172839169.png"/>
           <p:cNvPicPr>
             <a:picLocks noChangeAspect="1"/>
           </p:cNvPicPr>
@@ -10274,13 +8120,11 @@
         </p:blipFill>
         <p:spPr>
           <a:xfrm rot="0">
-            <a:off x="9733915" y="2273300"/>
-            <a:ext cx="1223645" cy="2007235"/>
-          </a:xfrm>
-          <a:prstGeom prst="roundRect"/>
-          <a:solidFill>
-            <a:srgbClr val="EDEDED"/>
-          </a:solidFill>
+            <a:off x="3525520" y="3150870"/>
+            <a:ext cx="1157605" cy="553085"/>
+          </a:xfrm>
+          <a:prstGeom prst="rect"/>
+          <a:noFill/>
         </p:spPr>
       </p:pic>
     </p:spTree>
@@ -10333,8 +8177,8 @@
         </p:nvSpPr>
         <p:spPr>
           <a:xfrm>
-            <a:off x="4525010" y="372110"/>
-            <a:ext cx="3149600" cy="478155"/>
+            <a:off x="4540250" y="346710"/>
+            <a:ext cx="3124835" cy="478155"/>
           </a:xfrm>
           <a:prstGeom prst="rect"/>
           <a:noFill/>
@@ -10371,17 +8215,7 @@
                 <a:latin typeface="나눔바른고딕" charset="0"/>
                 <a:ea typeface="나눔바른고딕" charset="0"/>
               </a:rPr>
-              <a:t> 번째 </a:t>
-            </a:r>
-            <a:r>
-              <a:rPr lang="ko-KR" altLang="en-US" sz="2500" b="1">
-                <a:solidFill>
-                  <a:schemeClr val="tx1"/>
-                </a:solidFill>
-                <a:latin typeface="나눔바른고딕" charset="0"/>
-                <a:ea typeface="나눔바른고딕" charset="0"/>
-              </a:rPr>
-              <a:t>튜토리얼</a:t>
+              <a:t> 번째 튜토리얼</a:t>
             </a:r>
             <a:endParaRPr lang="ko-KR" altLang="en-US" sz="2500" b="1">
               <a:solidFill>
@@ -10395,16 +8229,16 @@
       </p:sp>
       <p:sp>
         <p:nvSpPr>
-          <p:cNvPr id="1034" name="텍스트 상자 8"/>
+          <p:cNvPr id="1044" name="Rect 0"/>
           <p:cNvSpPr txBox="1">
             <a:spLocks/>
           </p:cNvSpPr>
           <p:nvPr/>
         </p:nvSpPr>
         <p:spPr>
-          <a:xfrm>
-            <a:off x="6801485" y="5244465"/>
-            <a:ext cx="4182110" cy="954405"/>
+          <a:xfrm rot="0">
+            <a:off x="1240790" y="5296535"/>
+            <a:ext cx="4134485" cy="954405"/>
           </a:xfrm>
           <a:prstGeom prst="rect"/>
           <a:noFill/>
@@ -10424,16 +8258,6 @@
               <a:buNone/>
             </a:pPr>
             <a:r>
-              <a:rPr lang="ko-KR" sz="2000" b="1">
-                <a:solidFill>
-                  <a:srgbClr val="0611F2"/>
-                </a:solidFill>
-                <a:latin typeface="맑은 고딕" charset="0"/>
-                <a:ea typeface="맑은 고딕" charset="0"/>
-              </a:rPr>
-              <a:t>8</a:t>
-            </a:r>
-            <a:r>
               <a:rPr sz="2000" b="1">
                 <a:solidFill>
                   <a:srgbClr val="0611F2"/>
@@ -10441,7 +8265,7 @@
                 <a:latin typeface="맑은 고딕" charset="0"/>
                 <a:ea typeface="맑은 고딕" charset="0"/>
               </a:rPr>
-              <a:t>.</a:t>
+              <a:t>5</a:t>
             </a:r>
             <a:r>
               <a:rPr sz="2000" b="1">
@@ -10451,77 +8275,28 @@
                 <a:latin typeface="맑은 고딕" charset="0"/>
                 <a:ea typeface="맑은 고딕" charset="0"/>
               </a:rPr>
-              <a:t> </a:t>
+              <a:t>. </a:t>
             </a:r>
             <a:r>
               <a:rPr lang="ko-KR" sz="1800">
                 <a:latin typeface="맑은 고딕" charset="0"/>
                 <a:ea typeface="맑은 고딕" charset="0"/>
               </a:rPr>
-              <a:t>그런 다음 Create Button </a:t>
+              <a:t>그다음</a:t>
             </a:r>
             <a:r>
               <a:rPr lang="ko-KR" sz="1800">
                 <a:latin typeface="맑은 고딕" charset="0"/>
                 <a:ea typeface="맑은 고딕" charset="0"/>
               </a:rPr>
-              <a:t>오브젝트의</a:t>
+              <a:t>으로</a:t>
             </a:r>
             <a:r>
               <a:rPr lang="ko-KR" sz="1800">
                 <a:latin typeface="맑은 고딕" charset="0"/>
                 <a:ea typeface="맑은 고딕" charset="0"/>
               </a:rPr>
-              <a:t> </a:t>
-            </a:r>
-            <a:r>
-              <a:rPr lang="ko-KR" sz="1800">
-                <a:latin typeface="맑은 고딕" charset="0"/>
-                <a:ea typeface="맑은 고딕" charset="0"/>
-              </a:rPr>
-              <a:t>앵커를</a:t>
-            </a:r>
-            <a:r>
-              <a:rPr lang="ko-KR" sz="1800">
-                <a:latin typeface="맑은 고딕" charset="0"/>
-                <a:ea typeface="맑은 고딕" charset="0"/>
-              </a:rPr>
-              <a:t> </a:t>
-            </a:r>
-            <a:r>
-              <a:rPr lang="ko-KR" sz="1800">
-                <a:latin typeface="맑은 고딕" charset="0"/>
-                <a:ea typeface="맑은 고딕" charset="0"/>
-              </a:rPr>
-              <a:t>지정하고</a:t>
-            </a:r>
-            <a:r>
-              <a:rPr lang="ko-KR" sz="1800">
-                <a:latin typeface="맑은 고딕" charset="0"/>
-                <a:ea typeface="맑은 고딕" charset="0"/>
-              </a:rPr>
-              <a:t> 위치와 </a:t>
-            </a:r>
-            <a:r>
-              <a:rPr lang="ko-KR" sz="1800">
-                <a:latin typeface="맑은 고딕" charset="0"/>
-                <a:ea typeface="맑은 고딕" charset="0"/>
-              </a:rPr>
-              <a:t>크기를</a:t>
-            </a:r>
-            <a:r>
-              <a:rPr lang="ko-KR" sz="1800">
-                <a:latin typeface="맑은 고딕" charset="0"/>
-                <a:ea typeface="맑은 고딕" charset="0"/>
-              </a:rPr>
-              <a:t> </a:t>
-            </a:r>
-            <a:r>
-              <a:rPr lang="ko-KR" sz="1800">
-                <a:latin typeface="맑은 고딕" charset="0"/>
-                <a:ea typeface="맑은 고딕" charset="0"/>
-              </a:rPr>
-              <a:t>설정합니다.</a:t>
+              <a:t> UI에 Raw Image를 생성하고 Render Texture라는 이름으로 정의합니다.</a:t>
             </a:r>
             <a:endParaRPr lang="ko-KR" altLang="en-US" sz="1800">
               <a:latin typeface="맑은 고딕" charset="0"/>
@@ -10532,14 +8307,45 @@
       </p:sp>
       <p:pic>
         <p:nvPicPr>
-          <p:cNvPr id="1037" name="그림 2"/>
+          <p:cNvPr id="1055" name="그림 10"/>
           <p:cNvPicPr>
             <a:picLocks noChangeAspect="1"/>
           </p:cNvPicPr>
           <p:nvPr/>
         </p:nvPicPr>
         <p:blipFill rotWithShape="1">
-          <a:blip r:embed="rId10" cstate="hqprint">
+          <a:blip r:embed="rId3" cstate="print">
+            <a:extLst>
+              <a:ext uri="{28A0092B-C50C-407E-A947-70E740481C1C}">
+                <a14:useLocalDpi xmlns:a14="http://schemas.microsoft.com/office/drawing/2010/main" val="0"/>
+              </a:ext>
+            </a:extLst>
+          </a:blip>
+          <a:stretch>
+            <a:fillRect/>
+          </a:stretch>
+        </p:blipFill>
+        <p:spPr>
+          <a:xfrm rot="0">
+            <a:off x="4168775" y="2247900"/>
+            <a:ext cx="1198245" cy="2050415"/>
+          </a:xfrm>
+          <a:prstGeom prst="roundRect"/>
+          <a:solidFill>
+            <a:srgbClr val="EDEDED"/>
+          </a:solidFill>
+        </p:spPr>
+      </p:pic>
+      <p:pic>
+        <p:nvPicPr>
+          <p:cNvPr id="1056" name="그림 11" descr="C:/Users/nwond/AppData/Roaming/PolarisOffice/ETemp/33252_23922448/fImage223252959169.png"/>
+          <p:cNvPicPr>
+            <a:picLocks noChangeAspect="1"/>
+          </p:cNvPicPr>
+          <p:nvPr/>
+        </p:nvPicPr>
+        <p:blipFill rotWithShape="1">
+          <a:blip r:embed="rId4" cstate="hqprint">
             <a:extLst>
               <a:ext uri="{28A0092B-C50C-407E-A947-70E740481C1C}">
                 <a14:useLocalDpi xmlns:a14="http://schemas.microsoft.com/office/drawing/2010/main"/>
@@ -10552,8 +8358,8 @@
         </p:blipFill>
         <p:spPr>
           <a:xfrm rot="0">
-            <a:off x="2621280" y="1393825"/>
-            <a:ext cx="2752725" cy="1144270"/>
+            <a:off x="1240790" y="1433830"/>
+            <a:ext cx="2800350" cy="3669030"/>
           </a:xfrm>
           <a:prstGeom prst="roundRect"/>
           <a:solidFill>
@@ -10563,14 +8369,186 @@
       </p:pic>
       <p:pic>
         <p:nvPicPr>
-          <p:cNvPr id="1038" name="그림 3"/>
+          <p:cNvPr id="1057" name="그림 14" descr="C:/Users/nwond/AppData/Roaming/PolarisOffice/ETemp/33252_23922448/fImage45632865724.png"/>
           <p:cNvPicPr>
             <a:picLocks noChangeAspect="1"/>
           </p:cNvPicPr>
           <p:nvPr/>
         </p:nvPicPr>
         <p:blipFill rotWithShape="1">
-          <a:blip r:embed="rId11" cstate="hqprint">
+          <a:blip r:embed="rId8" cstate="print">
+            <a:extLst>
+              <a:ext uri="{28A0092B-C50C-407E-A947-70E740481C1C}">
+                <a14:useLocalDpi xmlns:a14="http://schemas.microsoft.com/office/drawing/2010/main" val="0"/>
+              </a:ext>
+            </a:extLst>
+          </a:blip>
+          <a:stretch>
+            <a:fillRect/>
+          </a:stretch>
+        </p:blipFill>
+        <p:spPr>
+          <a:xfrm rot="0">
+            <a:off x="6807835" y="1427480"/>
+            <a:ext cx="4140200" cy="1421765"/>
+          </a:xfrm>
+          <a:prstGeom prst="roundRect"/>
+          <a:solidFill>
+            <a:srgbClr val="EDEDED"/>
+          </a:solidFill>
+        </p:spPr>
+      </p:pic>
+      <p:sp>
+        <p:nvSpPr>
+          <p:cNvPr id="1058" name="텍스트 상자 17"/>
+          <p:cNvSpPr txBox="1">
+            <a:spLocks/>
+          </p:cNvSpPr>
+          <p:nvPr/>
+        </p:nvSpPr>
+        <p:spPr>
+          <a:xfrm rot="0">
+            <a:off x="6811010" y="2959100"/>
+            <a:ext cx="4137025" cy="954405"/>
+          </a:xfrm>
+          <a:prstGeom prst="rect"/>
+          <a:noFill/>
+          <a:ln w="0">
+            <a:noFill/>
+            <a:prstDash/>
+          </a:ln>
+        </p:spPr>
+        <p:txBody>
+          <a:bodyPr wrap="square" lIns="89535" tIns="46355" rIns="89535" bIns="46355" numCol="1" vert="horz" anchor="t">
+            <a:spAutoFit/>
+          </a:bodyPr>
+          <a:lstStyle/>
+          <a:p>
+            <a:pPr marL="0" indent="0" algn="l" latinLnBrk="0" hangingPunct="1">
+              <a:buFontTx/>
+              <a:buNone/>
+            </a:pPr>
+            <a:r>
+              <a:rPr lang="ko-KR" sz="2000" b="1">
+                <a:solidFill>
+                  <a:srgbClr val="0611F2"/>
+                </a:solidFill>
+                <a:latin typeface="맑은 고딕" charset="0"/>
+                <a:ea typeface="맑은 고딕" charset="0"/>
+              </a:rPr>
+              <a:t>6</a:t>
+            </a:r>
+            <a:r>
+              <a:rPr sz="2000" b="1">
+                <a:solidFill>
+                  <a:srgbClr val="0611F2"/>
+                </a:solidFill>
+                <a:latin typeface="맑은 고딕" charset="0"/>
+                <a:ea typeface="맑은 고딕" charset="0"/>
+              </a:rPr>
+              <a:t>. </a:t>
+            </a:r>
+            <a:r>
+              <a:rPr lang="ko-KR" sz="1800">
+                <a:latin typeface="맑은 고딕" charset="0"/>
+                <a:ea typeface="맑은 고딕" charset="0"/>
+              </a:rPr>
+              <a:t>그러고 </a:t>
+            </a:r>
+            <a:r>
+              <a:rPr lang="ko-KR" sz="1800">
+                <a:latin typeface="맑은 고딕" charset="0"/>
+                <a:ea typeface="맑은 고딕" charset="0"/>
+              </a:rPr>
+              <a:t>나서</a:t>
+            </a:r>
+            <a:r>
+              <a:rPr lang="ko-KR" sz="1800">
+                <a:latin typeface="맑은 고딕" charset="0"/>
+                <a:ea typeface="맑은 고딕" charset="0"/>
+              </a:rPr>
+              <a:t> </a:t>
+            </a:r>
+            <a:r>
+              <a:rPr lang="ko-KR" sz="1800">
+                <a:latin typeface="맑은 고딕" charset="0"/>
+                <a:ea typeface="맑은 고딕" charset="0"/>
+              </a:rPr>
+              <a:t>C</a:t>
+            </a:r>
+            <a:r>
+              <a:rPr lang="ko-KR" sz="1800">
+                <a:latin typeface="맑은 고딕" charset="0"/>
+                <a:ea typeface="맑은 고딕" charset="0"/>
+              </a:rPr>
+              <a:t>reate Object</a:t>
+            </a:r>
+            <a:r>
+              <a:rPr lang="ko-KR" sz="1800">
+                <a:latin typeface="맑은 고딕" charset="0"/>
+                <a:ea typeface="맑은 고딕" charset="0"/>
+              </a:rPr>
+              <a:t>의 </a:t>
+            </a:r>
+            <a:r>
+              <a:rPr lang="ko-KR" sz="1800">
+                <a:latin typeface="맑은 고딕" charset="0"/>
+                <a:ea typeface="맑은 고딕" charset="0"/>
+              </a:rPr>
+              <a:t>오브젝트에 </a:t>
+            </a:r>
+            <a:r>
+              <a:rPr lang="ko-KR" sz="1800">
+                <a:latin typeface="맑은 고딕" charset="0"/>
+                <a:ea typeface="맑은 고딕" charset="0"/>
+              </a:rPr>
+              <a:t>C</a:t>
+            </a:r>
+            <a:r>
+              <a:rPr lang="ko-KR" sz="1800">
+                <a:latin typeface="맑은 고딕" charset="0"/>
+                <a:ea typeface="맑은 고딕" charset="0"/>
+              </a:rPr>
+              <a:t>r</a:t>
+            </a:r>
+            <a:r>
+              <a:rPr lang="ko-KR" sz="1800">
+                <a:latin typeface="맑은 고딕" charset="0"/>
+                <a:ea typeface="맑은 고딕" charset="0"/>
+              </a:rPr>
+              <a:t>e</a:t>
+            </a:r>
+            <a:r>
+              <a:rPr lang="ko-KR" sz="1800">
+                <a:latin typeface="맑은 고딕" charset="0"/>
+                <a:ea typeface="맑은 고딕" charset="0"/>
+              </a:rPr>
+              <a:t>ate </a:t>
+            </a:r>
+            <a:r>
+              <a:rPr lang="ko-KR" sz="1800">
+                <a:latin typeface="맑은 고딕" charset="0"/>
+                <a:ea typeface="맑은 고딕" charset="0"/>
+              </a:rPr>
+              <a:t>스크립트를 추가합니다.</a:t>
+            </a:r>
+            <a:endParaRPr lang="ko-KR" altLang="en-US" sz="1800">
+              <a:latin typeface="맑은 고딕" charset="0"/>
+              <a:ea typeface="맑은 고딕" charset="0"/>
+            </a:endParaRPr>
+          </a:p>
+        </p:txBody>
+      </p:sp>
+      <p:pic>
+        <p:nvPicPr>
+          <p:cNvPr id="1059" name="그림 18" descr="C:/Users/nwond/AppData/Roaming/PolarisOffice/ETemp/33252_23922448/fImage123181758467.png"/>
+          <p:cNvPicPr>
+            <a:picLocks noChangeAspect="1"/>
+          </p:cNvPicPr>
+          <p:nvPr/>
+        </p:nvPicPr>
+        <p:blipFill rotWithShape="1">
+          <a:blip r:embed="rId9" cstate="hqprint">
             <a:extLst>
               <a:ext uri="{28A0092B-C50C-407E-A947-70E740481C1C}">
                 <a14:useLocalDpi xmlns:a14="http://schemas.microsoft.com/office/drawing/2010/main"/>
@@ -10583,8 +8561,8 @@
         </p:blipFill>
         <p:spPr>
           <a:xfrm rot="0">
-            <a:off x="1231900" y="1386205"/>
-            <a:ext cx="1240790" cy="1146810"/>
+            <a:off x="6807835" y="4022090"/>
+            <a:ext cx="4140200" cy="1489710"/>
           </a:xfrm>
           <a:prstGeom prst="roundRect"/>
           <a:solidFill>
@@ -10594,16 +8572,16 @@
       </p:pic>
       <p:sp>
         <p:nvSpPr>
-          <p:cNvPr id="1039" name="텍스트 상자 5"/>
+          <p:cNvPr id="1060" name="텍스트 상자 19"/>
           <p:cNvSpPr txBox="1">
             <a:spLocks/>
           </p:cNvSpPr>
           <p:nvPr/>
         </p:nvSpPr>
         <p:spPr>
-          <a:xfrm>
-            <a:off x="1231265" y="2646045"/>
-            <a:ext cx="4153535" cy="954405"/>
+          <a:xfrm rot="0">
+            <a:off x="6807835" y="5572760"/>
+            <a:ext cx="4140200" cy="677545"/>
           </a:xfrm>
           <a:prstGeom prst="rect"/>
           <a:noFill/>
@@ -10630,7 +8608,7 @@
                 <a:latin typeface="맑은 고딕" charset="0"/>
                 <a:ea typeface="맑은 고딕" charset="0"/>
               </a:rPr>
-              <a:t>5</a:t>
+              <a:t>7</a:t>
             </a:r>
             <a:r>
               <a:rPr sz="2000" b="1">
@@ -10640,87 +8618,14 @@
                 <a:latin typeface="맑은 고딕" charset="0"/>
                 <a:ea typeface="맑은 고딕" charset="0"/>
               </a:rPr>
-              <a:t>.</a:t>
-            </a:r>
-            <a:r>
-              <a:rPr sz="2000" b="1">
-                <a:solidFill>
-                  <a:srgbClr val="0611F2"/>
-                </a:solidFill>
-                <a:latin typeface="맑은 고딕" charset="0"/>
-                <a:ea typeface="맑은 고딕" charset="0"/>
-              </a:rPr>
-              <a:t> </a:t>
+              <a:t>. </a:t>
             </a:r>
             <a:r>
               <a:rPr lang="ko-KR" sz="1800">
                 <a:latin typeface="맑은 고딕" charset="0"/>
                 <a:ea typeface="맑은 고딕" charset="0"/>
               </a:rPr>
-              <a:t>그러고 나서 Create Button </a:t>
-            </a:r>
-            <a:r>
-              <a:rPr lang="ko-KR" sz="1800">
-                <a:latin typeface="맑은 고딕" charset="0"/>
-                <a:ea typeface="맑은 고딕" charset="0"/>
-              </a:rPr>
-              <a:t>오브젝트를</a:t>
-            </a:r>
-            <a:r>
-              <a:rPr lang="ko-KR" sz="1800">
-                <a:latin typeface="맑은 고딕" charset="0"/>
-                <a:ea typeface="맑은 고딕" charset="0"/>
-              </a:rPr>
-              <a:t> </a:t>
-            </a:r>
-            <a:r>
-              <a:rPr lang="ko-KR" sz="1800">
-                <a:latin typeface="맑은 고딕" charset="0"/>
-                <a:ea typeface="맑은 고딕" charset="0"/>
-              </a:rPr>
-              <a:t>선택한</a:t>
-            </a:r>
-            <a:r>
-              <a:rPr lang="ko-KR" sz="1800">
-                <a:latin typeface="맑은 고딕" charset="0"/>
-                <a:ea typeface="맑은 고딕" charset="0"/>
-              </a:rPr>
-              <a:t> </a:t>
-            </a:r>
-            <a:r>
-              <a:rPr lang="ko-KR" sz="1800">
-                <a:latin typeface="맑은 고딕" charset="0"/>
-                <a:ea typeface="맑은 고딕" charset="0"/>
-              </a:rPr>
-              <a:t>다음</a:t>
-            </a:r>
-            <a:r>
-              <a:rPr lang="ko-KR" sz="1800">
-                <a:latin typeface="맑은 고딕" charset="0"/>
-                <a:ea typeface="맑은 고딕" charset="0"/>
-              </a:rPr>
-              <a:t> On Click </a:t>
-            </a:r>
-            <a:r>
-              <a:rPr lang="ko-KR" sz="1800">
-                <a:latin typeface="맑은 고딕" charset="0"/>
-                <a:ea typeface="맑은 고딕" charset="0"/>
-              </a:rPr>
-              <a:t>함수에</a:t>
-            </a:r>
-            <a:r>
-              <a:rPr lang="ko-KR" sz="1800">
-                <a:latin typeface="맑은 고딕" charset="0"/>
-                <a:ea typeface="맑은 고딕" charset="0"/>
-              </a:rPr>
-              <a:t> Event를 </a:t>
-            </a:r>
-            <a:r>
-              <a:rPr lang="ko-KR" sz="1800">
-                <a:latin typeface="맑은 고딕" charset="0"/>
-                <a:ea typeface="맑은 고딕" charset="0"/>
-              </a:rPr>
-              <a:t>추가합니다.</a:t>
+              <a:t>이제 Back Ground 오브젝트의 앵커를 설정합니다.</a:t>
             </a:r>
             <a:endParaRPr lang="ko-KR" altLang="en-US" sz="1800">
               <a:latin typeface="맑은 고딕" charset="0"/>
@@ -10729,310 +8634,6 @@
           </a:p>
         </p:txBody>
       </p:sp>
-      <p:pic>
-        <p:nvPicPr>
-          <p:cNvPr id="1040" name="그림 6"/>
-          <p:cNvPicPr>
-            <a:picLocks noChangeAspect="1"/>
-          </p:cNvPicPr>
-          <p:nvPr/>
-        </p:nvPicPr>
-        <p:blipFill rotWithShape="1">
-          <a:blip r:embed="rId12" cstate="print">
-            <a:extLst>
-              <a:ext uri="{28A0092B-C50C-407E-A947-70E740481C1C}">
-                <a14:useLocalDpi xmlns:a14="http://schemas.microsoft.com/office/drawing/2010/main" val="0"/>
-              </a:ext>
-            </a:extLst>
-          </a:blip>
-          <a:stretch>
-            <a:fillRect/>
-          </a:stretch>
-        </p:blipFill>
-        <p:spPr>
-          <a:xfrm rot="0">
-            <a:off x="1228725" y="3729355"/>
-            <a:ext cx="4138295" cy="1663065"/>
-          </a:xfrm>
-          <a:prstGeom prst="roundRect"/>
-          <a:solidFill>
-            <a:srgbClr val="EDEDED"/>
-          </a:solidFill>
-        </p:spPr>
-      </p:pic>
-      <p:sp>
-        <p:nvSpPr>
-          <p:cNvPr id="1041" name="텍스트 상자 9"/>
-          <p:cNvSpPr txBox="1">
-            <a:spLocks/>
-          </p:cNvSpPr>
-          <p:nvPr/>
-        </p:nvSpPr>
-        <p:spPr>
-          <a:xfrm>
-            <a:off x="1240155" y="5479415"/>
-            <a:ext cx="4145280" cy="677545"/>
-          </a:xfrm>
-          <a:prstGeom prst="rect"/>
-          <a:noFill/>
-          <a:ln w="0">
-            <a:noFill/>
-            <a:prstDash/>
-          </a:ln>
-        </p:spPr>
-        <p:txBody>
-          <a:bodyPr wrap="square" lIns="89535" tIns="46355" rIns="89535" bIns="46355" numCol="1" vert="horz" anchor="t">
-            <a:spAutoFit/>
-          </a:bodyPr>
-          <a:lstStyle/>
-          <a:p>
-            <a:pPr marL="0" indent="0" algn="l" latinLnBrk="0" hangingPunct="1">
-              <a:buFontTx/>
-              <a:buNone/>
-            </a:pPr>
-            <a:r>
-              <a:rPr lang="ko-KR" sz="2000" b="1">
-                <a:solidFill>
-                  <a:srgbClr val="0611F2"/>
-                </a:solidFill>
-                <a:latin typeface="맑은 고딕" charset="0"/>
-                <a:ea typeface="맑은 고딕" charset="0"/>
-              </a:rPr>
-              <a:t>6</a:t>
-            </a:r>
-            <a:r>
-              <a:rPr sz="2000" b="1">
-                <a:solidFill>
-                  <a:srgbClr val="0611F2"/>
-                </a:solidFill>
-                <a:latin typeface="맑은 고딕" charset="0"/>
-                <a:ea typeface="맑은 고딕" charset="0"/>
-              </a:rPr>
-              <a:t>.</a:t>
-            </a:r>
-            <a:r>
-              <a:rPr sz="2000" b="1">
-                <a:solidFill>
-                  <a:srgbClr val="0611F2"/>
-                </a:solidFill>
-                <a:latin typeface="맑은 고딕" charset="0"/>
-                <a:ea typeface="맑은 고딕" charset="0"/>
-              </a:rPr>
-              <a:t> </a:t>
-            </a:r>
-            <a:r>
-              <a:rPr lang="ko-KR" sz="1800">
-                <a:latin typeface="맑은 고딕" charset="0"/>
-                <a:ea typeface="맑은 고딕" charset="0"/>
-              </a:rPr>
-              <a:t>이제 Back Ground 오브젝트의 </a:t>
-            </a:r>
-            <a:r>
-              <a:rPr lang="ko-KR" sz="1800">
-                <a:latin typeface="맑은 고딕" charset="0"/>
-                <a:ea typeface="맑은 고딕" charset="0"/>
-              </a:rPr>
-              <a:t>앵커를</a:t>
-            </a:r>
-            <a:r>
-              <a:rPr lang="ko-KR" sz="1800">
-                <a:latin typeface="맑은 고딕" charset="0"/>
-                <a:ea typeface="맑은 고딕" charset="0"/>
-              </a:rPr>
-              <a:t> </a:t>
-            </a:r>
-            <a:r>
-              <a:rPr lang="ko-KR" sz="1800">
-                <a:latin typeface="맑은 고딕" charset="0"/>
-                <a:ea typeface="맑은 고딕" charset="0"/>
-              </a:rPr>
-              <a:t>설정합니다.</a:t>
-            </a:r>
-            <a:endParaRPr lang="ko-KR" altLang="en-US" sz="1800">
-              <a:latin typeface="맑은 고딕" charset="0"/>
-              <a:ea typeface="맑은 고딕" charset="0"/>
-            </a:endParaRPr>
-          </a:p>
-        </p:txBody>
-      </p:sp>
-      <p:pic>
-        <p:nvPicPr>
-          <p:cNvPr id="1042" name="그림 10"/>
-          <p:cNvPicPr>
-            <a:picLocks noChangeAspect="1"/>
-          </p:cNvPicPr>
-          <p:nvPr/>
-        </p:nvPicPr>
-        <p:blipFill rotWithShape="1">
-          <a:blip r:embed="rId13" cstate="print">
-            <a:extLst>
-              <a:ext uri="{28A0092B-C50C-407E-A947-70E740481C1C}">
-                <a14:useLocalDpi xmlns:a14="http://schemas.microsoft.com/office/drawing/2010/main" val="0"/>
-              </a:ext>
-            </a:extLst>
-          </a:blip>
-          <a:stretch>
-            <a:fillRect/>
-          </a:stretch>
-        </p:blipFill>
-        <p:spPr>
-          <a:xfrm rot="0">
-            <a:off x="6805930" y="1395095"/>
-            <a:ext cx="4159885" cy="1379220"/>
-          </a:xfrm>
-          <a:prstGeom prst="roundRect"/>
-          <a:solidFill>
-            <a:srgbClr val="EDEDED"/>
-          </a:solidFill>
-        </p:spPr>
-      </p:pic>
-      <p:sp>
-        <p:nvSpPr>
-          <p:cNvPr id="1043" name="텍스트 상자 14"/>
-          <p:cNvSpPr txBox="1">
-            <a:spLocks/>
-          </p:cNvSpPr>
-          <p:nvPr/>
-        </p:nvSpPr>
-        <p:spPr>
-          <a:xfrm>
-            <a:off x="6795770" y="2887345"/>
-            <a:ext cx="4179570" cy="677545"/>
-          </a:xfrm>
-          <a:prstGeom prst="rect"/>
-          <a:noFill/>
-          <a:ln w="0">
-            <a:noFill/>
-            <a:prstDash/>
-          </a:ln>
-        </p:spPr>
-        <p:txBody>
-          <a:bodyPr wrap="square" lIns="89535" tIns="46355" rIns="89535" bIns="46355" numCol="1" vert="horz" anchor="t">
-            <a:spAutoFit/>
-          </a:bodyPr>
-          <a:lstStyle/>
-          <a:p>
-            <a:pPr marL="0" indent="0" algn="l" latinLnBrk="0" hangingPunct="1">
-              <a:buFontTx/>
-              <a:buNone/>
-            </a:pPr>
-            <a:r>
-              <a:rPr lang="ko-KR" sz="2000" b="1">
-                <a:solidFill>
-                  <a:srgbClr val="0611F2"/>
-                </a:solidFill>
-                <a:latin typeface="맑은 고딕" charset="0"/>
-                <a:ea typeface="맑은 고딕" charset="0"/>
-              </a:rPr>
-              <a:t>7</a:t>
-            </a:r>
-            <a:r>
-              <a:rPr sz="2000" b="1">
-                <a:solidFill>
-                  <a:srgbClr val="0611F2"/>
-                </a:solidFill>
-                <a:latin typeface="맑은 고딕" charset="0"/>
-                <a:ea typeface="맑은 고딕" charset="0"/>
-              </a:rPr>
-              <a:t>.</a:t>
-            </a:r>
-            <a:r>
-              <a:rPr sz="2000" b="1">
-                <a:solidFill>
-                  <a:srgbClr val="0611F2"/>
-                </a:solidFill>
-                <a:latin typeface="맑은 고딕" charset="0"/>
-                <a:ea typeface="맑은 고딕" charset="0"/>
-              </a:rPr>
-              <a:t> </a:t>
-            </a:r>
-            <a:r>
-              <a:rPr lang="ko-KR" sz="1800">
-                <a:latin typeface="맑은 고딕" charset="0"/>
-                <a:ea typeface="맑은 고딕" charset="0"/>
-              </a:rPr>
-              <a:t>그리고 Render Texture </a:t>
-            </a:r>
-            <a:r>
-              <a:rPr lang="ko-KR" sz="1800">
-                <a:latin typeface="맑은 고딕" charset="0"/>
-                <a:ea typeface="맑은 고딕" charset="0"/>
-              </a:rPr>
-              <a:t>오브젝트의</a:t>
-            </a:r>
-            <a:r>
-              <a:rPr lang="ko-KR" sz="1800">
-                <a:latin typeface="맑은 고딕" charset="0"/>
-                <a:ea typeface="맑은 고딕" charset="0"/>
-              </a:rPr>
-              <a:t> </a:t>
-            </a:r>
-            <a:r>
-              <a:rPr lang="ko-KR" sz="1800">
-                <a:latin typeface="맑은 고딕" charset="0"/>
-                <a:ea typeface="맑은 고딕" charset="0"/>
-              </a:rPr>
-              <a:t>위치와</a:t>
-            </a:r>
-            <a:r>
-              <a:rPr lang="ko-KR" sz="1800">
-                <a:latin typeface="맑은 고딕" charset="0"/>
-                <a:ea typeface="맑은 고딕" charset="0"/>
-              </a:rPr>
-              <a:t> </a:t>
-            </a:r>
-            <a:r>
-              <a:rPr lang="ko-KR" sz="1800">
-                <a:latin typeface="맑은 고딕" charset="0"/>
-                <a:ea typeface="맑은 고딕" charset="0"/>
-              </a:rPr>
-              <a:t>크기를</a:t>
-            </a:r>
-            <a:r>
-              <a:rPr lang="ko-KR" sz="1800">
-                <a:latin typeface="맑은 고딕" charset="0"/>
-                <a:ea typeface="맑은 고딕" charset="0"/>
-              </a:rPr>
-              <a:t> 설정합니다.</a:t>
-            </a:r>
-            <a:endParaRPr lang="ko-KR" altLang="en-US" sz="1800">
-              <a:latin typeface="맑은 고딕" charset="0"/>
-              <a:ea typeface="맑은 고딕" charset="0"/>
-            </a:endParaRPr>
-          </a:p>
-        </p:txBody>
-      </p:sp>
-      <p:pic>
-        <p:nvPicPr>
-          <p:cNvPr id="1044" name="그림 15"/>
-          <p:cNvPicPr>
-            <a:picLocks noChangeAspect="1"/>
-          </p:cNvPicPr>
-          <p:nvPr/>
-        </p:nvPicPr>
-        <p:blipFill rotWithShape="1">
-          <a:blip r:embed="rId14" cstate="print">
-            <a:extLst>
-              <a:ext uri="{28A0092B-C50C-407E-A947-70E740481C1C}">
-                <a14:useLocalDpi xmlns:a14="http://schemas.microsoft.com/office/drawing/2010/main" val="0"/>
-              </a:ext>
-            </a:extLst>
-          </a:blip>
-          <a:stretch>
-            <a:fillRect/>
-          </a:stretch>
-        </p:blipFill>
-        <p:spPr>
-          <a:xfrm rot="0">
-            <a:off x="6804025" y="3686810"/>
-            <a:ext cx="4161790" cy="1456055"/>
-          </a:xfrm>
-          <a:prstGeom prst="roundRect"/>
-          <a:solidFill>
-            <a:srgbClr val="EDEDED"/>
-          </a:solidFill>
-        </p:spPr>
-      </p:pic>
     </p:spTree>
   </p:cSld>
   <p:clrMapOvr>
@@ -11083,8 +8684,8 @@
         </p:nvSpPr>
         <p:spPr>
           <a:xfrm>
-            <a:off x="4514215" y="350520"/>
-            <a:ext cx="3170555" cy="478155"/>
+            <a:off x="4525010" y="372110"/>
+            <a:ext cx="3150235" cy="478155"/>
           </a:xfrm>
           <a:prstGeom prst="rect"/>
           <a:noFill/>
@@ -11121,17 +8722,7 @@
                 <a:latin typeface="나눔바른고딕" charset="0"/>
                 <a:ea typeface="나눔바른고딕" charset="0"/>
               </a:rPr>
-              <a:t> </a:t>
-            </a:r>
-            <a:r>
-              <a:rPr lang="ko-KR" altLang="en-US" sz="2500" b="1">
-                <a:solidFill>
-                  <a:schemeClr val="tx1"/>
-                </a:solidFill>
-                <a:latin typeface="나눔바른고딕" charset="0"/>
-                <a:ea typeface="나눔바른고딕" charset="0"/>
-              </a:rPr>
-              <a:t>번째 튜토리얼</a:t>
+              <a:t> 번째 튜토리얼</a:t>
             </a:r>
             <a:endParaRPr lang="ko-KR" altLang="en-US" sz="2500" b="1">
               <a:solidFill>
@@ -11143,352 +8734,16 @@
           </a:p>
         </p:txBody>
       </p:sp>
-      <p:sp>
-        <p:nvSpPr>
-          <p:cNvPr id="1067" name="텍스트 상자 21"/>
-          <p:cNvSpPr txBox="1">
-            <a:spLocks/>
-          </p:cNvSpPr>
-          <p:nvPr/>
-        </p:nvSpPr>
-        <p:spPr>
-          <a:xfrm>
-            <a:off x="1214120" y="5219700"/>
-            <a:ext cx="4145280" cy="954405"/>
-          </a:xfrm>
-          <a:prstGeom prst="rect"/>
-          <a:noFill/>
-          <a:ln w="0">
-            <a:noFill/>
-            <a:prstDash/>
-          </a:ln>
-        </p:spPr>
-        <p:txBody>
-          <a:bodyPr wrap="square" lIns="89535" tIns="46355" rIns="89535" bIns="46355" numCol="1" vert="horz" anchor="t">
-            <a:spAutoFit/>
-          </a:bodyPr>
-          <a:lstStyle/>
-          <a:p>
-            <a:pPr marL="0" indent="0" algn="l" latinLnBrk="0" hangingPunct="1">
-              <a:buFontTx/>
-              <a:buNone/>
-            </a:pPr>
-            <a:r>
-              <a:rPr lang="ko-KR" sz="2000" b="1">
-                <a:solidFill>
-                  <a:srgbClr val="0611F2"/>
-                </a:solidFill>
-                <a:latin typeface="맑은 고딕" charset="0"/>
-                <a:ea typeface="맑은 고딕" charset="0"/>
-              </a:rPr>
-              <a:t>10</a:t>
-            </a:r>
-            <a:r>
-              <a:rPr sz="2000" b="1">
-                <a:solidFill>
-                  <a:srgbClr val="0611F2"/>
-                </a:solidFill>
-                <a:latin typeface="맑은 고딕" charset="0"/>
-                <a:ea typeface="맑은 고딕" charset="0"/>
-              </a:rPr>
-              <a:t>.</a:t>
-            </a:r>
-            <a:r>
-              <a:rPr sz="2000" b="1">
-                <a:solidFill>
-                  <a:srgbClr val="0611F2"/>
-                </a:solidFill>
-                <a:latin typeface="맑은 고딕" charset="0"/>
-                <a:ea typeface="맑은 고딕" charset="0"/>
-              </a:rPr>
-              <a:t> </a:t>
-            </a:r>
-            <a:r>
-              <a:rPr lang="ko-KR" sz="1800">
-                <a:latin typeface="맑은 고딕" charset="0"/>
-                <a:ea typeface="맑은 고딕" charset="0"/>
-              </a:rPr>
-              <a:t>그러고 나서 Alien 오브젝트의 </a:t>
-            </a:r>
-            <a:r>
-              <a:rPr lang="ko-KR" sz="1800">
-                <a:latin typeface="맑은 고딕" charset="0"/>
-                <a:ea typeface="맑은 고딕" charset="0"/>
-              </a:rPr>
-              <a:t>위치와</a:t>
-            </a:r>
-            <a:r>
-              <a:rPr lang="ko-KR" sz="1800">
-                <a:latin typeface="맑은 고딕" charset="0"/>
-                <a:ea typeface="맑은 고딕" charset="0"/>
-              </a:rPr>
-              <a:t> </a:t>
-            </a:r>
-            <a:r>
-              <a:rPr lang="ko-KR" sz="1800">
-                <a:latin typeface="맑은 고딕" charset="0"/>
-                <a:ea typeface="맑은 고딕" charset="0"/>
-              </a:rPr>
-              <a:t>회전</a:t>
-            </a:r>
-            <a:r>
-              <a:rPr lang="ko-KR" sz="1800">
-                <a:latin typeface="맑은 고딕" charset="0"/>
-                <a:ea typeface="맑은 고딕" charset="0"/>
-              </a:rPr>
-              <a:t> </a:t>
-            </a:r>
-            <a:r>
-              <a:rPr lang="ko-KR" sz="1800">
-                <a:latin typeface="맑은 고딕" charset="0"/>
-                <a:ea typeface="맑은 고딕" charset="0"/>
-              </a:rPr>
-              <a:t>값을</a:t>
-            </a:r>
-            <a:r>
-              <a:rPr lang="ko-KR" sz="1800">
-                <a:latin typeface="맑은 고딕" charset="0"/>
-                <a:ea typeface="맑은 고딕" charset="0"/>
-              </a:rPr>
-              <a:t> </a:t>
-            </a:r>
-            <a:r>
-              <a:rPr lang="ko-KR" sz="1800">
-                <a:latin typeface="맑은 고딕" charset="0"/>
-                <a:ea typeface="맑은 고딕" charset="0"/>
-              </a:rPr>
-              <a:t>설정한</a:t>
-            </a:r>
-            <a:r>
-              <a:rPr lang="ko-KR" sz="1800">
-                <a:latin typeface="맑은 고딕" charset="0"/>
-                <a:ea typeface="맑은 고딕" charset="0"/>
-              </a:rPr>
-              <a:t> 다음 크기를 </a:t>
-            </a:r>
-            <a:r>
-              <a:rPr lang="ko-KR" sz="1800">
-                <a:latin typeface="맑은 고딕" charset="0"/>
-                <a:ea typeface="맑은 고딕" charset="0"/>
-              </a:rPr>
-              <a:t>설정합니다.</a:t>
-            </a:r>
-            <a:endParaRPr lang="ko-KR" altLang="en-US" sz="1800">
-              <a:latin typeface="맑은 고딕" charset="0"/>
-              <a:ea typeface="맑은 고딕" charset="0"/>
-            </a:endParaRPr>
-          </a:p>
-        </p:txBody>
-      </p:sp>
       <p:pic>
         <p:nvPicPr>
-          <p:cNvPr id="1070" name="그림 28"/>
+          <p:cNvPr id="1042" name="그림 10" descr="C:/Users/nwond/AppData/Roaming/PolarisOffice/ETemp/33252_23922448/fImage122371776334.png"/>
           <p:cNvPicPr>
             <a:picLocks noChangeAspect="1"/>
           </p:cNvPicPr>
           <p:nvPr/>
         </p:nvPicPr>
         <p:blipFill rotWithShape="1">
-          <a:blip r:embed="rId12" cstate="print">
-            <a:extLst>
-              <a:ext uri="{28A0092B-C50C-407E-A947-70E740481C1C}">
-                <a14:useLocalDpi xmlns:a14="http://schemas.microsoft.com/office/drawing/2010/main" val="0"/>
-              </a:ext>
-            </a:extLst>
-          </a:blip>
-          <a:stretch>
-            <a:fillRect/>
-          </a:stretch>
-        </p:blipFill>
-        <p:spPr>
-          <a:xfrm rot="0">
-            <a:off x="2567305" y="1459230"/>
-            <a:ext cx="2799715" cy="1177290"/>
-          </a:xfrm>
-          <a:prstGeom prst="roundRect"/>
-          <a:solidFill>
-            <a:srgbClr val="EDEDED"/>
-          </a:solidFill>
-        </p:spPr>
-      </p:pic>
-      <p:sp>
-        <p:nvSpPr>
-          <p:cNvPr id="1073" name="텍스트 상자 35"/>
-          <p:cNvSpPr txBox="1">
-            <a:spLocks/>
-          </p:cNvSpPr>
-          <p:nvPr/>
-        </p:nvSpPr>
-        <p:spPr>
-          <a:xfrm>
-            <a:off x="1225550" y="2715895"/>
-            <a:ext cx="4142105" cy="954405"/>
-          </a:xfrm>
-          <a:prstGeom prst="rect"/>
-          <a:noFill/>
-          <a:ln w="0">
-            <a:noFill/>
-            <a:prstDash/>
-          </a:ln>
-        </p:spPr>
-        <p:txBody>
-          <a:bodyPr wrap="square" lIns="89535" tIns="46355" rIns="89535" bIns="46355" numCol="1" vert="horz" anchor="t">
-            <a:spAutoFit/>
-          </a:bodyPr>
-          <a:lstStyle/>
-          <a:p>
-            <a:pPr marL="0" indent="0" algn="l" latinLnBrk="0" hangingPunct="1">
-              <a:buFontTx/>
-              <a:buNone/>
-            </a:pPr>
-            <a:r>
-              <a:rPr lang="ko-KR" sz="2000" b="1">
-                <a:solidFill>
-                  <a:srgbClr val="0611F2"/>
-                </a:solidFill>
-                <a:latin typeface="맑은 고딕" charset="0"/>
-                <a:ea typeface="맑은 고딕" charset="0"/>
-              </a:rPr>
-              <a:t>9</a:t>
-            </a:r>
-            <a:r>
-              <a:rPr sz="2000" b="1">
-                <a:solidFill>
-                  <a:srgbClr val="0611F2"/>
-                </a:solidFill>
-                <a:latin typeface="맑은 고딕" charset="0"/>
-                <a:ea typeface="맑은 고딕" charset="0"/>
-              </a:rPr>
-              <a:t>.</a:t>
-            </a:r>
-            <a:r>
-              <a:rPr sz="2000" b="1">
-                <a:solidFill>
-                  <a:srgbClr val="0611F2"/>
-                </a:solidFill>
-                <a:latin typeface="맑은 고딕" charset="0"/>
-                <a:ea typeface="맑은 고딕" charset="0"/>
-              </a:rPr>
-              <a:t> </a:t>
-            </a:r>
-            <a:r>
-              <a:rPr lang="ko-KR" sz="1800">
-                <a:latin typeface="맑은 고딕" charset="0"/>
-                <a:ea typeface="맑은 고딕" charset="0"/>
-              </a:rPr>
-              <a:t>그다음으로 Project 폴더 아래에 </a:t>
-            </a:r>
-            <a:r>
-              <a:rPr lang="ko-KR" sz="1800">
-                <a:latin typeface="맑은 고딕" charset="0"/>
-                <a:ea typeface="맑은 고딕" charset="0"/>
-              </a:rPr>
-              <a:t>있는</a:t>
-            </a:r>
-            <a:r>
-              <a:rPr lang="ko-KR" sz="1800">
-                <a:latin typeface="맑은 고딕" charset="0"/>
-                <a:ea typeface="맑은 고딕" charset="0"/>
-              </a:rPr>
-              <a:t> </a:t>
-            </a:r>
-            <a:r>
-              <a:rPr lang="ko-KR" sz="1800">
-                <a:latin typeface="맑은 고딕" charset="0"/>
-                <a:ea typeface="맑은 고딕" charset="0"/>
-              </a:rPr>
-              <a:t>Model</a:t>
-            </a:r>
-            <a:r>
-              <a:rPr lang="ko-KR" sz="1800">
-                <a:latin typeface="맑은 고딕" charset="0"/>
-                <a:ea typeface="맑은 고딕" charset="0"/>
-              </a:rPr>
-              <a:t> </a:t>
-            </a:r>
-            <a:r>
-              <a:rPr lang="ko-KR" sz="1800">
-                <a:latin typeface="맑은 고딕" charset="0"/>
-                <a:ea typeface="맑은 고딕" charset="0"/>
-              </a:rPr>
-              <a:t>폴더에</a:t>
-            </a:r>
-            <a:r>
-              <a:rPr lang="ko-KR" sz="1800">
-                <a:latin typeface="맑은 고딕" charset="0"/>
-                <a:ea typeface="맑은 고딕" charset="0"/>
-              </a:rPr>
-              <a:t> Alien 모델을 월드 </a:t>
-            </a:r>
-            <a:r>
-              <a:rPr lang="ko-KR" sz="1800">
-                <a:latin typeface="맑은 고딕" charset="0"/>
-                <a:ea typeface="맑은 고딕" charset="0"/>
-              </a:rPr>
-              <a:t>공간에</a:t>
-            </a:r>
-            <a:r>
-              <a:rPr lang="ko-KR" sz="1800">
-                <a:latin typeface="맑은 고딕" charset="0"/>
-                <a:ea typeface="맑은 고딕" charset="0"/>
-              </a:rPr>
-              <a:t> </a:t>
-            </a:r>
-            <a:r>
-              <a:rPr lang="ko-KR" sz="1800">
-                <a:latin typeface="맑은 고딕" charset="0"/>
-                <a:ea typeface="맑은 고딕" charset="0"/>
-              </a:rPr>
-              <a:t>배치합니다</a:t>
-            </a:r>
-            <a:endParaRPr lang="ko-KR" altLang="en-US" sz="1800">
-              <a:latin typeface="맑은 고딕" charset="0"/>
-              <a:ea typeface="맑은 고딕" charset="0"/>
-            </a:endParaRPr>
-          </a:p>
-        </p:txBody>
-      </p:sp>
-      <p:pic>
-        <p:nvPicPr>
-          <p:cNvPr id="1074" name="그림 36"/>
-          <p:cNvPicPr>
-            <a:picLocks noChangeAspect="1"/>
-          </p:cNvPicPr>
-          <p:nvPr/>
-        </p:nvPicPr>
-        <p:blipFill rotWithShape="1">
-          <a:blip r:embed="rId13" cstate="print">
-            <a:extLst>
-              <a:ext uri="{28A0092B-C50C-407E-A947-70E740481C1C}">
-                <a14:useLocalDpi xmlns:a14="http://schemas.microsoft.com/office/drawing/2010/main" val="0"/>
-              </a:ext>
-            </a:extLst>
-          </a:blip>
-          <a:stretch>
-            <a:fillRect/>
-          </a:stretch>
-        </p:blipFill>
-        <p:spPr>
-          <a:xfrm rot="0">
-            <a:off x="1195705" y="1455420"/>
-            <a:ext cx="1303020" cy="1179830"/>
-          </a:xfrm>
-          <a:prstGeom prst="roundRect"/>
-          <a:solidFill>
-            <a:srgbClr val="EDEDED"/>
-          </a:solidFill>
-        </p:spPr>
-      </p:pic>
-      <p:pic>
-        <p:nvPicPr>
-          <p:cNvPr id="1072" name="그림 34"/>
-          <p:cNvPicPr>
-            <a:picLocks noChangeAspect="1"/>
-          </p:cNvPicPr>
-          <p:nvPr/>
-        </p:nvPicPr>
-        <p:blipFill rotWithShape="1">
-          <a:blip r:embed="rId14" cstate="hqprint">
+          <a:blip r:embed="rId13" cstate="hqprint">
             <a:extLst>
               <a:ext uri="{28A0092B-C50C-407E-A947-70E740481C1C}">
                 <a14:useLocalDpi xmlns:a14="http://schemas.microsoft.com/office/drawing/2010/main"/>
@@ -11500,27 +8755,244 @@
           </a:stretch>
         </p:blipFill>
         <p:spPr>
-          <a:xfrm rot="10800000">
-            <a:off x="2282190" y="1852295"/>
-            <a:ext cx="578485" cy="387985"/>
+          <a:xfrm rot="0">
+            <a:off x="6805930" y="1440180"/>
+            <a:ext cx="4154805" cy="1508760"/>
+          </a:xfrm>
+          <a:prstGeom prst="roundRect"/>
+          <a:solidFill>
+            <a:srgbClr val="EDEDED"/>
+          </a:solidFill>
+        </p:spPr>
+      </p:pic>
+      <p:sp>
+        <p:nvSpPr>
+          <p:cNvPr id="1043" name="텍스트 상자 14"/>
+          <p:cNvSpPr txBox="1">
+            <a:spLocks/>
+          </p:cNvSpPr>
+          <p:nvPr/>
+        </p:nvSpPr>
+        <p:spPr>
+          <a:xfrm rot="0">
+            <a:off x="6795770" y="3014345"/>
+            <a:ext cx="4164965" cy="677545"/>
           </a:xfrm>
           <a:prstGeom prst="rect"/>
           <a:noFill/>
-        </p:spPr>
-      </p:pic>
+          <a:ln w="0">
+            <a:noFill/>
+            <a:prstDash/>
+          </a:ln>
+        </p:spPr>
+        <p:txBody>
+          <a:bodyPr wrap="square" lIns="89535" tIns="46355" rIns="89535" bIns="46355" numCol="1" vert="horz" anchor="t">
+            <a:spAutoFit/>
+          </a:bodyPr>
+          <a:lstStyle/>
+          <a:p>
+            <a:pPr marL="0" indent="0" algn="l" latinLnBrk="0" hangingPunct="1">
+              <a:buFontTx/>
+              <a:buNone/>
+            </a:pPr>
+            <a:r>
+              <a:rPr lang="ko-KR" sz="2000" b="1">
+                <a:solidFill>
+                  <a:srgbClr val="0611F2"/>
+                </a:solidFill>
+                <a:latin typeface="맑은 고딕" charset="0"/>
+                <a:ea typeface="맑은 고딕" charset="0"/>
+              </a:rPr>
+              <a:t>1</a:t>
+            </a:r>
+            <a:r>
+              <a:rPr lang="ko-KR" sz="2000" b="1">
+                <a:solidFill>
+                  <a:srgbClr val="0611F2"/>
+                </a:solidFill>
+                <a:latin typeface="맑은 고딕" charset="0"/>
+                <a:ea typeface="맑은 고딕" charset="0"/>
+              </a:rPr>
+              <a:t>0</a:t>
+            </a:r>
+            <a:r>
+              <a:rPr sz="2000" b="1">
+                <a:solidFill>
+                  <a:srgbClr val="0611F2"/>
+                </a:solidFill>
+                <a:latin typeface="맑은 고딕" charset="0"/>
+                <a:ea typeface="맑은 고딕" charset="0"/>
+              </a:rPr>
+              <a:t>. </a:t>
+            </a:r>
+            <a:r>
+              <a:rPr lang="ko-KR" sz="1800">
+                <a:latin typeface="맑은 고딕" charset="0"/>
+                <a:ea typeface="맑은 고딕" charset="0"/>
+              </a:rPr>
+              <a:t>그</a:t>
+            </a:r>
+            <a:r>
+              <a:rPr lang="ko-KR" sz="1800">
+                <a:latin typeface="맑은 고딕" charset="0"/>
+                <a:ea typeface="맑은 고딕" charset="0"/>
+              </a:rPr>
+              <a:t>다음으로</a:t>
+            </a:r>
+            <a:r>
+              <a:rPr lang="ko-KR" sz="1800">
+                <a:latin typeface="맑은 고딕" charset="0"/>
+                <a:ea typeface="맑은 고딕" charset="0"/>
+              </a:rPr>
+              <a:t> Render Texture 오브젝트의 위치와 크기를 설정합니다.</a:t>
+            </a:r>
+            <a:endParaRPr lang="ko-KR" altLang="en-US" sz="1800">
+              <a:latin typeface="맑은 고딕" charset="0"/>
+              <a:ea typeface="맑은 고딕" charset="0"/>
+            </a:endParaRPr>
+          </a:p>
+        </p:txBody>
+      </p:sp>
+      <p:sp>
+        <p:nvSpPr>
+          <p:cNvPr id="1045" name="텍스트 상자 20"/>
+          <p:cNvSpPr txBox="1">
+            <a:spLocks/>
+          </p:cNvSpPr>
+          <p:nvPr/>
+        </p:nvSpPr>
+        <p:spPr>
+          <a:xfrm rot="0">
+            <a:off x="1226820" y="5523865"/>
+            <a:ext cx="4145915" cy="677545"/>
+          </a:xfrm>
+          <a:prstGeom prst="rect"/>
+          <a:noFill/>
+          <a:ln w="0">
+            <a:noFill/>
+            <a:prstDash/>
+          </a:ln>
+        </p:spPr>
+        <p:txBody>
+          <a:bodyPr wrap="square" lIns="89535" tIns="46355" rIns="89535" bIns="46355" numCol="1" vert="horz" anchor="t">
+            <a:spAutoFit/>
+          </a:bodyPr>
+          <a:lstStyle/>
+          <a:p>
+            <a:pPr marL="0" indent="0" algn="l" latinLnBrk="0" hangingPunct="1">
+              <a:buFontTx/>
+              <a:buNone/>
+            </a:pPr>
+            <a:r>
+              <a:rPr lang="ko-KR" sz="2000" b="1">
+                <a:solidFill>
+                  <a:srgbClr val="0611F2"/>
+                </a:solidFill>
+                <a:latin typeface="맑은 고딕" charset="0"/>
+                <a:ea typeface="맑은 고딕" charset="0"/>
+              </a:rPr>
+              <a:t>9</a:t>
+            </a:r>
+            <a:r>
+              <a:rPr sz="2000" b="1">
+                <a:solidFill>
+                  <a:srgbClr val="0611F2"/>
+                </a:solidFill>
+                <a:latin typeface="맑은 고딕" charset="0"/>
+                <a:ea typeface="맑은 고딕" charset="0"/>
+              </a:rPr>
+              <a:t>. </a:t>
+            </a:r>
+            <a:r>
+              <a:rPr lang="ko-KR" sz="1800">
+                <a:latin typeface="맑은 고딕" charset="0"/>
+                <a:ea typeface="맑은 고딕" charset="0"/>
+              </a:rPr>
+              <a:t>그</a:t>
+            </a:r>
+            <a:r>
+              <a:rPr lang="ko-KR" sz="1800">
+                <a:latin typeface="맑은 고딕" charset="0"/>
+                <a:ea typeface="맑은 고딕" charset="0"/>
+              </a:rPr>
+              <a:t>런 </a:t>
+            </a:r>
+            <a:r>
+              <a:rPr lang="ko-KR" sz="1800">
+                <a:latin typeface="맑은 고딕" charset="0"/>
+                <a:ea typeface="맑은 고딕" charset="0"/>
+              </a:rPr>
+              <a:t>다음</a:t>
+            </a:r>
+            <a:r>
+              <a:rPr lang="ko-KR" sz="1800">
+                <a:latin typeface="맑은 고딕" charset="0"/>
+                <a:ea typeface="맑은 고딕" charset="0"/>
+              </a:rPr>
+              <a:t> Alien 오브젝트의 위치와 회전</a:t>
+            </a:r>
+            <a:r>
+              <a:rPr lang="ko-KR" sz="1800">
+                <a:latin typeface="맑은 고딕" charset="0"/>
+                <a:ea typeface="맑은 고딕" charset="0"/>
+              </a:rPr>
+              <a:t> </a:t>
+            </a:r>
+            <a:r>
+              <a:rPr lang="ko-KR" sz="1800">
+                <a:latin typeface="맑은 고딕" charset="0"/>
+                <a:ea typeface="맑은 고딕" charset="0"/>
+              </a:rPr>
+              <a:t>그리고</a:t>
+            </a:r>
+            <a:r>
+              <a:rPr lang="ko-KR" sz="1800">
+                <a:latin typeface="맑은 고딕" charset="0"/>
+                <a:ea typeface="맑은 고딕" charset="0"/>
+              </a:rPr>
+              <a:t> 크기</a:t>
+            </a:r>
+            <a:r>
+              <a:rPr lang="ko-KR" sz="1800">
+                <a:latin typeface="맑은 고딕" charset="0"/>
+                <a:ea typeface="맑은 고딕" charset="0"/>
+              </a:rPr>
+              <a:t> </a:t>
+            </a:r>
+            <a:r>
+              <a:rPr lang="ko-KR" sz="1800">
+                <a:latin typeface="맑은 고딕" charset="0"/>
+                <a:ea typeface="맑은 고딕" charset="0"/>
+              </a:rPr>
+              <a:t>값을</a:t>
+            </a:r>
+            <a:r>
+              <a:rPr lang="ko-KR" sz="1800">
+                <a:latin typeface="맑은 고딕" charset="0"/>
+                <a:ea typeface="맑은 고딕" charset="0"/>
+              </a:rPr>
+              <a:t> 설정합니다.</a:t>
+            </a:r>
+            <a:endParaRPr lang="ko-KR" altLang="en-US" sz="1800">
+              <a:latin typeface="맑은 고딕" charset="0"/>
+              <a:ea typeface="맑은 고딕" charset="0"/>
+            </a:endParaRPr>
+          </a:p>
+        </p:txBody>
+      </p:sp>
       <p:pic>
         <p:nvPicPr>
-          <p:cNvPr id="1075" name="그림 39"/>
+          <p:cNvPr id="1046" name="그림 21" descr="C:/Users/nwond/AppData/Roaming/PolarisOffice/ETemp/33252_23922448/fImage57802649169.png"/>
           <p:cNvPicPr>
             <a:picLocks noChangeAspect="1"/>
           </p:cNvPicPr>
           <p:nvPr/>
         </p:nvPicPr>
         <p:blipFill rotWithShape="1">
-          <a:blip r:embed="rId15" cstate="print">
+          <a:blip r:embed="rId15" cstate="hqprint">
             <a:extLst>
               <a:ext uri="{28A0092B-C50C-407E-A947-70E740481C1C}">
-                <a14:useLocalDpi xmlns:a14="http://schemas.microsoft.com/office/drawing/2010/main" val="0"/>
+                <a14:useLocalDpi xmlns:a14="http://schemas.microsoft.com/office/drawing/2010/main"/>
               </a:ext>
             </a:extLst>
           </a:blip>
@@ -11530,8 +9002,8 @@
         </p:blipFill>
         <p:spPr>
           <a:xfrm rot="0">
-            <a:off x="1205230" y="3799840"/>
-            <a:ext cx="4161790" cy="1343025"/>
+            <a:off x="2567305" y="1459230"/>
+            <a:ext cx="2800350" cy="1177925"/>
           </a:xfrm>
           <a:prstGeom prst="roundRect"/>
           <a:solidFill>
@@ -11541,7 +9013,7 @@
       </p:pic>
       <p:sp>
         <p:nvSpPr>
-          <p:cNvPr id="1076" name="텍스트 상자 46"/>
+          <p:cNvPr id="1047" name="텍스트 상자 22"/>
           <p:cNvSpPr txBox="1">
             <a:spLocks/>
           </p:cNvSpPr>
@@ -11549,8 +9021,8 @@
         </p:nvSpPr>
         <p:spPr>
           <a:xfrm rot="0">
-            <a:off x="6822440" y="5529580"/>
-            <a:ext cx="4118610" cy="647065"/>
+            <a:off x="1225550" y="2728595"/>
+            <a:ext cx="4142740" cy="954405"/>
           </a:xfrm>
           <a:prstGeom prst="rect"/>
           <a:noFill/>
@@ -11565,67 +9037,43 @@
           </a:bodyPr>
           <a:lstStyle/>
           <a:p>
-            <a:pPr marL="0" indent="0" rtl="0" algn="l" defTabSz="914400" eaLnBrk="1" latinLnBrk="0" hangingPunct="1">
-              <a:buFontTx/>
-              <a:buNone/>
-            </a:pPr>
-            <a:r>
-              <a:rPr sz="1800" b="1">
+            <a:pPr marL="0" indent="0" algn="l" latinLnBrk="0" hangingPunct="1">
+              <a:buFontTx/>
+              <a:buNone/>
+            </a:pPr>
+            <a:r>
+              <a:rPr lang="ko-KR" sz="2000" b="1">
                 <a:solidFill>
                   <a:srgbClr val="0611F2"/>
                 </a:solidFill>
                 <a:latin typeface="맑은 고딕" charset="0"/>
                 <a:ea typeface="맑은 고딕" charset="0"/>
               </a:rPr>
-              <a:t>1</a:t>
-            </a:r>
-            <a:r>
-              <a:rPr lang="ko-KR" sz="1800" b="1">
+              <a:t>8</a:t>
+            </a:r>
+            <a:r>
+              <a:rPr sz="2000" b="1">
                 <a:solidFill>
                   <a:srgbClr val="0611F2"/>
                 </a:solidFill>
                 <a:latin typeface="맑은 고딕" charset="0"/>
                 <a:ea typeface="맑은 고딕" charset="0"/>
               </a:rPr>
-              <a:t>1</a:t>
-            </a:r>
-            <a:r>
-              <a:rPr sz="1800" b="1">
-                <a:solidFill>
-                  <a:srgbClr val="0611F2"/>
-                </a:solidFill>
-                <a:latin typeface="맑은 고딕" charset="0"/>
-                <a:ea typeface="맑은 고딕" charset="0"/>
-              </a:rPr>
-              <a:t>.</a:t>
-            </a:r>
-            <a:r>
-              <a:rPr sz="1800">
-                <a:latin typeface="맑은 고딕" charset="0"/>
-                <a:ea typeface="맑은 고딕" charset="0"/>
-              </a:rPr>
-              <a:t> 이제</a:t>
+              <a:t>. </a:t>
             </a:r>
             <a:r>
               <a:rPr lang="ko-KR" sz="1800">
                 <a:latin typeface="맑은 고딕" charset="0"/>
                 <a:ea typeface="맑은 고딕" charset="0"/>
               </a:rPr>
-              <a:t> C# Script를 생성한 다음 </a:t>
+              <a:t>그리고</a:t>
             </a:r>
             <a:r>
               <a:rPr lang="ko-KR" sz="1800">
                 <a:latin typeface="맑은 고딕" charset="0"/>
                 <a:ea typeface="맑은 고딕" charset="0"/>
               </a:rPr>
-              <a:t>Delete라는</a:t>
-            </a:r>
-            <a:r>
-              <a:rPr lang="ko-KR" sz="1800">
-                <a:latin typeface="맑은 고딕" charset="0"/>
-                <a:ea typeface="맑은 고딕" charset="0"/>
-              </a:rPr>
-              <a:t> 이름으로 정의합니다.</a:t>
+              <a:t> Project 폴더 아래에 있는 Model 폴더에 Alien 모델을 월드 공간에 배치합니다</a:t>
             </a:r>
             <a:endParaRPr lang="ko-KR" altLang="en-US" sz="1800">
               <a:latin typeface="맑은 고딕" charset="0"/>
@@ -11636,7 +9084,38 @@
       </p:sp>
       <p:pic>
         <p:nvPicPr>
-          <p:cNvPr id="1078" name="그림 48" descr="C:/Users/Admin1/AppData/Roaming/PolarisOffice/ETemp/14520_11842488/fImage82892606827.png"/>
+          <p:cNvPr id="1048" name="그림 23" descr="C:/Users/nwond/AppData/Roaming/PolarisOffice/ETemp/33252_23922448/fImage91672685724.png"/>
+          <p:cNvPicPr>
+            <a:picLocks noChangeAspect="1"/>
+          </p:cNvPicPr>
+          <p:nvPr/>
+        </p:nvPicPr>
+        <p:blipFill rotWithShape="1">
+          <a:blip r:embed="rId16" cstate="hqprint">
+            <a:extLst>
+              <a:ext uri="{28A0092B-C50C-407E-A947-70E740481C1C}">
+                <a14:useLocalDpi xmlns:a14="http://schemas.microsoft.com/office/drawing/2010/main"/>
+              </a:ext>
+            </a:extLst>
+          </a:blip>
+          <a:stretch>
+            <a:fillRect/>
+          </a:stretch>
+        </p:blipFill>
+        <p:spPr>
+          <a:xfrm rot="0">
+            <a:off x="1195705" y="1455420"/>
+            <a:ext cx="1303655" cy="1180465"/>
+          </a:xfrm>
+          <a:prstGeom prst="roundRect"/>
+          <a:solidFill>
+            <a:srgbClr val="EDEDED"/>
+          </a:solidFill>
+        </p:spPr>
+      </p:pic>
+      <p:pic>
+        <p:nvPicPr>
+          <p:cNvPr id="1049" name="그림 24" descr="C:/Users/nwond/AppData/Roaming/PolarisOffice/ETemp/33252_23922448/fImage2242171995705.png"/>
           <p:cNvPicPr>
             <a:picLocks noChangeAspect="1"/>
           </p:cNvPicPr>
@@ -11655,57 +9134,24 @@
           </a:stretch>
         </p:blipFill>
         <p:spPr>
-          <a:xfrm rot="0">
-            <a:off x="6831330" y="1455420"/>
-            <a:ext cx="4126230" cy="2731135"/>
-          </a:xfrm>
-          <a:prstGeom prst="roundRect"/>
-          <a:solidFill>
-            <a:srgbClr val="EDEDED"/>
-          </a:solidFill>
+          <a:xfrm rot="10800000">
+            <a:off x="2282190" y="1852295"/>
+            <a:ext cx="579120" cy="388620"/>
+          </a:xfrm>
+          <a:prstGeom prst="rect"/>
+          <a:noFill/>
         </p:spPr>
       </p:pic>
       <p:pic>
         <p:nvPicPr>
-          <p:cNvPr id="1079" name="그림 6" descr="C:/Users/Admin1/AppData/Roaming/PolarisOffice/ETemp/14520_11842488/fImage552928941.png"/>
+          <p:cNvPr id="1050" name="그림 25" descr="C:/Users/nwond/AppData/Roaming/PolarisOffice/ETemp/33252_23922448/fImage151762691478.png"/>
           <p:cNvPicPr>
             <a:picLocks noChangeAspect="1"/>
           </p:cNvPicPr>
           <p:nvPr/>
         </p:nvPicPr>
         <p:blipFill rotWithShape="1">
-          <a:blip r:embed="rId20" cstate="print">
-            <a:extLst>
-              <a:ext uri="{28A0092B-C50C-407E-A947-70E740481C1C}">
-                <a14:useLocalDpi xmlns:a14="http://schemas.microsoft.com/office/drawing/2010/main" val="0"/>
-              </a:ext>
-            </a:extLst>
-          </a:blip>
-          <a:stretch>
-            <a:fillRect/>
-          </a:stretch>
-        </p:blipFill>
-        <p:spPr>
-          <a:xfrm rot="0">
-            <a:off x="6822440" y="4410075"/>
-            <a:ext cx="4126230" cy="991235"/>
-          </a:xfrm>
-          <a:prstGeom prst="roundRect"/>
-          <a:solidFill>
-            <a:srgbClr val="EDEDED"/>
-          </a:solidFill>
-        </p:spPr>
-      </p:pic>
-      <p:pic>
-        <p:nvPicPr>
-          <p:cNvPr id="1080" name="그림 9" descr="C:/Users/Admin1/AppData/Roaming/PolarisOffice/ETemp/14520_11842488/fImage2242171995705.png"/>
-          <p:cNvPicPr>
-            <a:picLocks noChangeAspect="1"/>
-          </p:cNvPicPr>
-          <p:nvPr/>
-        </p:nvPicPr>
-        <p:blipFill rotWithShape="1">
-          <a:blip r:embed="rId14" cstate="hqprint">
+          <a:blip r:embed="rId18" cstate="hqprint">
             <a:extLst>
               <a:ext uri="{28A0092B-C50C-407E-A947-70E740481C1C}">
                 <a14:useLocalDpi xmlns:a14="http://schemas.microsoft.com/office/drawing/2010/main"/>
@@ -11717,14 +9163,138 @@
           </a:stretch>
         </p:blipFill>
         <p:spPr>
-          <a:xfrm rot="5400000">
-            <a:off x="8502015" y="4016375"/>
-            <a:ext cx="746125" cy="514985"/>
+          <a:xfrm rot="0">
+            <a:off x="1205230" y="3812540"/>
+            <a:ext cx="4157345" cy="1588135"/>
+          </a:xfrm>
+          <a:prstGeom prst="roundRect"/>
+          <a:solidFill>
+            <a:srgbClr val="EDEDED"/>
+          </a:solidFill>
+        </p:spPr>
+      </p:pic>
+      <p:pic>
+        <p:nvPicPr>
+          <p:cNvPr id="1051" name="그림 26" descr="C:/Users/nwond/AppData/Roaming/PolarisOffice/ETemp/33252_23922448/fImage121522599169.png"/>
+          <p:cNvPicPr>
+            <a:picLocks noChangeAspect="1"/>
+          </p:cNvPicPr>
+          <p:nvPr/>
+        </p:nvPicPr>
+        <p:blipFill rotWithShape="1">
+          <a:blip r:embed="rId19" cstate="hqprint">
+            <a:extLst>
+              <a:ext uri="{28A0092B-C50C-407E-A947-70E740481C1C}">
+                <a14:useLocalDpi xmlns:a14="http://schemas.microsoft.com/office/drawing/2010/main"/>
+              </a:ext>
+            </a:extLst>
+          </a:blip>
+          <a:stretch>
+            <a:fillRect/>
+          </a:stretch>
+        </p:blipFill>
+        <p:spPr>
+          <a:xfrm rot="0">
+            <a:off x="6814185" y="3799205"/>
+            <a:ext cx="4124325" cy="1569720"/>
+          </a:xfrm>
+          <a:prstGeom prst="roundRect"/>
+          <a:solidFill>
+            <a:srgbClr val="EDEDED"/>
+          </a:solidFill>
+        </p:spPr>
+      </p:pic>
+      <p:sp>
+        <p:nvSpPr>
+          <p:cNvPr id="1052" name="텍스트 상자 27"/>
+          <p:cNvSpPr txBox="1">
+            <a:spLocks/>
+          </p:cNvSpPr>
+          <p:nvPr/>
+        </p:nvSpPr>
+        <p:spPr>
+          <a:xfrm rot="0">
+            <a:off x="6811645" y="5524500"/>
+            <a:ext cx="4149090" cy="669290"/>
           </a:xfrm>
           <a:prstGeom prst="rect"/>
           <a:noFill/>
         </p:spPr>
-      </p:pic>
+        <p:txBody>
+          <a:bodyPr wrap="square" lIns="0" tIns="0" rIns="0" bIns="0" numCol="1" vert="horz" anchor="t">
+            <a:noAutofit/>
+          </a:bodyPr>
+          <a:lstStyle/>
+          <a:p>
+            <a:pPr marL="0" indent="0" algn="l" latinLnBrk="0" hangingPunct="1">
+              <a:buFontTx/>
+              <a:buNone/>
+            </a:pPr>
+            <a:r>
+              <a:rPr lang="ko-KR" sz="2000" b="1">
+                <a:solidFill>
+                  <a:srgbClr val="0611F2"/>
+                </a:solidFill>
+                <a:latin typeface="맑은 고딕" charset="0"/>
+                <a:ea typeface="맑은 고딕" charset="0"/>
+              </a:rPr>
+              <a:t>1</a:t>
+            </a:r>
+            <a:r>
+              <a:rPr lang="ko-KR" sz="2000" b="1">
+                <a:solidFill>
+                  <a:srgbClr val="0611F2"/>
+                </a:solidFill>
+                <a:latin typeface="맑은 고딕" charset="0"/>
+                <a:ea typeface="맑은 고딕" charset="0"/>
+              </a:rPr>
+              <a:t>1</a:t>
+            </a:r>
+            <a:r>
+              <a:rPr sz="2000" b="1">
+                <a:solidFill>
+                  <a:srgbClr val="0611F2"/>
+                </a:solidFill>
+                <a:latin typeface="맑은 고딕" charset="0"/>
+                <a:ea typeface="맑은 고딕" charset="0"/>
+              </a:rPr>
+              <a:t>. </a:t>
+            </a:r>
+            <a:r>
+              <a:rPr sz="1800">
+                <a:latin typeface="맑은 고딕" charset="0"/>
+                <a:ea typeface="맑은 고딕" charset="0"/>
+              </a:rPr>
+              <a:t>그</a:t>
+            </a:r>
+            <a:r>
+              <a:rPr sz="1800">
+                <a:latin typeface="맑은 고딕" charset="0"/>
+                <a:ea typeface="맑은 고딕" charset="0"/>
+              </a:rPr>
+              <a:t>러고 </a:t>
+            </a:r>
+            <a:r>
+              <a:rPr sz="1800">
+                <a:latin typeface="맑은 고딕" charset="0"/>
+                <a:ea typeface="맑은 고딕" charset="0"/>
+              </a:rPr>
+              <a:t>나서</a:t>
+            </a:r>
+            <a:r>
+              <a:rPr sz="1800">
+                <a:latin typeface="맑은 고딕" charset="0"/>
+                <a:ea typeface="맑은 고딕" charset="0"/>
+              </a:rPr>
+              <a:t> Create Object의 위치와 회전 값을 초기화합니다.</a:t>
+            </a:r>
+            <a:endParaRPr lang="ko-KR" altLang="en-US" sz="1800">
+              <a:latin typeface="맑은 고딕" charset="0"/>
+              <a:ea typeface="맑은 고딕" charset="0"/>
+            </a:endParaRPr>
+          </a:p>
+        </p:txBody>
+      </p:sp>
     </p:spTree>
   </p:cSld>
   <p:clrMapOvr>
@@ -11845,8 +9415,8 @@
         </p:nvSpPr>
         <p:spPr>
           <a:xfrm rot="0">
-            <a:off x="6801485" y="4114800"/>
-            <a:ext cx="4147185" cy="2061845"/>
+            <a:off x="6795135" y="4387850"/>
+            <a:ext cx="4147820" cy="1784985"/>
           </a:xfrm>
           <a:prstGeom prst="rect"/>
           <a:noFill/>
@@ -11873,7 +9443,17 @@
                 <a:latin typeface="맑은 고딕" charset="0"/>
                 <a:ea typeface="맑은 고딕" charset="0"/>
               </a:rPr>
-              <a:t>13</a:t>
+              <a:t>1</a:t>
+            </a:r>
+            <a:r>
+              <a:rPr lang="ko-KR" sz="2000" b="1">
+                <a:solidFill>
+                  <a:srgbClr val="0611F2"/>
+                </a:solidFill>
+                <a:latin typeface="맑은 고딕" charset="0"/>
+                <a:ea typeface="맑은 고딕" charset="0"/>
+              </a:rPr>
+              <a:t>4</a:t>
             </a:r>
             <a:r>
               <a:rPr sz="2000" b="1">
@@ -11883,13 +9463,31 @@
                 <a:latin typeface="맑은 고딕" charset="0"/>
                 <a:ea typeface="맑은 고딕" charset="0"/>
               </a:rPr>
-              <a:t>.</a:t>
-            </a:r>
-            <a:r>
-              <a:rPr sz="2000" b="1">
-                <a:solidFill>
-                  <a:srgbClr val="0611F2"/>
-                </a:solidFill>
+              <a:t>. </a:t>
+            </a:r>
+            <a:r>
+              <a:rPr lang="ko-KR" sz="1800">
+                <a:latin typeface="맑은 고딕" charset="0"/>
+                <a:ea typeface="맑은 고딕" charset="0"/>
+              </a:rPr>
+              <a:t>그</a:t>
+            </a:r>
+            <a:r>
+              <a:rPr lang="ko-KR" sz="1800">
+                <a:latin typeface="맑은 고딕" charset="0"/>
+                <a:ea typeface="맑은 고딕" charset="0"/>
+              </a:rPr>
+              <a:t>런 </a:t>
+            </a:r>
+            <a:r>
+              <a:rPr lang="ko-KR" sz="1800">
+                <a:latin typeface="맑은 고딕" charset="0"/>
+                <a:ea typeface="맑은 고딕" charset="0"/>
+              </a:rPr>
+              <a:t>다음</a:t>
+            </a:r>
+            <a:r>
+              <a:rPr lang="ko-KR" sz="1800">
                 <a:latin typeface="맑은 고딕" charset="0"/>
                 <a:ea typeface="맑은 고딕" charset="0"/>
               </a:rPr>
@@ -11900,20 +9498,34 @@
                 <a:latin typeface="맑은 고딕" charset="0"/>
                 <a:ea typeface="맑은 고딕" charset="0"/>
               </a:rPr>
-              <a:t>그다음 CreateGeneric( ) </a:t>
+              <a:t>U</a:t>
             </a:r>
             <a:r>
               <a:rPr lang="ko-KR" sz="1800">
                 <a:latin typeface="맑은 고딕" charset="0"/>
                 <a:ea typeface="맑은 고딕" charset="0"/>
               </a:rPr>
-              <a:t>함수를</a:t>
+              <a:t>pdate</a:t>
             </a:r>
             <a:r>
               <a:rPr lang="ko-KR" sz="1800">
                 <a:latin typeface="맑은 고딕" charset="0"/>
                 <a:ea typeface="맑은 고딕" charset="0"/>
               </a:rPr>
+              <a:t>( ) 함수</a:t>
+            </a:r>
+            <a:r>
+              <a:rPr lang="ko-KR" sz="1800">
+                <a:latin typeface="맑은 고딕" charset="0"/>
+                <a:ea typeface="맑은 고딕" charset="0"/>
+              </a:rPr>
+              <a:t>에서</a:t>
+            </a:r>
+            <a:r>
+              <a:rPr lang="ko-KR" sz="1800">
+                <a:latin typeface="맑은 고딕" charset="0"/>
+                <a:ea typeface="맑은 고딕" charset="0"/>
+              </a:rPr>
               <a:t> </a:t>
             </a:r>
             <a:r>
@@ -11921,105 +9533,28 @@
                 <a:latin typeface="맑은 고딕" charset="0"/>
                 <a:ea typeface="맑은 고딕" charset="0"/>
               </a:rPr>
-              <a:t>선언한</a:t>
+              <a:t>게임 </a:t>
             </a:r>
             <a:r>
               <a:rPr lang="ko-KR" sz="1800">
                 <a:latin typeface="맑은 고딕" charset="0"/>
                 <a:ea typeface="맑은 고딕" charset="0"/>
               </a:rPr>
-              <a:t> </a:t>
+              <a:t>오브젝트를 생성하</a:t>
             </a:r>
             <a:r>
               <a:rPr lang="ko-KR" sz="1800">
                 <a:latin typeface="맑은 고딕" charset="0"/>
                 <a:ea typeface="맑은 고딕" charset="0"/>
               </a:rPr>
-              <a:t>다음</a:t>
+              <a:t>고</a:t>
             </a:r>
             <a:r>
               <a:rPr lang="ko-KR" sz="1800">
                 <a:latin typeface="맑은 고딕" charset="0"/>
                 <a:ea typeface="맑은 고딕" charset="0"/>
               </a:rPr>
-              <a:t> </a:t>
-            </a:r>
-            <a:r>
-              <a:rPr lang="ko-KR" sz="1800">
-                <a:latin typeface="맑은 고딕" charset="0"/>
-                <a:ea typeface="맑은 고딕" charset="0"/>
-              </a:rPr>
-              <a:t>생성되는 게임 </a:t>
-            </a:r>
-            <a:r>
-              <a:rPr lang="ko-KR" sz="1800">
-                <a:latin typeface="맑은 고딕" charset="0"/>
-                <a:ea typeface="맑은 고딕" charset="0"/>
-              </a:rPr>
-              <a:t>오브젝트와</a:t>
-            </a:r>
-            <a:r>
-              <a:rPr lang="ko-KR" sz="1800">
-                <a:latin typeface="맑은 고딕" charset="0"/>
-                <a:ea typeface="맑은 고딕" charset="0"/>
-              </a:rPr>
-              <a:t> 생성되는</a:t>
-            </a:r>
-            <a:r>
-              <a:rPr lang="ko-KR" sz="1800">
-                <a:latin typeface="맑은 고딕" charset="0"/>
-                <a:ea typeface="맑은 고딕" charset="0"/>
-              </a:rPr>
-              <a:t> </a:t>
-            </a:r>
-            <a:r>
-              <a:rPr lang="ko-KR" sz="1800">
-                <a:latin typeface="맑은 고딕" charset="0"/>
-                <a:ea typeface="맑은 고딕" charset="0"/>
-              </a:rPr>
-              <a:t>위치와</a:t>
-            </a:r>
-            <a:r>
-              <a:rPr lang="ko-KR" sz="1800">
-                <a:latin typeface="맑은 고딕" charset="0"/>
-                <a:ea typeface="맑은 고딕" charset="0"/>
-              </a:rPr>
-              <a:t> </a:t>
-            </a:r>
-            <a:r>
-              <a:rPr lang="ko-KR" sz="1800">
-                <a:latin typeface="맑은 고딕" charset="0"/>
-                <a:ea typeface="맑은 고딕" charset="0"/>
-              </a:rPr>
-              <a:t>회전</a:t>
-            </a:r>
-            <a:r>
-              <a:rPr lang="ko-KR" sz="1800">
-                <a:latin typeface="맑은 고딕" charset="0"/>
-                <a:ea typeface="맑은 고딕" charset="0"/>
-              </a:rPr>
-              <a:t> </a:t>
-            </a:r>
-            <a:r>
-              <a:rPr lang="ko-KR" sz="1800">
-                <a:latin typeface="맑은 고딕" charset="0"/>
-                <a:ea typeface="맑은 고딕" charset="0"/>
-              </a:rPr>
-              <a:t>값을</a:t>
-            </a:r>
-            <a:r>
-              <a:rPr lang="ko-KR" sz="1800">
-                <a:latin typeface="맑은 고딕" charset="0"/>
-                <a:ea typeface="맑은 고딕" charset="0"/>
-              </a:rPr>
-              <a:t> </a:t>
-            </a:r>
-            <a:r>
-              <a:rPr lang="ko-KR" sz="1800">
-                <a:latin typeface="맑은 고딕" charset="0"/>
-                <a:ea typeface="맑은 고딕" charset="0"/>
-              </a:rPr>
-              <a:t>설정합니다.</a:t>
+              <a:t> 위치와 회전 값을 설정합니다.</a:t>
             </a:r>
             <a:endParaRPr lang="ko-KR" altLang="en-US" sz="1800">
               <a:latin typeface="맑은 고딕" charset="0"/>
@@ -12053,56 +9588,14 @@
                 <a:latin typeface="맑은 고딕" charset="0"/>
                 <a:ea typeface="맑은 고딕" charset="0"/>
               </a:rPr>
-              <a:t>러고</a:t>
+              <a:t>다음으로</a:t>
             </a:r>
             <a:r>
               <a:rPr lang="ko-KR" sz="1800">
                 <a:latin typeface="맑은 고딕" charset="0"/>
                 <a:ea typeface="맑은 고딕" charset="0"/>
               </a:rPr>
-              <a:t> </a:t>
-            </a:r>
-            <a:r>
-              <a:rPr lang="ko-KR" sz="1800">
-                <a:latin typeface="맑은 고딕" charset="0"/>
-                <a:ea typeface="맑은 고딕" charset="0"/>
-              </a:rPr>
-              <a:t>나서</a:t>
-            </a:r>
-            <a:r>
-              <a:rPr lang="ko-KR" sz="1800">
-                <a:latin typeface="맑은 고딕" charset="0"/>
-                <a:ea typeface="맑은 고딕" charset="0"/>
-              </a:rPr>
-              <a:t> 생성되는 순간 Delete </a:t>
-            </a:r>
-            <a:r>
-              <a:rPr lang="ko-KR" sz="1800">
-                <a:latin typeface="맑은 고딕" charset="0"/>
-                <a:ea typeface="맑은 고딕" charset="0"/>
-              </a:rPr>
-              <a:t>컴포넌트를</a:t>
-            </a:r>
-            <a:r>
-              <a:rPr lang="ko-KR" sz="1800">
-                <a:latin typeface="맑은 고딕" charset="0"/>
-                <a:ea typeface="맑은 고딕" charset="0"/>
-              </a:rPr>
-              <a:t> </a:t>
-            </a:r>
-            <a:r>
-              <a:rPr lang="ko-KR" sz="1800">
-                <a:latin typeface="맑은 고딕" charset="0"/>
-                <a:ea typeface="맑은 고딕" charset="0"/>
-              </a:rPr>
-              <a:t>추가하도록</a:t>
-            </a:r>
-            <a:r>
-              <a:rPr lang="ko-KR" sz="1800">
-                <a:latin typeface="맑은 고딕" charset="0"/>
-                <a:ea typeface="맑은 고딕" charset="0"/>
-              </a:rPr>
-              <a:t> 설정합니다.</a:t>
+              <a:t> 생성되는 순간 Delete 컴포넌트를 추가하도록 설정합니다.</a:t>
             </a:r>
             <a:endParaRPr lang="ko-KR" altLang="en-US" sz="1800">
               <a:latin typeface="맑은 고딕" charset="0"/>
@@ -12121,8 +9614,8 @@
         </p:nvSpPr>
         <p:spPr>
           <a:xfrm rot="0">
-            <a:off x="1205865" y="4392930"/>
-            <a:ext cx="4152900" cy="1784985"/>
+            <a:off x="1228725" y="2959735"/>
+            <a:ext cx="4134485" cy="955040"/>
           </a:xfrm>
           <a:prstGeom prst="rect"/>
           <a:noFill/>
@@ -12159,7 +9652,71 @@
                 <a:latin typeface="맑은 고딕" charset="0"/>
                 <a:ea typeface="맑은 고딕" charset="0"/>
               </a:rPr>
-              <a:t>.</a:t>
+              <a:t>. </a:t>
+            </a:r>
+            <a:r>
+              <a:rPr lang="ko-KR" sz="1800">
+                <a:latin typeface="맑은 고딕" charset="0"/>
+                <a:ea typeface="맑은 고딕" charset="0"/>
+              </a:rPr>
+              <a:t>이제 Create 스크립트에서 bool 변수와 GameObject 변수를 선언한 다음 Thread를 선언합니다.</a:t>
+            </a:r>
+            <a:endParaRPr lang="ko-KR" altLang="en-US" sz="1800">
+              <a:latin typeface="맑은 고딕" charset="0"/>
+              <a:ea typeface="맑은 고딕" charset="0"/>
+            </a:endParaRPr>
+          </a:p>
+        </p:txBody>
+      </p:sp>
+      <p:sp>
+        <p:nvSpPr>
+          <p:cNvPr id="1074" name="텍스트 상자 34"/>
+          <p:cNvSpPr txBox="1">
+            <a:spLocks/>
+          </p:cNvSpPr>
+          <p:nvPr/>
+        </p:nvSpPr>
+        <p:spPr>
+          <a:xfrm rot="0">
+            <a:off x="1228725" y="5501005"/>
+            <a:ext cx="4140200" cy="677545"/>
+          </a:xfrm>
+          <a:prstGeom prst="rect"/>
+          <a:noFill/>
+          <a:ln w="0">
+            <a:noFill/>
+            <a:prstDash/>
+          </a:ln>
+        </p:spPr>
+        <p:txBody>
+          <a:bodyPr wrap="square" lIns="89535" tIns="46355" rIns="89535" bIns="46355" numCol="1" vert="horz" anchor="t">
+            <a:spAutoFit/>
+          </a:bodyPr>
+          <a:lstStyle/>
+          <a:p>
+            <a:pPr marL="0" indent="0" algn="l" latinLnBrk="0" hangingPunct="1">
+              <a:buFontTx/>
+              <a:buNone/>
+            </a:pPr>
+            <a:r>
+              <a:rPr lang="ko-KR" sz="2000" b="1">
+                <a:solidFill>
+                  <a:srgbClr val="0611F2"/>
+                </a:solidFill>
+                <a:latin typeface="맑은 고딕" charset="0"/>
+                <a:ea typeface="맑은 고딕" charset="0"/>
+              </a:rPr>
+              <a:t>1</a:t>
+            </a:r>
+            <a:r>
+              <a:rPr lang="ko-KR" sz="2000" b="1">
+                <a:solidFill>
+                  <a:srgbClr val="0611F2"/>
+                </a:solidFill>
+                <a:latin typeface="맑은 고딕" charset="0"/>
+                <a:ea typeface="맑은 고딕" charset="0"/>
+              </a:rPr>
+              <a:t>3</a:t>
             </a:r>
             <a:r>
               <a:rPr sz="2000" b="1">
@@ -12169,6 +9726,20 @@
                 <a:latin typeface="맑은 고딕" charset="0"/>
                 <a:ea typeface="맑은 고딕" charset="0"/>
               </a:rPr>
+              <a:t>. </a:t>
+            </a:r>
+            <a:r>
+              <a:rPr lang="ko-KR" sz="1800">
+                <a:latin typeface="맑은 고딕" charset="0"/>
+                <a:ea typeface="맑은 고딕" charset="0"/>
+              </a:rPr>
+              <a:t>그리고</a:t>
+            </a:r>
+            <a:r>
+              <a:rPr lang="ko-KR" sz="1800">
+                <a:latin typeface="맑은 고딕" charset="0"/>
+                <a:ea typeface="맑은 고딕" charset="0"/>
+              </a:rPr>
               <a:t> </a:t>
             </a:r>
             <a:r>
@@ -12176,14 +9747,14 @@
                 <a:latin typeface="맑은 고딕" charset="0"/>
                 <a:ea typeface="맑은 고딕" charset="0"/>
               </a:rPr>
-              <a:t>그리고 Create 스크립트의 </a:t>
+              <a:t>S</a:t>
             </a:r>
             <a:r>
               <a:rPr lang="ko-KR" sz="1800">
                 <a:latin typeface="맑은 고딕" charset="0"/>
                 <a:ea typeface="맑은 고딕" charset="0"/>
               </a:rPr>
-              <a:t>Button</a:t>
+              <a:t>tart(</a:t>
             </a:r>
             <a:r>
               <a:rPr lang="ko-KR" sz="1800">
@@ -12197,108 +9768,115 @@
                 <a:latin typeface="맑은 고딕" charset="0"/>
                 <a:ea typeface="맑은 고딕" charset="0"/>
               </a:rPr>
-              <a:t>변수와</a:t>
+              <a:t>)</a:t>
             </a:r>
             <a:r>
               <a:rPr lang="ko-KR" sz="1800">
                 <a:latin typeface="맑은 고딕" charset="0"/>
                 <a:ea typeface="맑은 고딕" charset="0"/>
               </a:rPr>
-              <a:t> GameObject 변수를 </a:t>
+              <a:t> 함수에서 </a:t>
             </a:r>
             <a:r>
               <a:rPr lang="ko-KR" sz="1800">
                 <a:latin typeface="맑은 고딕" charset="0"/>
                 <a:ea typeface="맑은 고딕" charset="0"/>
               </a:rPr>
-              <a:t>선언합니다.</a:t>
+              <a:t>Thread를 </a:t>
+            </a:r>
+            <a:r>
+              <a:rPr lang="ko-KR" sz="1800">
+                <a:latin typeface="맑은 고딕" charset="0"/>
+                <a:ea typeface="맑은 고딕" charset="0"/>
+              </a:rPr>
+              <a:t>생성하고 실행합니다.</a:t>
+            </a:r>
+            <a:r>
+              <a:rPr lang="ko-KR" sz="1800">
+                <a:latin typeface="맑은 고딕" charset="0"/>
+                <a:ea typeface="맑은 고딕" charset="0"/>
+              </a:rPr>
+              <a:t> </a:t>
             </a:r>
             <a:endParaRPr lang="ko-KR" altLang="en-US" sz="1800">
               <a:latin typeface="맑은 고딕" charset="0"/>
               <a:ea typeface="맑은 고딕" charset="0"/>
             </a:endParaRPr>
           </a:p>
-          <a:p>
-            <a:pPr marL="0" indent="0" algn="l" latinLnBrk="0" hangingPunct="1">
-              <a:buFontTx/>
-              <a:buNone/>
-            </a:pPr>
-            <a:endParaRPr lang="ko-KR" altLang="en-US" sz="1800">
-              <a:latin typeface="맑은 고딕" charset="0"/>
-              <a:ea typeface="맑은 고딕" charset="0"/>
-            </a:endParaRPr>
-          </a:p>
-          <a:p>
-            <a:pPr marL="0" indent="0" algn="l" latinLnBrk="0" hangingPunct="1">
-              <a:buFontTx/>
-              <a:buNone/>
-            </a:pPr>
-            <a:r>
-              <a:rPr lang="ko-KR" sz="1800">
-                <a:latin typeface="맑은 고딕" charset="0"/>
-                <a:ea typeface="맑은 고딕" charset="0"/>
-              </a:rPr>
-              <a:t>그런</a:t>
-            </a:r>
-            <a:r>
-              <a:rPr lang="ko-KR" sz="1800">
-                <a:latin typeface="맑은 고딕" charset="0"/>
-                <a:ea typeface="맑은 고딕" charset="0"/>
-              </a:rPr>
-              <a:t> </a:t>
-            </a:r>
-            <a:r>
-              <a:rPr lang="ko-KR" sz="1800">
-                <a:latin typeface="맑은 고딕" charset="0"/>
-                <a:ea typeface="맑은 고딕" charset="0"/>
-              </a:rPr>
-              <a:t>다음</a:t>
-            </a:r>
-            <a:r>
-              <a:rPr lang="ko-KR" sz="1800">
-                <a:latin typeface="맑은 고딕" charset="0"/>
-                <a:ea typeface="맑은 고딕" charset="0"/>
-              </a:rPr>
-              <a:t> </a:t>
-            </a:r>
-            <a:r>
-              <a:rPr lang="ko-KR" sz="1800">
-                <a:latin typeface="맑은 고딕" charset="0"/>
-                <a:ea typeface="맑은 고딕" charset="0"/>
-              </a:rPr>
-              <a:t>bool</a:t>
-            </a:r>
-            <a:r>
-              <a:rPr lang="ko-KR" sz="1800">
-                <a:latin typeface="맑은 고딕" charset="0"/>
-                <a:ea typeface="맑은 고딕" charset="0"/>
-              </a:rPr>
-              <a:t> 변수와 float 변수를 </a:t>
-            </a:r>
-            <a:r>
-              <a:rPr lang="ko-KR" sz="1800">
-                <a:latin typeface="맑은 고딕" charset="0"/>
-                <a:ea typeface="맑은 고딕" charset="0"/>
-              </a:rPr>
-              <a:t>선언합니다.</a:t>
-            </a:r>
-            <a:endParaRPr lang="ko-KR" altLang="en-US" sz="1800">
-              <a:latin typeface="맑은 고딕" charset="0"/>
-              <a:ea typeface="맑은 고딕" charset="0"/>
-            </a:endParaRPr>
-          </a:p>
         </p:txBody>
       </p:sp>
       <p:pic>
         <p:nvPicPr>
-          <p:cNvPr id="1070" name="그림 1" descr="C:/Users/Admin1/AppData/Roaming/PolarisOffice/ETemp/14520_11842488/fImage609162048467.png"/>
+          <p:cNvPr id="1075" name="그림 35" descr="C:/Users/nwond/AppData/Roaming/PolarisOffice/ETemp/8448_10098368/fImage915553019358.png"/>
           <p:cNvPicPr>
             <a:picLocks noChangeAspect="1"/>
           </p:cNvPicPr>
           <p:nvPr/>
         </p:nvPicPr>
         <p:blipFill rotWithShape="1">
-          <a:blip r:embed="rId5" cstate="print">
+          <a:blip r:embed="rId8" cstate="hqprint">
+            <a:extLst>
+              <a:ext uri="{28A0092B-C50C-407E-A947-70E740481C1C}">
+                <a14:useLocalDpi xmlns:a14="http://schemas.microsoft.com/office/drawing/2010/main"/>
+              </a:ext>
+            </a:extLst>
+          </a:blip>
+          <a:stretch>
+            <a:fillRect/>
+          </a:stretch>
+        </p:blipFill>
+        <p:spPr>
+          <a:xfrm rot="0">
+            <a:off x="6801485" y="1446530"/>
+            <a:ext cx="4140835" cy="2806065"/>
+          </a:xfrm>
+          <a:prstGeom prst="roundRect"/>
+          <a:solidFill>
+            <a:srgbClr val="EDEDED"/>
+          </a:solidFill>
+        </p:spPr>
+      </p:pic>
+      <p:pic>
+        <p:nvPicPr>
+          <p:cNvPr id="1076" name="그림 41" descr="C:/Users/nwond/AppData/Roaming/PolarisOffice/ETemp/8448_10098368/fImage558443036962.png"/>
+          <p:cNvPicPr>
+            <a:picLocks noChangeAspect="1"/>
+          </p:cNvPicPr>
+          <p:nvPr/>
+        </p:nvPicPr>
+        <p:blipFill rotWithShape="1">
+          <a:blip r:embed="rId9" cstate="hqprint">
+            <a:extLst>
+              <a:ext uri="{28A0092B-C50C-407E-A947-70E740481C1C}">
+                <a14:useLocalDpi xmlns:a14="http://schemas.microsoft.com/office/drawing/2010/main"/>
+              </a:ext>
+            </a:extLst>
+          </a:blip>
+          <a:stretch>
+            <a:fillRect/>
+          </a:stretch>
+        </p:blipFill>
+        <p:spPr>
+          <a:xfrm rot="0">
+            <a:off x="1235075" y="1440180"/>
+            <a:ext cx="4128135" cy="1440180"/>
+          </a:xfrm>
+          <a:prstGeom prst="roundRect"/>
+          <a:solidFill>
+            <a:srgbClr val="EDEDED"/>
+          </a:solidFill>
+        </p:spPr>
+      </p:pic>
+      <p:pic>
+        <p:nvPicPr>
+          <p:cNvPr id="1077" name="그림 4" descr="C:/Users/nwond/AppData/Roaming/PolarisOffice/ETemp/8448_10098368/fImage4189717241.png"/>
+          <p:cNvPicPr>
+            <a:picLocks noChangeAspect="1"/>
+          </p:cNvPicPr>
+          <p:nvPr/>
+        </p:nvPicPr>
+        <p:blipFill rotWithShape="1">
+          <a:blip r:embed="rId10" cstate="print">
             <a:extLst>
               <a:ext uri="{28A0092B-C50C-407E-A947-70E740481C1C}">
                 <a14:useLocalDpi xmlns:a14="http://schemas.microsoft.com/office/drawing/2010/main" val="0"/>
@@ -12311,39 +9889,8 @@
         </p:blipFill>
         <p:spPr>
           <a:xfrm rot="0">
-            <a:off x="1240790" y="1456055"/>
-            <a:ext cx="4126230" cy="2790825"/>
-          </a:xfrm>
-          <a:prstGeom prst="roundRect"/>
-          <a:solidFill>
-            <a:srgbClr val="EDEDED"/>
-          </a:solidFill>
-        </p:spPr>
-      </p:pic>
-      <p:pic>
-        <p:nvPicPr>
-          <p:cNvPr id="1071" name="그림 10" descr="C:/Users/Admin1/AppData/Roaming/PolarisOffice/ETemp/14520_11842488/fImage666182916334.png"/>
-          <p:cNvPicPr>
-            <a:picLocks noChangeAspect="1"/>
-          </p:cNvPicPr>
-          <p:nvPr/>
-        </p:nvPicPr>
-        <p:blipFill rotWithShape="1">
-          <a:blip r:embed="rId6" cstate="print">
-            <a:extLst>
-              <a:ext uri="{28A0092B-C50C-407E-A947-70E740481C1C}">
-                <a14:useLocalDpi xmlns:a14="http://schemas.microsoft.com/office/drawing/2010/main" val="0"/>
-              </a:ext>
-            </a:extLst>
-          </a:blip>
-          <a:stretch>
-            <a:fillRect/>
-          </a:stretch>
-        </p:blipFill>
-        <p:spPr>
-          <a:xfrm rot="0">
-            <a:off x="6813550" y="1447165"/>
-            <a:ext cx="4144010" cy="2515870"/>
+            <a:off x="1226185" y="4027805"/>
+            <a:ext cx="4136390" cy="1378585"/>
           </a:xfrm>
           <a:prstGeom prst="roundRect"/>
           <a:solidFill>
@@ -12462,7 +10009,7 @@
         <p:spPr>
           <a:xfrm>
             <a:off x="1231900" y="4392930"/>
-            <a:ext cx="4144645" cy="1784985"/>
+            <a:ext cx="4137660" cy="1784985"/>
           </a:xfrm>
           <a:prstGeom prst="rect"/>
           <a:noFill/>
@@ -12489,7 +10036,7 @@
                 <a:latin typeface="맑은 고딕" charset="0"/>
                 <a:ea typeface="맑은 고딕" charset="0"/>
               </a:rPr>
-              <a:t>14</a:t>
+              <a:t>15</a:t>
             </a:r>
             <a:r>
               <a:rPr sz="2000" b="1">
@@ -12499,7 +10046,136 @@
                 <a:latin typeface="맑은 고딕" charset="0"/>
                 <a:ea typeface="맑은 고딕" charset="0"/>
               </a:rPr>
-              <a:t>.</a:t>
+              <a:t>. </a:t>
+            </a:r>
+            <a:r>
+              <a:rPr lang="ko-KR" sz="1800">
+                <a:latin typeface="맑은 고딕" charset="0"/>
+                <a:ea typeface="맑은 고딕" charset="0"/>
+              </a:rPr>
+              <a:t>그러고 나서 Create</a:t>
+            </a:r>
+            <a:r>
+              <a:rPr lang="ko-KR" sz="1800">
+                <a:latin typeface="맑은 고딕" charset="0"/>
+                <a:ea typeface="맑은 고딕" charset="0"/>
+              </a:rPr>
+              <a:t>R</a:t>
+            </a:r>
+            <a:r>
+              <a:rPr lang="ko-KR" sz="1800">
+                <a:latin typeface="맑은 고딕" charset="0"/>
+                <a:ea typeface="맑은 고딕" charset="0"/>
+              </a:rPr>
+              <a:t>outine</a:t>
+            </a:r>
+            <a:r>
+              <a:rPr lang="ko-KR" sz="1800">
+                <a:latin typeface="맑은 고딕" charset="0"/>
+                <a:ea typeface="맑은 고딕" charset="0"/>
+              </a:rPr>
+              <a:t>( ) 함수를 선언합니다.</a:t>
+            </a:r>
+            <a:endParaRPr lang="ko-KR" altLang="en-US" sz="1800">
+              <a:latin typeface="맑은 고딕" charset="0"/>
+              <a:ea typeface="맑은 고딕" charset="0"/>
+            </a:endParaRPr>
+          </a:p>
+          <a:p>
+            <a:pPr marL="0" indent="0" algn="l" latinLnBrk="0" hangingPunct="1">
+              <a:buFontTx/>
+              <a:buNone/>
+            </a:pPr>
+            <a:endParaRPr lang="ko-KR" altLang="en-US" sz="1800">
+              <a:latin typeface="맑은 고딕" charset="0"/>
+              <a:ea typeface="맑은 고딕" charset="0"/>
+            </a:endParaRPr>
+          </a:p>
+          <a:p>
+            <a:pPr marL="0" indent="0" algn="l" latinLnBrk="0" hangingPunct="1">
+              <a:buFontTx/>
+              <a:buNone/>
+            </a:pPr>
+            <a:r>
+              <a:rPr lang="ko-KR" sz="1800">
+                <a:latin typeface="맑은 고딕" charset="0"/>
+                <a:ea typeface="맑은 고딕" charset="0"/>
+              </a:rPr>
+              <a:t>이제 반복문을 선언하고 Thread를 5초 마다 대기시킨 다음 </a:t>
+            </a:r>
+            <a:r>
+              <a:rPr lang="ko-KR" sz="1800">
+                <a:latin typeface="맑은 고딕" charset="0"/>
+                <a:ea typeface="맑은 고딕" charset="0"/>
+              </a:rPr>
+              <a:t>b</a:t>
+            </a:r>
+            <a:r>
+              <a:rPr lang="ko-KR" sz="1800">
+                <a:latin typeface="맑은 고딕" charset="0"/>
+                <a:ea typeface="맑은 고딕" charset="0"/>
+              </a:rPr>
+              <a:t>oolean </a:t>
+            </a:r>
+            <a:r>
+              <a:rPr lang="ko-KR" sz="1800">
+                <a:latin typeface="맑은 고딕" charset="0"/>
+                <a:ea typeface="맑은 고딕" charset="0"/>
+              </a:rPr>
+              <a:t>변수를 true로 설정합니다.</a:t>
+            </a:r>
+            <a:endParaRPr lang="ko-KR" altLang="en-US" sz="1800">
+              <a:latin typeface="맑은 고딕" charset="0"/>
+              <a:ea typeface="맑은 고딕" charset="0"/>
+            </a:endParaRPr>
+          </a:p>
+        </p:txBody>
+      </p:sp>
+      <p:sp>
+        <p:nvSpPr>
+          <p:cNvPr id="1069" name="텍스트 상자 49"/>
+          <p:cNvSpPr txBox="1">
+            <a:spLocks/>
+          </p:cNvSpPr>
+          <p:nvPr/>
+        </p:nvSpPr>
+        <p:spPr>
+          <a:xfrm rot="0">
+            <a:off x="6793865" y="4429760"/>
+            <a:ext cx="4151630" cy="1746885"/>
+          </a:xfrm>
+          <a:prstGeom prst="rect"/>
+          <a:noFill/>
+        </p:spPr>
+        <p:txBody>
+          <a:bodyPr wrap="square" lIns="0" tIns="0" rIns="0" bIns="0" numCol="1" vert="horz" anchor="t">
+            <a:noAutofit/>
+          </a:bodyPr>
+          <a:lstStyle/>
+          <a:p>
+            <a:pPr marL="0" indent="0" algn="l" latinLnBrk="0" hangingPunct="1">
+              <a:buFontTx/>
+              <a:buNone/>
+            </a:pPr>
+            <a:r>
+              <a:rPr lang="ko-KR" sz="2000" b="1">
+                <a:solidFill>
+                  <a:srgbClr val="0611F2"/>
+                </a:solidFill>
+                <a:latin typeface="맑은 고딕" charset="0"/>
+                <a:ea typeface="맑은 고딕" charset="0"/>
+              </a:rPr>
+              <a:t>1</a:t>
+            </a:r>
+            <a:r>
+              <a:rPr lang="ko-KR" sz="2000" b="1">
+                <a:solidFill>
+                  <a:srgbClr val="0611F2"/>
+                </a:solidFill>
+                <a:latin typeface="맑은 고딕" charset="0"/>
+                <a:ea typeface="맑은 고딕" charset="0"/>
+              </a:rPr>
+              <a:t>6</a:t>
             </a:r>
             <a:r>
               <a:rPr sz="2000" b="1">
@@ -12509,56 +10185,21 @@
                 <a:latin typeface="맑은 고딕" charset="0"/>
                 <a:ea typeface="맑은 고딕" charset="0"/>
               </a:rPr>
-              <a:t> </a:t>
+              <a:t>. </a:t>
+            </a:r>
+            <a:r>
+              <a:rPr sz="1800">
+                <a:latin typeface="맑은 고딕" charset="0"/>
+                <a:ea typeface="맑은 고딕" charset="0"/>
+              </a:rPr>
+              <a:t>그리고 Project 폴더 아래에 있는 Texture 폴더에 Space Ground 텍스처를 선택합니</a:t>
             </a:r>
             <a:r>
               <a:rPr lang="ko-KR" sz="1800">
                 <a:latin typeface="맑은 고딕" charset="0"/>
                 <a:ea typeface="맑은 고딕" charset="0"/>
               </a:rPr>
-              <a:t>이제 Update( ) 함수에서 조건에 </a:t>
-            </a:r>
-            <a:r>
-              <a:rPr lang="ko-KR" sz="1800">
-                <a:latin typeface="맑은 고딕" charset="0"/>
-                <a:ea typeface="맑은 고딕" charset="0"/>
-              </a:rPr>
-              <a:t>따라</a:t>
-            </a:r>
-            <a:r>
-              <a:rPr lang="ko-KR" sz="1800">
-                <a:latin typeface="맑은 고딕" charset="0"/>
-                <a:ea typeface="맑은 고딕" charset="0"/>
-              </a:rPr>
-              <a:t> </a:t>
-            </a:r>
-            <a:r>
-              <a:rPr lang="ko-KR" sz="1800">
-                <a:latin typeface="맑은 고딕" charset="0"/>
-                <a:ea typeface="맑은 고딕" charset="0"/>
-              </a:rPr>
-              <a:t>버튼</a:t>
-            </a:r>
-            <a:r>
-              <a:rPr lang="ko-KR" sz="1800">
-                <a:latin typeface="맑은 고딕" charset="0"/>
-                <a:ea typeface="맑은 고딕" charset="0"/>
-              </a:rPr>
-              <a:t> 오브젝트를 활성화 또는 </a:t>
-            </a:r>
-            <a:r>
-              <a:rPr lang="ko-KR" sz="1800">
-                <a:latin typeface="맑은 고딕" charset="0"/>
-                <a:ea typeface="맑은 고딕" charset="0"/>
-              </a:rPr>
-              <a:t>비활성화하도록</a:t>
-            </a:r>
-            <a:r>
-              <a:rPr lang="ko-KR" sz="1800">
-                <a:latin typeface="맑은 고딕" charset="0"/>
-                <a:ea typeface="맑은 고딕" charset="0"/>
-              </a:rPr>
-              <a:t> 선언합니다.</a:t>
+              <a:t>다.</a:t>
             </a:r>
             <a:endParaRPr lang="ko-KR" altLang="en-US" sz="1800">
               <a:latin typeface="맑은 고딕" charset="0"/>
@@ -12585,42 +10226,14 @@
                 <a:latin typeface="맑은 고딕" charset="0"/>
                 <a:ea typeface="맑은 고딕" charset="0"/>
               </a:rPr>
-              <a:t>그리고</a:t>
-            </a:r>
-            <a:r>
-              <a:rPr lang="ko-KR" sz="1800">
-                <a:latin typeface="맑은 고딕" charset="0"/>
-                <a:ea typeface="맑은 고딕" charset="0"/>
-              </a:rPr>
-              <a:t> 이미지에 fillAmount 값을 </a:t>
-            </a:r>
-            <a:r>
-              <a:rPr lang="ko-KR" sz="1800">
-                <a:latin typeface="맑은 고딕" charset="0"/>
-                <a:ea typeface="맑은 고딕" charset="0"/>
-              </a:rPr>
-              <a:t>시간에</a:t>
-            </a:r>
-            <a:r>
-              <a:rPr lang="ko-KR" sz="1800">
-                <a:latin typeface="맑은 고딕" charset="0"/>
-                <a:ea typeface="맑은 고딕" charset="0"/>
-              </a:rPr>
-              <a:t> </a:t>
-            </a:r>
-            <a:r>
-              <a:rPr lang="ko-KR" sz="1800">
-                <a:latin typeface="맑은 고딕" charset="0"/>
-                <a:ea typeface="맑은 고딕" charset="0"/>
-              </a:rPr>
-              <a:t>따라</a:t>
-            </a:r>
-            <a:r>
-              <a:rPr lang="ko-KR" sz="1800">
-                <a:latin typeface="맑은 고딕" charset="0"/>
-                <a:ea typeface="맑은 고딕" charset="0"/>
-              </a:rPr>
-              <a:t> 변화하도록 설정합니다.</a:t>
+              <a:t>그런 다음</a:t>
+            </a:r>
+            <a:r>
+              <a:rPr sz="1800">
+                <a:latin typeface="맑은 고딕" charset="0"/>
+                <a:ea typeface="맑은 고딕" charset="0"/>
+              </a:rPr>
+              <a:t> Back Ground 오브젝트의 Source Image에 넣어줍니다.</a:t>
             </a:r>
             <a:endParaRPr lang="ko-KR" altLang="en-US" sz="1800">
               <a:latin typeface="맑은 고딕" charset="0"/>
@@ -12631,14 +10244,14 @@
       </p:sp>
       <p:pic>
         <p:nvPicPr>
-          <p:cNvPr id="1071" name="그림 58" descr="C:/Users/Admin1/AppData/Roaming/PolarisOffice/ETemp/14520_11842488/fImage192962919169.png"/>
+          <p:cNvPr id="1070" name="그림 50"/>
           <p:cNvPicPr>
             <a:picLocks noChangeAspect="1"/>
           </p:cNvPicPr>
           <p:nvPr/>
         </p:nvPicPr>
         <p:blipFill rotWithShape="1">
-          <a:blip r:embed="rId3" cstate="hqprint">
+          <a:blip r:embed="rId7" cstate="hqprint">
             <a:extLst>
               <a:ext uri="{28A0092B-C50C-407E-A947-70E740481C1C}">
                 <a14:useLocalDpi xmlns:a14="http://schemas.microsoft.com/office/drawing/2010/main"/>
@@ -12651,8 +10264,8 @@
         </p:blipFill>
         <p:spPr>
           <a:xfrm rot="0">
-            <a:off x="6813550" y="1447165"/>
-            <a:ext cx="4144010" cy="2791460"/>
+            <a:off x="6802120" y="1446530"/>
+            <a:ext cx="4147820" cy="1767840"/>
           </a:xfrm>
           <a:prstGeom prst="roundRect"/>
           <a:solidFill>
@@ -12660,295 +10273,79 @@
           </a:solidFill>
         </p:spPr>
       </p:pic>
-      <p:sp>
-        <p:nvSpPr>
-          <p:cNvPr id="1072" name="텍스트 상자 59"/>
-          <p:cNvSpPr txBox="1">
-            <a:spLocks/>
-          </p:cNvSpPr>
-          <p:nvPr/>
-        </p:nvSpPr>
-        <p:spPr>
-          <a:xfrm rot="0">
-            <a:off x="6824345" y="4430395"/>
-            <a:ext cx="4124325" cy="1746250"/>
-          </a:xfrm>
-          <a:prstGeom prst="rect"/>
-          <a:noFill/>
-        </p:spPr>
-        <p:txBody>
-          <a:bodyPr wrap="square" lIns="0" tIns="0" rIns="0" bIns="0" numCol="1" vert="horz" anchor="t">
-            <a:noAutofit/>
-          </a:bodyPr>
-          <a:lstStyle/>
-          <a:p>
-            <a:pPr marL="0" indent="0" algn="l" latinLnBrk="0" hangingPunct="1">
-              <a:buFontTx/>
-              <a:buNone/>
-            </a:pPr>
-            <a:r>
-              <a:rPr lang="ko-KR" sz="2000" b="1">
-                <a:solidFill>
-                  <a:srgbClr val="0611F2"/>
-                </a:solidFill>
-                <a:latin typeface="맑은 고딕" charset="0"/>
-                <a:ea typeface="맑은 고딕" charset="0"/>
-              </a:rPr>
-              <a:t>15</a:t>
-            </a:r>
-            <a:r>
-              <a:rPr sz="2000" b="1">
-                <a:solidFill>
-                  <a:srgbClr val="0611F2"/>
-                </a:solidFill>
-                <a:latin typeface="맑은 고딕" charset="0"/>
-                <a:ea typeface="맑은 고딕" charset="0"/>
-              </a:rPr>
-              <a:t>.</a:t>
-            </a:r>
-            <a:r>
-              <a:rPr sz="2000" b="1">
-                <a:solidFill>
-                  <a:srgbClr val="0611F2"/>
-                </a:solidFill>
-                <a:latin typeface="맑은 고딕" charset="0"/>
-                <a:ea typeface="맑은 고딕" charset="0"/>
-              </a:rPr>
-              <a:t> </a:t>
-            </a:r>
-            <a:r>
-              <a:rPr lang="ko-KR" sz="1800">
-                <a:latin typeface="맑은 고딕" charset="0"/>
-                <a:ea typeface="맑은 고딕" charset="0"/>
-              </a:rPr>
-              <a:t>그런 다음 Create Button </a:t>
-            </a:r>
-            <a:r>
-              <a:rPr lang="ko-KR" sz="1800">
-                <a:latin typeface="맑은 고딕" charset="0"/>
-                <a:ea typeface="맑은 고딕" charset="0"/>
-              </a:rPr>
-              <a:t>오브젝트에</a:t>
-            </a:r>
-            <a:r>
-              <a:rPr lang="ko-KR" sz="1800">
-                <a:latin typeface="맑은 고딕" charset="0"/>
-                <a:ea typeface="맑은 고딕" charset="0"/>
-              </a:rPr>
-              <a:t> </a:t>
-            </a:r>
-            <a:r>
-              <a:rPr lang="ko-KR" sz="1800">
-                <a:latin typeface="맑은 고딕" charset="0"/>
-                <a:ea typeface="맑은 고딕" charset="0"/>
-              </a:rPr>
-              <a:t>있는</a:t>
-            </a:r>
-            <a:r>
-              <a:rPr lang="ko-KR" sz="1800">
-                <a:latin typeface="맑은 고딕" charset="0"/>
-                <a:ea typeface="맑은 고딕" charset="0"/>
-              </a:rPr>
-              <a:t> </a:t>
-            </a:r>
-            <a:r>
-              <a:rPr lang="ko-KR" sz="1800">
-                <a:latin typeface="맑은 고딕" charset="0"/>
-                <a:ea typeface="맑은 고딕" charset="0"/>
-              </a:rPr>
-              <a:t>Image</a:t>
-            </a:r>
-            <a:r>
-              <a:rPr lang="ko-KR" sz="1800">
-                <a:latin typeface="맑은 고딕" charset="0"/>
-                <a:ea typeface="맑은 고딕" charset="0"/>
-              </a:rPr>
-              <a:t> </a:t>
-            </a:r>
-            <a:r>
-              <a:rPr lang="ko-KR" sz="1800">
-                <a:latin typeface="맑은 고딕" charset="0"/>
-                <a:ea typeface="맑은 고딕" charset="0"/>
-              </a:rPr>
-              <a:t>컴포넌트를 </a:t>
-            </a:r>
-            <a:r>
-              <a:rPr lang="ko-KR" sz="1800">
-                <a:latin typeface="맑은 고딕" charset="0"/>
-                <a:ea typeface="맑은 고딕" charset="0"/>
-              </a:rPr>
-              <a:t>선택합니</a:t>
-            </a:r>
-            <a:r>
-              <a:rPr lang="ko-KR" sz="1800">
-                <a:latin typeface="맑은 고딕" charset="0"/>
-                <a:ea typeface="맑은 고딕" charset="0"/>
-              </a:rPr>
-              <a:t>다.</a:t>
-            </a:r>
-            <a:endParaRPr lang="ko-KR" altLang="en-US" sz="1800">
-              <a:latin typeface="맑은 고딕" charset="0"/>
-              <a:ea typeface="맑은 고딕" charset="0"/>
-            </a:endParaRPr>
-          </a:p>
-          <a:p>
-            <a:pPr marL="0" indent="0" algn="l" latinLnBrk="0" hangingPunct="1">
-              <a:buFontTx/>
-              <a:buNone/>
-            </a:pPr>
-            <a:endParaRPr lang="ko-KR" altLang="en-US" sz="1800">
-              <a:latin typeface="맑은 고딕" charset="0"/>
-              <a:ea typeface="맑은 고딕" charset="0"/>
-            </a:endParaRPr>
-          </a:p>
-          <a:p>
-            <a:pPr marL="0" indent="0" algn="l" latinLnBrk="0" hangingPunct="1">
-              <a:buFontTx/>
-              <a:buNone/>
-            </a:pPr>
-            <a:r>
-              <a:rPr lang="ko-KR" sz="1800">
-                <a:latin typeface="맑은 고딕" charset="0"/>
-                <a:ea typeface="맑은 고딕" charset="0"/>
-              </a:rPr>
-              <a:t>그다음</a:t>
-            </a:r>
-            <a:r>
-              <a:rPr lang="ko-KR" sz="1800">
-                <a:latin typeface="맑은 고딕" charset="0"/>
-                <a:ea typeface="맑은 고딕" charset="0"/>
-              </a:rPr>
-              <a:t> Image</a:t>
-            </a:r>
-            <a:r>
-              <a:rPr lang="ko-KR" sz="1800">
-                <a:latin typeface="맑은 고딕" charset="0"/>
-                <a:ea typeface="맑은 고딕" charset="0"/>
-              </a:rPr>
-              <a:t> </a:t>
-            </a:r>
-            <a:r>
-              <a:rPr lang="ko-KR" sz="1800">
-                <a:latin typeface="맑은 고딕" charset="0"/>
-                <a:ea typeface="맑은 고딕" charset="0"/>
-              </a:rPr>
-              <a:t>Type과</a:t>
-            </a:r>
-            <a:r>
-              <a:rPr lang="ko-KR" sz="1800">
-                <a:latin typeface="맑은 고딕" charset="0"/>
-                <a:ea typeface="맑은 고딕" charset="0"/>
-              </a:rPr>
-              <a:t> </a:t>
-            </a:r>
-            <a:r>
-              <a:rPr lang="ko-KR" sz="1800">
-                <a:latin typeface="맑은 고딕" charset="0"/>
-                <a:ea typeface="맑은 고딕" charset="0"/>
-              </a:rPr>
-              <a:t>Fill</a:t>
-            </a:r>
-            <a:r>
-              <a:rPr lang="ko-KR" sz="1800">
-                <a:latin typeface="맑은 고딕" charset="0"/>
-                <a:ea typeface="맑은 고딕" charset="0"/>
-              </a:rPr>
-              <a:t> </a:t>
-            </a:r>
-            <a:r>
-              <a:rPr lang="ko-KR" sz="1800">
-                <a:latin typeface="맑은 고딕" charset="0"/>
-                <a:ea typeface="맑은 고딕" charset="0"/>
-              </a:rPr>
-              <a:t>Method</a:t>
-            </a:r>
-            <a:r>
-              <a:rPr lang="ko-KR" sz="1800">
-                <a:latin typeface="맑은 고딕" charset="0"/>
-                <a:ea typeface="맑은 고딕" charset="0"/>
-              </a:rPr>
-              <a:t>를 </a:t>
-            </a:r>
-            <a:r>
-              <a:rPr lang="ko-KR" sz="1800">
-                <a:latin typeface="맑은 고딕" charset="0"/>
-                <a:ea typeface="맑은 고딕" charset="0"/>
-              </a:rPr>
-              <a:t>설정한</a:t>
-            </a:r>
-            <a:r>
-              <a:rPr lang="ko-KR" sz="1800">
-                <a:latin typeface="맑은 고딕" charset="0"/>
-                <a:ea typeface="맑은 고딕" charset="0"/>
-              </a:rPr>
-              <a:t> </a:t>
-            </a:r>
-            <a:r>
-              <a:rPr lang="ko-KR" sz="1800">
-                <a:latin typeface="맑은 고딕" charset="0"/>
-                <a:ea typeface="맑은 고딕" charset="0"/>
-              </a:rPr>
-              <a:t>다음</a:t>
-            </a:r>
-            <a:r>
-              <a:rPr lang="ko-KR" sz="1800">
-                <a:latin typeface="맑은 고딕" charset="0"/>
-                <a:ea typeface="맑은 고딕" charset="0"/>
-              </a:rPr>
-              <a:t> </a:t>
-            </a:r>
-            <a:r>
-              <a:rPr lang="ko-KR" sz="1800">
-                <a:latin typeface="맑은 고딕" charset="0"/>
-                <a:ea typeface="맑은 고딕" charset="0"/>
-              </a:rPr>
-              <a:t>Fill</a:t>
-            </a:r>
-            <a:r>
-              <a:rPr lang="ko-KR" sz="1800">
-                <a:latin typeface="맑은 고딕" charset="0"/>
-                <a:ea typeface="맑은 고딕" charset="0"/>
-              </a:rPr>
-              <a:t> </a:t>
-            </a:r>
-            <a:r>
-              <a:rPr lang="ko-KR" sz="1800">
-                <a:latin typeface="맑은 고딕" charset="0"/>
-                <a:ea typeface="맑은 고딕" charset="0"/>
-              </a:rPr>
-              <a:t>Origin을</a:t>
-            </a:r>
-            <a:r>
-              <a:rPr lang="ko-KR" sz="1800">
-                <a:latin typeface="맑은 고딕" charset="0"/>
-                <a:ea typeface="맑은 고딕" charset="0"/>
-              </a:rPr>
-              <a:t> </a:t>
-            </a:r>
-            <a:r>
-              <a:rPr lang="ko-KR" sz="1800">
-                <a:latin typeface="맑은 고딕" charset="0"/>
-                <a:ea typeface="맑은 고딕" charset="0"/>
-              </a:rPr>
-              <a:t>설정합니다.</a:t>
-            </a:r>
-            <a:endParaRPr lang="ko-KR" altLang="en-US" sz="1800">
-              <a:latin typeface="맑은 고딕" charset="0"/>
-              <a:ea typeface="맑은 고딕" charset="0"/>
-            </a:endParaRPr>
-          </a:p>
-        </p:txBody>
-      </p:sp>
       <p:pic>
         <p:nvPicPr>
-          <p:cNvPr id="1073" name="그림 13" descr="C:/Users/Admin1/AppData/Roaming/PolarisOffice/ETemp/14520_11842488/fImage606452926500.png"/>
+          <p:cNvPr id="1071" name="그림 51"/>
           <p:cNvPicPr>
             <a:picLocks noChangeAspect="1"/>
           </p:cNvPicPr>
           <p:nvPr/>
         </p:nvPicPr>
         <p:blipFill rotWithShape="1">
-          <a:blip r:embed="rId5" cstate="print">
+          <a:blip r:embed="rId8" cstate="hqprint">
+            <a:extLst>
+              <a:ext uri="{28A0092B-C50C-407E-A947-70E740481C1C}">
+                <a14:useLocalDpi xmlns:a14="http://schemas.microsoft.com/office/drawing/2010/main"/>
+              </a:ext>
+            </a:extLst>
+          </a:blip>
+          <a:stretch>
+            <a:fillRect/>
+          </a:stretch>
+        </p:blipFill>
+        <p:spPr>
+          <a:xfrm rot="0">
+            <a:off x="6813550" y="3367405"/>
+            <a:ext cx="4145280" cy="914400"/>
+          </a:xfrm>
+          <a:prstGeom prst="roundRect"/>
+          <a:solidFill>
+            <a:srgbClr val="EDEDED"/>
+          </a:solidFill>
+        </p:spPr>
+      </p:pic>
+      <p:cxnSp>
+        <p:nvCxnSpPr>
+          <p:cNvPr id="1072" name="도형 52"/>
+          <p:cNvCxnSpPr/>
+          <p:nvPr/>
+        </p:nvCxnSpPr>
+        <p:spPr>
+          <a:xfrm rot="0" flipV="1">
+            <a:off x="9932035" y="1705610"/>
+            <a:ext cx="896620" cy="1973580"/>
+          </a:xfrm>
+          <a:prstGeom prst="straightConnector1"/>
+          <a:ln w="6350" cap="flat" cmpd="sng">
+            <a:prstDash/>
+            <a:tailEnd type="triangle" w="med" len="med"/>
+          </a:ln>
+        </p:spPr>
+        <p:style>
+          <a:lnRef idx="1">
+            <a:schemeClr val="accent1"/>
+          </a:lnRef>
+          <a:fillRef idx="0">
+            <a:schemeClr val="accent1"/>
+          </a:fillRef>
+          <a:effectRef idx="0">
+            <a:schemeClr val="accent1"/>
+          </a:effectRef>
+          <a:fontRef idx="minor">
+            <a:schemeClr val="tx1"/>
+          </a:fontRef>
+        </p:style>
+      </p:cxnSp>
+      <p:pic>
+        <p:nvPicPr>
+          <p:cNvPr id="1073" name="그림 1" descr="C:/Users/nwond/AppData/Roaming/PolarisOffice/ETemp/8448_10098368/fImage328071718467.png"/>
+          <p:cNvPicPr>
+            <a:picLocks noChangeAspect="1"/>
+          </p:cNvPicPr>
+          <p:nvPr/>
+        </p:nvPicPr>
+        <p:blipFill rotWithShape="1">
+          <a:blip r:embed="rId9" cstate="print">
             <a:extLst>
               <a:ext uri="{28A0092B-C50C-407E-A947-70E740481C1C}">
                 <a14:useLocalDpi xmlns:a14="http://schemas.microsoft.com/office/drawing/2010/main" val="0"/>
@@ -12961,8 +10358,8 @@
         </p:blipFill>
         <p:spPr>
           <a:xfrm rot="0">
-            <a:off x="1235710" y="1447165"/>
-            <a:ext cx="4140200" cy="2791460"/>
+            <a:off x="1236980" y="1452245"/>
+            <a:ext cx="4131945" cy="2793365"/>
           </a:xfrm>
           <a:prstGeom prst="roundRect"/>
           <a:solidFill>
@@ -13019,9 +10416,9 @@
           <p:nvPr/>
         </p:nvSpPr>
         <p:spPr>
-          <a:xfrm rot="0">
+          <a:xfrm>
             <a:off x="4514215" y="350520"/>
-            <a:ext cx="3170555" cy="478155"/>
+            <a:ext cx="3171825" cy="478155"/>
           </a:xfrm>
           <a:prstGeom prst="rect"/>
           <a:noFill/>
@@ -13058,17 +10455,7 @@
                 <a:latin typeface="나눔바른고딕" charset="0"/>
                 <a:ea typeface="나눔바른고딕" charset="0"/>
               </a:rPr>
-              <a:t> </a:t>
-            </a:r>
-            <a:r>
-              <a:rPr lang="ko-KR" altLang="en-US" sz="2500" b="1">
-                <a:solidFill>
-                  <a:schemeClr val="tx1"/>
-                </a:solidFill>
-                <a:latin typeface="나눔바른고딕" charset="0"/>
-                <a:ea typeface="나눔바른고딕" charset="0"/>
-              </a:rPr>
-              <a:t>번째 튜토리얼</a:t>
+              <a:t> 번째 튜토리얼</a:t>
             </a:r>
             <a:endParaRPr lang="ko-KR" altLang="en-US" sz="2500" b="1">
               <a:solidFill>
@@ -13089,9 +10476,9 @@
           <p:nvPr/>
         </p:nvSpPr>
         <p:spPr>
-          <a:xfrm>
-            <a:off x="1240790" y="5495290"/>
-            <a:ext cx="4144645" cy="677545"/>
+          <a:xfrm rot="0">
+            <a:off x="1241425" y="2705735"/>
+            <a:ext cx="4151630" cy="677545"/>
           </a:xfrm>
           <a:prstGeom prst="rect"/>
           <a:noFill/>
@@ -13118,7 +10505,17 @@
                 <a:latin typeface="맑은 고딕" charset="0"/>
                 <a:ea typeface="맑은 고딕" charset="0"/>
               </a:rPr>
-              <a:t>17</a:t>
+              <a:t>1</a:t>
+            </a:r>
+            <a:r>
+              <a:rPr lang="ko-KR" sz="2000" b="1">
+                <a:solidFill>
+                  <a:srgbClr val="0611F2"/>
+                </a:solidFill>
+                <a:latin typeface="맑은 고딕" charset="0"/>
+                <a:ea typeface="맑은 고딕" charset="0"/>
+              </a:rPr>
+              <a:t>9</a:t>
             </a:r>
             <a:r>
               <a:rPr sz="2000" b="1">
@@ -13141,32 +10538,39 @@
               <a:t> </a:t>
             </a:r>
             <a:r>
-              <a:rPr lang="ko-KR" sz="1800">
-                <a:latin typeface="맑은 고딕" charset="0"/>
-                <a:ea typeface="맑은 고딕" charset="0"/>
-              </a:rPr>
-              <a:t>이제 </a:t>
-            </a:r>
-            <a:r>
               <a:rPr sz="1800">
                 <a:latin typeface="맑은 고딕" charset="0"/>
                 <a:ea typeface="맑은 고딕" charset="0"/>
               </a:rPr>
-              <a:t>Generic Create( ) 함수를 On </a:t>
+              <a:t>그다음으로 Delete 스크립트에 int </a:t>
             </a:r>
             <a:r>
               <a:rPr sz="1800">
                 <a:latin typeface="맑은 고딕" charset="0"/>
                 <a:ea typeface="맑은 고딕" charset="0"/>
               </a:rPr>
-              <a:t>Click(</a:t>
+              <a:t>변수</a:t>
             </a:r>
             <a:r>
               <a:rPr sz="1800">
                 <a:latin typeface="맑은 고딕" charset="0"/>
                 <a:ea typeface="맑은 고딕" charset="0"/>
               </a:rPr>
-              <a:t> ) 함수에 등록합니다. </a:t>
+              <a:t>를</a:t>
+            </a:r>
+            <a:r>
+              <a:rPr sz="1800">
+                <a:latin typeface="맑은 고딕" charset="0"/>
+                <a:ea typeface="맑은 고딕" charset="0"/>
+              </a:rPr>
+              <a:t> </a:t>
+            </a:r>
+            <a:r>
+              <a:rPr sz="1800">
+                <a:latin typeface="맑은 고딕" charset="0"/>
+                <a:ea typeface="맑은 고딕" charset="0"/>
+              </a:rPr>
+              <a:t>선언합니다.</a:t>
             </a:r>
             <a:endParaRPr lang="ko-KR" altLang="en-US" sz="1800">
               <a:latin typeface="맑은 고딕" charset="0"/>
@@ -13175,197 +10579,16 @@
           </a:p>
         </p:txBody>
       </p:sp>
-      <p:sp>
-        <p:nvSpPr>
-          <p:cNvPr id="1072" name="Rect 0"/>
-          <p:cNvSpPr txBox="1">
-            <a:spLocks/>
-          </p:cNvSpPr>
-          <p:nvPr/>
-        </p:nvSpPr>
-        <p:spPr>
-          <a:xfrm rot="0">
-            <a:off x="6806565" y="4429760"/>
-            <a:ext cx="4150995" cy="1746250"/>
-          </a:xfrm>
-          <a:prstGeom prst="rect"/>
-          <a:noFill/>
-        </p:spPr>
-        <p:txBody>
-          <a:bodyPr wrap="square" lIns="0" tIns="0" rIns="0" bIns="0" numCol="1" vert="horz" anchor="t">
-            <a:noAutofit/>
-          </a:bodyPr>
-          <a:lstStyle/>
-          <a:p>
-            <a:pPr marL="0" indent="0" algn="l" latinLnBrk="0" hangingPunct="1">
-              <a:buFontTx/>
-              <a:buNone/>
-            </a:pPr>
-            <a:r>
-              <a:rPr lang="ko-KR" sz="2000" b="1">
-                <a:solidFill>
-                  <a:srgbClr val="0611F2"/>
-                </a:solidFill>
-                <a:latin typeface="맑은 고딕" charset="0"/>
-                <a:ea typeface="맑은 고딕" charset="0"/>
-              </a:rPr>
-              <a:t>18</a:t>
-            </a:r>
-            <a:r>
-              <a:rPr sz="2000" b="1">
-                <a:solidFill>
-                  <a:srgbClr val="0611F2"/>
-                </a:solidFill>
-                <a:latin typeface="맑은 고딕" charset="0"/>
-                <a:ea typeface="맑은 고딕" charset="0"/>
-              </a:rPr>
-              <a:t>.</a:t>
-            </a:r>
-            <a:r>
-              <a:rPr sz="2000" b="1">
-                <a:solidFill>
-                  <a:srgbClr val="0611F2"/>
-                </a:solidFill>
-                <a:latin typeface="맑은 고딕" charset="0"/>
-                <a:ea typeface="맑은 고딕" charset="0"/>
-              </a:rPr>
-              <a:t> </a:t>
-            </a:r>
-            <a:r>
-              <a:rPr sz="1800">
-                <a:latin typeface="맑은 고딕" charset="0"/>
-                <a:ea typeface="맑은 고딕" charset="0"/>
-              </a:rPr>
-              <a:t>그리고 Project 폴더 아래에 있는 </a:t>
-            </a:r>
-            <a:r>
-              <a:rPr sz="1800">
-                <a:latin typeface="맑은 고딕" charset="0"/>
-                <a:ea typeface="맑은 고딕" charset="0"/>
-              </a:rPr>
-              <a:t>Texture</a:t>
-            </a:r>
-            <a:r>
-              <a:rPr sz="1800">
-                <a:latin typeface="맑은 고딕" charset="0"/>
-                <a:ea typeface="맑은 고딕" charset="0"/>
-              </a:rPr>
-              <a:t> 폴더에 Space Ground 텍스처를 </a:t>
-            </a:r>
-            <a:r>
-              <a:rPr sz="1800">
-                <a:latin typeface="맑은 고딕" charset="0"/>
-                <a:ea typeface="맑은 고딕" charset="0"/>
-              </a:rPr>
-              <a:t>선택</a:t>
-            </a:r>
-            <a:r>
-              <a:rPr sz="1800">
-                <a:latin typeface="맑은 고딕" charset="0"/>
-                <a:ea typeface="맑은 고딕" charset="0"/>
-              </a:rPr>
-              <a:t>합니</a:t>
-            </a:r>
-            <a:r>
-              <a:rPr lang="ko-KR" sz="1800">
-                <a:latin typeface="맑은 고딕" charset="0"/>
-                <a:ea typeface="맑은 고딕" charset="0"/>
-              </a:rPr>
-              <a:t>다.</a:t>
-            </a:r>
-            <a:endParaRPr lang="ko-KR" altLang="en-US" sz="1800">
-              <a:latin typeface="맑은 고딕" charset="0"/>
-              <a:ea typeface="맑은 고딕" charset="0"/>
-            </a:endParaRPr>
-          </a:p>
-          <a:p>
-            <a:pPr marL="0" indent="0" algn="l" latinLnBrk="0" hangingPunct="1">
-              <a:buFontTx/>
-              <a:buNone/>
-            </a:pPr>
-            <a:endParaRPr lang="ko-KR" altLang="en-US" sz="1800">
-              <a:latin typeface="맑은 고딕" charset="0"/>
-              <a:ea typeface="맑은 고딕" charset="0"/>
-            </a:endParaRPr>
-          </a:p>
-          <a:p>
-            <a:pPr marL="0" indent="0" algn="l" latinLnBrk="0" hangingPunct="1">
-              <a:buFontTx/>
-              <a:buNone/>
-            </a:pPr>
-            <a:r>
-              <a:rPr lang="ko-KR" sz="1800">
-                <a:latin typeface="맑은 고딕" charset="0"/>
-                <a:ea typeface="맑은 고딕" charset="0"/>
-              </a:rPr>
-              <a:t>그런</a:t>
-            </a:r>
-            <a:r>
-              <a:rPr lang="ko-KR" sz="1800">
-                <a:latin typeface="맑은 고딕" charset="0"/>
-                <a:ea typeface="맑은 고딕" charset="0"/>
-              </a:rPr>
-              <a:t> </a:t>
-            </a:r>
-            <a:r>
-              <a:rPr lang="ko-KR" sz="1800">
-                <a:latin typeface="맑은 고딕" charset="0"/>
-                <a:ea typeface="맑은 고딕" charset="0"/>
-              </a:rPr>
-              <a:t>다음</a:t>
-            </a:r>
-            <a:r>
-              <a:rPr sz="1800">
-                <a:latin typeface="맑은 고딕" charset="0"/>
-                <a:ea typeface="맑은 고딕" charset="0"/>
-              </a:rPr>
-              <a:t> Back Ground 오브젝트의 </a:t>
-            </a:r>
-            <a:r>
-              <a:rPr sz="1800">
-                <a:latin typeface="맑은 고딕" charset="0"/>
-                <a:ea typeface="맑은 고딕" charset="0"/>
-              </a:rPr>
-              <a:t>Source</a:t>
-            </a:r>
-            <a:r>
-              <a:rPr sz="1800">
-                <a:latin typeface="맑은 고딕" charset="0"/>
-                <a:ea typeface="맑은 고딕" charset="0"/>
-              </a:rPr>
-              <a:t> </a:t>
-            </a:r>
-            <a:r>
-              <a:rPr sz="1800">
-                <a:latin typeface="맑은 고딕" charset="0"/>
-                <a:ea typeface="맑은 고딕" charset="0"/>
-              </a:rPr>
-              <a:t>Image에</a:t>
-            </a:r>
-            <a:r>
-              <a:rPr sz="1800">
-                <a:latin typeface="맑은 고딕" charset="0"/>
-                <a:ea typeface="맑은 고딕" charset="0"/>
-              </a:rPr>
-              <a:t> 넣어줍니다.</a:t>
-            </a:r>
-            <a:endParaRPr lang="ko-KR" altLang="en-US" sz="1800">
-              <a:latin typeface="맑은 고딕" charset="0"/>
-              <a:ea typeface="맑은 고딕" charset="0"/>
-            </a:endParaRPr>
-          </a:p>
-        </p:txBody>
-      </p:sp>
       <p:pic>
         <p:nvPicPr>
-          <p:cNvPr id="1073" name="그림 60"/>
+          <p:cNvPr id="1089" name="그림 22"/>
           <p:cNvPicPr>
             <a:picLocks noChangeAspect="1"/>
           </p:cNvPicPr>
           <p:nvPr/>
         </p:nvPicPr>
         <p:blipFill rotWithShape="1">
-          <a:blip r:embed="rId2" cstate="print">
+          <a:blip r:embed="rId8" cstate="print">
             <a:extLst>
               <a:ext uri="{28A0092B-C50C-407E-A947-70E740481C1C}">
                 <a14:useLocalDpi xmlns:a14="http://schemas.microsoft.com/office/drawing/2010/main" val="0"/>
@@ -13378,8 +10601,8 @@
         </p:blipFill>
         <p:spPr>
           <a:xfrm rot="0">
-            <a:off x="1233170" y="1447165"/>
-            <a:ext cx="1274445" cy="1247775"/>
+            <a:off x="1231900" y="1438910"/>
+            <a:ext cx="4144010" cy="1162685"/>
           </a:xfrm>
           <a:prstGeom prst="roundRect"/>
           <a:solidFill>
@@ -13389,14 +10612,14 @@
       </p:pic>
       <p:pic>
         <p:nvPicPr>
-          <p:cNvPr id="1074" name="그림 63"/>
+          <p:cNvPr id="1090" name="그림 25"/>
           <p:cNvPicPr>
             <a:picLocks noChangeAspect="1"/>
           </p:cNvPicPr>
           <p:nvPr/>
         </p:nvPicPr>
         <p:blipFill rotWithShape="1">
-          <a:blip r:embed="rId3" cstate="print">
+          <a:blip r:embed="rId9" cstate="print">
             <a:extLst>
               <a:ext uri="{28A0092B-C50C-407E-A947-70E740481C1C}">
                 <a14:useLocalDpi xmlns:a14="http://schemas.microsoft.com/office/drawing/2010/main" val="0"/>
@@ -13409,8 +10632,8 @@
         </p:blipFill>
         <p:spPr>
           <a:xfrm rot="0">
-            <a:off x="2592705" y="1447165"/>
-            <a:ext cx="2791460" cy="1257935"/>
+            <a:off x="1231900" y="3514090"/>
+            <a:ext cx="4144010" cy="1413510"/>
           </a:xfrm>
           <a:prstGeom prst="roundRect"/>
           <a:solidFill>
@@ -13418,51 +10641,18 @@
           </a:solidFill>
         </p:spPr>
       </p:pic>
-      <p:cxnSp>
-        <p:nvCxnSpPr>
-          <p:cNvPr id="1075" name="도형 66"/>
-          <p:cNvCxnSpPr/>
-          <p:nvPr/>
-        </p:nvCxnSpPr>
-        <p:spPr>
-          <a:xfrm rot="0">
-            <a:off x="2256790" y="1894840"/>
-            <a:ext cx="1224280" cy="293370"/>
-          </a:xfrm>
-          <a:prstGeom prst="straightConnector1"/>
-          <a:ln w="6350" cap="flat" cmpd="sng">
-            <a:prstDash/>
-            <a:headEnd type="none" w="med" len="med"/>
-            <a:tailEnd type="triangle" w="med" len="med"/>
-          </a:ln>
-        </p:spPr>
-        <p:style>
-          <a:lnRef idx="1">
-            <a:schemeClr val="accent1"/>
-          </a:lnRef>
-          <a:fillRef idx="0">
-            <a:schemeClr val="accent1"/>
-          </a:fillRef>
-          <a:effectRef idx="0">
-            <a:schemeClr val="accent1"/>
-          </a:effectRef>
-          <a:fontRef idx="minor">
-            <a:schemeClr val="tx1"/>
-          </a:fontRef>
-        </p:style>
-      </p:cxnSp>
-      <p:sp>
-        <p:nvSpPr>
-          <p:cNvPr id="1076" name="텍스트 상자 67"/>
+      <p:sp>
+        <p:nvSpPr>
+          <p:cNvPr id="1091" name="텍스트 상자 28"/>
           <p:cNvSpPr txBox="1">
             <a:spLocks/>
           </p:cNvSpPr>
           <p:nvPr/>
         </p:nvSpPr>
         <p:spPr>
-          <a:xfrm>
-            <a:off x="1234440" y="2810510"/>
-            <a:ext cx="4142105" cy="954405"/>
+          <a:xfrm rot="0">
+            <a:off x="1235075" y="5033645"/>
+            <a:ext cx="4151630" cy="1231265"/>
           </a:xfrm>
           <a:prstGeom prst="rect"/>
           <a:noFill/>
@@ -13489,7 +10679,17 @@
                 <a:latin typeface="맑은 고딕" charset="0"/>
                 <a:ea typeface="맑은 고딕" charset="0"/>
               </a:rPr>
-              <a:t>16</a:t>
+              <a:t>2</a:t>
+            </a:r>
+            <a:r>
+              <a:rPr lang="ko-KR" sz="2000" b="1">
+                <a:solidFill>
+                  <a:srgbClr val="0611F2"/>
+                </a:solidFill>
+                <a:latin typeface="맑은 고딕" charset="0"/>
+                <a:ea typeface="맑은 고딕" charset="0"/>
+              </a:rPr>
+              <a:t>0</a:t>
             </a:r>
             <a:r>
               <a:rPr sz="2000" b="1">
@@ -13512,39 +10712,81 @@
               <a:t> </a:t>
             </a:r>
             <a:r>
+              <a:rPr sz="1800">
+                <a:latin typeface="맑은 고딕" charset="0"/>
+                <a:ea typeface="맑은 고딕" charset="0"/>
+              </a:rPr>
+              <a:t>그러고 나서 Start( )함수에서 </a:t>
+            </a:r>
+            <a:r>
+              <a:rPr sz="1800">
+                <a:latin typeface="맑은 고딕" charset="0"/>
+                <a:ea typeface="맑은 고딕" charset="0"/>
+              </a:rPr>
+              <a:t>random변수</a:t>
+            </a:r>
+            <a:r>
+              <a:rPr sz="1800">
+                <a:latin typeface="맑은 고딕" charset="0"/>
+                <a:ea typeface="맑은 고딕" charset="0"/>
+              </a:rPr>
+              <a:t>의</a:t>
+            </a:r>
+            <a:r>
+              <a:rPr sz="1800">
+                <a:latin typeface="맑은 고딕" charset="0"/>
+                <a:ea typeface="맑은 고딕" charset="0"/>
+              </a:rPr>
+              <a:t> </a:t>
+            </a:r>
+            <a:r>
+              <a:rPr sz="1800">
+                <a:latin typeface="맑은 고딕" charset="0"/>
+                <a:ea typeface="맑은 고딕" charset="0"/>
+              </a:rPr>
+              <a:t>값을 1 ~ 5사이 값을 </a:t>
+            </a:r>
+            <a:r>
+              <a:rPr sz="1800">
+                <a:latin typeface="맑은 고딕" charset="0"/>
+                <a:ea typeface="맑은 고딕" charset="0"/>
+              </a:rPr>
+              <a:t>받도</a:t>
+            </a:r>
+            <a:r>
               <a:rPr lang="ko-KR" sz="1800">
                 <a:latin typeface="맑은 고딕" charset="0"/>
                 <a:ea typeface="맑은 고딕" charset="0"/>
               </a:rPr>
-              <a:t>그러고 나서 Create Button </a:t>
+              <a:t>록</a:t>
             </a:r>
             <a:r>
               <a:rPr lang="ko-KR" sz="1800">
                 <a:latin typeface="맑은 고딕" charset="0"/>
                 <a:ea typeface="맑은 고딕" charset="0"/>
               </a:rPr>
-              <a:t>오브젝트의</a:t>
+              <a:t> </a:t>
             </a:r>
             <a:r>
               <a:rPr lang="ko-KR" sz="1800">
                 <a:latin typeface="맑은 고딕" charset="0"/>
                 <a:ea typeface="맑은 고딕" charset="0"/>
               </a:rPr>
-              <a:t> On Click( ) 함수에 Create </a:t>
+              <a:t>설정한 다음 Destroy( ) 함수를 </a:t>
             </a:r>
             <a:r>
               <a:rPr lang="ko-KR" sz="1800">
                 <a:latin typeface="맑은 고딕" charset="0"/>
                 <a:ea typeface="맑은 고딕" charset="0"/>
               </a:rPr>
-              <a:t>Object를</a:t>
+              <a:t>호출합니</a:t>
             </a:r>
             <a:r>
               <a:rPr lang="ko-KR" sz="1800">
                 <a:latin typeface="맑은 고딕" charset="0"/>
                 <a:ea typeface="맑은 고딕" charset="0"/>
               </a:rPr>
-              <a:t> 넣어줍니다.</a:t>
+              <a:t>다.</a:t>
             </a:r>
             <a:endParaRPr lang="ko-KR" altLang="en-US" sz="1800">
               <a:latin typeface="맑은 고딕" charset="0"/>
@@ -13553,16 +10795,104 @@
           </a:p>
         </p:txBody>
       </p:sp>
+      <p:sp>
+        <p:nvSpPr>
+          <p:cNvPr id="1092" name="텍스트 상자 25"/>
+          <p:cNvSpPr txBox="1">
+            <a:spLocks/>
+          </p:cNvSpPr>
+          <p:nvPr/>
+        </p:nvSpPr>
+        <p:spPr>
+          <a:xfrm rot="0">
+            <a:off x="6820535" y="5255260"/>
+            <a:ext cx="4127500" cy="954405"/>
+          </a:xfrm>
+          <a:prstGeom prst="rect"/>
+          <a:noFill/>
+          <a:ln w="0">
+            <a:noFill/>
+            <a:prstDash/>
+          </a:ln>
+        </p:spPr>
+        <p:txBody>
+          <a:bodyPr wrap="square" lIns="89535" tIns="46355" rIns="89535" bIns="46355" vert="horz" anchor="t">
+            <a:spAutoFit/>
+          </a:bodyPr>
+          <a:lstStyle/>
+          <a:p>
+            <a:pPr marL="0" indent="0" rtl="0" algn="l" defTabSz="914400" eaLnBrk="1" latinLnBrk="0" hangingPunct="1">
+              <a:buFontTx/>
+              <a:buNone/>
+            </a:pPr>
+            <a:r>
+              <a:rPr sz="2000" b="1">
+                <a:solidFill>
+                  <a:srgbClr val="0611F2"/>
+                </a:solidFill>
+                <a:latin typeface="맑은 고딕" charset="0"/>
+                <a:ea typeface="맑은 고딕" charset="0"/>
+              </a:rPr>
+              <a:t>2</a:t>
+            </a:r>
+            <a:r>
+              <a:rPr sz="2000" b="1">
+                <a:solidFill>
+                  <a:srgbClr val="0611F2"/>
+                </a:solidFill>
+                <a:latin typeface="맑은 고딕" charset="0"/>
+                <a:ea typeface="맑은 고딕" charset="0"/>
+              </a:rPr>
+              <a:t>1</a:t>
+            </a:r>
+            <a:r>
+              <a:rPr sz="2000" b="1">
+                <a:solidFill>
+                  <a:srgbClr val="0611F2"/>
+                </a:solidFill>
+                <a:latin typeface="맑은 고딕" charset="0"/>
+                <a:ea typeface="맑은 고딕" charset="0"/>
+              </a:rPr>
+              <a:t>.</a:t>
+            </a:r>
+            <a:r>
+              <a:rPr sz="2000">
+                <a:latin typeface="맑은 고딕" charset="0"/>
+                <a:ea typeface="맑은 고딕" charset="0"/>
+              </a:rPr>
+              <a:t> </a:t>
+            </a:r>
+            <a:r>
+              <a:rPr lang="ko-KR" sz="1800">
+                <a:latin typeface="맑은 고딕" charset="0"/>
+                <a:ea typeface="맑은 고딕" charset="0"/>
+              </a:rPr>
+              <a:t>이제</a:t>
+            </a:r>
+            <a:r>
+              <a:rPr sz="1800">
+                <a:latin typeface="맑은 고딕" charset="0"/>
+                <a:ea typeface="맑은 고딕" charset="0"/>
+              </a:rPr>
+              <a:t> Project 폴더 아래에 있는 Render Texture 폴더에 Render Texture를 생성합니다. </a:t>
+            </a:r>
+            <a:endParaRPr lang="ko-KR" altLang="en-US" sz="1800">
+              <a:latin typeface="맑은 고딕" charset="0"/>
+              <a:ea typeface="맑은 고딕" charset="0"/>
+            </a:endParaRPr>
+          </a:p>
+        </p:txBody>
+      </p:sp>
       <p:pic>
         <p:nvPicPr>
-          <p:cNvPr id="1077" name="그림 68" descr="C:/Users/Admin1/AppData/Roaming/PolarisOffice/ETemp/14520_11842488/fImage60353066827.png"/>
+          <p:cNvPr id="1093" name="그림 26" descr="C:/Users/nwond/AppData/Roaming/PolarisOffice/ETemp/8448_10098368/fImage421641926334.png"/>
           <p:cNvPicPr>
             <a:picLocks noChangeAspect="1"/>
           </p:cNvPicPr>
           <p:nvPr/>
         </p:nvPicPr>
         <p:blipFill rotWithShape="1">
-          <a:blip r:embed="rId4" cstate="hqprint">
+          <a:blip r:embed="rId10" cstate="hqprint">
             <a:extLst>
               <a:ext uri="{28A0092B-C50C-407E-A947-70E740481C1C}">
                 <a14:useLocalDpi xmlns:a14="http://schemas.microsoft.com/office/drawing/2010/main"/>
@@ -13575,8 +10905,8 @@
         </p:blipFill>
         <p:spPr>
           <a:xfrm rot="0">
-            <a:off x="1239520" y="3936365"/>
-            <a:ext cx="4137025" cy="1464945"/>
+            <a:off x="6820535" y="1440180"/>
+            <a:ext cx="4133850" cy="3641725"/>
           </a:xfrm>
           <a:prstGeom prst="roundRect"/>
           <a:solidFill>
@@ -13584,100 +10914,6 @@
           </a:solidFill>
         </p:spPr>
       </p:pic>
-      <p:pic>
-        <p:nvPicPr>
-          <p:cNvPr id="1078" name="그림 71" descr="C:/Users/Admin1/AppData/Roaming/PolarisOffice/ETemp/14520_11842488/fImage173613079961.png"/>
-          <p:cNvPicPr>
-            <a:picLocks noChangeAspect="1"/>
-          </p:cNvPicPr>
-          <p:nvPr/>
-        </p:nvPicPr>
-        <p:blipFill rotWithShape="1">
-          <a:blip r:embed="rId5" cstate="hqprint">
-            <a:extLst>
-              <a:ext uri="{28A0092B-C50C-407E-A947-70E740481C1C}">
-                <a14:useLocalDpi xmlns:a14="http://schemas.microsoft.com/office/drawing/2010/main"/>
-              </a:ext>
-            </a:extLst>
-          </a:blip>
-          <a:stretch>
-            <a:fillRect/>
-          </a:stretch>
-        </p:blipFill>
-        <p:spPr>
-          <a:xfrm rot="0">
-            <a:off x="6802120" y="1447165"/>
-            <a:ext cx="4147185" cy="1766570"/>
-          </a:xfrm>
-          <a:prstGeom prst="roundRect"/>
-          <a:solidFill>
-            <a:srgbClr val="EDEDED"/>
-          </a:solidFill>
-        </p:spPr>
-      </p:pic>
-      <p:pic>
-        <p:nvPicPr>
-          <p:cNvPr id="1079" name="그림 74" descr="C:/Users/Admin1/AppData/Roaming/PolarisOffice/ETemp/14520_11842488/fImage27694308491.png"/>
-          <p:cNvPicPr>
-            <a:picLocks noChangeAspect="1"/>
-          </p:cNvPicPr>
-          <p:nvPr/>
-        </p:nvPicPr>
-        <p:blipFill rotWithShape="1">
-          <a:blip r:embed="rId6" cstate="hqprint">
-            <a:extLst>
-              <a:ext uri="{28A0092B-C50C-407E-A947-70E740481C1C}">
-                <a14:useLocalDpi xmlns:a14="http://schemas.microsoft.com/office/drawing/2010/main"/>
-              </a:ext>
-            </a:extLst>
-          </a:blip>
-          <a:stretch>
-            <a:fillRect/>
-          </a:stretch>
-        </p:blipFill>
-        <p:spPr>
-          <a:xfrm rot="0">
-            <a:off x="6813550" y="3367405"/>
-            <a:ext cx="4144645" cy="913765"/>
-          </a:xfrm>
-          <a:prstGeom prst="roundRect"/>
-          <a:solidFill>
-            <a:srgbClr val="EDEDED"/>
-          </a:solidFill>
-        </p:spPr>
-      </p:pic>
-      <p:cxnSp>
-        <p:nvCxnSpPr>
-          <p:cNvPr id="1080" name="도형 77"/>
-          <p:cNvCxnSpPr/>
-          <p:nvPr/>
-        </p:nvCxnSpPr>
-        <p:spPr>
-          <a:xfrm rot="0" flipV="1">
-            <a:off x="9932035" y="1705610"/>
-            <a:ext cx="895985" cy="1972945"/>
-          </a:xfrm>
-          <a:prstGeom prst="straightConnector1"/>
-          <a:ln w="6350" cap="flat" cmpd="sng">
-            <a:prstDash/>
-            <a:tailEnd type="triangle" w="med" len="med"/>
-          </a:ln>
-        </p:spPr>
-        <p:style>
-          <a:lnRef idx="1">
-            <a:schemeClr val="accent1"/>
-          </a:lnRef>
-          <a:fillRef idx="0">
-            <a:schemeClr val="accent1"/>
-          </a:fillRef>
-          <a:effectRef idx="0">
-            <a:schemeClr val="accent1"/>
-          </a:effectRef>
-          <a:fontRef idx="minor">
-            <a:schemeClr val="tx1"/>
-          </a:fontRef>
-        </p:style>
-      </p:cxnSp>
     </p:spTree>
   </p:cSld>
   <p:clrMapOvr>
@@ -13727,9 +10963,9 @@
           <p:nvPr/>
         </p:nvSpPr>
         <p:spPr>
-          <a:xfrm rot="0">
-            <a:off x="4514215" y="350520"/>
-            <a:ext cx="3171190" cy="478155"/>
+          <a:xfrm>
+            <a:off x="4350385" y="381000"/>
+            <a:ext cx="3481070" cy="478155"/>
           </a:xfrm>
           <a:prstGeom prst="rect"/>
           <a:noFill/>
@@ -13780,7 +11016,7 @@
       </p:sp>
       <p:sp>
         <p:nvSpPr>
-          <p:cNvPr id="1067" name="Rect 0"/>
+          <p:cNvPr id="1114" name="텍스트 상자 12"/>
           <p:cNvSpPr txBox="1">
             <a:spLocks/>
           </p:cNvSpPr>
@@ -13788,19 +11024,15 @@
         </p:nvSpPr>
         <p:spPr>
           <a:xfrm rot="0">
-            <a:off x="1241425" y="2705735"/>
-            <a:ext cx="4151630" cy="677545"/>
+            <a:off x="1222375" y="2614930"/>
+            <a:ext cx="4146550" cy="928370"/>
           </a:xfrm>
           <a:prstGeom prst="rect"/>
           <a:noFill/>
-          <a:ln w="0">
-            <a:noFill/>
-            <a:prstDash/>
-          </a:ln>
-        </p:spPr>
-        <p:txBody>
-          <a:bodyPr wrap="square" lIns="89535" tIns="46355" rIns="89535" bIns="46355" numCol="1" vert="horz" anchor="t">
-            <a:spAutoFit/>
+        </p:spPr>
+        <p:txBody>
+          <a:bodyPr wrap="square" lIns="0" tIns="0" rIns="0" bIns="0" numCol="1" vert="horz" anchor="t">
+            <a:noAutofit/>
           </a:bodyPr>
           <a:lstStyle/>
           <a:p>
@@ -13816,7 +11048,7 @@
                 <a:latin typeface="맑은 고딕" charset="0"/>
                 <a:ea typeface="맑은 고딕" charset="0"/>
               </a:rPr>
-              <a:t>1</a:t>
+              <a:t>2</a:t>
             </a:r>
             <a:r>
               <a:rPr lang="ko-KR" sz="2000" b="1">
@@ -13826,7 +11058,7 @@
                 <a:latin typeface="맑은 고딕" charset="0"/>
                 <a:ea typeface="맑은 고딕" charset="0"/>
               </a:rPr>
-              <a:t>9</a:t>
+              <a:t>2</a:t>
             </a:r>
             <a:r>
               <a:rPr sz="2000" b="1">
@@ -13836,52 +11068,21 @@
                 <a:latin typeface="맑은 고딕" charset="0"/>
                 <a:ea typeface="맑은 고딕" charset="0"/>
               </a:rPr>
-              <a:t>.</a:t>
-            </a:r>
-            <a:r>
-              <a:rPr sz="2000" b="1">
-                <a:solidFill>
-                  <a:srgbClr val="0611F2"/>
-                </a:solidFill>
-                <a:latin typeface="맑은 고딕" charset="0"/>
-                <a:ea typeface="맑은 고딕" charset="0"/>
-              </a:rPr>
-              <a:t> </a:t>
+              <a:t>. </a:t>
             </a:r>
             <a:r>
               <a:rPr sz="1800">
                 <a:latin typeface="맑은 고딕" charset="0"/>
                 <a:ea typeface="맑은 고딕" charset="0"/>
               </a:rPr>
-              <a:t>그다음으로 Delete 스크립트에 int </a:t>
+              <a:t>그리고</a:t>
             </a:r>
             <a:r>
               <a:rPr sz="1800">
                 <a:latin typeface="맑은 고딕" charset="0"/>
                 <a:ea typeface="맑은 고딕" charset="0"/>
               </a:rPr>
-              <a:t>변수</a:t>
-            </a:r>
-            <a:r>
-              <a:rPr sz="1800">
-                <a:latin typeface="맑은 고딕" charset="0"/>
-                <a:ea typeface="맑은 고딕" charset="0"/>
-              </a:rPr>
-              <a:t>를</a:t>
-            </a:r>
-            <a:r>
-              <a:rPr sz="1800">
-                <a:latin typeface="맑은 고딕" charset="0"/>
-                <a:ea typeface="맑은 고딕" charset="0"/>
-              </a:rPr>
-              <a:t> </a:t>
-            </a:r>
-            <a:r>
-              <a:rPr sz="1800">
-                <a:latin typeface="맑은 고딕" charset="0"/>
-                <a:ea typeface="맑은 고딕" charset="0"/>
-              </a:rPr>
-              <a:t>선언합니다.</a:t>
+              <a:t> Project 폴더 아래에 있는 Texture 폴더에 Alien 텍스처를 선택하고 Body 오브젝트에 넣어줍니다.</a:t>
             </a:r>
             <a:endParaRPr lang="ko-KR" altLang="en-US" sz="1800">
               <a:latin typeface="맑은 고딕" charset="0"/>
@@ -13890,149 +11091,16 @@
           </a:p>
         </p:txBody>
       </p:sp>
-      <p:sp>
-        <p:nvSpPr>
-          <p:cNvPr id="1072" name="Rect 0"/>
-          <p:cNvSpPr txBox="1">
-            <a:spLocks/>
-          </p:cNvSpPr>
-          <p:nvPr/>
-        </p:nvSpPr>
-        <p:spPr>
-          <a:xfrm rot="0">
-            <a:off x="6798310" y="2750185"/>
-            <a:ext cx="4150360" cy="927735"/>
-          </a:xfrm>
-          <a:prstGeom prst="rect"/>
-          <a:noFill/>
-        </p:spPr>
-        <p:txBody>
-          <a:bodyPr wrap="square" lIns="0" tIns="0" rIns="0" bIns="0" numCol="1" vert="horz" anchor="t">
-            <a:noAutofit/>
-          </a:bodyPr>
-          <a:lstStyle/>
-          <a:p>
-            <a:pPr marL="0" indent="0" algn="l" latinLnBrk="0" hangingPunct="1">
-              <a:buFontTx/>
-              <a:buNone/>
-            </a:pPr>
-            <a:r>
-              <a:rPr lang="ko-KR" sz="2000" b="1">
-                <a:solidFill>
-                  <a:srgbClr val="0611F2"/>
-                </a:solidFill>
-                <a:latin typeface="맑은 고딕" charset="0"/>
-                <a:ea typeface="맑은 고딕" charset="0"/>
-              </a:rPr>
-              <a:t>21</a:t>
-            </a:r>
-            <a:r>
-              <a:rPr sz="2000" b="1">
-                <a:solidFill>
-                  <a:srgbClr val="0611F2"/>
-                </a:solidFill>
-                <a:latin typeface="맑은 고딕" charset="0"/>
-                <a:ea typeface="맑은 고딕" charset="0"/>
-              </a:rPr>
-              <a:t>.</a:t>
-            </a:r>
-            <a:r>
-              <a:rPr sz="2000" b="1">
-                <a:solidFill>
-                  <a:srgbClr val="0611F2"/>
-                </a:solidFill>
-                <a:latin typeface="맑은 고딕" charset="0"/>
-                <a:ea typeface="맑은 고딕" charset="0"/>
-              </a:rPr>
-              <a:t> </a:t>
-            </a:r>
-            <a:r>
-              <a:rPr sz="1800">
-                <a:latin typeface="맑은 고딕" charset="0"/>
-                <a:ea typeface="맑은 고딕" charset="0"/>
-              </a:rPr>
-              <a:t>이제 Project 폴더 아래에 있는 </a:t>
-            </a:r>
-            <a:r>
-              <a:rPr sz="1800">
-                <a:latin typeface="맑은 고딕" charset="0"/>
-                <a:ea typeface="맑은 고딕" charset="0"/>
-              </a:rPr>
-              <a:t>Texture</a:t>
-            </a:r>
-            <a:r>
-              <a:rPr sz="1800">
-                <a:latin typeface="맑은 고딕" charset="0"/>
-                <a:ea typeface="맑은 고딕" charset="0"/>
-              </a:rPr>
-              <a:t> </a:t>
-            </a:r>
-            <a:r>
-              <a:rPr sz="1800">
-                <a:latin typeface="맑은 고딕" charset="0"/>
-                <a:ea typeface="맑은 고딕" charset="0"/>
-              </a:rPr>
-              <a:t>폴더에</a:t>
-            </a:r>
-            <a:r>
-              <a:rPr sz="1800">
-                <a:latin typeface="맑은 고딕" charset="0"/>
-                <a:ea typeface="맑은 고딕" charset="0"/>
-              </a:rPr>
-              <a:t> Alien 텍스처를 선택하고 </a:t>
-            </a:r>
-            <a:r>
-              <a:rPr sz="1800">
-                <a:latin typeface="맑은 고딕" charset="0"/>
-                <a:ea typeface="맑은 고딕" charset="0"/>
-              </a:rPr>
-              <a:t>Body</a:t>
-            </a:r>
-            <a:r>
-              <a:rPr sz="1800">
-                <a:latin typeface="맑은 고딕" charset="0"/>
-                <a:ea typeface="맑은 고딕" charset="0"/>
-              </a:rPr>
-              <a:t> </a:t>
-            </a:r>
-            <a:r>
-              <a:rPr sz="1800">
-                <a:latin typeface="맑은 고딕" charset="0"/>
-                <a:ea typeface="맑은 고딕" charset="0"/>
-              </a:rPr>
-              <a:t>오브젝트에</a:t>
-            </a:r>
-            <a:r>
-              <a:rPr sz="1800">
-                <a:latin typeface="맑은 고딕" charset="0"/>
-                <a:ea typeface="맑은 고딕" charset="0"/>
-              </a:rPr>
-              <a:t> </a:t>
-            </a:r>
-            <a:r>
-              <a:rPr sz="1800">
-                <a:latin typeface="맑은 고딕" charset="0"/>
-                <a:ea typeface="맑은 고딕" charset="0"/>
-              </a:rPr>
-              <a:t>넣어줍니다.</a:t>
-            </a:r>
-            <a:endParaRPr lang="ko-KR" altLang="en-US" sz="1800">
-              <a:latin typeface="맑은 고딕" charset="0"/>
-              <a:ea typeface="맑은 고딕" charset="0"/>
-            </a:endParaRPr>
-          </a:p>
-        </p:txBody>
-      </p:sp>
       <p:pic>
         <p:nvPicPr>
-          <p:cNvPr id="1084" name="그림 14" descr="C:/Users/Admin1/AppData/Roaming/PolarisOffice/ETemp/14520_11842488/fImage276932566334.png"/>
+          <p:cNvPr id="1116" name="그림 14" descr="C:/Users/nwond/AppData/Roaming/PolarisOffice/ETemp/8448_10098368/fImage102992576500.png"/>
           <p:cNvPicPr>
             <a:picLocks noChangeAspect="1"/>
           </p:cNvPicPr>
           <p:nvPr/>
         </p:nvPicPr>
         <p:blipFill rotWithShape="1">
-          <a:blip r:embed="rId4" cstate="hqprint">
+          <a:blip r:embed="rId16" cstate="hqprint">
             <a:extLst>
               <a:ext uri="{28A0092B-C50C-407E-A947-70E740481C1C}">
                 <a14:useLocalDpi xmlns:a14="http://schemas.microsoft.com/office/drawing/2010/main"/>
@@ -14045,8 +11113,8 @@
         </p:blipFill>
         <p:spPr>
           <a:xfrm rot="0">
-            <a:off x="8191500" y="1442085"/>
-            <a:ext cx="2757805" cy="1177290"/>
+            <a:off x="1222375" y="1440180"/>
+            <a:ext cx="1143000" cy="1074420"/>
           </a:xfrm>
           <a:prstGeom prst="roundRect"/>
           <a:solidFill>
@@ -14054,16 +11122,175 @@
           </a:solidFill>
         </p:spPr>
       </p:pic>
+      <p:sp>
+        <p:nvSpPr>
+          <p:cNvPr id="1120" name="텍스트 상자 21"/>
+          <p:cNvSpPr txBox="1">
+            <a:spLocks/>
+          </p:cNvSpPr>
+          <p:nvPr/>
+        </p:nvSpPr>
+        <p:spPr>
+          <a:xfrm rot="0">
+            <a:off x="1229360" y="5666105"/>
+            <a:ext cx="4139565" cy="596265"/>
+          </a:xfrm>
+          <a:prstGeom prst="rect"/>
+          <a:noFill/>
+        </p:spPr>
+        <p:txBody>
+          <a:bodyPr wrap="square" lIns="0" tIns="0" rIns="0" bIns="0" numCol="1" vert="horz" anchor="t">
+            <a:noAutofit/>
+          </a:bodyPr>
+          <a:lstStyle/>
+          <a:p>
+            <a:pPr marL="0" indent="0" algn="l" latinLnBrk="0" hangingPunct="1">
+              <a:buFontTx/>
+              <a:buNone/>
+            </a:pPr>
+            <a:r>
+              <a:rPr lang="ko-KR" sz="1800">
+                <a:latin typeface="맑은 고딕" charset="0"/>
+                <a:ea typeface="맑은 고딕" charset="0"/>
+              </a:rPr>
+              <a:t>유니티의 </a:t>
+            </a:r>
+            <a:r>
+              <a:rPr lang="ko-KR" sz="1800">
+                <a:latin typeface="맑은 고딕" charset="0"/>
+                <a:ea typeface="맑은 고딕" charset="0"/>
+              </a:rPr>
+              <a:t>가비지 컬렉터는 Boe</a:t>
+            </a:r>
+            <a:r>
+              <a:rPr lang="ko-KR" sz="1800">
+                <a:latin typeface="맑은 고딕" charset="0"/>
+                <a:ea typeface="맑은 고딕" charset="0"/>
+              </a:rPr>
+              <a:t>h</a:t>
+            </a:r>
+            <a:r>
+              <a:rPr lang="ko-KR" sz="1800">
+                <a:latin typeface="맑은 고딕" charset="0"/>
+                <a:ea typeface="맑은 고딕" charset="0"/>
+              </a:rPr>
+              <a:t>m GC 알</a:t>
+            </a:r>
+            <a:r>
+              <a:rPr lang="ko-KR" sz="1800">
+                <a:latin typeface="맑은 고딕" charset="0"/>
+                <a:ea typeface="맑은 고딕" charset="0"/>
+              </a:rPr>
+              <a:t>고리즘을 </a:t>
+            </a:r>
+            <a:r>
+              <a:rPr lang="ko-KR" sz="1800">
+                <a:latin typeface="맑은 고딕" charset="0"/>
+                <a:ea typeface="맑은 고딕" charset="0"/>
+              </a:rPr>
+              <a:t>사용합니다.</a:t>
+            </a:r>
+            <a:endParaRPr lang="ko-KR" altLang="en-US" sz="1800">
+              <a:latin typeface="맑은 고딕" charset="0"/>
+              <a:ea typeface="맑은 고딕" charset="0"/>
+            </a:endParaRPr>
+          </a:p>
+        </p:txBody>
+      </p:sp>
+      <p:sp>
+        <p:nvSpPr>
+          <p:cNvPr id="1124" name="텍스트 상자 53"/>
+          <p:cNvSpPr txBox="1">
+            <a:spLocks/>
+          </p:cNvSpPr>
+          <p:nvPr/>
+        </p:nvSpPr>
+        <p:spPr>
+          <a:xfrm rot="0">
+            <a:off x="6801485" y="5636260"/>
+            <a:ext cx="4140200" cy="626110"/>
+          </a:xfrm>
+          <a:prstGeom prst="rect"/>
+          <a:noFill/>
+        </p:spPr>
+        <p:txBody>
+          <a:bodyPr wrap="square" lIns="0" tIns="0" rIns="0" bIns="0" numCol="1" vert="horz" anchor="t">
+            <a:noAutofit/>
+          </a:bodyPr>
+          <a:lstStyle/>
+          <a:p>
+            <a:pPr marL="0" indent="0" algn="l" latinLnBrk="0" hangingPunct="1">
+              <a:buFontTx/>
+              <a:buNone/>
+            </a:pPr>
+            <a:r>
+              <a:rPr lang="ko-KR" sz="2000" b="1">
+                <a:solidFill>
+                  <a:srgbClr val="0611F2"/>
+                </a:solidFill>
+                <a:latin typeface="맑은 고딕" charset="0"/>
+                <a:ea typeface="맑은 고딕" charset="0"/>
+              </a:rPr>
+              <a:t>2</a:t>
+            </a:r>
+            <a:r>
+              <a:rPr lang="ko-KR" sz="2000" b="1">
+                <a:solidFill>
+                  <a:srgbClr val="0611F2"/>
+                </a:solidFill>
+                <a:latin typeface="맑은 고딕" charset="0"/>
+                <a:ea typeface="맑은 고딕" charset="0"/>
+              </a:rPr>
+              <a:t>3</a:t>
+            </a:r>
+            <a:r>
+              <a:rPr sz="2000" b="1">
+                <a:solidFill>
+                  <a:srgbClr val="0611F2"/>
+                </a:solidFill>
+                <a:latin typeface="맑은 고딕" charset="0"/>
+                <a:ea typeface="맑은 고딕" charset="0"/>
+              </a:rPr>
+              <a:t>. </a:t>
+            </a:r>
+            <a:r>
+              <a:rPr lang="ko-KR" sz="1800">
+                <a:latin typeface="맑은 고딕" charset="0"/>
+                <a:ea typeface="맑은 고딕" charset="0"/>
+              </a:rPr>
+              <a:t>그런 </a:t>
+            </a:r>
+            <a:r>
+              <a:rPr lang="ko-KR" sz="1800">
+                <a:latin typeface="맑은 고딕" charset="0"/>
+                <a:ea typeface="맑은 고딕" charset="0"/>
+              </a:rPr>
+              <a:t>다음</a:t>
+            </a:r>
+            <a:r>
+              <a:rPr sz="1800">
+                <a:latin typeface="맑은 고딕" charset="0"/>
+                <a:ea typeface="맑은 고딕" charset="0"/>
+              </a:rPr>
+              <a:t> Camera 오브젝트를 생성합니다.</a:t>
+            </a:r>
+            <a:endParaRPr lang="ko-KR" altLang="en-US" sz="1800">
+              <a:latin typeface="맑은 고딕" charset="0"/>
+              <a:ea typeface="맑은 고딕" charset="0"/>
+            </a:endParaRPr>
+          </a:p>
+        </p:txBody>
+      </p:sp>
       <p:pic>
         <p:nvPicPr>
-          <p:cNvPr id="1085" name="그림 17" descr="C:/Users/Admin1/AppData/Roaming/PolarisOffice/ETemp/14520_11842488/fImage102992576500.png"/>
+          <p:cNvPr id="1125" name="그림 54" descr="C:/Users/nwond/AppData/Roaming/PolarisOffice/ETemp/8448_10098368/fImage75692641478.png"/>
           <p:cNvPicPr>
             <a:picLocks noChangeAspect="1"/>
           </p:cNvPicPr>
           <p:nvPr/>
         </p:nvPicPr>
         <p:blipFill rotWithShape="1">
-          <a:blip r:embed="rId5" cstate="hqprint">
+          <a:blip r:embed="rId14" cstate="hqprint">
             <a:extLst>
               <a:ext uri="{28A0092B-C50C-407E-A947-70E740481C1C}">
                 <a14:useLocalDpi xmlns:a14="http://schemas.microsoft.com/office/drawing/2010/main"/>
@@ -14076,8 +11303,8 @@
         </p:blipFill>
         <p:spPr>
           <a:xfrm rot="0">
-            <a:off x="6802755" y="1438275"/>
-            <a:ext cx="1311910" cy="1179195"/>
+            <a:off x="6807835" y="1440180"/>
+            <a:ext cx="2590165" cy="3984625"/>
           </a:xfrm>
           <a:prstGeom prst="roundRect"/>
           <a:solidFill>
@@ -14085,48 +11312,16 @@
           </a:solidFill>
         </p:spPr>
       </p:pic>
-      <p:cxnSp>
-        <p:nvCxnSpPr>
-          <p:cNvPr id="1086" name="도형 20"/>
-          <p:cNvCxnSpPr/>
-          <p:nvPr/>
-        </p:nvCxnSpPr>
-        <p:spPr>
-          <a:xfrm rot="0" flipH="1">
-            <a:off x="7554595" y="1861185"/>
-            <a:ext cx="1504315" cy="370205"/>
-          </a:xfrm>
-          <a:prstGeom prst="straightConnector1"/>
-          <a:ln w="6350" cap="flat" cmpd="sng">
-            <a:prstDash/>
-            <a:tailEnd type="triangle" w="med" len="med"/>
-          </a:ln>
-        </p:spPr>
-        <p:style>
-          <a:lnRef idx="1">
-            <a:schemeClr val="accent1"/>
-          </a:lnRef>
-          <a:fillRef idx="0">
-            <a:schemeClr val="accent1"/>
-          </a:fillRef>
-          <a:effectRef idx="0">
-            <a:schemeClr val="accent1"/>
-          </a:effectRef>
-          <a:fontRef idx="minor">
-            <a:schemeClr val="tx1"/>
-          </a:fontRef>
-        </p:style>
-      </p:cxnSp>
       <p:pic>
         <p:nvPicPr>
-          <p:cNvPr id="1087" name="그림 21" descr="C:/Users/Admin1/AppData/Roaming/PolarisOffice/ETemp/14520_11842488/fImage121522599169.png"/>
+          <p:cNvPr id="1126" name="그림 55" descr="C:/Users/nwond/AppData/Roaming/PolarisOffice/ETemp/8448_10098368/fImage71672659358.png"/>
           <p:cNvPicPr>
             <a:picLocks noChangeAspect="1"/>
           </p:cNvPicPr>
           <p:nvPr/>
         </p:nvPicPr>
         <p:blipFill rotWithShape="1">
-          <a:blip r:embed="rId6" cstate="hqprint">
+          <a:blip r:embed="rId15" cstate="hqprint">
             <a:extLst>
               <a:ext uri="{28A0092B-C50C-407E-A947-70E740481C1C}">
                 <a14:useLocalDpi xmlns:a14="http://schemas.microsoft.com/office/drawing/2010/main"/>
@@ -14139,8 +11334,8 @@
         </p:blipFill>
         <p:spPr>
           <a:xfrm rot="0">
-            <a:off x="6805295" y="3811905"/>
-            <a:ext cx="4132580" cy="1632585"/>
+            <a:off x="9545955" y="2304415"/>
+            <a:ext cx="1395730" cy="2244090"/>
           </a:xfrm>
           <a:prstGeom prst="roundRect"/>
           <a:solidFill>
@@ -14148,128 +11343,16 @@
           </a:solidFill>
         </p:spPr>
       </p:pic>
-      <p:sp>
-        <p:nvSpPr>
-          <p:cNvPr id="1088" name="텍스트 상자 24"/>
-          <p:cNvSpPr txBox="1">
-            <a:spLocks/>
-          </p:cNvSpPr>
-          <p:nvPr/>
-        </p:nvSpPr>
-        <p:spPr>
-          <a:xfrm rot="0">
-            <a:off x="6805295" y="5593080"/>
-            <a:ext cx="4152265" cy="668655"/>
-          </a:xfrm>
-          <a:prstGeom prst="rect"/>
-          <a:noFill/>
-        </p:spPr>
-        <p:txBody>
-          <a:bodyPr wrap="square" lIns="0" tIns="0" rIns="0" bIns="0" numCol="1" vert="horz" anchor="t">
-            <a:noAutofit/>
-          </a:bodyPr>
-          <a:lstStyle/>
-          <a:p>
-            <a:pPr marL="0" indent="0" algn="l" latinLnBrk="0" hangingPunct="1">
-              <a:buFontTx/>
-              <a:buNone/>
-            </a:pPr>
-            <a:r>
-              <a:rPr lang="ko-KR" sz="2000" b="1">
-                <a:solidFill>
-                  <a:srgbClr val="0611F2"/>
-                </a:solidFill>
-                <a:latin typeface="맑은 고딕" charset="0"/>
-                <a:ea typeface="맑은 고딕" charset="0"/>
-              </a:rPr>
-              <a:t>22</a:t>
-            </a:r>
-            <a:r>
-              <a:rPr sz="2000" b="1">
-                <a:solidFill>
-                  <a:srgbClr val="0611F2"/>
-                </a:solidFill>
-                <a:latin typeface="맑은 고딕" charset="0"/>
-                <a:ea typeface="맑은 고딕" charset="0"/>
-              </a:rPr>
-              <a:t>.</a:t>
-            </a:r>
-            <a:r>
-              <a:rPr sz="2000" b="1">
-                <a:solidFill>
-                  <a:srgbClr val="0611F2"/>
-                </a:solidFill>
-                <a:latin typeface="맑은 고딕" charset="0"/>
-                <a:ea typeface="맑은 고딕" charset="0"/>
-              </a:rPr>
-              <a:t> </a:t>
-            </a:r>
-            <a:r>
-              <a:rPr sz="1800">
-                <a:latin typeface="맑은 고딕" charset="0"/>
-                <a:ea typeface="맑은 고딕" charset="0"/>
-              </a:rPr>
-              <a:t>그리고 Create Object의 </a:t>
-            </a:r>
-            <a:r>
-              <a:rPr sz="1800">
-                <a:latin typeface="맑은 고딕" charset="0"/>
-                <a:ea typeface="맑은 고딕" charset="0"/>
-              </a:rPr>
-              <a:t>위치와</a:t>
-            </a:r>
-            <a:r>
-              <a:rPr sz="1800">
-                <a:latin typeface="맑은 고딕" charset="0"/>
-                <a:ea typeface="맑은 고딕" charset="0"/>
-              </a:rPr>
-              <a:t> </a:t>
-            </a:r>
-            <a:r>
-              <a:rPr sz="1800">
-                <a:latin typeface="맑은 고딕" charset="0"/>
-                <a:ea typeface="맑은 고딕" charset="0"/>
-              </a:rPr>
-              <a:t>회전</a:t>
-            </a:r>
-            <a:r>
-              <a:rPr sz="1800">
-                <a:latin typeface="맑은 고딕" charset="0"/>
-                <a:ea typeface="맑은 고딕" charset="0"/>
-              </a:rPr>
-              <a:t> </a:t>
-            </a:r>
-            <a:r>
-              <a:rPr sz="1800">
-                <a:latin typeface="맑은 고딕" charset="0"/>
-                <a:ea typeface="맑은 고딕" charset="0"/>
-              </a:rPr>
-              <a:t>값을</a:t>
-            </a:r>
-            <a:r>
-              <a:rPr sz="1800">
-                <a:latin typeface="맑은 고딕" charset="0"/>
-                <a:ea typeface="맑은 고딕" charset="0"/>
-              </a:rPr>
-              <a:t> 초기화합니다.</a:t>
-            </a:r>
-            <a:endParaRPr lang="ko-KR" altLang="en-US" sz="1800">
-              <a:latin typeface="맑은 고딕" charset="0"/>
-              <a:ea typeface="맑은 고딕" charset="0"/>
-            </a:endParaRPr>
-          </a:p>
-        </p:txBody>
-      </p:sp>
       <p:pic>
         <p:nvPicPr>
-          <p:cNvPr id="1089" name="그림 22" descr="C:/Users/Admin1/AppData/Roaming/PolarisOffice/ETemp/14520_11842488/fImage256083079169.png"/>
+          <p:cNvPr id="1127" name="그림 63" descr="C:/Users/nwond/AppData/Roaming/PolarisOffice/ETemp/8448_10098368/fImage1719852136500.png"/>
           <p:cNvPicPr>
             <a:picLocks noChangeAspect="1"/>
           </p:cNvPicPr>
           <p:nvPr/>
         </p:nvPicPr>
         <p:blipFill rotWithShape="1">
-          <a:blip r:embed="rId8" cstate="print">
+          <a:blip r:embed="rId17" cstate="print">
             <a:extLst>
               <a:ext uri="{28A0092B-C50C-407E-A947-70E740481C1C}">
                 <a14:useLocalDpi xmlns:a14="http://schemas.microsoft.com/office/drawing/2010/main" val="0"/>
@@ -14282,8 +11365,8 @@
         </p:blipFill>
         <p:spPr>
           <a:xfrm rot="0">
-            <a:off x="1231900" y="1438910"/>
-            <a:ext cx="4144010" cy="1162685"/>
+            <a:off x="1221740" y="3630295"/>
+            <a:ext cx="4147185" cy="1893570"/>
           </a:xfrm>
           <a:prstGeom prst="roundRect"/>
           <a:solidFill>
@@ -14293,14 +11376,14 @@
       </p:pic>
       <p:pic>
         <p:nvPicPr>
-          <p:cNvPr id="1090" name="그림 25" descr="C:/Users/Admin1/AppData/Roaming/PolarisOffice/ETemp/14520_11842488/fImage370183085724.png"/>
+          <p:cNvPr id="1128" name="그림 76" descr="C:/Users/nwond/AppData/Roaming/PolarisOffice/ETemp/8448_10098368/fImage188372209169.png"/>
           <p:cNvPicPr>
             <a:picLocks noChangeAspect="1"/>
           </p:cNvPicPr>
           <p:nvPr/>
         </p:nvPicPr>
         <p:blipFill rotWithShape="1">
-          <a:blip r:embed="rId9" cstate="print">
+          <a:blip r:embed="rId18" cstate="print">
             <a:extLst>
               <a:ext uri="{28A0092B-C50C-407E-A947-70E740481C1C}">
                 <a14:useLocalDpi xmlns:a14="http://schemas.microsoft.com/office/drawing/2010/main" val="0"/>
@@ -14313,8 +11396,8 @@
         </p:blipFill>
         <p:spPr>
           <a:xfrm rot="0">
-            <a:off x="1231900" y="3514090"/>
-            <a:ext cx="4144010" cy="1413510"/>
+            <a:off x="2519680" y="1442720"/>
+            <a:ext cx="2842895" cy="1077595"/>
           </a:xfrm>
           <a:prstGeom prst="roundRect"/>
           <a:solidFill>
@@ -14322,160 +11405,35 @@
           </a:solidFill>
         </p:spPr>
       </p:pic>
-      <p:sp>
-        <p:nvSpPr>
-          <p:cNvPr id="1091" name="텍스트 상자 28"/>
-          <p:cNvSpPr txBox="1">
-            <a:spLocks/>
-          </p:cNvSpPr>
+      <p:pic>
+        <p:nvPicPr>
+          <p:cNvPr id="1122" name="그림 37" descr="C:/Users/nwond/AppData/Roaming/PolarisOffice/ETemp/8448_10098368/fImage2242171995705.png"/>
+          <p:cNvPicPr>
+            <a:picLocks noChangeAspect="1"/>
+          </p:cNvPicPr>
           <p:nvPr/>
-        </p:nvSpPr>
-        <p:spPr>
-          <a:xfrm rot="0">
-            <a:off x="1235075" y="5033645"/>
-            <a:ext cx="4151630" cy="1231265"/>
+        </p:nvPicPr>
+        <p:blipFill rotWithShape="1">
+          <a:blip r:embed="rId19" cstate="hqprint">
+            <a:extLst>
+              <a:ext uri="{28A0092B-C50C-407E-A947-70E740481C1C}">
+                <a14:useLocalDpi xmlns:a14="http://schemas.microsoft.com/office/drawing/2010/main"/>
+              </a:ext>
+            </a:extLst>
+          </a:blip>
+          <a:stretch>
+            <a:fillRect/>
+          </a:stretch>
+        </p:blipFill>
+        <p:spPr>
+          <a:xfrm rot="10800000">
+            <a:off x="2126615" y="1790700"/>
+            <a:ext cx="579755" cy="389255"/>
           </a:xfrm>
           <a:prstGeom prst="rect"/>
           <a:noFill/>
-          <a:ln w="0">
-            <a:noFill/>
-            <a:prstDash/>
-          </a:ln>
-        </p:spPr>
-        <p:txBody>
-          <a:bodyPr wrap="square" lIns="89535" tIns="46355" rIns="89535" bIns="46355" numCol="1" vert="horz" anchor="t">
-            <a:spAutoFit/>
-          </a:bodyPr>
-          <a:lstStyle/>
-          <a:p>
-            <a:pPr marL="0" indent="0" algn="l" latinLnBrk="0" hangingPunct="1">
-              <a:buFontTx/>
-              <a:buNone/>
-            </a:pPr>
-            <a:r>
-              <a:rPr lang="ko-KR" sz="2000" b="1">
-                <a:solidFill>
-                  <a:srgbClr val="0611F2"/>
-                </a:solidFill>
-                <a:latin typeface="맑은 고딕" charset="0"/>
-                <a:ea typeface="맑은 고딕" charset="0"/>
-              </a:rPr>
-              <a:t>2</a:t>
-            </a:r>
-            <a:r>
-              <a:rPr lang="ko-KR" sz="2000" b="1">
-                <a:solidFill>
-                  <a:srgbClr val="0611F2"/>
-                </a:solidFill>
-                <a:latin typeface="맑은 고딕" charset="0"/>
-                <a:ea typeface="맑은 고딕" charset="0"/>
-              </a:rPr>
-              <a:t>0</a:t>
-            </a:r>
-            <a:r>
-              <a:rPr sz="2000" b="1">
-                <a:solidFill>
-                  <a:srgbClr val="0611F2"/>
-                </a:solidFill>
-                <a:latin typeface="맑은 고딕" charset="0"/>
-                <a:ea typeface="맑은 고딕" charset="0"/>
-              </a:rPr>
-              <a:t>.</a:t>
-            </a:r>
-            <a:r>
-              <a:rPr sz="2000" b="1">
-                <a:solidFill>
-                  <a:srgbClr val="0611F2"/>
-                </a:solidFill>
-                <a:latin typeface="맑은 고딕" charset="0"/>
-                <a:ea typeface="맑은 고딕" charset="0"/>
-              </a:rPr>
-              <a:t> </a:t>
-            </a:r>
-            <a:r>
-              <a:rPr sz="1800">
-                <a:latin typeface="맑은 고딕" charset="0"/>
-                <a:ea typeface="맑은 고딕" charset="0"/>
-              </a:rPr>
-              <a:t>그러고 나서 Start( )함수에서 </a:t>
-            </a:r>
-            <a:r>
-              <a:rPr sz="1800">
-                <a:latin typeface="맑은 고딕" charset="0"/>
-                <a:ea typeface="맑은 고딕" charset="0"/>
-              </a:rPr>
-              <a:t>random변수</a:t>
-            </a:r>
-            <a:r>
-              <a:rPr sz="1800">
-                <a:latin typeface="맑은 고딕" charset="0"/>
-                <a:ea typeface="맑은 고딕" charset="0"/>
-              </a:rPr>
-              <a:t>의</a:t>
-            </a:r>
-            <a:r>
-              <a:rPr sz="1800">
-                <a:latin typeface="맑은 고딕" charset="0"/>
-                <a:ea typeface="맑은 고딕" charset="0"/>
-              </a:rPr>
-              <a:t> </a:t>
-            </a:r>
-            <a:r>
-              <a:rPr sz="1800">
-                <a:latin typeface="맑은 고딕" charset="0"/>
-                <a:ea typeface="맑은 고딕" charset="0"/>
-              </a:rPr>
-              <a:t>값을 1 ~ 5사이 값을 </a:t>
-            </a:r>
-            <a:r>
-              <a:rPr sz="1800">
-                <a:latin typeface="맑은 고딕" charset="0"/>
-                <a:ea typeface="맑은 고딕" charset="0"/>
-              </a:rPr>
-              <a:t>받도</a:t>
-            </a:r>
-            <a:r>
-              <a:rPr lang="ko-KR" sz="1800">
-                <a:latin typeface="맑은 고딕" charset="0"/>
-                <a:ea typeface="맑은 고딕" charset="0"/>
-              </a:rPr>
-              <a:t>록</a:t>
-            </a:r>
-            <a:r>
-              <a:rPr lang="ko-KR" sz="1800">
-                <a:latin typeface="맑은 고딕" charset="0"/>
-                <a:ea typeface="맑은 고딕" charset="0"/>
-              </a:rPr>
-              <a:t> </a:t>
-            </a:r>
-            <a:r>
-              <a:rPr lang="ko-KR" sz="1800">
-                <a:latin typeface="맑은 고딕" charset="0"/>
-                <a:ea typeface="맑은 고딕" charset="0"/>
-              </a:rPr>
-              <a:t>설정한 다음 Destroy( ) 함수를 </a:t>
-            </a:r>
-            <a:r>
-              <a:rPr lang="ko-KR" sz="1800">
-                <a:latin typeface="맑은 고딕" charset="0"/>
-                <a:ea typeface="맑은 고딕" charset="0"/>
-              </a:rPr>
-              <a:t>호출합니</a:t>
-            </a:r>
-            <a:r>
-              <a:rPr lang="ko-KR" sz="1800">
-                <a:latin typeface="맑은 고딕" charset="0"/>
-                <a:ea typeface="맑은 고딕" charset="0"/>
-              </a:rPr>
-              <a:t>다.</a:t>
-            </a:r>
-            <a:endParaRPr lang="ko-KR" altLang="en-US" sz="1800">
-              <a:latin typeface="맑은 고딕" charset="0"/>
-              <a:ea typeface="맑은 고딕" charset="0"/>
-            </a:endParaRPr>
-          </a:p>
-        </p:txBody>
-      </p:sp>
+        </p:spPr>
+      </p:pic>
     </p:spTree>
   </p:cSld>
   <p:clrMapOvr>
@@ -14525,9 +11483,9 @@
           <p:nvPr/>
         </p:nvSpPr>
         <p:spPr>
-          <a:xfrm rot="0">
-            <a:off x="4350385" y="381000"/>
-            <a:ext cx="3480435" cy="478155"/>
+          <a:xfrm>
+            <a:off x="4478655" y="407035"/>
+            <a:ext cx="3232150" cy="478155"/>
           </a:xfrm>
           <a:prstGeom prst="rect"/>
           <a:noFill/>
@@ -14578,7 +11536,7 @@
       </p:sp>
       <p:sp>
         <p:nvSpPr>
-          <p:cNvPr id="1109" name="텍스트 상자 11"/>
+          <p:cNvPr id="1113" name="Rect 0"/>
           <p:cNvSpPr txBox="1">
             <a:spLocks/>
           </p:cNvSpPr>
@@ -14586,19 +11544,15 @@
         </p:nvSpPr>
         <p:spPr>
           <a:xfrm rot="0">
-            <a:off x="1240790" y="4464050"/>
-            <a:ext cx="4137660" cy="1754505"/>
+            <a:off x="6806565" y="5019675"/>
+            <a:ext cx="4159885" cy="1206500"/>
           </a:xfrm>
           <a:prstGeom prst="rect"/>
           <a:noFill/>
-          <a:ln w="0">
-            <a:noFill/>
-            <a:prstDash/>
-          </a:ln>
-        </p:spPr>
-        <p:txBody>
-          <a:bodyPr wrap="square" lIns="89535" tIns="46355" rIns="89535" bIns="46355" numCol="1" vert="horz" anchor="t">
-            <a:spAutoFit/>
+        </p:spPr>
+        <p:txBody>
+          <a:bodyPr wrap="square" lIns="0" tIns="0" rIns="0" bIns="0" numCol="1" vert="horz" anchor="t">
+            <a:noAutofit/>
           </a:bodyPr>
           <a:lstStyle/>
           <a:p>
@@ -14607,168 +11561,105 @@
               <a:buNone/>
             </a:pPr>
             <a:r>
+              <a:rPr lang="ko-KR" sz="2000" b="1">
+                <a:solidFill>
+                  <a:srgbClr val="0611F2"/>
+                </a:solidFill>
+                <a:latin typeface="맑은 고딕" charset="0"/>
+                <a:ea typeface="맑은 고딕" charset="0"/>
+              </a:rPr>
+              <a:t>26</a:t>
+            </a:r>
+            <a:r>
+              <a:rPr sz="2000" b="1">
+                <a:solidFill>
+                  <a:srgbClr val="0611F2"/>
+                </a:solidFill>
+                <a:latin typeface="맑은 고딕" charset="0"/>
+                <a:ea typeface="맑은 고딕" charset="0"/>
+              </a:rPr>
+              <a:t>. </a:t>
+            </a:r>
+            <a:r>
+              <a:rPr sz="1800">
+                <a:latin typeface="맑은 고딕" charset="0"/>
+                <a:ea typeface="맑은 고딕" charset="0"/>
+              </a:rPr>
+              <a:t>이제 Project 폴더에 있는 Render Texture 폴더에 </a:t>
+            </a:r>
+            <a:r>
+              <a:rPr sz="1800">
+                <a:latin typeface="맑은 고딕" charset="0"/>
+                <a:ea typeface="맑은 고딕" charset="0"/>
+              </a:rPr>
+              <a:t>N</a:t>
+            </a:r>
+            <a:r>
+              <a:rPr sz="1800">
+                <a:latin typeface="맑은 고딕" charset="0"/>
+                <a:ea typeface="맑은 고딕" charset="0"/>
+              </a:rPr>
+              <a:t>ew Render</a:t>
+            </a:r>
+            <a:r>
+              <a:rPr sz="1800">
+                <a:latin typeface="맑은 고딕" charset="0"/>
+                <a:ea typeface="맑은 고딕" charset="0"/>
+              </a:rPr>
+              <a:t> Texture를 선택</a:t>
+            </a:r>
+            <a:r>
               <a:rPr lang="ko-KR" sz="1800">
                 <a:latin typeface="맑은 고딕" charset="0"/>
                 <a:ea typeface="맑은 고딕" charset="0"/>
               </a:rPr>
-              <a:t>Destroy(</a:t>
+              <a:t>한 </a:t>
             </a:r>
             <a:r>
               <a:rPr lang="ko-KR" sz="1800">
                 <a:latin typeface="맑은 고딕" charset="0"/>
                 <a:ea typeface="맑은 고딕" charset="0"/>
               </a:rPr>
-              <a:t> ) 함수로 게임 오브젝트를 </a:t>
+              <a:t>다음</a:t>
             </a:r>
             <a:r>
               <a:rPr lang="ko-KR" sz="1800">
                 <a:latin typeface="맑은 고딕" charset="0"/>
                 <a:ea typeface="맑은 고딕" charset="0"/>
               </a:rPr>
-              <a:t>파괴했을</a:t>
+              <a:t> </a:t>
+            </a:r>
+            <a:r>
+              <a:rPr sz="1800">
+                <a:latin typeface="맑은 고딕" charset="0"/>
+                <a:ea typeface="맑은 고딕" charset="0"/>
+              </a:rPr>
+              <a:t>Render Texture 오브젝트에 있는 Texture</a:t>
             </a:r>
             <a:r>
               <a:rPr lang="ko-KR" sz="1800">
                 <a:latin typeface="맑은 고딕" charset="0"/>
                 <a:ea typeface="맑은 고딕" charset="0"/>
               </a:rPr>
-              <a:t> 때 C++ nativeObject는 </a:t>
-            </a:r>
-            <a:r>
-              <a:rPr lang="ko-KR" sz="1800">
-                <a:latin typeface="맑은 고딕" charset="0"/>
-                <a:ea typeface="맑은 고딕" charset="0"/>
-              </a:rPr>
-              <a:t>메모리에서</a:t>
-            </a:r>
-            <a:r>
-              <a:rPr lang="ko-KR" sz="1800">
-                <a:latin typeface="맑은 고딕" charset="0"/>
-                <a:ea typeface="맑은 고딕" charset="0"/>
-              </a:rPr>
-              <a:t> 해제됩니다.</a:t>
+              <a:t>에 넣어줍니다.</a:t>
             </a:r>
             <a:endParaRPr lang="ko-KR" altLang="en-US" sz="1800">
               <a:latin typeface="맑은 고딕" charset="0"/>
               <a:ea typeface="맑은 고딕" charset="0"/>
             </a:endParaRPr>
           </a:p>
-          <a:p>
-            <a:pPr marL="0" indent="0" algn="l" latinLnBrk="0" hangingPunct="1">
-              <a:buFontTx/>
-              <a:buNone/>
-            </a:pPr>
-            <a:endParaRPr lang="ko-KR" altLang="en-US" sz="1800">
-              <a:latin typeface="맑은 고딕" charset="0"/>
-              <a:ea typeface="맑은 고딕" charset="0"/>
-            </a:endParaRPr>
-          </a:p>
-          <a:p>
-            <a:pPr marL="0" indent="0" algn="l" latinLnBrk="0" hangingPunct="1">
-              <a:buFontTx/>
-              <a:buNone/>
-            </a:pPr>
-            <a:r>
-              <a:rPr lang="ko-KR" sz="1800">
-                <a:latin typeface="맑은 고딕" charset="0"/>
-                <a:ea typeface="맑은 고딕" charset="0"/>
-              </a:rPr>
-              <a:t>하지만,</a:t>
-            </a:r>
-            <a:r>
-              <a:rPr lang="ko-KR" sz="1800">
-                <a:latin typeface="맑은 고딕" charset="0"/>
-                <a:ea typeface="맑은 고딕" charset="0"/>
-              </a:rPr>
-              <a:t> </a:t>
-            </a:r>
-            <a:r>
-              <a:rPr lang="ko-KR" sz="1800">
-                <a:latin typeface="맑은 고딕" charset="0"/>
-                <a:ea typeface="맑은 고딕" charset="0"/>
-              </a:rPr>
-              <a:t>C#</a:t>
-            </a:r>
-            <a:r>
-              <a:rPr lang="ko-KR" sz="1800">
-                <a:latin typeface="맑은 고딕" charset="0"/>
-                <a:ea typeface="맑은 고딕" charset="0"/>
-              </a:rPr>
-              <a:t> </a:t>
-            </a:r>
-            <a:r>
-              <a:rPr lang="ko-KR" sz="1800">
-                <a:latin typeface="맑은 고딕" charset="0"/>
-                <a:ea typeface="맑은 고딕" charset="0"/>
-              </a:rPr>
-              <a:t>UnityEngine.Object는</a:t>
-            </a:r>
-            <a:r>
-              <a:rPr lang="ko-KR" sz="1800">
-                <a:latin typeface="맑은 고딕" charset="0"/>
-                <a:ea typeface="맑은 고딕" charset="0"/>
-              </a:rPr>
-              <a:t> </a:t>
-            </a:r>
-            <a:r>
-              <a:rPr lang="ko-KR" sz="1800">
-                <a:latin typeface="맑은 고딕" charset="0"/>
-                <a:ea typeface="맑은 고딕" charset="0"/>
-              </a:rPr>
-              <a:t>객체이기</a:t>
-            </a:r>
-            <a:r>
-              <a:rPr lang="ko-KR" sz="1800">
-                <a:latin typeface="맑은 고딕" charset="0"/>
-                <a:ea typeface="맑은 고딕" charset="0"/>
-              </a:rPr>
-              <a:t> </a:t>
-            </a:r>
-            <a:r>
-              <a:rPr lang="ko-KR" sz="1800">
-                <a:latin typeface="맑은 고딕" charset="0"/>
-                <a:ea typeface="맑은 고딕" charset="0"/>
-              </a:rPr>
-              <a:t>때문에</a:t>
-            </a:r>
-            <a:r>
-              <a:rPr lang="ko-KR" sz="1800">
-                <a:latin typeface="맑은 고딕" charset="0"/>
-                <a:ea typeface="맑은 고딕" charset="0"/>
-              </a:rPr>
-              <a:t> </a:t>
-            </a:r>
-            <a:r>
-              <a:rPr lang="ko-KR" sz="1800">
-                <a:latin typeface="맑은 고딕" charset="0"/>
-                <a:ea typeface="맑은 고딕" charset="0"/>
-              </a:rPr>
-              <a:t>해제되지</a:t>
-            </a:r>
-            <a:r>
-              <a:rPr lang="ko-KR" sz="1800">
-                <a:latin typeface="맑은 고딕" charset="0"/>
-                <a:ea typeface="맑은 고딕" charset="0"/>
-              </a:rPr>
-              <a:t> 않습니다.</a:t>
-            </a:r>
-            <a:endParaRPr lang="ko-KR" altLang="en-US" sz="1800">
-              <a:latin typeface="맑은 고딕" charset="0"/>
-              <a:ea typeface="맑은 고딕" charset="0"/>
-            </a:endParaRPr>
-          </a:p>
         </p:txBody>
       </p:sp>
       <p:pic>
         <p:nvPicPr>
-          <p:cNvPr id="1110" name="그림 25" descr="C:/Users/Admin1/AppData/Roaming/PolarisOffice/ETemp/14520_11842488/fImage691572615724.png"/>
+          <p:cNvPr id="1117" name="그림 8" descr="C:/Users/nwond/AppData/Roaming/PolarisOffice/ETemp/8448_10098368/fImage123042566334.png"/>
           <p:cNvPicPr>
             <a:picLocks noChangeAspect="1"/>
           </p:cNvPicPr>
           <p:nvPr/>
         </p:nvPicPr>
         <p:blipFill rotWithShape="1">
-          <a:blip r:embed="rId13" cstate="hqprint">
+          <a:blip r:embed="rId4" cstate="hqprint">
             <a:extLst>
               <a:ext uri="{28A0092B-C50C-407E-A947-70E740481C1C}">
                 <a14:useLocalDpi xmlns:a14="http://schemas.microsoft.com/office/drawing/2010/main"/>
@@ -14781,8 +11672,8 @@
         </p:blipFill>
         <p:spPr>
           <a:xfrm rot="0">
-            <a:off x="1235075" y="1464310"/>
-            <a:ext cx="4144010" cy="2840355"/>
+            <a:off x="1241425" y="3854450"/>
+            <a:ext cx="4127500" cy="1638935"/>
           </a:xfrm>
           <a:prstGeom prst="roundRect"/>
           <a:solidFill>
@@ -14790,16 +11681,76 @@
           </a:solidFill>
         </p:spPr>
       </p:pic>
+      <p:sp>
+        <p:nvSpPr>
+          <p:cNvPr id="1118" name="텍스트 상자 11"/>
+          <p:cNvSpPr txBox="1">
+            <a:spLocks/>
+          </p:cNvSpPr>
+          <p:nvPr/>
+        </p:nvSpPr>
+        <p:spPr>
+          <a:xfrm rot="0">
+            <a:off x="1236980" y="5601970"/>
+            <a:ext cx="4133215" cy="626745"/>
+          </a:xfrm>
+          <a:prstGeom prst="rect"/>
+          <a:noFill/>
+        </p:spPr>
+        <p:txBody>
+          <a:bodyPr wrap="square" lIns="0" tIns="0" rIns="0" bIns="0" numCol="1" vert="horz" anchor="t">
+            <a:noAutofit/>
+          </a:bodyPr>
+          <a:lstStyle/>
+          <a:p>
+            <a:pPr marL="0" indent="0" algn="l" latinLnBrk="0" hangingPunct="1">
+              <a:buFontTx/>
+              <a:buNone/>
+            </a:pPr>
+            <a:r>
+              <a:rPr lang="ko-KR" sz="2000" b="1">
+                <a:solidFill>
+                  <a:srgbClr val="0611F2"/>
+                </a:solidFill>
+                <a:latin typeface="맑은 고딕" charset="0"/>
+                <a:ea typeface="맑은 고딕" charset="0"/>
+              </a:rPr>
+              <a:t>25</a:t>
+            </a:r>
+            <a:r>
+              <a:rPr sz="2000" b="1">
+                <a:solidFill>
+                  <a:srgbClr val="0611F2"/>
+                </a:solidFill>
+                <a:latin typeface="맑은 고딕" charset="0"/>
+                <a:ea typeface="맑은 고딕" charset="0"/>
+              </a:rPr>
+              <a:t>. </a:t>
+            </a:r>
+            <a:r>
+              <a:rPr sz="1800">
+                <a:latin typeface="맑은 고딕" charset="0"/>
+                <a:ea typeface="맑은 고딕" charset="0"/>
+              </a:rPr>
+              <a:t>그러고 나서 Camera 오브젝트의 위치와 회전 값을 설정합니다.</a:t>
+            </a:r>
+            <a:endParaRPr lang="ko-KR" altLang="en-US" sz="1800">
+              <a:latin typeface="맑은 고딕" charset="0"/>
+              <a:ea typeface="맑은 고딕" charset="0"/>
+            </a:endParaRPr>
+          </a:p>
+        </p:txBody>
+      </p:sp>
       <p:pic>
         <p:nvPicPr>
-          <p:cNvPr id="1111" name="그림 29"/>
+          <p:cNvPr id="1119" name="그림 12" descr="C:/Users/nwond/AppData/Roaming/PolarisOffice/ETemp/8448_10098368/fImage145202586500.png"/>
           <p:cNvPicPr>
             <a:picLocks noChangeAspect="1"/>
           </p:cNvPicPr>
           <p:nvPr/>
         </p:nvPicPr>
         <p:blipFill rotWithShape="1">
-          <a:blip r:embed="rId14" cstate="hqprint">
+          <a:blip r:embed="rId5" cstate="hqprint">
             <a:extLst>
               <a:ext uri="{28A0092B-C50C-407E-A947-70E740481C1C}">
                 <a14:useLocalDpi xmlns:a14="http://schemas.microsoft.com/office/drawing/2010/main"/>
@@ -14812,8 +11763,8 @@
         </p:blipFill>
         <p:spPr>
           <a:xfrm rot="0">
-            <a:off x="6832600" y="1464310"/>
-            <a:ext cx="2633345" cy="3888105"/>
+            <a:off x="6806565" y="1477645"/>
+            <a:ext cx="4157980" cy="2259330"/>
           </a:xfrm>
           <a:prstGeom prst="roundRect"/>
           <a:solidFill>
@@ -14821,16 +11772,107 @@
           </a:solidFill>
         </p:spPr>
       </p:pic>
+      <p:sp>
+        <p:nvSpPr>
+          <p:cNvPr id="1122" name="텍스트 상자 50"/>
+          <p:cNvSpPr txBox="1">
+            <a:spLocks/>
+          </p:cNvSpPr>
+          <p:nvPr/>
+        </p:nvSpPr>
+        <p:spPr>
+          <a:xfrm rot="0">
+            <a:off x="1241425" y="2830830"/>
+            <a:ext cx="4139565" cy="906145"/>
+          </a:xfrm>
+          <a:prstGeom prst="rect"/>
+          <a:noFill/>
+        </p:spPr>
+        <p:txBody>
+          <a:bodyPr wrap="square" lIns="0" tIns="0" rIns="0" bIns="0" numCol="1" vert="horz" anchor="t">
+            <a:noAutofit/>
+          </a:bodyPr>
+          <a:lstStyle/>
+          <a:p>
+            <a:pPr marL="0" indent="0" algn="l" latinLnBrk="0" hangingPunct="1">
+              <a:buFontTx/>
+              <a:buNone/>
+            </a:pPr>
+            <a:r>
+              <a:rPr lang="ko-KR" sz="2000" b="1">
+                <a:solidFill>
+                  <a:srgbClr val="0611F2"/>
+                </a:solidFill>
+                <a:latin typeface="맑은 고딕" charset="0"/>
+                <a:ea typeface="맑은 고딕" charset="0"/>
+              </a:rPr>
+              <a:t>2</a:t>
+            </a:r>
+            <a:r>
+              <a:rPr lang="ko-KR" sz="2000" b="1">
+                <a:solidFill>
+                  <a:srgbClr val="0611F2"/>
+                </a:solidFill>
+                <a:latin typeface="맑은 고딕" charset="0"/>
+                <a:ea typeface="맑은 고딕" charset="0"/>
+              </a:rPr>
+              <a:t>4</a:t>
+            </a:r>
+            <a:r>
+              <a:rPr sz="2000" b="1">
+                <a:solidFill>
+                  <a:srgbClr val="0611F2"/>
+                </a:solidFill>
+                <a:latin typeface="맑은 고딕" charset="0"/>
+                <a:ea typeface="맑은 고딕" charset="0"/>
+              </a:rPr>
+              <a:t>. </a:t>
+            </a:r>
+            <a:r>
+              <a:rPr lang="ko-KR" sz="1800">
+                <a:latin typeface="맑은 고딕" charset="0"/>
+                <a:ea typeface="맑은 고딕" charset="0"/>
+              </a:rPr>
+              <a:t>그다음으로</a:t>
+            </a:r>
+            <a:r>
+              <a:rPr sz="1800">
+                <a:latin typeface="맑은 고딕" charset="0"/>
+                <a:ea typeface="맑은 고딕" charset="0"/>
+              </a:rPr>
+              <a:t> </a:t>
+            </a:r>
+            <a:r>
+              <a:rPr lang="ko-KR" sz="1800">
+                <a:latin typeface="맑은 고딕" charset="0"/>
+                <a:ea typeface="맑은 고딕" charset="0"/>
+              </a:rPr>
+              <a:t>C</a:t>
+            </a:r>
+            <a:r>
+              <a:rPr lang="ko-KR" sz="1800">
+                <a:latin typeface="맑은 고딕" charset="0"/>
+                <a:ea typeface="맑은 고딕" charset="0"/>
+              </a:rPr>
+              <a:t>reate 스크립트에서 Prefab 변수에 Alien 오브젝트를 넣어줍니다.</a:t>
+            </a:r>
+            <a:endParaRPr lang="ko-KR" altLang="en-US" sz="1800">
+              <a:latin typeface="맑은 고딕" charset="0"/>
+              <a:ea typeface="맑은 고딕" charset="0"/>
+            </a:endParaRPr>
+          </a:p>
+        </p:txBody>
+      </p:sp>
       <p:pic>
         <p:nvPicPr>
-          <p:cNvPr id="1112" name="그림 30"/>
+          <p:cNvPr id="1123" name="그림 51" descr="C:/Users/nwond/AppData/Roaming/PolarisOffice/ETemp/8448_10098368/fImage70192055724.png"/>
           <p:cNvPicPr>
             <a:picLocks noChangeAspect="1"/>
           </p:cNvPicPr>
           <p:nvPr/>
         </p:nvPicPr>
         <p:blipFill rotWithShape="1">
-          <a:blip r:embed="rId15" cstate="print">
+          <a:blip r:embed="rId8" cstate="print">
             <a:extLst>
               <a:ext uri="{28A0092B-C50C-407E-A947-70E740481C1C}">
                 <a14:useLocalDpi xmlns:a14="http://schemas.microsoft.com/office/drawing/2010/main" val="0"/>
@@ -14843,8 +11885,8 @@
         </p:blipFill>
         <p:spPr>
           <a:xfrm rot="0">
-            <a:off x="9620885" y="2286000"/>
-            <a:ext cx="1342390" cy="2243455"/>
+            <a:off x="2618740" y="1477645"/>
+            <a:ext cx="2753360" cy="1223010"/>
           </a:xfrm>
           <a:prstGeom prst="roundRect"/>
           <a:solidFill>
@@ -14852,83 +11894,132 @@
           </a:solidFill>
         </p:spPr>
       </p:pic>
-      <p:sp>
-        <p:nvSpPr>
-          <p:cNvPr id="1113" name="텍스트 상자 33"/>
-          <p:cNvSpPr txBox="1">
-            <a:spLocks/>
-          </p:cNvSpPr>
+      <p:pic>
+        <p:nvPicPr>
+          <p:cNvPr id="1124" name="그림 52" descr="C:/Users/nwond/AppData/Roaming/PolarisOffice/ETemp/8448_10098368/fImage71832061478.png"/>
+          <p:cNvPicPr>
+            <a:picLocks noChangeAspect="1"/>
+          </p:cNvPicPr>
           <p:nvPr/>
-        </p:nvSpPr>
-        <p:spPr>
-          <a:xfrm rot="0">
-            <a:off x="6831965" y="5593080"/>
-            <a:ext cx="4133850" cy="625475"/>
-          </a:xfrm>
-          <a:prstGeom prst="rect"/>
-          <a:noFill/>
-        </p:spPr>
-        <p:txBody>
-          <a:bodyPr wrap="square" lIns="0" tIns="0" rIns="0" bIns="0" numCol="1" vert="horz" anchor="t">
-            <a:noAutofit/>
-          </a:bodyPr>
-          <a:lstStyle/>
-          <a:p>
-            <a:pPr marL="0" indent="0" algn="l" latinLnBrk="0" hangingPunct="1">
-              <a:buFontTx/>
-              <a:buNone/>
-            </a:pPr>
-            <a:r>
-              <a:rPr lang="ko-KR" sz="2000" b="1">
-                <a:solidFill>
-                  <a:srgbClr val="0611F2"/>
-                </a:solidFill>
-                <a:latin typeface="맑은 고딕" charset="0"/>
-                <a:ea typeface="맑은 고딕" charset="0"/>
-              </a:rPr>
-              <a:t>23</a:t>
-            </a:r>
-            <a:r>
-              <a:rPr sz="2000" b="1">
-                <a:solidFill>
-                  <a:srgbClr val="0611F2"/>
-                </a:solidFill>
-                <a:latin typeface="맑은 고딕" charset="0"/>
-                <a:ea typeface="맑은 고딕" charset="0"/>
-              </a:rPr>
-              <a:t>.</a:t>
-            </a:r>
-            <a:r>
-              <a:rPr sz="2000" b="1">
-                <a:solidFill>
-                  <a:srgbClr val="0611F2"/>
-                </a:solidFill>
-                <a:latin typeface="맑은 고딕" charset="0"/>
-                <a:ea typeface="맑은 고딕" charset="0"/>
-              </a:rPr>
-              <a:t> </a:t>
-            </a:r>
-            <a:r>
-              <a:rPr sz="1800">
-                <a:latin typeface="맑은 고딕" charset="0"/>
-                <a:ea typeface="맑은 고딕" charset="0"/>
-              </a:rPr>
-              <a:t>그런 다음 Camera 오브젝트를 </a:t>
-            </a:r>
-            <a:r>
-              <a:rPr sz="1800">
-                <a:latin typeface="맑은 고딕" charset="0"/>
-                <a:ea typeface="맑은 고딕" charset="0"/>
-              </a:rPr>
-              <a:t>생성합니다.</a:t>
-            </a:r>
-            <a:endParaRPr lang="ko-KR" altLang="en-US" sz="1800">
-              <a:latin typeface="맑은 고딕" charset="0"/>
-              <a:ea typeface="맑은 고딕" charset="0"/>
-            </a:endParaRPr>
-          </a:p>
-        </p:txBody>
-      </p:sp>
+        </p:nvPicPr>
+        <p:blipFill rotWithShape="1">
+          <a:blip r:embed="rId9" cstate="print">
+            <a:extLst>
+              <a:ext uri="{28A0092B-C50C-407E-A947-70E740481C1C}">
+                <a14:useLocalDpi xmlns:a14="http://schemas.microsoft.com/office/drawing/2010/main" val="0"/>
+              </a:ext>
+            </a:extLst>
+          </a:blip>
+          <a:stretch>
+            <a:fillRect/>
+          </a:stretch>
+        </p:blipFill>
+        <p:spPr>
+          <a:xfrm rot="0">
+            <a:off x="1235075" y="1477645"/>
+            <a:ext cx="1266825" cy="1235075"/>
+          </a:xfrm>
+          <a:prstGeom prst="roundRect"/>
+          <a:solidFill>
+            <a:srgbClr val="EDEDED"/>
+          </a:solidFill>
+        </p:spPr>
+      </p:pic>
+      <p:cxnSp>
+        <p:nvCxnSpPr>
+          <p:cNvPr id="1125" name="도형 59"/>
+          <p:cNvCxnSpPr/>
+          <p:nvPr/>
+        </p:nvCxnSpPr>
+        <p:spPr>
+          <a:xfrm rot="0">
+            <a:off x="1843405" y="2458085"/>
+            <a:ext cx="3425825" cy="6350"/>
+          </a:xfrm>
+          <a:prstGeom prst="straightConnector1"/>
+          <a:ln w="6350" cap="flat" cmpd="sng">
+            <a:prstDash/>
+            <a:tailEnd type="triangle" w="med" len="med"/>
+          </a:ln>
+        </p:spPr>
+        <p:style>
+          <a:lnRef idx="1">
+            <a:schemeClr val="accent1"/>
+          </a:lnRef>
+          <a:fillRef idx="0">
+            <a:schemeClr val="accent1"/>
+          </a:fillRef>
+          <a:effectRef idx="0">
+            <a:schemeClr val="accent1"/>
+          </a:effectRef>
+          <a:fontRef idx="minor">
+            <a:schemeClr val="tx1"/>
+          </a:fontRef>
+        </p:style>
+      </p:cxnSp>
+      <p:pic>
+        <p:nvPicPr>
+          <p:cNvPr id="1126" name="그림 70" descr="C:/Users/nwond/AppData/Roaming/PolarisOffice/ETemp/8448_10098368/fImage42012169358.png"/>
+          <p:cNvPicPr>
+            <a:picLocks noChangeAspect="1"/>
+          </p:cNvPicPr>
+          <p:nvPr/>
+        </p:nvPicPr>
+        <p:blipFill rotWithShape="1">
+          <a:blip r:embed="rId10" cstate="print">
+            <a:extLst>
+              <a:ext uri="{28A0092B-C50C-407E-A947-70E740481C1C}">
+                <a14:useLocalDpi xmlns:a14="http://schemas.microsoft.com/office/drawing/2010/main" val="0"/>
+              </a:ext>
+            </a:extLst>
+          </a:blip>
+          <a:stretch>
+            <a:fillRect/>
+          </a:stretch>
+        </p:blipFill>
+        <p:spPr>
+          <a:xfrm rot="0">
+            <a:off x="6810375" y="3879215"/>
+            <a:ext cx="4156075" cy="1019175"/>
+          </a:xfrm>
+          <a:prstGeom prst="roundRect"/>
+          <a:solidFill>
+            <a:srgbClr val="EDEDED"/>
+          </a:solidFill>
+        </p:spPr>
+      </p:pic>
+      <p:cxnSp>
+        <p:nvCxnSpPr>
+          <p:cNvPr id="1121" name="도형 16"/>
+          <p:cNvCxnSpPr/>
+          <p:nvPr/>
+        </p:nvCxnSpPr>
+        <p:spPr>
+          <a:xfrm rot="0" flipV="1">
+            <a:off x="7788275" y="1861820"/>
+            <a:ext cx="3048000" cy="2259965"/>
+          </a:xfrm>
+          <a:prstGeom prst="straightConnector1"/>
+          <a:ln w="6350" cap="flat" cmpd="sng">
+            <a:prstDash/>
+            <a:tailEnd type="triangle" w="med" len="med"/>
+          </a:ln>
+        </p:spPr>
+        <p:style>
+          <a:lnRef idx="1">
+            <a:schemeClr val="accent1"/>
+          </a:lnRef>
+          <a:fillRef idx="0">
+            <a:schemeClr val="accent1"/>
+          </a:fillRef>
+          <a:effectRef idx="0">
+            <a:schemeClr val="accent1"/>
+          </a:effectRef>
+          <a:fontRef idx="minor">
+            <a:schemeClr val="tx1"/>
+          </a:fontRef>
+        </p:style>
+      </p:cxnSp>
     </p:spTree>
   </p:cSld>
   <p:clrMapOvr>
